--- a/ゲーム制作企画書.pptx
+++ b/ゲーム制作企画書.pptx
@@ -247,7 +247,7 @@
           <a:p>
             <a:fld id="{242841BA-3CFF-4AFF-88B1-DBD736C8B12D}" type="datetimeFigureOut">
               <a:rPr kumimoji="1" lang="ja-JP" altLang="en-US" smtClean="0"/>
-              <a:t>2025/10/7</a:t>
+              <a:t>2025/12/17</a:t>
             </a:fld>
             <a:endParaRPr kumimoji="1" lang="ja-JP" altLang="en-US"/>
           </a:p>
@@ -449,7 +449,7 @@
           <a:p>
             <a:fld id="{242841BA-3CFF-4AFF-88B1-DBD736C8B12D}" type="datetimeFigureOut">
               <a:rPr kumimoji="1" lang="ja-JP" altLang="en-US" smtClean="0"/>
-              <a:t>2025/10/7</a:t>
+              <a:t>2025/12/17</a:t>
             </a:fld>
             <a:endParaRPr kumimoji="1" lang="ja-JP" altLang="en-US"/>
           </a:p>
@@ -661,7 +661,7 @@
           <a:p>
             <a:fld id="{242841BA-3CFF-4AFF-88B1-DBD736C8B12D}" type="datetimeFigureOut">
               <a:rPr kumimoji="1" lang="ja-JP" altLang="en-US" smtClean="0"/>
-              <a:t>2025/10/7</a:t>
+              <a:t>2025/12/17</a:t>
             </a:fld>
             <a:endParaRPr kumimoji="1" lang="ja-JP" altLang="en-US"/>
           </a:p>
@@ -863,7 +863,7 @@
           <a:p>
             <a:fld id="{242841BA-3CFF-4AFF-88B1-DBD736C8B12D}" type="datetimeFigureOut">
               <a:rPr kumimoji="1" lang="ja-JP" altLang="en-US" smtClean="0"/>
-              <a:t>2025/10/7</a:t>
+              <a:t>2025/12/17</a:t>
             </a:fld>
             <a:endParaRPr kumimoji="1" lang="ja-JP" altLang="en-US"/>
           </a:p>
@@ -1109,7 +1109,7 @@
           <a:p>
             <a:fld id="{242841BA-3CFF-4AFF-88B1-DBD736C8B12D}" type="datetimeFigureOut">
               <a:rPr kumimoji="1" lang="ja-JP" altLang="en-US" smtClean="0"/>
-              <a:t>2025/10/7</a:t>
+              <a:t>2025/12/17</a:t>
             </a:fld>
             <a:endParaRPr kumimoji="1" lang="ja-JP" altLang="en-US"/>
           </a:p>
@@ -1405,7 +1405,7 @@
           <a:p>
             <a:fld id="{242841BA-3CFF-4AFF-88B1-DBD736C8B12D}" type="datetimeFigureOut">
               <a:rPr kumimoji="1" lang="ja-JP" altLang="en-US" smtClean="0"/>
-              <a:t>2025/10/7</a:t>
+              <a:t>2025/12/17</a:t>
             </a:fld>
             <a:endParaRPr kumimoji="1" lang="ja-JP" altLang="en-US"/>
           </a:p>
@@ -1836,7 +1836,7 @@
           <a:p>
             <a:fld id="{242841BA-3CFF-4AFF-88B1-DBD736C8B12D}" type="datetimeFigureOut">
               <a:rPr kumimoji="1" lang="ja-JP" altLang="en-US" smtClean="0"/>
-              <a:t>2025/10/7</a:t>
+              <a:t>2025/12/17</a:t>
             </a:fld>
             <a:endParaRPr kumimoji="1" lang="ja-JP" altLang="en-US"/>
           </a:p>
@@ -1954,7 +1954,7 @@
           <a:p>
             <a:fld id="{242841BA-3CFF-4AFF-88B1-DBD736C8B12D}" type="datetimeFigureOut">
               <a:rPr kumimoji="1" lang="ja-JP" altLang="en-US" smtClean="0"/>
-              <a:t>2025/10/7</a:t>
+              <a:t>2025/12/17</a:t>
             </a:fld>
             <a:endParaRPr kumimoji="1" lang="ja-JP" altLang="en-US"/>
           </a:p>
@@ -2049,7 +2049,7 @@
           <a:p>
             <a:fld id="{242841BA-3CFF-4AFF-88B1-DBD736C8B12D}" type="datetimeFigureOut">
               <a:rPr kumimoji="1" lang="ja-JP" altLang="en-US" smtClean="0"/>
-              <a:t>2025/10/7</a:t>
+              <a:t>2025/12/17</a:t>
             </a:fld>
             <a:endParaRPr kumimoji="1" lang="ja-JP" altLang="en-US"/>
           </a:p>
@@ -2358,7 +2358,7 @@
           <a:p>
             <a:fld id="{242841BA-3CFF-4AFF-88B1-DBD736C8B12D}" type="datetimeFigureOut">
               <a:rPr kumimoji="1" lang="ja-JP" altLang="en-US" smtClean="0"/>
-              <a:t>2025/10/7</a:t>
+              <a:t>2025/12/17</a:t>
             </a:fld>
             <a:endParaRPr kumimoji="1" lang="ja-JP" altLang="en-US"/>
           </a:p>
@@ -2611,7 +2611,7 @@
           <a:p>
             <a:fld id="{242841BA-3CFF-4AFF-88B1-DBD736C8B12D}" type="datetimeFigureOut">
               <a:rPr kumimoji="1" lang="ja-JP" altLang="en-US" smtClean="0"/>
-              <a:t>2025/10/7</a:t>
+              <a:t>2025/12/17</a:t>
             </a:fld>
             <a:endParaRPr kumimoji="1" lang="ja-JP" altLang="en-US"/>
           </a:p>
@@ -2856,7 +2856,7 @@
           <a:p>
             <a:fld id="{242841BA-3CFF-4AFF-88B1-DBD736C8B12D}" type="datetimeFigureOut">
               <a:rPr kumimoji="1" lang="ja-JP" altLang="en-US" smtClean="0"/>
-              <a:t>2025/10/7</a:t>
+              <a:t>2025/12/17</a:t>
             </a:fld>
             <a:endParaRPr kumimoji="1" lang="ja-JP" altLang="en-US"/>
           </a:p>
@@ -3377,11 +3377,7 @@
           <a:p>
             <a:r>
               <a:rPr kumimoji="1" lang="ja-JP" altLang="en-US" dirty="0" smtClean="0"/>
-              <a:t>兵站を維持する。ジリ貧</a:t>
-            </a:r>
-            <a:r>
-              <a:rPr kumimoji="1" lang="ja-JP" altLang="en-US" dirty="0" smtClean="0"/>
-              <a:t>防衛。徐々に弾薬も兵士も失っていく状況で耐えていく。</a:t>
+              <a:t>兵站を維持する。ジリ貧防衛。徐々に弾薬も兵士も失っていく状況で耐えていく。</a:t>
             </a:r>
             <a:endParaRPr kumimoji="1" lang="ja-JP" altLang="en-US" dirty="0"/>
           </a:p>
@@ -3585,28 +3581,20 @@
           <a:lstStyle/>
           <a:p>
             <a:r>
-              <a:rPr kumimoji="1" lang="ja-JP" altLang="en-US" dirty="0" smtClean="0"/>
-              <a:t>遠征で物資</a:t>
-            </a:r>
-            <a:r>
               <a:rPr lang="ja-JP" altLang="en-US" dirty="0" smtClean="0"/>
-              <a:t>回収。</a:t>
-            </a:r>
-            <a:endParaRPr kumimoji="1" lang="en-US" altLang="ja-JP" dirty="0" smtClean="0"/>
-          </a:p>
-          <a:p>
-            <a:endParaRPr lang="en-US" altLang="ja-JP" dirty="0"/>
-          </a:p>
-          <a:p>
-            <a:r>
-              <a:rPr kumimoji="1" lang="ja-JP" altLang="en-US" dirty="0" smtClean="0"/>
-              <a:t>基地の</a:t>
-            </a:r>
-            <a:r>
-              <a:rPr kumimoji="1" lang="ja-JP" altLang="en-US" dirty="0" smtClean="0"/>
-              <a:t>強化。</a:t>
-            </a:r>
-            <a:endParaRPr kumimoji="1" lang="en-US" altLang="ja-JP" dirty="0" smtClean="0"/>
+              <a:t>ウェーブ制で敵が襲来。</a:t>
+            </a:r>
+            <a:endParaRPr lang="en-US" altLang="ja-JP" dirty="0" smtClean="0"/>
+          </a:p>
+          <a:p>
+            <a:endParaRPr lang="en-US" altLang="ja-JP" dirty="0" smtClean="0"/>
+          </a:p>
+          <a:p>
+            <a:r>
+              <a:rPr lang="ja-JP" altLang="en-US" dirty="0" smtClean="0"/>
+              <a:t>時折、補給が来るが敵は補給を潰しに来る。</a:t>
+            </a:r>
+            <a:endParaRPr lang="en-US" altLang="ja-JP" dirty="0" smtClean="0"/>
           </a:p>
           <a:p>
             <a:endParaRPr lang="en-US" altLang="ja-JP" dirty="0"/>

--- a/ゲーム制作企画書.pptx
+++ b/ゲーム制作企画書.pptx
@@ -2,14 +2,14 @@
 <file path=ppt/presentation.xml><?xml version="1.0" encoding="utf-8"?>
 <p:presentation xmlns:a="http://schemas.openxmlformats.org/drawingml/2006/main" xmlns:r="http://schemas.openxmlformats.org/officeDocument/2006/relationships" xmlns:p="http://schemas.openxmlformats.org/presentationml/2006/main" saveSubsetFonts="1">
   <p:sldMasterIdLst>
-    <p:sldMasterId id="2147483648" r:id="rId1"/>
+    <p:sldMasterId id="2147483821" r:id="rId1"/>
   </p:sldMasterIdLst>
   <p:sldIdLst>
     <p:sldId id="256" r:id="rId2"/>
     <p:sldId id="257" r:id="rId3"/>
-    <p:sldId id="258" r:id="rId4"/>
-    <p:sldId id="259" r:id="rId5"/>
-    <p:sldId id="260" r:id="rId6"/>
+    <p:sldId id="259" r:id="rId4"/>
+    <p:sldId id="260" r:id="rId5"/>
+    <p:sldId id="261" r:id="rId6"/>
   </p:sldIdLst>
   <p:sldSz cx="12192000" cy="6858000"/>
   <p:notesSz cx="6858000" cy="9144000"/>
@@ -135,7 +135,7 @@
       </p:grpSpPr>
       <p:sp>
         <p:nvSpPr>
-          <p:cNvPr id="2" name="タイトル 1"/>
+          <p:cNvPr id="2" name="Title 1"/>
           <p:cNvSpPr>
             <a:spLocks noGrp="1"/>
           </p:cNvSpPr>
@@ -145,29 +145,29 @@
         </p:nvSpPr>
         <p:spPr>
           <a:xfrm>
-            <a:off x="1524000" y="1122363"/>
-            <a:ext cx="9144000" cy="2387600"/>
+            <a:off x="1154955" y="1447800"/>
+            <a:ext cx="8825658" cy="3329581"/>
           </a:xfrm>
         </p:spPr>
         <p:txBody>
           <a:bodyPr anchor="b"/>
           <a:lstStyle>
-            <a:lvl1pPr algn="ctr">
-              <a:defRPr sz="6000"/>
+            <a:lvl1pPr>
+              <a:defRPr sz="7200"/>
             </a:lvl1pPr>
           </a:lstStyle>
           <a:p>
             <a:r>
-              <a:rPr kumimoji="1" lang="ja-JP" altLang="en-US" smtClean="0"/>
+              <a:rPr lang="ja-JP" altLang="en-US" smtClean="0"/>
               <a:t>マスター タイトルの書式設定</a:t>
             </a:r>
-            <a:endParaRPr kumimoji="1" lang="ja-JP" altLang="en-US"/>
-          </a:p>
-        </p:txBody>
-      </p:sp>
-      <p:sp>
-        <p:nvSpPr>
-          <p:cNvPr id="3" name="サブタイトル 2"/>
+            <a:endParaRPr lang="en-US" dirty="0"/>
+          </a:p>
+        </p:txBody>
+      </p:sp>
+      <p:sp>
+        <p:nvSpPr>
+          <p:cNvPr id="3" name="Subtitle 2"/>
           <p:cNvSpPr>
             <a:spLocks noGrp="1"/>
           </p:cNvSpPr>
@@ -177,62 +177,117 @@
         </p:nvSpPr>
         <p:spPr>
           <a:xfrm>
-            <a:off x="1524000" y="3602038"/>
-            <a:ext cx="9144000" cy="1655762"/>
-          </a:xfrm>
-        </p:spPr>
-        <p:txBody>
-          <a:bodyPr/>
+            <a:off x="1154955" y="4777380"/>
+            <a:ext cx="8825658" cy="861420"/>
+          </a:xfrm>
+        </p:spPr>
+        <p:txBody>
+          <a:bodyPr anchor="t"/>
           <a:lstStyle>
-            <a:lvl1pPr marL="0" indent="0" algn="ctr">
-              <a:buNone/>
-              <a:defRPr sz="2400"/>
+            <a:lvl1pPr marL="0" indent="0" algn="l">
+              <a:buNone/>
+              <a:defRPr cap="all">
+                <a:solidFill>
+                  <a:schemeClr val="bg2">
+                    <a:lumMod val="40000"/>
+                    <a:lumOff val="60000"/>
+                  </a:schemeClr>
+                </a:solidFill>
+              </a:defRPr>
             </a:lvl1pPr>
             <a:lvl2pPr marL="457200" indent="0" algn="ctr">
               <a:buNone/>
-              <a:defRPr sz="2000"/>
+              <a:defRPr>
+                <a:solidFill>
+                  <a:schemeClr val="tx1">
+                    <a:tint val="75000"/>
+                  </a:schemeClr>
+                </a:solidFill>
+              </a:defRPr>
             </a:lvl2pPr>
             <a:lvl3pPr marL="914400" indent="0" algn="ctr">
               <a:buNone/>
-              <a:defRPr sz="1800"/>
+              <a:defRPr>
+                <a:solidFill>
+                  <a:schemeClr val="tx1">
+                    <a:tint val="75000"/>
+                  </a:schemeClr>
+                </a:solidFill>
+              </a:defRPr>
             </a:lvl3pPr>
             <a:lvl4pPr marL="1371600" indent="0" algn="ctr">
               <a:buNone/>
-              <a:defRPr sz="1600"/>
+              <a:defRPr>
+                <a:solidFill>
+                  <a:schemeClr val="tx1">
+                    <a:tint val="75000"/>
+                  </a:schemeClr>
+                </a:solidFill>
+              </a:defRPr>
             </a:lvl4pPr>
             <a:lvl5pPr marL="1828800" indent="0" algn="ctr">
               <a:buNone/>
-              <a:defRPr sz="1600"/>
+              <a:defRPr>
+                <a:solidFill>
+                  <a:schemeClr val="tx1">
+                    <a:tint val="75000"/>
+                  </a:schemeClr>
+                </a:solidFill>
+              </a:defRPr>
             </a:lvl5pPr>
             <a:lvl6pPr marL="2286000" indent="0" algn="ctr">
               <a:buNone/>
-              <a:defRPr sz="1600"/>
+              <a:defRPr>
+                <a:solidFill>
+                  <a:schemeClr val="tx1">
+                    <a:tint val="75000"/>
+                  </a:schemeClr>
+                </a:solidFill>
+              </a:defRPr>
             </a:lvl6pPr>
             <a:lvl7pPr marL="2743200" indent="0" algn="ctr">
               <a:buNone/>
-              <a:defRPr sz="1600"/>
+              <a:defRPr>
+                <a:solidFill>
+                  <a:schemeClr val="tx1">
+                    <a:tint val="75000"/>
+                  </a:schemeClr>
+                </a:solidFill>
+              </a:defRPr>
             </a:lvl7pPr>
             <a:lvl8pPr marL="3200400" indent="0" algn="ctr">
               <a:buNone/>
-              <a:defRPr sz="1600"/>
+              <a:defRPr>
+                <a:solidFill>
+                  <a:schemeClr val="tx1">
+                    <a:tint val="75000"/>
+                  </a:schemeClr>
+                </a:solidFill>
+              </a:defRPr>
             </a:lvl8pPr>
             <a:lvl9pPr marL="3657600" indent="0" algn="ctr">
               <a:buNone/>
-              <a:defRPr sz="1600"/>
+              <a:defRPr>
+                <a:solidFill>
+                  <a:schemeClr val="tx1">
+                    <a:tint val="75000"/>
+                  </a:schemeClr>
+                </a:solidFill>
+              </a:defRPr>
             </a:lvl9pPr>
           </a:lstStyle>
           <a:p>
             <a:r>
-              <a:rPr kumimoji="1" lang="ja-JP" altLang="en-US" smtClean="0"/>
+              <a:rPr lang="ja-JP" altLang="en-US" smtClean="0"/>
               <a:t>マスター サブタイトルの書式設定</a:t>
             </a:r>
-            <a:endParaRPr kumimoji="1" lang="ja-JP" altLang="en-US"/>
-          </a:p>
-        </p:txBody>
-      </p:sp>
-      <p:sp>
-        <p:nvSpPr>
-          <p:cNvPr id="4" name="日付プレースホルダー 3"/>
+            <a:endParaRPr lang="en-US" dirty="0"/>
+          </a:p>
+        </p:txBody>
+      </p:sp>
+      <p:sp>
+        <p:nvSpPr>
+          <p:cNvPr id="4" name="Date Placeholder 3"/>
           <p:cNvSpPr>
             <a:spLocks noGrp="1"/>
           </p:cNvSpPr>
@@ -247,7 +302,7 @@
           <a:p>
             <a:fld id="{242841BA-3CFF-4AFF-88B1-DBD736C8B12D}" type="datetimeFigureOut">
               <a:rPr kumimoji="1" lang="ja-JP" altLang="en-US" smtClean="0"/>
-              <a:t>2025/12/17</a:t>
+              <a:t>2025/12/22</a:t>
             </a:fld>
             <a:endParaRPr kumimoji="1" lang="ja-JP" altLang="en-US"/>
           </a:p>
@@ -255,7 +310,7 @@
       </p:sp>
       <p:sp>
         <p:nvSpPr>
-          <p:cNvPr id="5" name="フッター プレースホルダー 4"/>
+          <p:cNvPr id="5" name="Footer Placeholder 4"/>
           <p:cNvSpPr>
             <a:spLocks noGrp="1"/>
           </p:cNvSpPr>
@@ -274,7 +329,7 @@
       </p:sp>
       <p:sp>
         <p:nvSpPr>
-          <p:cNvPr id="6" name="スライド番号プレースホルダー 5"/>
+          <p:cNvPr id="6" name="Slide Number Placeholder 5"/>
           <p:cNvSpPr>
             <a:spLocks noGrp="1"/>
           </p:cNvSpPr>
@@ -298,7 +353,7 @@
     </p:spTree>
     <p:extLst>
       <p:ext uri="{BB962C8B-B14F-4D97-AF65-F5344CB8AC3E}">
-        <p14:creationId xmlns:p14="http://schemas.microsoft.com/office/powerpoint/2010/main" val="2184623725"/>
+        <p14:creationId xmlns:p14="http://schemas.microsoft.com/office/powerpoint/2010/main" val="3470953029"/>
       </p:ext>
     </p:extLst>
   </p:cSld>
@@ -309,6 +364,2572 @@
 </file>
 
 <file path=ppt/slideLayouts/slideLayout10.xml><?xml version="1.0" encoding="utf-8"?>
+<p:sldLayout xmlns:a="http://schemas.openxmlformats.org/drawingml/2006/main" xmlns:r="http://schemas.openxmlformats.org/officeDocument/2006/relationships" xmlns:p="http://schemas.openxmlformats.org/presentationml/2006/main" preserve="1">
+  <p:cSld name="パノラマ写真 (キャプション付き)">
+    <p:spTree>
+      <p:nvGrpSpPr>
+        <p:cNvPr id="1" name=""/>
+        <p:cNvGrpSpPr/>
+        <p:nvPr/>
+      </p:nvGrpSpPr>
+      <p:grpSpPr>
+        <a:xfrm>
+          <a:off x="0" y="0"/>
+          <a:ext cx="0" cy="0"/>
+          <a:chOff x="0" y="0"/>
+          <a:chExt cx="0" cy="0"/>
+        </a:xfrm>
+      </p:grpSpPr>
+      <p:sp>
+        <p:nvSpPr>
+          <p:cNvPr id="2" name="Title 1"/>
+          <p:cNvSpPr>
+            <a:spLocks noGrp="1"/>
+          </p:cNvSpPr>
+          <p:nvPr>
+            <p:ph type="title"/>
+          </p:nvPr>
+        </p:nvSpPr>
+        <p:spPr>
+          <a:xfrm>
+            <a:off x="1154956" y="4800587"/>
+            <a:ext cx="8825657" cy="566738"/>
+          </a:xfrm>
+        </p:spPr>
+        <p:txBody>
+          <a:bodyPr anchor="b">
+            <a:normAutofit/>
+          </a:bodyPr>
+          <a:lstStyle>
+            <a:lvl1pPr algn="l">
+              <a:defRPr sz="2400" b="0"/>
+            </a:lvl1pPr>
+          </a:lstStyle>
+          <a:p>
+            <a:r>
+              <a:rPr lang="ja-JP" altLang="en-US" smtClean="0"/>
+              <a:t>マスター タイトルの書式設定</a:t>
+            </a:r>
+            <a:endParaRPr lang="en-US" dirty="0"/>
+          </a:p>
+        </p:txBody>
+      </p:sp>
+      <p:sp>
+        <p:nvSpPr>
+          <p:cNvPr id="3" name="Picture Placeholder 2"/>
+          <p:cNvSpPr>
+            <a:spLocks noGrp="1" noChangeAspect="1"/>
+          </p:cNvSpPr>
+          <p:nvPr>
+            <p:ph type="pic" idx="1"/>
+          </p:nvPr>
+        </p:nvSpPr>
+        <p:spPr>
+          <a:xfrm>
+            <a:off x="1154955" y="685800"/>
+            <a:ext cx="8825658" cy="3640666"/>
+          </a:xfrm>
+          <a:prstGeom prst="roundRect">
+            <a:avLst>
+              <a:gd name="adj" fmla="val 1858"/>
+            </a:avLst>
+          </a:prstGeom>
+          <a:effectLst>
+            <a:outerShdw blurRad="50800" dist="50800" dir="5400000" algn="tl" rotWithShape="0">
+              <a:srgbClr val="000000">
+                <a:alpha val="43000"/>
+              </a:srgbClr>
+            </a:outerShdw>
+          </a:effectLst>
+        </p:spPr>
+        <p:txBody>
+          <a:bodyPr anchor="t">
+            <a:normAutofit/>
+          </a:bodyPr>
+          <a:lstStyle>
+            <a:lvl1pPr marL="0" indent="0" algn="ctr">
+              <a:buNone/>
+              <a:defRPr sz="1600"/>
+            </a:lvl1pPr>
+            <a:lvl2pPr marL="457200" indent="0">
+              <a:buNone/>
+              <a:defRPr sz="1600"/>
+            </a:lvl2pPr>
+            <a:lvl3pPr marL="914400" indent="0">
+              <a:buNone/>
+              <a:defRPr sz="1600"/>
+            </a:lvl3pPr>
+            <a:lvl4pPr marL="1371600" indent="0">
+              <a:buNone/>
+              <a:defRPr sz="1600"/>
+            </a:lvl4pPr>
+            <a:lvl5pPr marL="1828800" indent="0">
+              <a:buNone/>
+              <a:defRPr sz="1600"/>
+            </a:lvl5pPr>
+            <a:lvl6pPr marL="2286000" indent="0">
+              <a:buNone/>
+              <a:defRPr sz="1600"/>
+            </a:lvl6pPr>
+            <a:lvl7pPr marL="2743200" indent="0">
+              <a:buNone/>
+              <a:defRPr sz="1600"/>
+            </a:lvl7pPr>
+            <a:lvl8pPr marL="3200400" indent="0">
+              <a:buNone/>
+              <a:defRPr sz="1600"/>
+            </a:lvl8pPr>
+            <a:lvl9pPr marL="3657600" indent="0">
+              <a:buNone/>
+              <a:defRPr sz="1600"/>
+            </a:lvl9pPr>
+          </a:lstStyle>
+          <a:p>
+            <a:r>
+              <a:rPr lang="ja-JP" altLang="en-US" smtClean="0"/>
+              <a:t>図を追加</a:t>
+            </a:r>
+            <a:endParaRPr lang="en-US" dirty="0"/>
+          </a:p>
+        </p:txBody>
+      </p:sp>
+      <p:sp>
+        <p:nvSpPr>
+          <p:cNvPr id="4" name="Text Placeholder 3"/>
+          <p:cNvSpPr>
+            <a:spLocks noGrp="1"/>
+          </p:cNvSpPr>
+          <p:nvPr>
+            <p:ph type="body" sz="half" idx="2"/>
+          </p:nvPr>
+        </p:nvSpPr>
+        <p:spPr>
+          <a:xfrm>
+            <a:off x="1154956" y="5367325"/>
+            <a:ext cx="8825656" cy="493712"/>
+          </a:xfrm>
+        </p:spPr>
+        <p:txBody>
+          <a:bodyPr>
+            <a:normAutofit/>
+          </a:bodyPr>
+          <a:lstStyle>
+            <a:lvl1pPr marL="0" indent="0">
+              <a:buNone/>
+              <a:defRPr sz="1200"/>
+            </a:lvl1pPr>
+            <a:lvl2pPr marL="457200" indent="0">
+              <a:buNone/>
+              <a:defRPr sz="1200"/>
+            </a:lvl2pPr>
+            <a:lvl3pPr marL="914400" indent="0">
+              <a:buNone/>
+              <a:defRPr sz="1000"/>
+            </a:lvl3pPr>
+            <a:lvl4pPr marL="1371600" indent="0">
+              <a:buNone/>
+              <a:defRPr sz="900"/>
+            </a:lvl4pPr>
+            <a:lvl5pPr marL="1828800" indent="0">
+              <a:buNone/>
+              <a:defRPr sz="900"/>
+            </a:lvl5pPr>
+            <a:lvl6pPr marL="2286000" indent="0">
+              <a:buNone/>
+              <a:defRPr sz="900"/>
+            </a:lvl6pPr>
+            <a:lvl7pPr marL="2743200" indent="0">
+              <a:buNone/>
+              <a:defRPr sz="900"/>
+            </a:lvl7pPr>
+            <a:lvl8pPr marL="3200400" indent="0">
+              <a:buNone/>
+              <a:defRPr sz="900"/>
+            </a:lvl8pPr>
+            <a:lvl9pPr marL="3657600" indent="0">
+              <a:buNone/>
+              <a:defRPr sz="900"/>
+            </a:lvl9pPr>
+          </a:lstStyle>
+          <a:p>
+            <a:pPr lvl="0"/>
+            <a:r>
+              <a:rPr lang="ja-JP" altLang="en-US" smtClean="0"/>
+              <a:t>マスター テキストの書式設定</a:t>
+            </a:r>
+          </a:p>
+        </p:txBody>
+      </p:sp>
+      <p:sp>
+        <p:nvSpPr>
+          <p:cNvPr id="5" name="Date Placeholder 4"/>
+          <p:cNvSpPr>
+            <a:spLocks noGrp="1"/>
+          </p:cNvSpPr>
+          <p:nvPr>
+            <p:ph type="dt" sz="half" idx="10"/>
+          </p:nvPr>
+        </p:nvSpPr>
+        <p:spPr/>
+        <p:txBody>
+          <a:bodyPr/>
+          <a:lstStyle/>
+          <a:p>
+            <a:fld id="{242841BA-3CFF-4AFF-88B1-DBD736C8B12D}" type="datetimeFigureOut">
+              <a:rPr kumimoji="1" lang="ja-JP" altLang="en-US" smtClean="0"/>
+              <a:t>2025/12/22</a:t>
+            </a:fld>
+            <a:endParaRPr kumimoji="1" lang="ja-JP" altLang="en-US"/>
+          </a:p>
+        </p:txBody>
+      </p:sp>
+      <p:sp>
+        <p:nvSpPr>
+          <p:cNvPr id="6" name="Footer Placeholder 5"/>
+          <p:cNvSpPr>
+            <a:spLocks noGrp="1"/>
+          </p:cNvSpPr>
+          <p:nvPr>
+            <p:ph type="ftr" sz="quarter" idx="11"/>
+          </p:nvPr>
+        </p:nvSpPr>
+        <p:spPr/>
+        <p:txBody>
+          <a:bodyPr/>
+          <a:lstStyle/>
+          <a:p>
+            <a:endParaRPr kumimoji="1" lang="ja-JP" altLang="en-US"/>
+          </a:p>
+        </p:txBody>
+      </p:sp>
+      <p:sp>
+        <p:nvSpPr>
+          <p:cNvPr id="7" name="Slide Number Placeholder 6"/>
+          <p:cNvSpPr>
+            <a:spLocks noGrp="1"/>
+          </p:cNvSpPr>
+          <p:nvPr>
+            <p:ph type="sldNum" sz="quarter" idx="12"/>
+          </p:nvPr>
+        </p:nvSpPr>
+        <p:spPr/>
+        <p:txBody>
+          <a:bodyPr/>
+          <a:lstStyle/>
+          <a:p>
+            <a:fld id="{B61B8580-C637-4C0A-B198-F70AF7616DB3}" type="slidenum">
+              <a:rPr kumimoji="1" lang="ja-JP" altLang="en-US" smtClean="0"/>
+              <a:t>‹#›</a:t>
+            </a:fld>
+            <a:endParaRPr kumimoji="1" lang="ja-JP" altLang="en-US"/>
+          </a:p>
+        </p:txBody>
+      </p:sp>
+    </p:spTree>
+    <p:extLst>
+      <p:ext uri="{BB962C8B-B14F-4D97-AF65-F5344CB8AC3E}">
+        <p14:creationId xmlns:p14="http://schemas.microsoft.com/office/powerpoint/2010/main" val="974957212"/>
+      </p:ext>
+    </p:extLst>
+  </p:cSld>
+  <p:clrMapOvr>
+    <a:masterClrMapping/>
+  </p:clrMapOvr>
+</p:sldLayout>
+</file>
+
+<file path=ppt/slideLayouts/slideLayout11.xml><?xml version="1.0" encoding="utf-8"?>
+<p:sldLayout xmlns:a="http://schemas.openxmlformats.org/drawingml/2006/main" xmlns:r="http://schemas.openxmlformats.org/officeDocument/2006/relationships" xmlns:p="http://schemas.openxmlformats.org/presentationml/2006/main" preserve="1">
+  <p:cSld name="タイトルとキャプション">
+    <p:spTree>
+      <p:nvGrpSpPr>
+        <p:cNvPr id="1" name=""/>
+        <p:cNvGrpSpPr/>
+        <p:nvPr/>
+      </p:nvGrpSpPr>
+      <p:grpSpPr>
+        <a:xfrm>
+          <a:off x="0" y="0"/>
+          <a:ext cx="0" cy="0"/>
+          <a:chOff x="0" y="0"/>
+          <a:chExt cx="0" cy="0"/>
+        </a:xfrm>
+      </p:grpSpPr>
+      <p:sp>
+        <p:nvSpPr>
+          <p:cNvPr id="2" name="Title 1"/>
+          <p:cNvSpPr>
+            <a:spLocks noGrp="1"/>
+          </p:cNvSpPr>
+          <p:nvPr>
+            <p:ph type="title"/>
+          </p:nvPr>
+        </p:nvSpPr>
+        <p:spPr>
+          <a:xfrm>
+            <a:off x="1154954" y="1447800"/>
+            <a:ext cx="8825659" cy="1981200"/>
+          </a:xfrm>
+        </p:spPr>
+        <p:txBody>
+          <a:bodyPr/>
+          <a:lstStyle>
+            <a:lvl1pPr>
+              <a:defRPr sz="4800"/>
+            </a:lvl1pPr>
+          </a:lstStyle>
+          <a:p>
+            <a:r>
+              <a:rPr lang="ja-JP" altLang="en-US" smtClean="0"/>
+              <a:t>マスター タイトルの書式設定</a:t>
+            </a:r>
+            <a:endParaRPr lang="en-US" dirty="0"/>
+          </a:p>
+        </p:txBody>
+      </p:sp>
+      <p:sp>
+        <p:nvSpPr>
+          <p:cNvPr id="8" name="Text Placeholder 3"/>
+          <p:cNvSpPr>
+            <a:spLocks noGrp="1"/>
+          </p:cNvSpPr>
+          <p:nvPr>
+            <p:ph type="body" sz="half" idx="2"/>
+          </p:nvPr>
+        </p:nvSpPr>
+        <p:spPr>
+          <a:xfrm>
+            <a:off x="1154954" y="3657600"/>
+            <a:ext cx="8825659" cy="2362200"/>
+          </a:xfrm>
+        </p:spPr>
+        <p:txBody>
+          <a:bodyPr anchor="ctr">
+            <a:normAutofit/>
+          </a:bodyPr>
+          <a:lstStyle>
+            <a:lvl1pPr marL="0" indent="0">
+              <a:buNone/>
+              <a:defRPr sz="1800"/>
+            </a:lvl1pPr>
+            <a:lvl2pPr marL="457200" indent="0">
+              <a:buNone/>
+              <a:defRPr sz="1200"/>
+            </a:lvl2pPr>
+            <a:lvl3pPr marL="914400" indent="0">
+              <a:buNone/>
+              <a:defRPr sz="1000"/>
+            </a:lvl3pPr>
+            <a:lvl4pPr marL="1371600" indent="0">
+              <a:buNone/>
+              <a:defRPr sz="900"/>
+            </a:lvl4pPr>
+            <a:lvl5pPr marL="1828800" indent="0">
+              <a:buNone/>
+              <a:defRPr sz="900"/>
+            </a:lvl5pPr>
+            <a:lvl6pPr marL="2286000" indent="0">
+              <a:buNone/>
+              <a:defRPr sz="900"/>
+            </a:lvl6pPr>
+            <a:lvl7pPr marL="2743200" indent="0">
+              <a:buNone/>
+              <a:defRPr sz="900"/>
+            </a:lvl7pPr>
+            <a:lvl8pPr marL="3200400" indent="0">
+              <a:buNone/>
+              <a:defRPr sz="900"/>
+            </a:lvl8pPr>
+            <a:lvl9pPr marL="3657600" indent="0">
+              <a:buNone/>
+              <a:defRPr sz="900"/>
+            </a:lvl9pPr>
+          </a:lstStyle>
+          <a:p>
+            <a:pPr lvl="0"/>
+            <a:r>
+              <a:rPr lang="ja-JP" altLang="en-US" smtClean="0"/>
+              <a:t>マスター テキストの書式設定</a:t>
+            </a:r>
+          </a:p>
+        </p:txBody>
+      </p:sp>
+      <p:sp>
+        <p:nvSpPr>
+          <p:cNvPr id="4" name="Date Placeholder 3"/>
+          <p:cNvSpPr>
+            <a:spLocks noGrp="1"/>
+          </p:cNvSpPr>
+          <p:nvPr>
+            <p:ph type="dt" sz="half" idx="10"/>
+          </p:nvPr>
+        </p:nvSpPr>
+        <p:spPr/>
+        <p:txBody>
+          <a:bodyPr/>
+          <a:lstStyle/>
+          <a:p>
+            <a:fld id="{242841BA-3CFF-4AFF-88B1-DBD736C8B12D}" type="datetimeFigureOut">
+              <a:rPr kumimoji="1" lang="ja-JP" altLang="en-US" smtClean="0"/>
+              <a:t>2025/12/22</a:t>
+            </a:fld>
+            <a:endParaRPr kumimoji="1" lang="ja-JP" altLang="en-US"/>
+          </a:p>
+        </p:txBody>
+      </p:sp>
+      <p:sp>
+        <p:nvSpPr>
+          <p:cNvPr id="5" name="Footer Placeholder 4"/>
+          <p:cNvSpPr>
+            <a:spLocks noGrp="1"/>
+          </p:cNvSpPr>
+          <p:nvPr>
+            <p:ph type="ftr" sz="quarter" idx="11"/>
+          </p:nvPr>
+        </p:nvSpPr>
+        <p:spPr/>
+        <p:txBody>
+          <a:bodyPr/>
+          <a:lstStyle/>
+          <a:p>
+            <a:endParaRPr kumimoji="1" lang="ja-JP" altLang="en-US"/>
+          </a:p>
+        </p:txBody>
+      </p:sp>
+      <p:sp>
+        <p:nvSpPr>
+          <p:cNvPr id="6" name="Slide Number Placeholder 5"/>
+          <p:cNvSpPr>
+            <a:spLocks noGrp="1"/>
+          </p:cNvSpPr>
+          <p:nvPr>
+            <p:ph type="sldNum" sz="quarter" idx="12"/>
+          </p:nvPr>
+        </p:nvSpPr>
+        <p:spPr/>
+        <p:txBody>
+          <a:bodyPr/>
+          <a:lstStyle/>
+          <a:p>
+            <a:fld id="{B61B8580-C637-4C0A-B198-F70AF7616DB3}" type="slidenum">
+              <a:rPr kumimoji="1" lang="ja-JP" altLang="en-US" smtClean="0"/>
+              <a:t>‹#›</a:t>
+            </a:fld>
+            <a:endParaRPr kumimoji="1" lang="ja-JP" altLang="en-US"/>
+          </a:p>
+        </p:txBody>
+      </p:sp>
+    </p:spTree>
+    <p:extLst>
+      <p:ext uri="{BB962C8B-B14F-4D97-AF65-F5344CB8AC3E}">
+        <p14:creationId xmlns:p14="http://schemas.microsoft.com/office/powerpoint/2010/main" val="3465174084"/>
+      </p:ext>
+    </p:extLst>
+  </p:cSld>
+  <p:clrMapOvr>
+    <a:masterClrMapping/>
+  </p:clrMapOvr>
+</p:sldLayout>
+</file>
+
+<file path=ppt/slideLayouts/slideLayout12.xml><?xml version="1.0" encoding="utf-8"?>
+<p:sldLayout xmlns:a="http://schemas.openxmlformats.org/drawingml/2006/main" xmlns:r="http://schemas.openxmlformats.org/officeDocument/2006/relationships" xmlns:p="http://schemas.openxmlformats.org/presentationml/2006/main" preserve="1">
+  <p:cSld name="引用 (キャプション付き)">
+    <p:spTree>
+      <p:nvGrpSpPr>
+        <p:cNvPr id="1" name=""/>
+        <p:cNvGrpSpPr/>
+        <p:nvPr/>
+      </p:nvGrpSpPr>
+      <p:grpSpPr>
+        <a:xfrm>
+          <a:off x="0" y="0"/>
+          <a:ext cx="0" cy="0"/>
+          <a:chOff x="0" y="0"/>
+          <a:chExt cx="0" cy="0"/>
+        </a:xfrm>
+      </p:grpSpPr>
+      <p:sp>
+        <p:nvSpPr>
+          <p:cNvPr id="2" name="Title 1"/>
+          <p:cNvSpPr>
+            <a:spLocks noGrp="1"/>
+          </p:cNvSpPr>
+          <p:nvPr>
+            <p:ph type="title"/>
+          </p:nvPr>
+        </p:nvSpPr>
+        <p:spPr>
+          <a:xfrm>
+            <a:off x="1574801" y="1447800"/>
+            <a:ext cx="7999315" cy="2323374"/>
+          </a:xfrm>
+        </p:spPr>
+        <p:txBody>
+          <a:bodyPr/>
+          <a:lstStyle>
+            <a:lvl1pPr>
+              <a:defRPr sz="4800"/>
+            </a:lvl1pPr>
+          </a:lstStyle>
+          <a:p>
+            <a:r>
+              <a:rPr lang="ja-JP" altLang="en-US" smtClean="0"/>
+              <a:t>マスター タイトルの書式設定</a:t>
+            </a:r>
+            <a:endParaRPr lang="en-US" dirty="0"/>
+          </a:p>
+        </p:txBody>
+      </p:sp>
+      <p:sp>
+        <p:nvSpPr>
+          <p:cNvPr id="11" name="Text Placeholder 3"/>
+          <p:cNvSpPr>
+            <a:spLocks noGrp="1"/>
+          </p:cNvSpPr>
+          <p:nvPr>
+            <p:ph type="body" sz="half" idx="14"/>
+          </p:nvPr>
+        </p:nvSpPr>
+        <p:spPr>
+          <a:xfrm>
+            <a:off x="1930400" y="3771174"/>
+            <a:ext cx="7279649" cy="342174"/>
+          </a:xfrm>
+        </p:spPr>
+        <p:txBody>
+          <a:bodyPr vert="horz" lIns="91440" tIns="45720" rIns="91440" bIns="45720" rtlCol="0" anchor="t">
+            <a:normAutofit/>
+          </a:bodyPr>
+          <a:lstStyle>
+            <a:lvl1pPr marL="0" indent="0">
+              <a:buNone/>
+              <a:defRPr lang="en-US" sz="1400" b="0" i="0" kern="1200" cap="small" dirty="0">
+                <a:solidFill>
+                  <a:schemeClr val="bg2">
+                    <a:lumMod val="40000"/>
+                    <a:lumOff val="60000"/>
+                  </a:schemeClr>
+                </a:solidFill>
+                <a:latin typeface="+mj-lt"/>
+                <a:ea typeface="+mj-ea"/>
+                <a:cs typeface="+mj-cs"/>
+              </a:defRPr>
+            </a:lvl1pPr>
+            <a:lvl2pPr marL="457200" indent="0">
+              <a:buNone/>
+              <a:defRPr sz="1200"/>
+            </a:lvl2pPr>
+            <a:lvl3pPr marL="914400" indent="0">
+              <a:buNone/>
+              <a:defRPr sz="1000"/>
+            </a:lvl3pPr>
+            <a:lvl4pPr marL="1371600" indent="0">
+              <a:buNone/>
+              <a:defRPr sz="900"/>
+            </a:lvl4pPr>
+            <a:lvl5pPr marL="1828800" indent="0">
+              <a:buNone/>
+              <a:defRPr sz="900"/>
+            </a:lvl5pPr>
+            <a:lvl6pPr marL="2286000" indent="0">
+              <a:buNone/>
+              <a:defRPr sz="900"/>
+            </a:lvl6pPr>
+            <a:lvl7pPr marL="2743200" indent="0">
+              <a:buNone/>
+              <a:defRPr sz="900"/>
+            </a:lvl7pPr>
+            <a:lvl8pPr marL="3200400" indent="0">
+              <a:buNone/>
+              <a:defRPr sz="900"/>
+            </a:lvl8pPr>
+            <a:lvl9pPr marL="3657600" indent="0">
+              <a:buNone/>
+              <a:defRPr sz="900"/>
+            </a:lvl9pPr>
+          </a:lstStyle>
+          <a:p>
+            <a:pPr marL="0" lvl="0" indent="0">
+              <a:buNone/>
+            </a:pPr>
+            <a:r>
+              <a:rPr lang="ja-JP" altLang="en-US" smtClean="0"/>
+              <a:t>マスター テキストの書式設定</a:t>
+            </a:r>
+          </a:p>
+        </p:txBody>
+      </p:sp>
+      <p:sp>
+        <p:nvSpPr>
+          <p:cNvPr id="10" name="Text Placeholder 3"/>
+          <p:cNvSpPr>
+            <a:spLocks noGrp="1"/>
+          </p:cNvSpPr>
+          <p:nvPr>
+            <p:ph type="body" sz="half" idx="2"/>
+          </p:nvPr>
+        </p:nvSpPr>
+        <p:spPr>
+          <a:xfrm>
+            <a:off x="1154954" y="4350657"/>
+            <a:ext cx="8825659" cy="1676400"/>
+          </a:xfrm>
+        </p:spPr>
+        <p:txBody>
+          <a:bodyPr anchor="ctr">
+            <a:normAutofit/>
+          </a:bodyPr>
+          <a:lstStyle>
+            <a:lvl1pPr marL="0" indent="0">
+              <a:buNone/>
+              <a:defRPr sz="1800"/>
+            </a:lvl1pPr>
+            <a:lvl2pPr marL="457200" indent="0">
+              <a:buNone/>
+              <a:defRPr sz="1200"/>
+            </a:lvl2pPr>
+            <a:lvl3pPr marL="914400" indent="0">
+              <a:buNone/>
+              <a:defRPr sz="1000"/>
+            </a:lvl3pPr>
+            <a:lvl4pPr marL="1371600" indent="0">
+              <a:buNone/>
+              <a:defRPr sz="900"/>
+            </a:lvl4pPr>
+            <a:lvl5pPr marL="1828800" indent="0">
+              <a:buNone/>
+              <a:defRPr sz="900"/>
+            </a:lvl5pPr>
+            <a:lvl6pPr marL="2286000" indent="0">
+              <a:buNone/>
+              <a:defRPr sz="900"/>
+            </a:lvl6pPr>
+            <a:lvl7pPr marL="2743200" indent="0">
+              <a:buNone/>
+              <a:defRPr sz="900"/>
+            </a:lvl7pPr>
+            <a:lvl8pPr marL="3200400" indent="0">
+              <a:buNone/>
+              <a:defRPr sz="900"/>
+            </a:lvl8pPr>
+            <a:lvl9pPr marL="3657600" indent="0">
+              <a:buNone/>
+              <a:defRPr sz="900"/>
+            </a:lvl9pPr>
+          </a:lstStyle>
+          <a:p>
+            <a:pPr lvl="0"/>
+            <a:r>
+              <a:rPr lang="ja-JP" altLang="en-US" smtClean="0"/>
+              <a:t>マスター テキストの書式設定</a:t>
+            </a:r>
+          </a:p>
+        </p:txBody>
+      </p:sp>
+      <p:sp>
+        <p:nvSpPr>
+          <p:cNvPr id="4" name="Date Placeholder 3"/>
+          <p:cNvSpPr>
+            <a:spLocks noGrp="1"/>
+          </p:cNvSpPr>
+          <p:nvPr>
+            <p:ph type="dt" sz="half" idx="10"/>
+          </p:nvPr>
+        </p:nvSpPr>
+        <p:spPr/>
+        <p:txBody>
+          <a:bodyPr/>
+          <a:lstStyle/>
+          <a:p>
+            <a:fld id="{242841BA-3CFF-4AFF-88B1-DBD736C8B12D}" type="datetimeFigureOut">
+              <a:rPr kumimoji="1" lang="ja-JP" altLang="en-US" smtClean="0"/>
+              <a:t>2025/12/22</a:t>
+            </a:fld>
+            <a:endParaRPr kumimoji="1" lang="ja-JP" altLang="en-US"/>
+          </a:p>
+        </p:txBody>
+      </p:sp>
+      <p:sp>
+        <p:nvSpPr>
+          <p:cNvPr id="5" name="Footer Placeholder 4"/>
+          <p:cNvSpPr>
+            <a:spLocks noGrp="1"/>
+          </p:cNvSpPr>
+          <p:nvPr>
+            <p:ph type="ftr" sz="quarter" idx="11"/>
+          </p:nvPr>
+        </p:nvSpPr>
+        <p:spPr/>
+        <p:txBody>
+          <a:bodyPr/>
+          <a:lstStyle/>
+          <a:p>
+            <a:endParaRPr kumimoji="1" lang="ja-JP" altLang="en-US"/>
+          </a:p>
+        </p:txBody>
+      </p:sp>
+      <p:sp>
+        <p:nvSpPr>
+          <p:cNvPr id="6" name="Slide Number Placeholder 5"/>
+          <p:cNvSpPr>
+            <a:spLocks noGrp="1"/>
+          </p:cNvSpPr>
+          <p:nvPr>
+            <p:ph type="sldNum" sz="quarter" idx="12"/>
+          </p:nvPr>
+        </p:nvSpPr>
+        <p:spPr/>
+        <p:txBody>
+          <a:bodyPr/>
+          <a:lstStyle/>
+          <a:p>
+            <a:fld id="{B61B8580-C637-4C0A-B198-F70AF7616DB3}" type="slidenum">
+              <a:rPr kumimoji="1" lang="ja-JP" altLang="en-US" smtClean="0"/>
+              <a:t>‹#›</a:t>
+            </a:fld>
+            <a:endParaRPr kumimoji="1" lang="ja-JP" altLang="en-US"/>
+          </a:p>
+        </p:txBody>
+      </p:sp>
+      <p:sp>
+        <p:nvSpPr>
+          <p:cNvPr id="12" name="TextBox 11"/>
+          <p:cNvSpPr txBox="1"/>
+          <p:nvPr/>
+        </p:nvSpPr>
+        <p:spPr>
+          <a:xfrm>
+            <a:off x="898295" y="971253"/>
+            <a:ext cx="801912" cy="1969770"/>
+          </a:xfrm>
+          <a:prstGeom prst="rect">
+            <a:avLst/>
+          </a:prstGeom>
+          <a:noFill/>
+        </p:spPr>
+        <p:txBody>
+          <a:bodyPr wrap="square" rtlCol="0">
+            <a:spAutoFit/>
+          </a:bodyPr>
+          <a:lstStyle>
+            <a:defPPr>
+              <a:defRPr lang="en-US"/>
+            </a:defPPr>
+            <a:lvl1pPr algn="r">
+              <a:defRPr sz="12200" b="0" i="0">
+                <a:solidFill>
+                  <a:schemeClr val="bg2">
+                    <a:lumMod val="40000"/>
+                    <a:lumOff val="60000"/>
+                  </a:schemeClr>
+                </a:solidFill>
+                <a:latin typeface="Arial"/>
+                <a:ea typeface="+mj-ea"/>
+                <a:cs typeface="+mj-cs"/>
+              </a:defRPr>
+            </a:lvl1pPr>
+          </a:lstStyle>
+          <a:p>
+            <a:pPr lvl="0"/>
+            <a:r>
+              <a:rPr lang="en-US" dirty="0"/>
+              <a:t>“</a:t>
+            </a:r>
+          </a:p>
+        </p:txBody>
+      </p:sp>
+      <p:sp>
+        <p:nvSpPr>
+          <p:cNvPr id="15" name="TextBox 14"/>
+          <p:cNvSpPr txBox="1"/>
+          <p:nvPr/>
+        </p:nvSpPr>
+        <p:spPr>
+          <a:xfrm>
+            <a:off x="9330490" y="2613787"/>
+            <a:ext cx="801912" cy="1969770"/>
+          </a:xfrm>
+          <a:prstGeom prst="rect">
+            <a:avLst/>
+          </a:prstGeom>
+          <a:noFill/>
+        </p:spPr>
+        <p:txBody>
+          <a:bodyPr wrap="square" rtlCol="0">
+            <a:spAutoFit/>
+          </a:bodyPr>
+          <a:lstStyle>
+            <a:defPPr>
+              <a:defRPr lang="en-US"/>
+            </a:defPPr>
+            <a:lvl1pPr algn="r">
+              <a:defRPr sz="12200" b="0" i="0">
+                <a:solidFill>
+                  <a:schemeClr val="bg2">
+                    <a:lumMod val="40000"/>
+                    <a:lumOff val="60000"/>
+                  </a:schemeClr>
+                </a:solidFill>
+                <a:latin typeface="Arial"/>
+                <a:ea typeface="+mj-ea"/>
+                <a:cs typeface="+mj-cs"/>
+              </a:defRPr>
+            </a:lvl1pPr>
+          </a:lstStyle>
+          <a:p>
+            <a:pPr lvl="0"/>
+            <a:r>
+              <a:rPr lang="en-US" dirty="0"/>
+              <a:t>”</a:t>
+            </a:r>
+          </a:p>
+        </p:txBody>
+      </p:sp>
+    </p:spTree>
+    <p:extLst>
+      <p:ext uri="{BB962C8B-B14F-4D97-AF65-F5344CB8AC3E}">
+        <p14:creationId xmlns:p14="http://schemas.microsoft.com/office/powerpoint/2010/main" val="2470104142"/>
+      </p:ext>
+    </p:extLst>
+  </p:cSld>
+  <p:clrMapOvr>
+    <a:masterClrMapping/>
+  </p:clrMapOvr>
+</p:sldLayout>
+</file>
+
+<file path=ppt/slideLayouts/slideLayout13.xml><?xml version="1.0" encoding="utf-8"?>
+<p:sldLayout xmlns:a="http://schemas.openxmlformats.org/drawingml/2006/main" xmlns:r="http://schemas.openxmlformats.org/officeDocument/2006/relationships" xmlns:p="http://schemas.openxmlformats.org/presentationml/2006/main" preserve="1">
+  <p:cSld name="名札">
+    <p:spTree>
+      <p:nvGrpSpPr>
+        <p:cNvPr id="1" name=""/>
+        <p:cNvGrpSpPr/>
+        <p:nvPr/>
+      </p:nvGrpSpPr>
+      <p:grpSpPr>
+        <a:xfrm>
+          <a:off x="0" y="0"/>
+          <a:ext cx="0" cy="0"/>
+          <a:chOff x="0" y="0"/>
+          <a:chExt cx="0" cy="0"/>
+        </a:xfrm>
+      </p:grpSpPr>
+      <p:sp>
+        <p:nvSpPr>
+          <p:cNvPr id="2" name="Title 1"/>
+          <p:cNvSpPr>
+            <a:spLocks noGrp="1"/>
+          </p:cNvSpPr>
+          <p:nvPr>
+            <p:ph type="title"/>
+          </p:nvPr>
+        </p:nvSpPr>
+        <p:spPr>
+          <a:xfrm>
+            <a:off x="1154954" y="3124201"/>
+            <a:ext cx="8825660" cy="1653180"/>
+          </a:xfrm>
+        </p:spPr>
+        <p:txBody>
+          <a:bodyPr anchor="b"/>
+          <a:lstStyle>
+            <a:lvl1pPr algn="l">
+              <a:defRPr sz="4000" b="0" cap="none"/>
+            </a:lvl1pPr>
+          </a:lstStyle>
+          <a:p>
+            <a:r>
+              <a:rPr lang="ja-JP" altLang="en-US" smtClean="0"/>
+              <a:t>マスター タイトルの書式設定</a:t>
+            </a:r>
+            <a:endParaRPr lang="en-US" dirty="0"/>
+          </a:p>
+        </p:txBody>
+      </p:sp>
+      <p:sp>
+        <p:nvSpPr>
+          <p:cNvPr id="3" name="Text Placeholder 2"/>
+          <p:cNvSpPr>
+            <a:spLocks noGrp="1"/>
+          </p:cNvSpPr>
+          <p:nvPr>
+            <p:ph type="body" idx="1"/>
+          </p:nvPr>
+        </p:nvSpPr>
+        <p:spPr>
+          <a:xfrm>
+            <a:off x="1154954" y="4777381"/>
+            <a:ext cx="8825659" cy="860400"/>
+          </a:xfrm>
+        </p:spPr>
+        <p:txBody>
+          <a:bodyPr anchor="t"/>
+          <a:lstStyle>
+            <a:lvl1pPr marL="0" indent="0" algn="l">
+              <a:buNone/>
+              <a:defRPr sz="2000" cap="none">
+                <a:solidFill>
+                  <a:schemeClr val="bg2">
+                    <a:lumMod val="40000"/>
+                    <a:lumOff val="60000"/>
+                  </a:schemeClr>
+                </a:solidFill>
+              </a:defRPr>
+            </a:lvl1pPr>
+            <a:lvl2pPr marL="457200" indent="0">
+              <a:buNone/>
+              <a:defRPr sz="1800">
+                <a:solidFill>
+                  <a:schemeClr val="tx1">
+                    <a:tint val="75000"/>
+                  </a:schemeClr>
+                </a:solidFill>
+              </a:defRPr>
+            </a:lvl2pPr>
+            <a:lvl3pPr marL="914400" indent="0">
+              <a:buNone/>
+              <a:defRPr sz="1600">
+                <a:solidFill>
+                  <a:schemeClr val="tx1">
+                    <a:tint val="75000"/>
+                  </a:schemeClr>
+                </a:solidFill>
+              </a:defRPr>
+            </a:lvl3pPr>
+            <a:lvl4pPr marL="1371600" indent="0">
+              <a:buNone/>
+              <a:defRPr sz="1400">
+                <a:solidFill>
+                  <a:schemeClr val="tx1">
+                    <a:tint val="75000"/>
+                  </a:schemeClr>
+                </a:solidFill>
+              </a:defRPr>
+            </a:lvl4pPr>
+            <a:lvl5pPr marL="1828800" indent="0">
+              <a:buNone/>
+              <a:defRPr sz="1400">
+                <a:solidFill>
+                  <a:schemeClr val="tx1">
+                    <a:tint val="75000"/>
+                  </a:schemeClr>
+                </a:solidFill>
+              </a:defRPr>
+            </a:lvl5pPr>
+            <a:lvl6pPr marL="2286000" indent="0">
+              <a:buNone/>
+              <a:defRPr sz="1400">
+                <a:solidFill>
+                  <a:schemeClr val="tx1">
+                    <a:tint val="75000"/>
+                  </a:schemeClr>
+                </a:solidFill>
+              </a:defRPr>
+            </a:lvl6pPr>
+            <a:lvl7pPr marL="2743200" indent="0">
+              <a:buNone/>
+              <a:defRPr sz="1400">
+                <a:solidFill>
+                  <a:schemeClr val="tx1">
+                    <a:tint val="75000"/>
+                  </a:schemeClr>
+                </a:solidFill>
+              </a:defRPr>
+            </a:lvl7pPr>
+            <a:lvl8pPr marL="3200400" indent="0">
+              <a:buNone/>
+              <a:defRPr sz="1400">
+                <a:solidFill>
+                  <a:schemeClr val="tx1">
+                    <a:tint val="75000"/>
+                  </a:schemeClr>
+                </a:solidFill>
+              </a:defRPr>
+            </a:lvl8pPr>
+            <a:lvl9pPr marL="3657600" indent="0">
+              <a:buNone/>
+              <a:defRPr sz="1400">
+                <a:solidFill>
+                  <a:schemeClr val="tx1">
+                    <a:tint val="75000"/>
+                  </a:schemeClr>
+                </a:solidFill>
+              </a:defRPr>
+            </a:lvl9pPr>
+          </a:lstStyle>
+          <a:p>
+            <a:pPr lvl="0"/>
+            <a:r>
+              <a:rPr lang="ja-JP" altLang="en-US" smtClean="0"/>
+              <a:t>マスター テキストの書式設定</a:t>
+            </a:r>
+          </a:p>
+        </p:txBody>
+      </p:sp>
+      <p:sp>
+        <p:nvSpPr>
+          <p:cNvPr id="4" name="Date Placeholder 3"/>
+          <p:cNvSpPr>
+            <a:spLocks noGrp="1"/>
+          </p:cNvSpPr>
+          <p:nvPr>
+            <p:ph type="dt" sz="half" idx="10"/>
+          </p:nvPr>
+        </p:nvSpPr>
+        <p:spPr/>
+        <p:txBody>
+          <a:bodyPr/>
+          <a:lstStyle/>
+          <a:p>
+            <a:fld id="{242841BA-3CFF-4AFF-88B1-DBD736C8B12D}" type="datetimeFigureOut">
+              <a:rPr kumimoji="1" lang="ja-JP" altLang="en-US" smtClean="0"/>
+              <a:t>2025/12/22</a:t>
+            </a:fld>
+            <a:endParaRPr kumimoji="1" lang="ja-JP" altLang="en-US"/>
+          </a:p>
+        </p:txBody>
+      </p:sp>
+      <p:sp>
+        <p:nvSpPr>
+          <p:cNvPr id="5" name="Footer Placeholder 4"/>
+          <p:cNvSpPr>
+            <a:spLocks noGrp="1"/>
+          </p:cNvSpPr>
+          <p:nvPr>
+            <p:ph type="ftr" sz="quarter" idx="11"/>
+          </p:nvPr>
+        </p:nvSpPr>
+        <p:spPr/>
+        <p:txBody>
+          <a:bodyPr/>
+          <a:lstStyle/>
+          <a:p>
+            <a:endParaRPr kumimoji="1" lang="ja-JP" altLang="en-US"/>
+          </a:p>
+        </p:txBody>
+      </p:sp>
+      <p:sp>
+        <p:nvSpPr>
+          <p:cNvPr id="6" name="Slide Number Placeholder 5"/>
+          <p:cNvSpPr>
+            <a:spLocks noGrp="1"/>
+          </p:cNvSpPr>
+          <p:nvPr>
+            <p:ph type="sldNum" sz="quarter" idx="12"/>
+          </p:nvPr>
+        </p:nvSpPr>
+        <p:spPr/>
+        <p:txBody>
+          <a:bodyPr/>
+          <a:lstStyle/>
+          <a:p>
+            <a:fld id="{B61B8580-C637-4C0A-B198-F70AF7616DB3}" type="slidenum">
+              <a:rPr kumimoji="1" lang="ja-JP" altLang="en-US" smtClean="0"/>
+              <a:t>‹#›</a:t>
+            </a:fld>
+            <a:endParaRPr kumimoji="1" lang="ja-JP" altLang="en-US"/>
+          </a:p>
+        </p:txBody>
+      </p:sp>
+    </p:spTree>
+    <p:extLst>
+      <p:ext uri="{BB962C8B-B14F-4D97-AF65-F5344CB8AC3E}">
+        <p14:creationId xmlns:p14="http://schemas.microsoft.com/office/powerpoint/2010/main" val="1750340162"/>
+      </p:ext>
+    </p:extLst>
+  </p:cSld>
+  <p:clrMapOvr>
+    <a:masterClrMapping/>
+  </p:clrMapOvr>
+</p:sldLayout>
+</file>
+
+<file path=ppt/slideLayouts/slideLayout14.xml><?xml version="1.0" encoding="utf-8"?>
+<p:sldLayout xmlns:a="http://schemas.openxmlformats.org/drawingml/2006/main" xmlns:r="http://schemas.openxmlformats.org/officeDocument/2006/relationships" xmlns:p="http://schemas.openxmlformats.org/presentationml/2006/main" preserve="1">
+  <p:cSld name="3 段">
+    <p:spTree>
+      <p:nvGrpSpPr>
+        <p:cNvPr id="1" name=""/>
+        <p:cNvGrpSpPr/>
+        <p:nvPr/>
+      </p:nvGrpSpPr>
+      <p:grpSpPr>
+        <a:xfrm>
+          <a:off x="0" y="0"/>
+          <a:ext cx="0" cy="0"/>
+          <a:chOff x="0" y="0"/>
+          <a:chExt cx="0" cy="0"/>
+        </a:xfrm>
+      </p:grpSpPr>
+      <p:sp>
+        <p:nvSpPr>
+          <p:cNvPr id="2" name="Title 1"/>
+          <p:cNvSpPr>
+            <a:spLocks noGrp="1"/>
+          </p:cNvSpPr>
+          <p:nvPr>
+            <p:ph type="title"/>
+          </p:nvPr>
+        </p:nvSpPr>
+        <p:spPr/>
+        <p:txBody>
+          <a:bodyPr/>
+          <a:lstStyle>
+            <a:lvl1pPr>
+              <a:defRPr sz="4200"/>
+            </a:lvl1pPr>
+          </a:lstStyle>
+          <a:p>
+            <a:r>
+              <a:rPr lang="ja-JP" altLang="en-US" smtClean="0"/>
+              <a:t>マスター タイトルの書式設定</a:t>
+            </a:r>
+            <a:endParaRPr lang="en-US" dirty="0"/>
+          </a:p>
+        </p:txBody>
+      </p:sp>
+      <p:sp>
+        <p:nvSpPr>
+          <p:cNvPr id="3" name="Text Placeholder 2"/>
+          <p:cNvSpPr>
+            <a:spLocks noGrp="1"/>
+          </p:cNvSpPr>
+          <p:nvPr>
+            <p:ph type="body" idx="1"/>
+          </p:nvPr>
+        </p:nvSpPr>
+        <p:spPr>
+          <a:xfrm>
+            <a:off x="632947" y="1981200"/>
+            <a:ext cx="2946866" cy="576262"/>
+          </a:xfrm>
+        </p:spPr>
+        <p:txBody>
+          <a:bodyPr anchor="b">
+            <a:noAutofit/>
+          </a:bodyPr>
+          <a:lstStyle>
+            <a:lvl1pPr marL="0" indent="0">
+              <a:buNone/>
+              <a:defRPr sz="2400" b="0">
+                <a:solidFill>
+                  <a:schemeClr val="bg2">
+                    <a:lumMod val="40000"/>
+                    <a:lumOff val="60000"/>
+                  </a:schemeClr>
+                </a:solidFill>
+              </a:defRPr>
+            </a:lvl1pPr>
+            <a:lvl2pPr marL="457200" indent="0">
+              <a:buNone/>
+              <a:defRPr sz="2000" b="1"/>
+            </a:lvl2pPr>
+            <a:lvl3pPr marL="914400" indent="0">
+              <a:buNone/>
+              <a:defRPr sz="1800" b="1"/>
+            </a:lvl3pPr>
+            <a:lvl4pPr marL="1371600" indent="0">
+              <a:buNone/>
+              <a:defRPr sz="1600" b="1"/>
+            </a:lvl4pPr>
+            <a:lvl5pPr marL="1828800" indent="0">
+              <a:buNone/>
+              <a:defRPr sz="1600" b="1"/>
+            </a:lvl5pPr>
+            <a:lvl6pPr marL="2286000" indent="0">
+              <a:buNone/>
+              <a:defRPr sz="1600" b="1"/>
+            </a:lvl6pPr>
+            <a:lvl7pPr marL="2743200" indent="0">
+              <a:buNone/>
+              <a:defRPr sz="1600" b="1"/>
+            </a:lvl7pPr>
+            <a:lvl8pPr marL="3200400" indent="0">
+              <a:buNone/>
+              <a:defRPr sz="1600" b="1"/>
+            </a:lvl8pPr>
+            <a:lvl9pPr marL="3657600" indent="0">
+              <a:buNone/>
+              <a:defRPr sz="1600" b="1"/>
+            </a:lvl9pPr>
+          </a:lstStyle>
+          <a:p>
+            <a:pPr lvl="0"/>
+            <a:r>
+              <a:rPr lang="ja-JP" altLang="en-US" smtClean="0"/>
+              <a:t>マスター テキストの書式設定</a:t>
+            </a:r>
+          </a:p>
+        </p:txBody>
+      </p:sp>
+      <p:sp>
+        <p:nvSpPr>
+          <p:cNvPr id="16" name="Text Placeholder 3"/>
+          <p:cNvSpPr>
+            <a:spLocks noGrp="1"/>
+          </p:cNvSpPr>
+          <p:nvPr>
+            <p:ph type="body" sz="half" idx="15"/>
+          </p:nvPr>
+        </p:nvSpPr>
+        <p:spPr>
+          <a:xfrm>
+            <a:off x="652463" y="2667000"/>
+            <a:ext cx="2927350" cy="3589338"/>
+          </a:xfrm>
+        </p:spPr>
+        <p:txBody>
+          <a:bodyPr anchor="t">
+            <a:normAutofit/>
+          </a:bodyPr>
+          <a:lstStyle>
+            <a:lvl1pPr marL="0" indent="0">
+              <a:buNone/>
+              <a:defRPr sz="1400"/>
+            </a:lvl1pPr>
+            <a:lvl2pPr marL="457200" indent="0">
+              <a:buNone/>
+              <a:defRPr sz="1200"/>
+            </a:lvl2pPr>
+            <a:lvl3pPr marL="914400" indent="0">
+              <a:buNone/>
+              <a:defRPr sz="1000"/>
+            </a:lvl3pPr>
+            <a:lvl4pPr marL="1371600" indent="0">
+              <a:buNone/>
+              <a:defRPr sz="900"/>
+            </a:lvl4pPr>
+            <a:lvl5pPr marL="1828800" indent="0">
+              <a:buNone/>
+              <a:defRPr sz="900"/>
+            </a:lvl5pPr>
+            <a:lvl6pPr marL="2286000" indent="0">
+              <a:buNone/>
+              <a:defRPr sz="900"/>
+            </a:lvl6pPr>
+            <a:lvl7pPr marL="2743200" indent="0">
+              <a:buNone/>
+              <a:defRPr sz="900"/>
+            </a:lvl7pPr>
+            <a:lvl8pPr marL="3200400" indent="0">
+              <a:buNone/>
+              <a:defRPr sz="900"/>
+            </a:lvl8pPr>
+            <a:lvl9pPr marL="3657600" indent="0">
+              <a:buNone/>
+              <a:defRPr sz="900"/>
+            </a:lvl9pPr>
+          </a:lstStyle>
+          <a:p>
+            <a:pPr lvl="0"/>
+            <a:r>
+              <a:rPr lang="ja-JP" altLang="en-US" smtClean="0"/>
+              <a:t>マスター テキストの書式設定</a:t>
+            </a:r>
+          </a:p>
+        </p:txBody>
+      </p:sp>
+      <p:sp>
+        <p:nvSpPr>
+          <p:cNvPr id="5" name="Text Placeholder 4"/>
+          <p:cNvSpPr>
+            <a:spLocks noGrp="1"/>
+          </p:cNvSpPr>
+          <p:nvPr>
+            <p:ph type="body" sz="quarter" idx="3"/>
+          </p:nvPr>
+        </p:nvSpPr>
+        <p:spPr>
+          <a:xfrm>
+            <a:off x="3883659" y="1981200"/>
+            <a:ext cx="2936241" cy="576262"/>
+          </a:xfrm>
+        </p:spPr>
+        <p:txBody>
+          <a:bodyPr anchor="b">
+            <a:noAutofit/>
+          </a:bodyPr>
+          <a:lstStyle>
+            <a:lvl1pPr marL="0" indent="0">
+              <a:buNone/>
+              <a:defRPr sz="2400" b="0">
+                <a:solidFill>
+                  <a:schemeClr val="bg2">
+                    <a:lumMod val="40000"/>
+                    <a:lumOff val="60000"/>
+                  </a:schemeClr>
+                </a:solidFill>
+              </a:defRPr>
+            </a:lvl1pPr>
+            <a:lvl2pPr marL="457200" indent="0">
+              <a:buNone/>
+              <a:defRPr sz="2000" b="1"/>
+            </a:lvl2pPr>
+            <a:lvl3pPr marL="914400" indent="0">
+              <a:buNone/>
+              <a:defRPr sz="1800" b="1"/>
+            </a:lvl3pPr>
+            <a:lvl4pPr marL="1371600" indent="0">
+              <a:buNone/>
+              <a:defRPr sz="1600" b="1"/>
+            </a:lvl4pPr>
+            <a:lvl5pPr marL="1828800" indent="0">
+              <a:buNone/>
+              <a:defRPr sz="1600" b="1"/>
+            </a:lvl5pPr>
+            <a:lvl6pPr marL="2286000" indent="0">
+              <a:buNone/>
+              <a:defRPr sz="1600" b="1"/>
+            </a:lvl6pPr>
+            <a:lvl7pPr marL="2743200" indent="0">
+              <a:buNone/>
+              <a:defRPr sz="1600" b="1"/>
+            </a:lvl7pPr>
+            <a:lvl8pPr marL="3200400" indent="0">
+              <a:buNone/>
+              <a:defRPr sz="1600" b="1"/>
+            </a:lvl8pPr>
+            <a:lvl9pPr marL="3657600" indent="0">
+              <a:buNone/>
+              <a:defRPr sz="1600" b="1"/>
+            </a:lvl9pPr>
+          </a:lstStyle>
+          <a:p>
+            <a:pPr lvl="0"/>
+            <a:r>
+              <a:rPr lang="ja-JP" altLang="en-US" smtClean="0"/>
+              <a:t>マスター テキストの書式設定</a:t>
+            </a:r>
+          </a:p>
+        </p:txBody>
+      </p:sp>
+      <p:sp>
+        <p:nvSpPr>
+          <p:cNvPr id="19" name="Text Placeholder 3"/>
+          <p:cNvSpPr>
+            <a:spLocks noGrp="1"/>
+          </p:cNvSpPr>
+          <p:nvPr>
+            <p:ph type="body" sz="half" idx="16"/>
+          </p:nvPr>
+        </p:nvSpPr>
+        <p:spPr>
+          <a:xfrm>
+            <a:off x="3873106" y="2667000"/>
+            <a:ext cx="2946794" cy="3589338"/>
+          </a:xfrm>
+        </p:spPr>
+        <p:txBody>
+          <a:bodyPr anchor="t">
+            <a:normAutofit/>
+          </a:bodyPr>
+          <a:lstStyle>
+            <a:lvl1pPr marL="0" indent="0">
+              <a:buNone/>
+              <a:defRPr sz="1400"/>
+            </a:lvl1pPr>
+            <a:lvl2pPr marL="457200" indent="0">
+              <a:buNone/>
+              <a:defRPr sz="1200"/>
+            </a:lvl2pPr>
+            <a:lvl3pPr marL="914400" indent="0">
+              <a:buNone/>
+              <a:defRPr sz="1000"/>
+            </a:lvl3pPr>
+            <a:lvl4pPr marL="1371600" indent="0">
+              <a:buNone/>
+              <a:defRPr sz="900"/>
+            </a:lvl4pPr>
+            <a:lvl5pPr marL="1828800" indent="0">
+              <a:buNone/>
+              <a:defRPr sz="900"/>
+            </a:lvl5pPr>
+            <a:lvl6pPr marL="2286000" indent="0">
+              <a:buNone/>
+              <a:defRPr sz="900"/>
+            </a:lvl6pPr>
+            <a:lvl7pPr marL="2743200" indent="0">
+              <a:buNone/>
+              <a:defRPr sz="900"/>
+            </a:lvl7pPr>
+            <a:lvl8pPr marL="3200400" indent="0">
+              <a:buNone/>
+              <a:defRPr sz="900"/>
+            </a:lvl8pPr>
+            <a:lvl9pPr marL="3657600" indent="0">
+              <a:buNone/>
+              <a:defRPr sz="900"/>
+            </a:lvl9pPr>
+          </a:lstStyle>
+          <a:p>
+            <a:pPr lvl="0"/>
+            <a:r>
+              <a:rPr lang="ja-JP" altLang="en-US" smtClean="0"/>
+              <a:t>マスター テキストの書式設定</a:t>
+            </a:r>
+          </a:p>
+        </p:txBody>
+      </p:sp>
+      <p:sp>
+        <p:nvSpPr>
+          <p:cNvPr id="14" name="Text Placeholder 4"/>
+          <p:cNvSpPr>
+            <a:spLocks noGrp="1"/>
+          </p:cNvSpPr>
+          <p:nvPr>
+            <p:ph type="body" sz="quarter" idx="13"/>
+          </p:nvPr>
+        </p:nvSpPr>
+        <p:spPr>
+          <a:xfrm>
+            <a:off x="7124700" y="1981200"/>
+            <a:ext cx="2932113" cy="576262"/>
+          </a:xfrm>
+        </p:spPr>
+        <p:txBody>
+          <a:bodyPr anchor="b">
+            <a:noAutofit/>
+          </a:bodyPr>
+          <a:lstStyle>
+            <a:lvl1pPr marL="0" indent="0">
+              <a:buNone/>
+              <a:defRPr sz="2400" b="0">
+                <a:solidFill>
+                  <a:schemeClr val="bg2">
+                    <a:lumMod val="40000"/>
+                    <a:lumOff val="60000"/>
+                  </a:schemeClr>
+                </a:solidFill>
+              </a:defRPr>
+            </a:lvl1pPr>
+            <a:lvl2pPr marL="457200" indent="0">
+              <a:buNone/>
+              <a:defRPr sz="2000" b="1"/>
+            </a:lvl2pPr>
+            <a:lvl3pPr marL="914400" indent="0">
+              <a:buNone/>
+              <a:defRPr sz="1800" b="1"/>
+            </a:lvl3pPr>
+            <a:lvl4pPr marL="1371600" indent="0">
+              <a:buNone/>
+              <a:defRPr sz="1600" b="1"/>
+            </a:lvl4pPr>
+            <a:lvl5pPr marL="1828800" indent="0">
+              <a:buNone/>
+              <a:defRPr sz="1600" b="1"/>
+            </a:lvl5pPr>
+            <a:lvl6pPr marL="2286000" indent="0">
+              <a:buNone/>
+              <a:defRPr sz="1600" b="1"/>
+            </a:lvl6pPr>
+            <a:lvl7pPr marL="2743200" indent="0">
+              <a:buNone/>
+              <a:defRPr sz="1600" b="1"/>
+            </a:lvl7pPr>
+            <a:lvl8pPr marL="3200400" indent="0">
+              <a:buNone/>
+              <a:defRPr sz="1600" b="1"/>
+            </a:lvl8pPr>
+            <a:lvl9pPr marL="3657600" indent="0">
+              <a:buNone/>
+              <a:defRPr sz="1600" b="1"/>
+            </a:lvl9pPr>
+          </a:lstStyle>
+          <a:p>
+            <a:pPr lvl="0"/>
+            <a:r>
+              <a:rPr lang="ja-JP" altLang="en-US" smtClean="0"/>
+              <a:t>マスター テキストの書式設定</a:t>
+            </a:r>
+          </a:p>
+        </p:txBody>
+      </p:sp>
+      <p:sp>
+        <p:nvSpPr>
+          <p:cNvPr id="20" name="Text Placeholder 3"/>
+          <p:cNvSpPr>
+            <a:spLocks noGrp="1"/>
+          </p:cNvSpPr>
+          <p:nvPr>
+            <p:ph type="body" sz="half" idx="17"/>
+          </p:nvPr>
+        </p:nvSpPr>
+        <p:spPr>
+          <a:xfrm>
+            <a:off x="7124700" y="2667000"/>
+            <a:ext cx="2932113" cy="3589338"/>
+          </a:xfrm>
+        </p:spPr>
+        <p:txBody>
+          <a:bodyPr anchor="t">
+            <a:normAutofit/>
+          </a:bodyPr>
+          <a:lstStyle>
+            <a:lvl1pPr marL="0" indent="0">
+              <a:buNone/>
+              <a:defRPr sz="1400"/>
+            </a:lvl1pPr>
+            <a:lvl2pPr marL="457200" indent="0">
+              <a:buNone/>
+              <a:defRPr sz="1200"/>
+            </a:lvl2pPr>
+            <a:lvl3pPr marL="914400" indent="0">
+              <a:buNone/>
+              <a:defRPr sz="1000"/>
+            </a:lvl3pPr>
+            <a:lvl4pPr marL="1371600" indent="0">
+              <a:buNone/>
+              <a:defRPr sz="900"/>
+            </a:lvl4pPr>
+            <a:lvl5pPr marL="1828800" indent="0">
+              <a:buNone/>
+              <a:defRPr sz="900"/>
+            </a:lvl5pPr>
+            <a:lvl6pPr marL="2286000" indent="0">
+              <a:buNone/>
+              <a:defRPr sz="900"/>
+            </a:lvl6pPr>
+            <a:lvl7pPr marL="2743200" indent="0">
+              <a:buNone/>
+              <a:defRPr sz="900"/>
+            </a:lvl7pPr>
+            <a:lvl8pPr marL="3200400" indent="0">
+              <a:buNone/>
+              <a:defRPr sz="900"/>
+            </a:lvl8pPr>
+            <a:lvl9pPr marL="3657600" indent="0">
+              <a:buNone/>
+              <a:defRPr sz="900"/>
+            </a:lvl9pPr>
+          </a:lstStyle>
+          <a:p>
+            <a:pPr lvl="0"/>
+            <a:r>
+              <a:rPr lang="ja-JP" altLang="en-US" smtClean="0"/>
+              <a:t>マスター テキストの書式設定</a:t>
+            </a:r>
+          </a:p>
+        </p:txBody>
+      </p:sp>
+      <p:cxnSp>
+        <p:nvCxnSpPr>
+          <p:cNvPr id="17" name="Straight Connector 16"/>
+          <p:cNvCxnSpPr/>
+          <p:nvPr/>
+        </p:nvCxnSpPr>
+        <p:spPr>
+          <a:xfrm>
+            <a:off x="3726142" y="2133600"/>
+            <a:ext cx="0" cy="3962400"/>
+          </a:xfrm>
+          <a:prstGeom prst="line">
+            <a:avLst/>
+          </a:prstGeom>
+          <a:ln w="12700" cmpd="sng">
+            <a:solidFill>
+              <a:schemeClr val="bg2">
+                <a:lumMod val="40000"/>
+                <a:lumOff val="60000"/>
+                <a:alpha val="40000"/>
+              </a:schemeClr>
+            </a:solidFill>
+          </a:ln>
+        </p:spPr>
+        <p:style>
+          <a:lnRef idx="2">
+            <a:schemeClr val="accent1"/>
+          </a:lnRef>
+          <a:fillRef idx="0">
+            <a:schemeClr val="accent1"/>
+          </a:fillRef>
+          <a:effectRef idx="1">
+            <a:schemeClr val="accent1"/>
+          </a:effectRef>
+          <a:fontRef idx="minor">
+            <a:schemeClr val="tx1"/>
+          </a:fontRef>
+        </p:style>
+      </p:cxnSp>
+      <p:cxnSp>
+        <p:nvCxnSpPr>
+          <p:cNvPr id="18" name="Straight Connector 17"/>
+          <p:cNvCxnSpPr/>
+          <p:nvPr/>
+        </p:nvCxnSpPr>
+        <p:spPr>
+          <a:xfrm>
+            <a:off x="6962227" y="2133600"/>
+            <a:ext cx="0" cy="3966882"/>
+          </a:xfrm>
+          <a:prstGeom prst="line">
+            <a:avLst/>
+          </a:prstGeom>
+          <a:ln w="12700" cmpd="sng">
+            <a:solidFill>
+              <a:schemeClr val="bg2">
+                <a:lumMod val="40000"/>
+                <a:lumOff val="60000"/>
+                <a:alpha val="40000"/>
+              </a:schemeClr>
+            </a:solidFill>
+          </a:ln>
+        </p:spPr>
+        <p:style>
+          <a:lnRef idx="2">
+            <a:schemeClr val="accent1"/>
+          </a:lnRef>
+          <a:fillRef idx="0">
+            <a:schemeClr val="accent1"/>
+          </a:fillRef>
+          <a:effectRef idx="1">
+            <a:schemeClr val="accent1"/>
+          </a:effectRef>
+          <a:fontRef idx="minor">
+            <a:schemeClr val="tx1"/>
+          </a:fontRef>
+        </p:style>
+      </p:cxnSp>
+      <p:sp>
+        <p:nvSpPr>
+          <p:cNvPr id="7" name="Date Placeholder 3"/>
+          <p:cNvSpPr>
+            <a:spLocks noGrp="1"/>
+          </p:cNvSpPr>
+          <p:nvPr>
+            <p:ph type="dt" sz="half" idx="10"/>
+          </p:nvPr>
+        </p:nvSpPr>
+        <p:spPr/>
+        <p:txBody>
+          <a:bodyPr/>
+          <a:lstStyle/>
+          <a:p>
+            <a:fld id="{242841BA-3CFF-4AFF-88B1-DBD736C8B12D}" type="datetimeFigureOut">
+              <a:rPr kumimoji="1" lang="ja-JP" altLang="en-US" smtClean="0"/>
+              <a:t>2025/12/22</a:t>
+            </a:fld>
+            <a:endParaRPr kumimoji="1" lang="ja-JP" altLang="en-US"/>
+          </a:p>
+        </p:txBody>
+      </p:sp>
+      <p:sp>
+        <p:nvSpPr>
+          <p:cNvPr id="4" name="Footer Placeholder 4"/>
+          <p:cNvSpPr>
+            <a:spLocks noGrp="1"/>
+          </p:cNvSpPr>
+          <p:nvPr>
+            <p:ph type="ftr" sz="quarter" idx="11"/>
+          </p:nvPr>
+        </p:nvSpPr>
+        <p:spPr/>
+        <p:txBody>
+          <a:bodyPr/>
+          <a:lstStyle/>
+          <a:p>
+            <a:endParaRPr kumimoji="1" lang="ja-JP" altLang="en-US"/>
+          </a:p>
+        </p:txBody>
+      </p:sp>
+      <p:sp>
+        <p:nvSpPr>
+          <p:cNvPr id="6" name="Slide Number Placeholder 5"/>
+          <p:cNvSpPr>
+            <a:spLocks noGrp="1"/>
+          </p:cNvSpPr>
+          <p:nvPr>
+            <p:ph type="sldNum" sz="quarter" idx="12"/>
+          </p:nvPr>
+        </p:nvSpPr>
+        <p:spPr/>
+        <p:txBody>
+          <a:bodyPr/>
+          <a:lstStyle/>
+          <a:p>
+            <a:fld id="{B61B8580-C637-4C0A-B198-F70AF7616DB3}" type="slidenum">
+              <a:rPr kumimoji="1" lang="ja-JP" altLang="en-US" smtClean="0"/>
+              <a:t>‹#›</a:t>
+            </a:fld>
+            <a:endParaRPr kumimoji="1" lang="ja-JP" altLang="en-US"/>
+          </a:p>
+        </p:txBody>
+      </p:sp>
+    </p:spTree>
+    <p:extLst>
+      <p:ext uri="{BB962C8B-B14F-4D97-AF65-F5344CB8AC3E}">
+        <p14:creationId xmlns:p14="http://schemas.microsoft.com/office/powerpoint/2010/main" val="2488381173"/>
+      </p:ext>
+    </p:extLst>
+  </p:cSld>
+  <p:clrMapOvr>
+    <a:masterClrMapping/>
+  </p:clrMapOvr>
+</p:sldLayout>
+</file>
+
+<file path=ppt/slideLayouts/slideLayout15.xml><?xml version="1.0" encoding="utf-8"?>
+<p:sldLayout xmlns:a="http://schemas.openxmlformats.org/drawingml/2006/main" xmlns:r="http://schemas.openxmlformats.org/officeDocument/2006/relationships" xmlns:p="http://schemas.openxmlformats.org/presentationml/2006/main" preserve="1">
+  <p:cSld name="3 つの画像列">
+    <p:spTree>
+      <p:nvGrpSpPr>
+        <p:cNvPr id="1" name=""/>
+        <p:cNvGrpSpPr/>
+        <p:nvPr/>
+      </p:nvGrpSpPr>
+      <p:grpSpPr>
+        <a:xfrm>
+          <a:off x="0" y="0"/>
+          <a:ext cx="0" cy="0"/>
+          <a:chOff x="0" y="0"/>
+          <a:chExt cx="0" cy="0"/>
+        </a:xfrm>
+      </p:grpSpPr>
+      <p:sp>
+        <p:nvSpPr>
+          <p:cNvPr id="2" name="Title 1"/>
+          <p:cNvSpPr>
+            <a:spLocks noGrp="1"/>
+          </p:cNvSpPr>
+          <p:nvPr>
+            <p:ph type="title"/>
+          </p:nvPr>
+        </p:nvSpPr>
+        <p:spPr/>
+        <p:txBody>
+          <a:bodyPr/>
+          <a:lstStyle>
+            <a:lvl1pPr>
+              <a:defRPr sz="4200"/>
+            </a:lvl1pPr>
+          </a:lstStyle>
+          <a:p>
+            <a:r>
+              <a:rPr lang="ja-JP" altLang="en-US" smtClean="0"/>
+              <a:t>マスター タイトルの書式設定</a:t>
+            </a:r>
+            <a:endParaRPr lang="en-US" dirty="0"/>
+          </a:p>
+        </p:txBody>
+      </p:sp>
+      <p:sp>
+        <p:nvSpPr>
+          <p:cNvPr id="3" name="Text Placeholder 2"/>
+          <p:cNvSpPr>
+            <a:spLocks noGrp="1"/>
+          </p:cNvSpPr>
+          <p:nvPr>
+            <p:ph type="body" idx="1"/>
+          </p:nvPr>
+        </p:nvSpPr>
+        <p:spPr>
+          <a:xfrm>
+            <a:off x="652463" y="4250949"/>
+            <a:ext cx="2940050" cy="576262"/>
+          </a:xfrm>
+        </p:spPr>
+        <p:txBody>
+          <a:bodyPr anchor="b">
+            <a:noAutofit/>
+          </a:bodyPr>
+          <a:lstStyle>
+            <a:lvl1pPr marL="0" indent="0">
+              <a:buNone/>
+              <a:defRPr sz="2400" b="0">
+                <a:solidFill>
+                  <a:schemeClr val="bg2">
+                    <a:lumMod val="40000"/>
+                    <a:lumOff val="60000"/>
+                  </a:schemeClr>
+                </a:solidFill>
+              </a:defRPr>
+            </a:lvl1pPr>
+            <a:lvl2pPr marL="457200" indent="0">
+              <a:buNone/>
+              <a:defRPr sz="2000" b="1"/>
+            </a:lvl2pPr>
+            <a:lvl3pPr marL="914400" indent="0">
+              <a:buNone/>
+              <a:defRPr sz="1800" b="1"/>
+            </a:lvl3pPr>
+            <a:lvl4pPr marL="1371600" indent="0">
+              <a:buNone/>
+              <a:defRPr sz="1600" b="1"/>
+            </a:lvl4pPr>
+            <a:lvl5pPr marL="1828800" indent="0">
+              <a:buNone/>
+              <a:defRPr sz="1600" b="1"/>
+            </a:lvl5pPr>
+            <a:lvl6pPr marL="2286000" indent="0">
+              <a:buNone/>
+              <a:defRPr sz="1600" b="1"/>
+            </a:lvl6pPr>
+            <a:lvl7pPr marL="2743200" indent="0">
+              <a:buNone/>
+              <a:defRPr sz="1600" b="1"/>
+            </a:lvl7pPr>
+            <a:lvl8pPr marL="3200400" indent="0">
+              <a:buNone/>
+              <a:defRPr sz="1600" b="1"/>
+            </a:lvl8pPr>
+            <a:lvl9pPr marL="3657600" indent="0">
+              <a:buNone/>
+              <a:defRPr sz="1600" b="1"/>
+            </a:lvl9pPr>
+          </a:lstStyle>
+          <a:p>
+            <a:pPr lvl="0"/>
+            <a:r>
+              <a:rPr lang="ja-JP" altLang="en-US" smtClean="0"/>
+              <a:t>マスター テキストの書式設定</a:t>
+            </a:r>
+          </a:p>
+        </p:txBody>
+      </p:sp>
+      <p:sp>
+        <p:nvSpPr>
+          <p:cNvPr id="29" name="Picture Placeholder 2"/>
+          <p:cNvSpPr>
+            <a:spLocks noGrp="1" noChangeAspect="1"/>
+          </p:cNvSpPr>
+          <p:nvPr>
+            <p:ph type="pic" idx="15"/>
+          </p:nvPr>
+        </p:nvSpPr>
+        <p:spPr>
+          <a:xfrm>
+            <a:off x="652463" y="2209800"/>
+            <a:ext cx="2940050" cy="1524000"/>
+          </a:xfrm>
+          <a:prstGeom prst="roundRect">
+            <a:avLst>
+              <a:gd name="adj" fmla="val 1858"/>
+            </a:avLst>
+          </a:prstGeom>
+          <a:effectLst>
+            <a:outerShdw blurRad="50800" dist="50800" dir="5400000" algn="tl" rotWithShape="0">
+              <a:srgbClr val="000000">
+                <a:alpha val="43000"/>
+              </a:srgbClr>
+            </a:outerShdw>
+          </a:effectLst>
+        </p:spPr>
+        <p:txBody>
+          <a:bodyPr anchor="t">
+            <a:normAutofit/>
+          </a:bodyPr>
+          <a:lstStyle>
+            <a:lvl1pPr marL="0" indent="0" algn="ctr">
+              <a:buNone/>
+              <a:defRPr sz="1600"/>
+            </a:lvl1pPr>
+            <a:lvl2pPr marL="457200" indent="0">
+              <a:buNone/>
+              <a:defRPr sz="1600"/>
+            </a:lvl2pPr>
+            <a:lvl3pPr marL="914400" indent="0">
+              <a:buNone/>
+              <a:defRPr sz="1600"/>
+            </a:lvl3pPr>
+            <a:lvl4pPr marL="1371600" indent="0">
+              <a:buNone/>
+              <a:defRPr sz="1600"/>
+            </a:lvl4pPr>
+            <a:lvl5pPr marL="1828800" indent="0">
+              <a:buNone/>
+              <a:defRPr sz="1600"/>
+            </a:lvl5pPr>
+            <a:lvl6pPr marL="2286000" indent="0">
+              <a:buNone/>
+              <a:defRPr sz="1600"/>
+            </a:lvl6pPr>
+            <a:lvl7pPr marL="2743200" indent="0">
+              <a:buNone/>
+              <a:defRPr sz="1600"/>
+            </a:lvl7pPr>
+            <a:lvl8pPr marL="3200400" indent="0">
+              <a:buNone/>
+              <a:defRPr sz="1600"/>
+            </a:lvl8pPr>
+            <a:lvl9pPr marL="3657600" indent="0">
+              <a:buNone/>
+              <a:defRPr sz="1600"/>
+            </a:lvl9pPr>
+          </a:lstStyle>
+          <a:p>
+            <a:r>
+              <a:rPr lang="ja-JP" altLang="en-US" smtClean="0"/>
+              <a:t>図を追加</a:t>
+            </a:r>
+            <a:endParaRPr lang="en-US" dirty="0"/>
+          </a:p>
+        </p:txBody>
+      </p:sp>
+      <p:sp>
+        <p:nvSpPr>
+          <p:cNvPr id="22" name="Text Placeholder 3"/>
+          <p:cNvSpPr>
+            <a:spLocks noGrp="1"/>
+          </p:cNvSpPr>
+          <p:nvPr>
+            <p:ph type="body" sz="half" idx="18"/>
+          </p:nvPr>
+        </p:nvSpPr>
+        <p:spPr>
+          <a:xfrm>
+            <a:off x="652463" y="4827211"/>
+            <a:ext cx="2940050" cy="659189"/>
+          </a:xfrm>
+        </p:spPr>
+        <p:txBody>
+          <a:bodyPr anchor="t">
+            <a:normAutofit/>
+          </a:bodyPr>
+          <a:lstStyle>
+            <a:lvl1pPr marL="0" indent="0">
+              <a:buNone/>
+              <a:defRPr sz="1400"/>
+            </a:lvl1pPr>
+            <a:lvl2pPr marL="457200" indent="0">
+              <a:buNone/>
+              <a:defRPr sz="1200"/>
+            </a:lvl2pPr>
+            <a:lvl3pPr marL="914400" indent="0">
+              <a:buNone/>
+              <a:defRPr sz="1000"/>
+            </a:lvl3pPr>
+            <a:lvl4pPr marL="1371600" indent="0">
+              <a:buNone/>
+              <a:defRPr sz="900"/>
+            </a:lvl4pPr>
+            <a:lvl5pPr marL="1828800" indent="0">
+              <a:buNone/>
+              <a:defRPr sz="900"/>
+            </a:lvl5pPr>
+            <a:lvl6pPr marL="2286000" indent="0">
+              <a:buNone/>
+              <a:defRPr sz="900"/>
+            </a:lvl6pPr>
+            <a:lvl7pPr marL="2743200" indent="0">
+              <a:buNone/>
+              <a:defRPr sz="900"/>
+            </a:lvl7pPr>
+            <a:lvl8pPr marL="3200400" indent="0">
+              <a:buNone/>
+              <a:defRPr sz="900"/>
+            </a:lvl8pPr>
+            <a:lvl9pPr marL="3657600" indent="0">
+              <a:buNone/>
+              <a:defRPr sz="900"/>
+            </a:lvl9pPr>
+          </a:lstStyle>
+          <a:p>
+            <a:pPr lvl="0"/>
+            <a:r>
+              <a:rPr lang="ja-JP" altLang="en-US" smtClean="0"/>
+              <a:t>マスター テキストの書式設定</a:t>
+            </a:r>
+          </a:p>
+        </p:txBody>
+      </p:sp>
+      <p:sp>
+        <p:nvSpPr>
+          <p:cNvPr id="5" name="Text Placeholder 4"/>
+          <p:cNvSpPr>
+            <a:spLocks noGrp="1"/>
+          </p:cNvSpPr>
+          <p:nvPr>
+            <p:ph type="body" sz="quarter" idx="3"/>
+          </p:nvPr>
+        </p:nvSpPr>
+        <p:spPr>
+          <a:xfrm>
+            <a:off x="3889375" y="4250949"/>
+            <a:ext cx="2930525" cy="576262"/>
+          </a:xfrm>
+        </p:spPr>
+        <p:txBody>
+          <a:bodyPr anchor="b">
+            <a:noAutofit/>
+          </a:bodyPr>
+          <a:lstStyle>
+            <a:lvl1pPr marL="0" indent="0">
+              <a:buNone/>
+              <a:defRPr sz="2400" b="0">
+                <a:solidFill>
+                  <a:schemeClr val="bg2">
+                    <a:lumMod val="40000"/>
+                    <a:lumOff val="60000"/>
+                  </a:schemeClr>
+                </a:solidFill>
+              </a:defRPr>
+            </a:lvl1pPr>
+            <a:lvl2pPr marL="457200" indent="0">
+              <a:buNone/>
+              <a:defRPr sz="2000" b="1"/>
+            </a:lvl2pPr>
+            <a:lvl3pPr marL="914400" indent="0">
+              <a:buNone/>
+              <a:defRPr sz="1800" b="1"/>
+            </a:lvl3pPr>
+            <a:lvl4pPr marL="1371600" indent="0">
+              <a:buNone/>
+              <a:defRPr sz="1600" b="1"/>
+            </a:lvl4pPr>
+            <a:lvl5pPr marL="1828800" indent="0">
+              <a:buNone/>
+              <a:defRPr sz="1600" b="1"/>
+            </a:lvl5pPr>
+            <a:lvl6pPr marL="2286000" indent="0">
+              <a:buNone/>
+              <a:defRPr sz="1600" b="1"/>
+            </a:lvl6pPr>
+            <a:lvl7pPr marL="2743200" indent="0">
+              <a:buNone/>
+              <a:defRPr sz="1600" b="1"/>
+            </a:lvl7pPr>
+            <a:lvl8pPr marL="3200400" indent="0">
+              <a:buNone/>
+              <a:defRPr sz="1600" b="1"/>
+            </a:lvl8pPr>
+            <a:lvl9pPr marL="3657600" indent="0">
+              <a:buNone/>
+              <a:defRPr sz="1600" b="1"/>
+            </a:lvl9pPr>
+          </a:lstStyle>
+          <a:p>
+            <a:pPr lvl="0"/>
+            <a:r>
+              <a:rPr lang="ja-JP" altLang="en-US" smtClean="0"/>
+              <a:t>マスター テキストの書式設定</a:t>
+            </a:r>
+          </a:p>
+        </p:txBody>
+      </p:sp>
+      <p:sp>
+        <p:nvSpPr>
+          <p:cNvPr id="30" name="Picture Placeholder 2"/>
+          <p:cNvSpPr>
+            <a:spLocks noGrp="1" noChangeAspect="1"/>
+          </p:cNvSpPr>
+          <p:nvPr>
+            <p:ph type="pic" idx="21"/>
+          </p:nvPr>
+        </p:nvSpPr>
+        <p:spPr>
+          <a:xfrm>
+            <a:off x="3889374" y="2209800"/>
+            <a:ext cx="2930525" cy="1524000"/>
+          </a:xfrm>
+          <a:prstGeom prst="roundRect">
+            <a:avLst>
+              <a:gd name="adj" fmla="val 1858"/>
+            </a:avLst>
+          </a:prstGeom>
+          <a:effectLst>
+            <a:outerShdw blurRad="50800" dist="50800" dir="5400000" algn="tl" rotWithShape="0">
+              <a:srgbClr val="000000">
+                <a:alpha val="43000"/>
+              </a:srgbClr>
+            </a:outerShdw>
+          </a:effectLst>
+        </p:spPr>
+        <p:txBody>
+          <a:bodyPr anchor="t">
+            <a:normAutofit/>
+          </a:bodyPr>
+          <a:lstStyle>
+            <a:lvl1pPr marL="0" indent="0" algn="ctr">
+              <a:buNone/>
+              <a:defRPr sz="1600"/>
+            </a:lvl1pPr>
+            <a:lvl2pPr marL="457200" indent="0">
+              <a:buNone/>
+              <a:defRPr sz="1600"/>
+            </a:lvl2pPr>
+            <a:lvl3pPr marL="914400" indent="0">
+              <a:buNone/>
+              <a:defRPr sz="1600"/>
+            </a:lvl3pPr>
+            <a:lvl4pPr marL="1371600" indent="0">
+              <a:buNone/>
+              <a:defRPr sz="1600"/>
+            </a:lvl4pPr>
+            <a:lvl5pPr marL="1828800" indent="0">
+              <a:buNone/>
+              <a:defRPr sz="1600"/>
+            </a:lvl5pPr>
+            <a:lvl6pPr marL="2286000" indent="0">
+              <a:buNone/>
+              <a:defRPr sz="1600"/>
+            </a:lvl6pPr>
+            <a:lvl7pPr marL="2743200" indent="0">
+              <a:buNone/>
+              <a:defRPr sz="1600"/>
+            </a:lvl7pPr>
+            <a:lvl8pPr marL="3200400" indent="0">
+              <a:buNone/>
+              <a:defRPr sz="1600"/>
+            </a:lvl8pPr>
+            <a:lvl9pPr marL="3657600" indent="0">
+              <a:buNone/>
+              <a:defRPr sz="1600"/>
+            </a:lvl9pPr>
+          </a:lstStyle>
+          <a:p>
+            <a:r>
+              <a:rPr lang="ja-JP" altLang="en-US" smtClean="0"/>
+              <a:t>図を追加</a:t>
+            </a:r>
+            <a:endParaRPr lang="en-US" dirty="0"/>
+          </a:p>
+        </p:txBody>
+      </p:sp>
+      <p:sp>
+        <p:nvSpPr>
+          <p:cNvPr id="23" name="Text Placeholder 3"/>
+          <p:cNvSpPr>
+            <a:spLocks noGrp="1"/>
+          </p:cNvSpPr>
+          <p:nvPr>
+            <p:ph type="body" sz="half" idx="19"/>
+          </p:nvPr>
+        </p:nvSpPr>
+        <p:spPr>
+          <a:xfrm>
+            <a:off x="3888022" y="4827210"/>
+            <a:ext cx="2934406" cy="659189"/>
+          </a:xfrm>
+        </p:spPr>
+        <p:txBody>
+          <a:bodyPr anchor="t">
+            <a:normAutofit/>
+          </a:bodyPr>
+          <a:lstStyle>
+            <a:lvl1pPr marL="0" indent="0">
+              <a:buNone/>
+              <a:defRPr sz="1400"/>
+            </a:lvl1pPr>
+            <a:lvl2pPr marL="457200" indent="0">
+              <a:buNone/>
+              <a:defRPr sz="1200"/>
+            </a:lvl2pPr>
+            <a:lvl3pPr marL="914400" indent="0">
+              <a:buNone/>
+              <a:defRPr sz="1000"/>
+            </a:lvl3pPr>
+            <a:lvl4pPr marL="1371600" indent="0">
+              <a:buNone/>
+              <a:defRPr sz="900"/>
+            </a:lvl4pPr>
+            <a:lvl5pPr marL="1828800" indent="0">
+              <a:buNone/>
+              <a:defRPr sz="900"/>
+            </a:lvl5pPr>
+            <a:lvl6pPr marL="2286000" indent="0">
+              <a:buNone/>
+              <a:defRPr sz="900"/>
+            </a:lvl6pPr>
+            <a:lvl7pPr marL="2743200" indent="0">
+              <a:buNone/>
+              <a:defRPr sz="900"/>
+            </a:lvl7pPr>
+            <a:lvl8pPr marL="3200400" indent="0">
+              <a:buNone/>
+              <a:defRPr sz="900"/>
+            </a:lvl8pPr>
+            <a:lvl9pPr marL="3657600" indent="0">
+              <a:buNone/>
+              <a:defRPr sz="900"/>
+            </a:lvl9pPr>
+          </a:lstStyle>
+          <a:p>
+            <a:pPr lvl="0"/>
+            <a:r>
+              <a:rPr lang="ja-JP" altLang="en-US" smtClean="0"/>
+              <a:t>マスター テキストの書式設定</a:t>
+            </a:r>
+          </a:p>
+        </p:txBody>
+      </p:sp>
+      <p:sp>
+        <p:nvSpPr>
+          <p:cNvPr id="14" name="Text Placeholder 4"/>
+          <p:cNvSpPr>
+            <a:spLocks noGrp="1"/>
+          </p:cNvSpPr>
+          <p:nvPr>
+            <p:ph type="body" sz="quarter" idx="13"/>
+          </p:nvPr>
+        </p:nvSpPr>
+        <p:spPr>
+          <a:xfrm>
+            <a:off x="7124700" y="4250949"/>
+            <a:ext cx="2932113" cy="576262"/>
+          </a:xfrm>
+        </p:spPr>
+        <p:txBody>
+          <a:bodyPr anchor="b">
+            <a:noAutofit/>
+          </a:bodyPr>
+          <a:lstStyle>
+            <a:lvl1pPr marL="0" indent="0">
+              <a:buNone/>
+              <a:defRPr sz="2400" b="0">
+                <a:solidFill>
+                  <a:schemeClr val="bg2">
+                    <a:lumMod val="40000"/>
+                    <a:lumOff val="60000"/>
+                  </a:schemeClr>
+                </a:solidFill>
+              </a:defRPr>
+            </a:lvl1pPr>
+            <a:lvl2pPr marL="457200" indent="0">
+              <a:buNone/>
+              <a:defRPr sz="2000" b="1"/>
+            </a:lvl2pPr>
+            <a:lvl3pPr marL="914400" indent="0">
+              <a:buNone/>
+              <a:defRPr sz="1800" b="1"/>
+            </a:lvl3pPr>
+            <a:lvl4pPr marL="1371600" indent="0">
+              <a:buNone/>
+              <a:defRPr sz="1600" b="1"/>
+            </a:lvl4pPr>
+            <a:lvl5pPr marL="1828800" indent="0">
+              <a:buNone/>
+              <a:defRPr sz="1600" b="1"/>
+            </a:lvl5pPr>
+            <a:lvl6pPr marL="2286000" indent="0">
+              <a:buNone/>
+              <a:defRPr sz="1600" b="1"/>
+            </a:lvl6pPr>
+            <a:lvl7pPr marL="2743200" indent="0">
+              <a:buNone/>
+              <a:defRPr sz="1600" b="1"/>
+            </a:lvl7pPr>
+            <a:lvl8pPr marL="3200400" indent="0">
+              <a:buNone/>
+              <a:defRPr sz="1600" b="1"/>
+            </a:lvl8pPr>
+            <a:lvl9pPr marL="3657600" indent="0">
+              <a:buNone/>
+              <a:defRPr sz="1600" b="1"/>
+            </a:lvl9pPr>
+          </a:lstStyle>
+          <a:p>
+            <a:pPr lvl="0"/>
+            <a:r>
+              <a:rPr lang="ja-JP" altLang="en-US" smtClean="0"/>
+              <a:t>マスター テキストの書式設定</a:t>
+            </a:r>
+          </a:p>
+        </p:txBody>
+      </p:sp>
+      <p:sp>
+        <p:nvSpPr>
+          <p:cNvPr id="31" name="Picture Placeholder 2"/>
+          <p:cNvSpPr>
+            <a:spLocks noGrp="1" noChangeAspect="1"/>
+          </p:cNvSpPr>
+          <p:nvPr>
+            <p:ph type="pic" idx="22"/>
+          </p:nvPr>
+        </p:nvSpPr>
+        <p:spPr>
+          <a:xfrm>
+            <a:off x="7124699" y="2209800"/>
+            <a:ext cx="2932113" cy="1524000"/>
+          </a:xfrm>
+          <a:prstGeom prst="roundRect">
+            <a:avLst>
+              <a:gd name="adj" fmla="val 1858"/>
+            </a:avLst>
+          </a:prstGeom>
+          <a:effectLst>
+            <a:outerShdw blurRad="50800" dist="50800" dir="5400000" algn="tl" rotWithShape="0">
+              <a:srgbClr val="000000">
+                <a:alpha val="43000"/>
+              </a:srgbClr>
+            </a:outerShdw>
+          </a:effectLst>
+        </p:spPr>
+        <p:txBody>
+          <a:bodyPr anchor="t">
+            <a:normAutofit/>
+          </a:bodyPr>
+          <a:lstStyle>
+            <a:lvl1pPr marL="0" indent="0" algn="ctr">
+              <a:buNone/>
+              <a:defRPr sz="1600"/>
+            </a:lvl1pPr>
+            <a:lvl2pPr marL="457200" indent="0">
+              <a:buNone/>
+              <a:defRPr sz="1600"/>
+            </a:lvl2pPr>
+            <a:lvl3pPr marL="914400" indent="0">
+              <a:buNone/>
+              <a:defRPr sz="1600"/>
+            </a:lvl3pPr>
+            <a:lvl4pPr marL="1371600" indent="0">
+              <a:buNone/>
+              <a:defRPr sz="1600"/>
+            </a:lvl4pPr>
+            <a:lvl5pPr marL="1828800" indent="0">
+              <a:buNone/>
+              <a:defRPr sz="1600"/>
+            </a:lvl5pPr>
+            <a:lvl6pPr marL="2286000" indent="0">
+              <a:buNone/>
+              <a:defRPr sz="1600"/>
+            </a:lvl6pPr>
+            <a:lvl7pPr marL="2743200" indent="0">
+              <a:buNone/>
+              <a:defRPr sz="1600"/>
+            </a:lvl7pPr>
+            <a:lvl8pPr marL="3200400" indent="0">
+              <a:buNone/>
+              <a:defRPr sz="1600"/>
+            </a:lvl8pPr>
+            <a:lvl9pPr marL="3657600" indent="0">
+              <a:buNone/>
+              <a:defRPr sz="1600"/>
+            </a:lvl9pPr>
+          </a:lstStyle>
+          <a:p>
+            <a:r>
+              <a:rPr lang="ja-JP" altLang="en-US" smtClean="0"/>
+              <a:t>図を追加</a:t>
+            </a:r>
+            <a:endParaRPr lang="en-US" dirty="0"/>
+          </a:p>
+        </p:txBody>
+      </p:sp>
+      <p:sp>
+        <p:nvSpPr>
+          <p:cNvPr id="24" name="Text Placeholder 3"/>
+          <p:cNvSpPr>
+            <a:spLocks noGrp="1"/>
+          </p:cNvSpPr>
+          <p:nvPr>
+            <p:ph type="body" sz="half" idx="20"/>
+          </p:nvPr>
+        </p:nvSpPr>
+        <p:spPr>
+          <a:xfrm>
+            <a:off x="7124575" y="4827208"/>
+            <a:ext cx="2935997" cy="659189"/>
+          </a:xfrm>
+        </p:spPr>
+        <p:txBody>
+          <a:bodyPr anchor="t">
+            <a:normAutofit/>
+          </a:bodyPr>
+          <a:lstStyle>
+            <a:lvl1pPr marL="0" indent="0">
+              <a:buNone/>
+              <a:defRPr sz="1400"/>
+            </a:lvl1pPr>
+            <a:lvl2pPr marL="457200" indent="0">
+              <a:buNone/>
+              <a:defRPr sz="1200"/>
+            </a:lvl2pPr>
+            <a:lvl3pPr marL="914400" indent="0">
+              <a:buNone/>
+              <a:defRPr sz="1000"/>
+            </a:lvl3pPr>
+            <a:lvl4pPr marL="1371600" indent="0">
+              <a:buNone/>
+              <a:defRPr sz="900"/>
+            </a:lvl4pPr>
+            <a:lvl5pPr marL="1828800" indent="0">
+              <a:buNone/>
+              <a:defRPr sz="900"/>
+            </a:lvl5pPr>
+            <a:lvl6pPr marL="2286000" indent="0">
+              <a:buNone/>
+              <a:defRPr sz="900"/>
+            </a:lvl6pPr>
+            <a:lvl7pPr marL="2743200" indent="0">
+              <a:buNone/>
+              <a:defRPr sz="900"/>
+            </a:lvl7pPr>
+            <a:lvl8pPr marL="3200400" indent="0">
+              <a:buNone/>
+              <a:defRPr sz="900"/>
+            </a:lvl8pPr>
+            <a:lvl9pPr marL="3657600" indent="0">
+              <a:buNone/>
+              <a:defRPr sz="900"/>
+            </a:lvl9pPr>
+          </a:lstStyle>
+          <a:p>
+            <a:pPr lvl="0"/>
+            <a:r>
+              <a:rPr lang="ja-JP" altLang="en-US" smtClean="0"/>
+              <a:t>マスター テキストの書式設定</a:t>
+            </a:r>
+          </a:p>
+        </p:txBody>
+      </p:sp>
+      <p:cxnSp>
+        <p:nvCxnSpPr>
+          <p:cNvPr id="19" name="Straight Connector 18"/>
+          <p:cNvCxnSpPr/>
+          <p:nvPr/>
+        </p:nvCxnSpPr>
+        <p:spPr>
+          <a:xfrm>
+            <a:off x="3726142" y="2133600"/>
+            <a:ext cx="0" cy="3962400"/>
+          </a:xfrm>
+          <a:prstGeom prst="line">
+            <a:avLst/>
+          </a:prstGeom>
+          <a:ln w="12700" cmpd="sng">
+            <a:solidFill>
+              <a:schemeClr val="bg2">
+                <a:lumMod val="40000"/>
+                <a:lumOff val="60000"/>
+                <a:alpha val="40000"/>
+              </a:schemeClr>
+            </a:solidFill>
+          </a:ln>
+        </p:spPr>
+        <p:style>
+          <a:lnRef idx="2">
+            <a:schemeClr val="accent1"/>
+          </a:lnRef>
+          <a:fillRef idx="0">
+            <a:schemeClr val="accent1"/>
+          </a:fillRef>
+          <a:effectRef idx="1">
+            <a:schemeClr val="accent1"/>
+          </a:effectRef>
+          <a:fontRef idx="minor">
+            <a:schemeClr val="tx1"/>
+          </a:fontRef>
+        </p:style>
+      </p:cxnSp>
+      <p:cxnSp>
+        <p:nvCxnSpPr>
+          <p:cNvPr id="20" name="Straight Connector 19"/>
+          <p:cNvCxnSpPr/>
+          <p:nvPr/>
+        </p:nvCxnSpPr>
+        <p:spPr>
+          <a:xfrm>
+            <a:off x="6962227" y="2133600"/>
+            <a:ext cx="0" cy="3966882"/>
+          </a:xfrm>
+          <a:prstGeom prst="line">
+            <a:avLst/>
+          </a:prstGeom>
+          <a:ln w="12700" cmpd="sng">
+            <a:solidFill>
+              <a:schemeClr val="bg2">
+                <a:lumMod val="40000"/>
+                <a:lumOff val="60000"/>
+                <a:alpha val="40000"/>
+              </a:schemeClr>
+            </a:solidFill>
+          </a:ln>
+        </p:spPr>
+        <p:style>
+          <a:lnRef idx="2">
+            <a:schemeClr val="accent1"/>
+          </a:lnRef>
+          <a:fillRef idx="0">
+            <a:schemeClr val="accent1"/>
+          </a:fillRef>
+          <a:effectRef idx="1">
+            <a:schemeClr val="accent1"/>
+          </a:effectRef>
+          <a:fontRef idx="minor">
+            <a:schemeClr val="tx1"/>
+          </a:fontRef>
+        </p:style>
+      </p:cxnSp>
+      <p:sp>
+        <p:nvSpPr>
+          <p:cNvPr id="7" name="Date Placeholder 3"/>
+          <p:cNvSpPr>
+            <a:spLocks noGrp="1"/>
+          </p:cNvSpPr>
+          <p:nvPr>
+            <p:ph type="dt" sz="half" idx="10"/>
+          </p:nvPr>
+        </p:nvSpPr>
+        <p:spPr/>
+        <p:txBody>
+          <a:bodyPr/>
+          <a:lstStyle/>
+          <a:p>
+            <a:fld id="{242841BA-3CFF-4AFF-88B1-DBD736C8B12D}" type="datetimeFigureOut">
+              <a:rPr kumimoji="1" lang="ja-JP" altLang="en-US" smtClean="0"/>
+              <a:t>2025/12/22</a:t>
+            </a:fld>
+            <a:endParaRPr kumimoji="1" lang="ja-JP" altLang="en-US"/>
+          </a:p>
+        </p:txBody>
+      </p:sp>
+      <p:sp>
+        <p:nvSpPr>
+          <p:cNvPr id="4" name="Footer Placeholder 4"/>
+          <p:cNvSpPr>
+            <a:spLocks noGrp="1"/>
+          </p:cNvSpPr>
+          <p:nvPr>
+            <p:ph type="ftr" sz="quarter" idx="11"/>
+          </p:nvPr>
+        </p:nvSpPr>
+        <p:spPr/>
+        <p:txBody>
+          <a:bodyPr/>
+          <a:lstStyle/>
+          <a:p>
+            <a:endParaRPr kumimoji="1" lang="ja-JP" altLang="en-US"/>
+          </a:p>
+        </p:txBody>
+      </p:sp>
+      <p:sp>
+        <p:nvSpPr>
+          <p:cNvPr id="6" name="Slide Number Placeholder 5"/>
+          <p:cNvSpPr>
+            <a:spLocks noGrp="1"/>
+          </p:cNvSpPr>
+          <p:nvPr>
+            <p:ph type="sldNum" sz="quarter" idx="12"/>
+          </p:nvPr>
+        </p:nvSpPr>
+        <p:spPr/>
+        <p:txBody>
+          <a:bodyPr/>
+          <a:lstStyle/>
+          <a:p>
+            <a:fld id="{B61B8580-C637-4C0A-B198-F70AF7616DB3}" type="slidenum">
+              <a:rPr kumimoji="1" lang="ja-JP" altLang="en-US" smtClean="0"/>
+              <a:t>‹#›</a:t>
+            </a:fld>
+            <a:endParaRPr kumimoji="1" lang="ja-JP" altLang="en-US"/>
+          </a:p>
+        </p:txBody>
+      </p:sp>
+    </p:spTree>
+    <p:extLst>
+      <p:ext uri="{BB962C8B-B14F-4D97-AF65-F5344CB8AC3E}">
+        <p14:creationId xmlns:p14="http://schemas.microsoft.com/office/powerpoint/2010/main" val="1763661528"/>
+      </p:ext>
+    </p:extLst>
+  </p:cSld>
+  <p:clrMapOvr>
+    <a:masterClrMapping/>
+  </p:clrMapOvr>
+</p:sldLayout>
+</file>
+
+<file path=ppt/slideLayouts/slideLayout16.xml><?xml version="1.0" encoding="utf-8"?>
 <p:sldLayout xmlns:a="http://schemas.openxmlformats.org/drawingml/2006/main" xmlns:r="http://schemas.openxmlformats.org/officeDocument/2006/relationships" xmlns:p="http://schemas.openxmlformats.org/presentationml/2006/main" type="vertTx" preserve="1">
   <p:cSld name="タイトルと&#10;縦書きテキスト">
     <p:spTree>
@@ -327,7 +2948,7 @@
       </p:grpSpPr>
       <p:sp>
         <p:nvSpPr>
-          <p:cNvPr id="2" name="タイトル 1"/>
+          <p:cNvPr id="2" name="Title 1"/>
           <p:cNvSpPr>
             <a:spLocks noGrp="1"/>
           </p:cNvSpPr>
@@ -341,16 +2962,16 @@
           <a:lstStyle/>
           <a:p>
             <a:r>
-              <a:rPr kumimoji="1" lang="ja-JP" altLang="en-US" smtClean="0"/>
+              <a:rPr lang="ja-JP" altLang="en-US" smtClean="0"/>
               <a:t>マスター タイトルの書式設定</a:t>
             </a:r>
-            <a:endParaRPr kumimoji="1" lang="ja-JP" altLang="en-US"/>
-          </a:p>
-        </p:txBody>
-      </p:sp>
-      <p:sp>
-        <p:nvSpPr>
-          <p:cNvPr id="3" name="縦書きテキスト プレースホルダー 2"/>
+            <a:endParaRPr lang="en-US" dirty="0"/>
+          </a:p>
+        </p:txBody>
+      </p:sp>
+      <p:sp>
+        <p:nvSpPr>
+          <p:cNvPr id="3" name="Vertical Text Placeholder 2"/>
           <p:cNvSpPr>
             <a:spLocks noGrp="1"/>
           </p:cNvSpPr>
@@ -360,81 +2981,81 @@
         </p:nvSpPr>
         <p:spPr/>
         <p:txBody>
-          <a:bodyPr vert="eaVert"/>
+          <a:bodyPr vert="eaVert" anchor="t" anchorCtr="0"/>
           <a:lstStyle/>
           <a:p>
             <a:pPr lvl="0"/>
             <a:r>
-              <a:rPr kumimoji="1" lang="ja-JP" altLang="en-US" smtClean="0"/>
+              <a:rPr lang="ja-JP" altLang="en-US" smtClean="0"/>
               <a:t>マスター テキストの書式設定</a:t>
             </a:r>
           </a:p>
           <a:p>
             <a:pPr lvl="1"/>
             <a:r>
-              <a:rPr kumimoji="1" lang="ja-JP" altLang="en-US" smtClean="0"/>
+              <a:rPr lang="ja-JP" altLang="en-US" smtClean="0"/>
               <a:t>第 </a:t>
             </a:r>
             <a:r>
-              <a:rPr kumimoji="1" lang="en-US" altLang="ja-JP" smtClean="0"/>
+              <a:rPr lang="en-US" altLang="ja-JP" smtClean="0"/>
               <a:t>2 </a:t>
             </a:r>
             <a:r>
-              <a:rPr kumimoji="1" lang="ja-JP" altLang="en-US" smtClean="0"/>
+              <a:rPr lang="ja-JP" altLang="en-US" smtClean="0"/>
               <a:t>レベル</a:t>
             </a:r>
           </a:p>
           <a:p>
             <a:pPr lvl="2"/>
             <a:r>
-              <a:rPr kumimoji="1" lang="ja-JP" altLang="en-US" smtClean="0"/>
+              <a:rPr lang="ja-JP" altLang="en-US" smtClean="0"/>
               <a:t>第 </a:t>
             </a:r>
             <a:r>
-              <a:rPr kumimoji="1" lang="en-US" altLang="ja-JP" smtClean="0"/>
+              <a:rPr lang="en-US" altLang="ja-JP" smtClean="0"/>
               <a:t>3 </a:t>
             </a:r>
             <a:r>
-              <a:rPr kumimoji="1" lang="ja-JP" altLang="en-US" smtClean="0"/>
+              <a:rPr lang="ja-JP" altLang="en-US" smtClean="0"/>
               <a:t>レベル</a:t>
             </a:r>
           </a:p>
           <a:p>
             <a:pPr lvl="3"/>
             <a:r>
-              <a:rPr kumimoji="1" lang="ja-JP" altLang="en-US" smtClean="0"/>
+              <a:rPr lang="ja-JP" altLang="en-US" smtClean="0"/>
               <a:t>第 </a:t>
             </a:r>
             <a:r>
-              <a:rPr kumimoji="1" lang="en-US" altLang="ja-JP" smtClean="0"/>
+              <a:rPr lang="en-US" altLang="ja-JP" smtClean="0"/>
               <a:t>4 </a:t>
             </a:r>
             <a:r>
-              <a:rPr kumimoji="1" lang="ja-JP" altLang="en-US" smtClean="0"/>
+              <a:rPr lang="ja-JP" altLang="en-US" smtClean="0"/>
               <a:t>レベル</a:t>
             </a:r>
           </a:p>
           <a:p>
             <a:pPr lvl="4"/>
             <a:r>
-              <a:rPr kumimoji="1" lang="ja-JP" altLang="en-US" smtClean="0"/>
+              <a:rPr lang="ja-JP" altLang="en-US" smtClean="0"/>
               <a:t>第 </a:t>
             </a:r>
             <a:r>
-              <a:rPr kumimoji="1" lang="en-US" altLang="ja-JP" smtClean="0"/>
+              <a:rPr lang="en-US" altLang="ja-JP" smtClean="0"/>
               <a:t>5 </a:t>
             </a:r>
             <a:r>
-              <a:rPr kumimoji="1" lang="ja-JP" altLang="en-US" smtClean="0"/>
+              <a:rPr lang="ja-JP" altLang="en-US" smtClean="0"/>
               <a:t>レベル</a:t>
             </a:r>
-            <a:endParaRPr kumimoji="1" lang="ja-JP" altLang="en-US"/>
-          </a:p>
-        </p:txBody>
-      </p:sp>
-      <p:sp>
-        <p:nvSpPr>
-          <p:cNvPr id="4" name="日付プレースホルダー 3"/>
+            <a:endParaRPr lang="en-US" dirty="0"/>
+          </a:p>
+        </p:txBody>
+      </p:sp>
+      <p:sp>
+        <p:nvSpPr>
+          <p:cNvPr id="4" name="Date Placeholder 3"/>
           <p:cNvSpPr>
             <a:spLocks noGrp="1"/>
           </p:cNvSpPr>
@@ -449,7 +3070,7 @@
           <a:p>
             <a:fld id="{242841BA-3CFF-4AFF-88B1-DBD736C8B12D}" type="datetimeFigureOut">
               <a:rPr kumimoji="1" lang="ja-JP" altLang="en-US" smtClean="0"/>
-              <a:t>2025/12/17</a:t>
+              <a:t>2025/12/22</a:t>
             </a:fld>
             <a:endParaRPr kumimoji="1" lang="ja-JP" altLang="en-US"/>
           </a:p>
@@ -457,7 +3078,7 @@
       </p:sp>
       <p:sp>
         <p:nvSpPr>
-          <p:cNvPr id="5" name="フッター プレースホルダー 4"/>
+          <p:cNvPr id="5" name="Footer Placeholder 4"/>
           <p:cNvSpPr>
             <a:spLocks noGrp="1"/>
           </p:cNvSpPr>
@@ -476,7 +3097,7 @@
       </p:sp>
       <p:sp>
         <p:nvSpPr>
-          <p:cNvPr id="6" name="スライド番号プレースホルダー 5"/>
+          <p:cNvPr id="6" name="Slide Number Placeholder 5"/>
           <p:cNvSpPr>
             <a:spLocks noGrp="1"/>
           </p:cNvSpPr>
@@ -500,7 +3121,7 @@
     </p:spTree>
     <p:extLst>
       <p:ext uri="{BB962C8B-B14F-4D97-AF65-F5344CB8AC3E}">
-        <p14:creationId xmlns:p14="http://schemas.microsoft.com/office/powerpoint/2010/main" val="2955829355"/>
+        <p14:creationId xmlns:p14="http://schemas.microsoft.com/office/powerpoint/2010/main" val="2821205972"/>
       </p:ext>
     </p:extLst>
   </p:cSld>
@@ -510,7 +3131,7 @@
 </p:sldLayout>
 </file>
 
-<file path=ppt/slideLayouts/slideLayout11.xml><?xml version="1.0" encoding="utf-8"?>
+<file path=ppt/slideLayouts/slideLayout17.xml><?xml version="1.0" encoding="utf-8"?>
 <p:sldLayout xmlns:a="http://schemas.openxmlformats.org/drawingml/2006/main" xmlns:r="http://schemas.openxmlformats.org/officeDocument/2006/relationships" xmlns:p="http://schemas.openxmlformats.org/presentationml/2006/main" type="vertTitleAndTx" preserve="1">
   <p:cSld name="縦書きタイトルと&#10;縦書きテキスト">
     <p:spTree>
@@ -529,7 +3150,7 @@
       </p:grpSpPr>
       <p:sp>
         <p:nvSpPr>
-          <p:cNvPr id="2" name="縦書きタイトル 1"/>
+          <p:cNvPr id="2" name="Vertical Title 1"/>
           <p:cNvSpPr>
             <a:spLocks noGrp="1"/>
           </p:cNvSpPr>
@@ -539,114 +3160,114 @@
         </p:nvSpPr>
         <p:spPr>
           <a:xfrm>
-            <a:off x="8724900" y="365125"/>
-            <a:ext cx="2628900" cy="5811838"/>
+            <a:off x="8304212" y="430213"/>
+            <a:ext cx="1752601" cy="5826125"/>
+          </a:xfrm>
+        </p:spPr>
+        <p:txBody>
+          <a:bodyPr vert="eaVert" anchor="b" anchorCtr="0"/>
+          <a:lstStyle/>
+          <a:p>
+            <a:r>
+              <a:rPr lang="ja-JP" altLang="en-US" smtClean="0"/>
+              <a:t>マスター タイトルの書式設定</a:t>
+            </a:r>
+            <a:endParaRPr lang="en-US" dirty="0"/>
+          </a:p>
+        </p:txBody>
+      </p:sp>
+      <p:sp>
+        <p:nvSpPr>
+          <p:cNvPr id="3" name="Vertical Text Placeholder 2"/>
+          <p:cNvSpPr>
+            <a:spLocks noGrp="1"/>
+          </p:cNvSpPr>
+          <p:nvPr>
+            <p:ph type="body" orient="vert" idx="1"/>
+          </p:nvPr>
+        </p:nvSpPr>
+        <p:spPr>
+          <a:xfrm>
+            <a:off x="652463" y="887414"/>
+            <a:ext cx="7423149" cy="5368924"/>
           </a:xfrm>
         </p:spPr>
         <p:txBody>
           <a:bodyPr vert="eaVert"/>
           <a:lstStyle/>
           <a:p>
-            <a:r>
-              <a:rPr kumimoji="1" lang="ja-JP" altLang="en-US" smtClean="0"/>
-              <a:t>マスター タイトルの書式設定</a:t>
-            </a:r>
-            <a:endParaRPr kumimoji="1" lang="ja-JP" altLang="en-US"/>
-          </a:p>
-        </p:txBody>
-      </p:sp>
-      <p:sp>
-        <p:nvSpPr>
-          <p:cNvPr id="3" name="縦書きテキスト プレースホルダー 2"/>
-          <p:cNvSpPr>
-            <a:spLocks noGrp="1"/>
-          </p:cNvSpPr>
-          <p:nvPr>
-            <p:ph type="body" orient="vert" idx="1"/>
-          </p:nvPr>
-        </p:nvSpPr>
-        <p:spPr>
-          <a:xfrm>
-            <a:off x="838200" y="365125"/>
-            <a:ext cx="7734300" cy="5811838"/>
-          </a:xfrm>
-        </p:spPr>
-        <p:txBody>
-          <a:bodyPr vert="eaVert"/>
-          <a:lstStyle/>
-          <a:p>
             <a:pPr lvl="0"/>
             <a:r>
-              <a:rPr kumimoji="1" lang="ja-JP" altLang="en-US" smtClean="0"/>
+              <a:rPr lang="ja-JP" altLang="en-US" smtClean="0"/>
               <a:t>マスター テキストの書式設定</a:t>
             </a:r>
           </a:p>
           <a:p>
             <a:pPr lvl="1"/>
             <a:r>
-              <a:rPr kumimoji="1" lang="ja-JP" altLang="en-US" smtClean="0"/>
+              <a:rPr lang="ja-JP" altLang="en-US" smtClean="0"/>
               <a:t>第 </a:t>
             </a:r>
             <a:r>
-              <a:rPr kumimoji="1" lang="en-US" altLang="ja-JP" smtClean="0"/>
+              <a:rPr lang="en-US" altLang="ja-JP" smtClean="0"/>
               <a:t>2 </a:t>
             </a:r>
             <a:r>
-              <a:rPr kumimoji="1" lang="ja-JP" altLang="en-US" smtClean="0"/>
+              <a:rPr lang="ja-JP" altLang="en-US" smtClean="0"/>
               <a:t>レベル</a:t>
             </a:r>
           </a:p>
           <a:p>
             <a:pPr lvl="2"/>
             <a:r>
-              <a:rPr kumimoji="1" lang="ja-JP" altLang="en-US" smtClean="0"/>
+              <a:rPr lang="ja-JP" altLang="en-US" smtClean="0"/>
               <a:t>第 </a:t>
             </a:r>
             <a:r>
-              <a:rPr kumimoji="1" lang="en-US" altLang="ja-JP" smtClean="0"/>
+              <a:rPr lang="en-US" altLang="ja-JP" smtClean="0"/>
               <a:t>3 </a:t>
             </a:r>
             <a:r>
-              <a:rPr kumimoji="1" lang="ja-JP" altLang="en-US" smtClean="0"/>
+              <a:rPr lang="ja-JP" altLang="en-US" smtClean="0"/>
               <a:t>レベル</a:t>
             </a:r>
           </a:p>
           <a:p>
             <a:pPr lvl="3"/>
             <a:r>
-              <a:rPr kumimoji="1" lang="ja-JP" altLang="en-US" smtClean="0"/>
+              <a:rPr lang="ja-JP" altLang="en-US" smtClean="0"/>
               <a:t>第 </a:t>
             </a:r>
             <a:r>
-              <a:rPr kumimoji="1" lang="en-US" altLang="ja-JP" smtClean="0"/>
+              <a:rPr lang="en-US" altLang="ja-JP" smtClean="0"/>
               <a:t>4 </a:t>
             </a:r>
             <a:r>
-              <a:rPr kumimoji="1" lang="ja-JP" altLang="en-US" smtClean="0"/>
+              <a:rPr lang="ja-JP" altLang="en-US" smtClean="0"/>
               <a:t>レベル</a:t>
             </a:r>
           </a:p>
           <a:p>
             <a:pPr lvl="4"/>
             <a:r>
-              <a:rPr kumimoji="1" lang="ja-JP" altLang="en-US" smtClean="0"/>
+              <a:rPr lang="ja-JP" altLang="en-US" smtClean="0"/>
               <a:t>第 </a:t>
             </a:r>
             <a:r>
-              <a:rPr kumimoji="1" lang="en-US" altLang="ja-JP" smtClean="0"/>
+              <a:rPr lang="en-US" altLang="ja-JP" smtClean="0"/>
               <a:t>5 </a:t>
             </a:r>
             <a:r>
-              <a:rPr kumimoji="1" lang="ja-JP" altLang="en-US" smtClean="0"/>
+              <a:rPr lang="ja-JP" altLang="en-US" smtClean="0"/>
               <a:t>レベル</a:t>
             </a:r>
-            <a:endParaRPr kumimoji="1" lang="ja-JP" altLang="en-US"/>
-          </a:p>
-        </p:txBody>
-      </p:sp>
-      <p:sp>
-        <p:nvSpPr>
-          <p:cNvPr id="4" name="日付プレースホルダー 3"/>
+            <a:endParaRPr lang="en-US" dirty="0"/>
+          </a:p>
+        </p:txBody>
+      </p:sp>
+      <p:sp>
+        <p:nvSpPr>
+          <p:cNvPr id="4" name="Date Placeholder 3"/>
           <p:cNvSpPr>
             <a:spLocks noGrp="1"/>
           </p:cNvSpPr>
@@ -661,7 +3282,7 @@
           <a:p>
             <a:fld id="{242841BA-3CFF-4AFF-88B1-DBD736C8B12D}" type="datetimeFigureOut">
               <a:rPr kumimoji="1" lang="ja-JP" altLang="en-US" smtClean="0"/>
-              <a:t>2025/12/17</a:t>
+              <a:t>2025/12/22</a:t>
             </a:fld>
             <a:endParaRPr kumimoji="1" lang="ja-JP" altLang="en-US"/>
           </a:p>
@@ -669,7 +3290,7 @@
       </p:sp>
       <p:sp>
         <p:nvSpPr>
-          <p:cNvPr id="5" name="フッター プレースホルダー 4"/>
+          <p:cNvPr id="5" name="Footer Placeholder 4"/>
           <p:cNvSpPr>
             <a:spLocks noGrp="1"/>
           </p:cNvSpPr>
@@ -688,7 +3309,7 @@
       </p:sp>
       <p:sp>
         <p:nvSpPr>
-          <p:cNvPr id="6" name="スライド番号プレースホルダー 5"/>
+          <p:cNvPr id="6" name="Slide Number Placeholder 5"/>
           <p:cNvSpPr>
             <a:spLocks noGrp="1"/>
           </p:cNvSpPr>
@@ -712,7 +3333,7 @@
     </p:spTree>
     <p:extLst>
       <p:ext uri="{BB962C8B-B14F-4D97-AF65-F5344CB8AC3E}">
-        <p14:creationId xmlns:p14="http://schemas.microsoft.com/office/powerpoint/2010/main" val="3270464712"/>
+        <p14:creationId xmlns:p14="http://schemas.microsoft.com/office/powerpoint/2010/main" val="340581659"/>
       </p:ext>
     </p:extLst>
   </p:cSld>
@@ -741,7 +3362,7 @@
       </p:grpSpPr>
       <p:sp>
         <p:nvSpPr>
-          <p:cNvPr id="2" name="タイトル 1"/>
+          <p:cNvPr id="2" name="Title 1"/>
           <p:cNvSpPr>
             <a:spLocks noGrp="1"/>
           </p:cNvSpPr>
@@ -755,16 +3376,16 @@
           <a:lstStyle/>
           <a:p>
             <a:r>
-              <a:rPr kumimoji="1" lang="ja-JP" altLang="en-US" smtClean="0"/>
+              <a:rPr lang="ja-JP" altLang="en-US" smtClean="0"/>
               <a:t>マスター タイトルの書式設定</a:t>
             </a:r>
-            <a:endParaRPr kumimoji="1" lang="ja-JP" altLang="en-US"/>
-          </a:p>
-        </p:txBody>
-      </p:sp>
-      <p:sp>
-        <p:nvSpPr>
-          <p:cNvPr id="3" name="コンテンツ プレースホルダー 2"/>
+            <a:endParaRPr lang="en-US" dirty="0"/>
+          </a:p>
+        </p:txBody>
+      </p:sp>
+      <p:sp>
+        <p:nvSpPr>
+          <p:cNvPr id="3" name="Content Placeholder 2"/>
           <p:cNvSpPr>
             <a:spLocks noGrp="1"/>
           </p:cNvSpPr>
@@ -779,76 +3400,76 @@
           <a:p>
             <a:pPr lvl="0"/>
             <a:r>
-              <a:rPr kumimoji="1" lang="ja-JP" altLang="en-US" smtClean="0"/>
+              <a:rPr lang="ja-JP" altLang="en-US" smtClean="0"/>
               <a:t>マスター テキストの書式設定</a:t>
             </a:r>
           </a:p>
           <a:p>
             <a:pPr lvl="1"/>
             <a:r>
-              <a:rPr kumimoji="1" lang="ja-JP" altLang="en-US" smtClean="0"/>
+              <a:rPr lang="ja-JP" altLang="en-US" smtClean="0"/>
               <a:t>第 </a:t>
             </a:r>
             <a:r>
-              <a:rPr kumimoji="1" lang="en-US" altLang="ja-JP" smtClean="0"/>
+              <a:rPr lang="en-US" altLang="ja-JP" smtClean="0"/>
               <a:t>2 </a:t>
             </a:r>
             <a:r>
-              <a:rPr kumimoji="1" lang="ja-JP" altLang="en-US" smtClean="0"/>
+              <a:rPr lang="ja-JP" altLang="en-US" smtClean="0"/>
               <a:t>レベル</a:t>
             </a:r>
           </a:p>
           <a:p>
             <a:pPr lvl="2"/>
             <a:r>
-              <a:rPr kumimoji="1" lang="ja-JP" altLang="en-US" smtClean="0"/>
+              <a:rPr lang="ja-JP" altLang="en-US" smtClean="0"/>
               <a:t>第 </a:t>
             </a:r>
             <a:r>
-              <a:rPr kumimoji="1" lang="en-US" altLang="ja-JP" smtClean="0"/>
+              <a:rPr lang="en-US" altLang="ja-JP" smtClean="0"/>
               <a:t>3 </a:t>
             </a:r>
             <a:r>
-              <a:rPr kumimoji="1" lang="ja-JP" altLang="en-US" smtClean="0"/>
+              <a:rPr lang="ja-JP" altLang="en-US" smtClean="0"/>
               <a:t>レベル</a:t>
             </a:r>
           </a:p>
           <a:p>
             <a:pPr lvl="3"/>
             <a:r>
-              <a:rPr kumimoji="1" lang="ja-JP" altLang="en-US" smtClean="0"/>
+              <a:rPr lang="ja-JP" altLang="en-US" smtClean="0"/>
               <a:t>第 </a:t>
             </a:r>
             <a:r>
-              <a:rPr kumimoji="1" lang="en-US" altLang="ja-JP" smtClean="0"/>
+              <a:rPr lang="en-US" altLang="ja-JP" smtClean="0"/>
               <a:t>4 </a:t>
             </a:r>
             <a:r>
-              <a:rPr kumimoji="1" lang="ja-JP" altLang="en-US" smtClean="0"/>
+              <a:rPr lang="ja-JP" altLang="en-US" smtClean="0"/>
               <a:t>レベル</a:t>
             </a:r>
           </a:p>
           <a:p>
             <a:pPr lvl="4"/>
             <a:r>
-              <a:rPr kumimoji="1" lang="ja-JP" altLang="en-US" smtClean="0"/>
+              <a:rPr lang="ja-JP" altLang="en-US" smtClean="0"/>
               <a:t>第 </a:t>
             </a:r>
             <a:r>
-              <a:rPr kumimoji="1" lang="en-US" altLang="ja-JP" smtClean="0"/>
+              <a:rPr lang="en-US" altLang="ja-JP" smtClean="0"/>
               <a:t>5 </a:t>
             </a:r>
             <a:r>
-              <a:rPr kumimoji="1" lang="ja-JP" altLang="en-US" smtClean="0"/>
+              <a:rPr lang="ja-JP" altLang="en-US" smtClean="0"/>
               <a:t>レベル</a:t>
             </a:r>
-            <a:endParaRPr kumimoji="1" lang="ja-JP" altLang="en-US"/>
-          </a:p>
-        </p:txBody>
-      </p:sp>
-      <p:sp>
-        <p:nvSpPr>
-          <p:cNvPr id="4" name="日付プレースホルダー 3"/>
+            <a:endParaRPr lang="en-US" dirty="0"/>
+          </a:p>
+        </p:txBody>
+      </p:sp>
+      <p:sp>
+        <p:nvSpPr>
+          <p:cNvPr id="7" name="Date Placeholder 3"/>
           <p:cNvSpPr>
             <a:spLocks noGrp="1"/>
           </p:cNvSpPr>
@@ -863,7 +3484,7 @@
           <a:p>
             <a:fld id="{242841BA-3CFF-4AFF-88B1-DBD736C8B12D}" type="datetimeFigureOut">
               <a:rPr kumimoji="1" lang="ja-JP" altLang="en-US" smtClean="0"/>
-              <a:t>2025/12/17</a:t>
+              <a:t>2025/12/22</a:t>
             </a:fld>
             <a:endParaRPr kumimoji="1" lang="ja-JP" altLang="en-US"/>
           </a:p>
@@ -871,7 +3492,7 @@
       </p:sp>
       <p:sp>
         <p:nvSpPr>
-          <p:cNvPr id="5" name="フッター プレースホルダー 4"/>
+          <p:cNvPr id="5" name="Footer Placeholder 4"/>
           <p:cNvSpPr>
             <a:spLocks noGrp="1"/>
           </p:cNvSpPr>
@@ -890,7 +3511,7 @@
       </p:sp>
       <p:sp>
         <p:nvSpPr>
-          <p:cNvPr id="6" name="スライド番号プレースホルダー 5"/>
+          <p:cNvPr id="6" name="Slide Number Placeholder 5"/>
           <p:cNvSpPr>
             <a:spLocks noGrp="1"/>
           </p:cNvSpPr>
@@ -914,7 +3535,7 @@
     </p:spTree>
     <p:extLst>
       <p:ext uri="{BB962C8B-B14F-4D97-AF65-F5344CB8AC3E}">
-        <p14:creationId xmlns:p14="http://schemas.microsoft.com/office/powerpoint/2010/main" val="3634022450"/>
+        <p14:creationId xmlns:p14="http://schemas.microsoft.com/office/powerpoint/2010/main" val="1863322050"/>
       </p:ext>
     </p:extLst>
   </p:cSld>
@@ -943,7 +3564,7 @@
       </p:grpSpPr>
       <p:sp>
         <p:nvSpPr>
-          <p:cNvPr id="2" name="タイトル 1"/>
+          <p:cNvPr id="2" name="Title 1"/>
           <p:cNvSpPr>
             <a:spLocks noGrp="1"/>
           </p:cNvSpPr>
@@ -953,29 +3574,29 @@
         </p:nvSpPr>
         <p:spPr>
           <a:xfrm>
-            <a:off x="831850" y="1709738"/>
-            <a:ext cx="10515600" cy="2852737"/>
+            <a:off x="1154956" y="2861733"/>
+            <a:ext cx="8825657" cy="1915647"/>
           </a:xfrm>
         </p:spPr>
         <p:txBody>
           <a:bodyPr anchor="b"/>
           <a:lstStyle>
-            <a:lvl1pPr>
-              <a:defRPr sz="6000"/>
+            <a:lvl1pPr algn="l">
+              <a:defRPr sz="4000" b="0" cap="none"/>
             </a:lvl1pPr>
           </a:lstStyle>
           <a:p>
             <a:r>
-              <a:rPr kumimoji="1" lang="ja-JP" altLang="en-US" smtClean="0"/>
+              <a:rPr lang="ja-JP" altLang="en-US" smtClean="0"/>
               <a:t>マスター タイトルの書式設定</a:t>
             </a:r>
-            <a:endParaRPr kumimoji="1" lang="ja-JP" altLang="en-US"/>
-          </a:p>
-        </p:txBody>
-      </p:sp>
-      <p:sp>
-        <p:nvSpPr>
-          <p:cNvPr id="3" name="テキスト プレースホルダー 2"/>
+            <a:endParaRPr lang="en-US" dirty="0"/>
+          </a:p>
+        </p:txBody>
+      </p:sp>
+      <p:sp>
+        <p:nvSpPr>
+          <p:cNvPr id="3" name="Text Placeholder 2"/>
           <p:cNvSpPr>
             <a:spLocks noGrp="1"/>
           </p:cNvSpPr>
@@ -985,26 +3606,27 @@
         </p:nvSpPr>
         <p:spPr>
           <a:xfrm>
-            <a:off x="831850" y="4589463"/>
-            <a:ext cx="10515600" cy="1500187"/>
-          </a:xfrm>
-        </p:spPr>
-        <p:txBody>
-          <a:bodyPr/>
+            <a:off x="1154955" y="4777381"/>
+            <a:ext cx="8825658" cy="860400"/>
+          </a:xfrm>
+        </p:spPr>
+        <p:txBody>
+          <a:bodyPr anchor="t"/>
           <a:lstStyle>
-            <a:lvl1pPr marL="0" indent="0">
-              <a:buNone/>
-              <a:defRPr sz="2400">
+            <a:lvl1pPr marL="0" indent="0" algn="l">
+              <a:buNone/>
+              <a:defRPr sz="2000" cap="all">
                 <a:solidFill>
-                  <a:schemeClr val="tx1">
-                    <a:tint val="75000"/>
+                  <a:schemeClr val="bg2">
+                    <a:lumMod val="40000"/>
+                    <a:lumOff val="60000"/>
                   </a:schemeClr>
                 </a:solidFill>
               </a:defRPr>
             </a:lvl1pPr>
             <a:lvl2pPr marL="457200" indent="0">
               <a:buNone/>
-              <a:defRPr sz="2000">
+              <a:defRPr sz="1800">
                 <a:solidFill>
                   <a:schemeClr val="tx1">
                     <a:tint val="75000"/>
@@ -1014,7 +3636,7 @@
             </a:lvl2pPr>
             <a:lvl3pPr marL="914400" indent="0">
               <a:buNone/>
-              <a:defRPr sz="1800">
+              <a:defRPr sz="1600">
                 <a:solidFill>
                   <a:schemeClr val="tx1">
                     <a:tint val="75000"/>
@@ -1024,7 +3646,7 @@
             </a:lvl3pPr>
             <a:lvl4pPr marL="1371600" indent="0">
               <a:buNone/>
-              <a:defRPr sz="1600">
+              <a:defRPr sz="1400">
                 <a:solidFill>
                   <a:schemeClr val="tx1">
                     <a:tint val="75000"/>
@@ -1034,7 +3656,7 @@
             </a:lvl4pPr>
             <a:lvl5pPr marL="1828800" indent="0">
               <a:buNone/>
-              <a:defRPr sz="1600">
+              <a:defRPr sz="1400">
                 <a:solidFill>
                   <a:schemeClr val="tx1">
                     <a:tint val="75000"/>
@@ -1044,7 +3666,7 @@
             </a:lvl5pPr>
             <a:lvl6pPr marL="2286000" indent="0">
               <a:buNone/>
-              <a:defRPr sz="1600">
+              <a:defRPr sz="1400">
                 <a:solidFill>
                   <a:schemeClr val="tx1">
                     <a:tint val="75000"/>
@@ -1054,7 +3676,7 @@
             </a:lvl6pPr>
             <a:lvl7pPr marL="2743200" indent="0">
               <a:buNone/>
-              <a:defRPr sz="1600">
+              <a:defRPr sz="1400">
                 <a:solidFill>
                   <a:schemeClr val="tx1">
                     <a:tint val="75000"/>
@@ -1064,7 +3686,7 @@
             </a:lvl7pPr>
             <a:lvl8pPr marL="3200400" indent="0">
               <a:buNone/>
-              <a:defRPr sz="1600">
+              <a:defRPr sz="1400">
                 <a:solidFill>
                   <a:schemeClr val="tx1">
                     <a:tint val="75000"/>
@@ -1074,7 +3696,7 @@
             </a:lvl8pPr>
             <a:lvl9pPr marL="3657600" indent="0">
               <a:buNone/>
-              <a:defRPr sz="1600">
+              <a:defRPr sz="1400">
                 <a:solidFill>
                   <a:schemeClr val="tx1">
                     <a:tint val="75000"/>
@@ -1086,7 +3708,7 @@
           <a:p>
             <a:pPr lvl="0"/>
             <a:r>
-              <a:rPr kumimoji="1" lang="ja-JP" altLang="en-US" smtClean="0"/>
+              <a:rPr lang="ja-JP" altLang="en-US" smtClean="0"/>
               <a:t>マスター テキストの書式設定</a:t>
             </a:r>
           </a:p>
@@ -1094,7 +3716,7 @@
       </p:sp>
       <p:sp>
         <p:nvSpPr>
-          <p:cNvPr id="4" name="日付プレースホルダー 3"/>
+          <p:cNvPr id="4" name="Date Placeholder 3"/>
           <p:cNvSpPr>
             <a:spLocks noGrp="1"/>
           </p:cNvSpPr>
@@ -1109,7 +3731,7 @@
           <a:p>
             <a:fld id="{242841BA-3CFF-4AFF-88B1-DBD736C8B12D}" type="datetimeFigureOut">
               <a:rPr kumimoji="1" lang="ja-JP" altLang="en-US" smtClean="0"/>
-              <a:t>2025/12/17</a:t>
+              <a:t>2025/12/22</a:t>
             </a:fld>
             <a:endParaRPr kumimoji="1" lang="ja-JP" altLang="en-US"/>
           </a:p>
@@ -1117,7 +3739,7 @@
       </p:sp>
       <p:sp>
         <p:nvSpPr>
-          <p:cNvPr id="5" name="フッター プレースホルダー 4"/>
+          <p:cNvPr id="5" name="Footer Placeholder 4"/>
           <p:cNvSpPr>
             <a:spLocks noGrp="1"/>
           </p:cNvSpPr>
@@ -1136,7 +3758,7 @@
       </p:sp>
       <p:sp>
         <p:nvSpPr>
-          <p:cNvPr id="6" name="スライド番号プレースホルダー 5"/>
+          <p:cNvPr id="6" name="Slide Number Placeholder 5"/>
           <p:cNvSpPr>
             <a:spLocks noGrp="1"/>
           </p:cNvSpPr>
@@ -1160,7 +3782,7 @@
     </p:spTree>
     <p:extLst>
       <p:ext uri="{BB962C8B-B14F-4D97-AF65-F5344CB8AC3E}">
-        <p14:creationId xmlns:p14="http://schemas.microsoft.com/office/powerpoint/2010/main" val="2089779730"/>
+        <p14:creationId xmlns:p14="http://schemas.microsoft.com/office/powerpoint/2010/main" val="2763183826"/>
       </p:ext>
     </p:extLst>
   </p:cSld>
@@ -1189,7 +3811,7 @@
       </p:grpSpPr>
       <p:sp>
         <p:nvSpPr>
-          <p:cNvPr id="2" name="タイトル 1"/>
+          <p:cNvPr id="2" name="Title 1"/>
           <p:cNvSpPr>
             <a:spLocks noGrp="1"/>
           </p:cNvSpPr>
@@ -1203,16 +3825,16 @@
           <a:lstStyle/>
           <a:p>
             <a:r>
-              <a:rPr kumimoji="1" lang="ja-JP" altLang="en-US" smtClean="0"/>
+              <a:rPr lang="ja-JP" altLang="en-US" smtClean="0"/>
               <a:t>マスター タイトルの書式設定</a:t>
             </a:r>
-            <a:endParaRPr kumimoji="1" lang="ja-JP" altLang="en-US"/>
-          </a:p>
-        </p:txBody>
-      </p:sp>
-      <p:sp>
-        <p:nvSpPr>
-          <p:cNvPr id="3" name="コンテンツ プレースホルダー 2"/>
+            <a:endParaRPr lang="en-US" dirty="0"/>
+          </a:p>
+        </p:txBody>
+      </p:sp>
+      <p:sp>
+        <p:nvSpPr>
+          <p:cNvPr id="3" name="Content Placeholder 2"/>
           <p:cNvSpPr>
             <a:spLocks noGrp="1"/>
           </p:cNvSpPr>
@@ -1222,86 +3844,116 @@
         </p:nvSpPr>
         <p:spPr>
           <a:xfrm>
-            <a:off x="838200" y="1825625"/>
-            <a:ext cx="5181600" cy="4351338"/>
-          </a:xfrm>
-        </p:spPr>
-        <p:txBody>
-          <a:bodyPr/>
-          <a:lstStyle/>
+            <a:off x="1103312" y="2060575"/>
+            <a:ext cx="4396339" cy="4195763"/>
+          </a:xfrm>
+        </p:spPr>
+        <p:txBody>
+          <a:bodyPr>
+            <a:normAutofit/>
+          </a:bodyPr>
+          <a:lstStyle>
+            <a:lvl1pPr>
+              <a:defRPr sz="1800"/>
+            </a:lvl1pPr>
+            <a:lvl2pPr>
+              <a:defRPr sz="1600"/>
+            </a:lvl2pPr>
+            <a:lvl3pPr>
+              <a:defRPr sz="1400"/>
+            </a:lvl3pPr>
+            <a:lvl4pPr>
+              <a:defRPr sz="1200"/>
+            </a:lvl4pPr>
+            <a:lvl5pPr>
+              <a:defRPr sz="1200"/>
+            </a:lvl5pPr>
+            <a:lvl6pPr>
+              <a:defRPr sz="1200"/>
+            </a:lvl6pPr>
+            <a:lvl7pPr>
+              <a:defRPr sz="1200"/>
+            </a:lvl7pPr>
+            <a:lvl8pPr>
+              <a:defRPr sz="1200"/>
+            </a:lvl8pPr>
+            <a:lvl9pPr>
+              <a:defRPr sz="1200"/>
+            </a:lvl9pPr>
+          </a:lstStyle>
           <a:p>
             <a:pPr lvl="0"/>
             <a:r>
-              <a:rPr kumimoji="1" lang="ja-JP" altLang="en-US" smtClean="0"/>
+              <a:rPr lang="ja-JP" altLang="en-US" smtClean="0"/>
               <a:t>マスター テキストの書式設定</a:t>
             </a:r>
           </a:p>
           <a:p>
             <a:pPr lvl="1"/>
             <a:r>
-              <a:rPr kumimoji="1" lang="ja-JP" altLang="en-US" smtClean="0"/>
+              <a:rPr lang="ja-JP" altLang="en-US" smtClean="0"/>
               <a:t>第 </a:t>
             </a:r>
             <a:r>
-              <a:rPr kumimoji="1" lang="en-US" altLang="ja-JP" smtClean="0"/>
+              <a:rPr lang="en-US" altLang="ja-JP" smtClean="0"/>
               <a:t>2 </a:t>
             </a:r>
             <a:r>
-              <a:rPr kumimoji="1" lang="ja-JP" altLang="en-US" smtClean="0"/>
+              <a:rPr lang="ja-JP" altLang="en-US" smtClean="0"/>
               <a:t>レベル</a:t>
             </a:r>
           </a:p>
           <a:p>
             <a:pPr lvl="2"/>
             <a:r>
-              <a:rPr kumimoji="1" lang="ja-JP" altLang="en-US" smtClean="0"/>
+              <a:rPr lang="ja-JP" altLang="en-US" smtClean="0"/>
               <a:t>第 </a:t>
             </a:r>
             <a:r>
-              <a:rPr kumimoji="1" lang="en-US" altLang="ja-JP" smtClean="0"/>
+              <a:rPr lang="en-US" altLang="ja-JP" smtClean="0"/>
               <a:t>3 </a:t>
             </a:r>
             <a:r>
-              <a:rPr kumimoji="1" lang="ja-JP" altLang="en-US" smtClean="0"/>
+              <a:rPr lang="ja-JP" altLang="en-US" smtClean="0"/>
               <a:t>レベル</a:t>
             </a:r>
           </a:p>
           <a:p>
             <a:pPr lvl="3"/>
             <a:r>
-              <a:rPr kumimoji="1" lang="ja-JP" altLang="en-US" smtClean="0"/>
+              <a:rPr lang="ja-JP" altLang="en-US" smtClean="0"/>
               <a:t>第 </a:t>
             </a:r>
             <a:r>
-              <a:rPr kumimoji="1" lang="en-US" altLang="ja-JP" smtClean="0"/>
+              <a:rPr lang="en-US" altLang="ja-JP" smtClean="0"/>
               <a:t>4 </a:t>
             </a:r>
             <a:r>
-              <a:rPr kumimoji="1" lang="ja-JP" altLang="en-US" smtClean="0"/>
+              <a:rPr lang="ja-JP" altLang="en-US" smtClean="0"/>
               <a:t>レベル</a:t>
             </a:r>
           </a:p>
           <a:p>
             <a:pPr lvl="4"/>
             <a:r>
-              <a:rPr kumimoji="1" lang="ja-JP" altLang="en-US" smtClean="0"/>
+              <a:rPr lang="ja-JP" altLang="en-US" smtClean="0"/>
               <a:t>第 </a:t>
             </a:r>
             <a:r>
-              <a:rPr kumimoji="1" lang="en-US" altLang="ja-JP" smtClean="0"/>
+              <a:rPr lang="en-US" altLang="ja-JP" smtClean="0"/>
               <a:t>5 </a:t>
             </a:r>
             <a:r>
-              <a:rPr kumimoji="1" lang="ja-JP" altLang="en-US" smtClean="0"/>
+              <a:rPr lang="ja-JP" altLang="en-US" smtClean="0"/>
               <a:t>レベル</a:t>
             </a:r>
-            <a:endParaRPr kumimoji="1" lang="ja-JP" altLang="en-US"/>
-          </a:p>
-        </p:txBody>
-      </p:sp>
-      <p:sp>
-        <p:nvSpPr>
-          <p:cNvPr id="4" name="コンテンツ プレースホルダー 3"/>
+            <a:endParaRPr lang="en-US" dirty="0"/>
+          </a:p>
+        </p:txBody>
+      </p:sp>
+      <p:sp>
+        <p:nvSpPr>
+          <p:cNvPr id="4" name="Content Placeholder 3"/>
           <p:cNvSpPr>
             <a:spLocks noGrp="1"/>
           </p:cNvSpPr>
@@ -1311,86 +3963,116 @@
         </p:nvSpPr>
         <p:spPr>
           <a:xfrm>
-            <a:off x="6172200" y="1825625"/>
-            <a:ext cx="5181600" cy="4351338"/>
-          </a:xfrm>
-        </p:spPr>
-        <p:txBody>
-          <a:bodyPr/>
-          <a:lstStyle/>
+            <a:off x="5654493" y="2056092"/>
+            <a:ext cx="4396341" cy="4200245"/>
+          </a:xfrm>
+        </p:spPr>
+        <p:txBody>
+          <a:bodyPr>
+            <a:normAutofit/>
+          </a:bodyPr>
+          <a:lstStyle>
+            <a:lvl1pPr>
+              <a:defRPr sz="1800"/>
+            </a:lvl1pPr>
+            <a:lvl2pPr>
+              <a:defRPr sz="1600"/>
+            </a:lvl2pPr>
+            <a:lvl3pPr>
+              <a:defRPr sz="1400"/>
+            </a:lvl3pPr>
+            <a:lvl4pPr>
+              <a:defRPr sz="1200"/>
+            </a:lvl4pPr>
+            <a:lvl5pPr>
+              <a:defRPr sz="1200"/>
+            </a:lvl5pPr>
+            <a:lvl6pPr>
+              <a:defRPr sz="1200"/>
+            </a:lvl6pPr>
+            <a:lvl7pPr>
+              <a:defRPr sz="1200"/>
+            </a:lvl7pPr>
+            <a:lvl8pPr>
+              <a:defRPr sz="1200"/>
+            </a:lvl8pPr>
+            <a:lvl9pPr>
+              <a:defRPr sz="1200"/>
+            </a:lvl9pPr>
+          </a:lstStyle>
           <a:p>
             <a:pPr lvl="0"/>
             <a:r>
-              <a:rPr kumimoji="1" lang="ja-JP" altLang="en-US" smtClean="0"/>
+              <a:rPr lang="ja-JP" altLang="en-US" smtClean="0"/>
               <a:t>マスター テキストの書式設定</a:t>
             </a:r>
           </a:p>
           <a:p>
             <a:pPr lvl="1"/>
             <a:r>
-              <a:rPr kumimoji="1" lang="ja-JP" altLang="en-US" smtClean="0"/>
+              <a:rPr lang="ja-JP" altLang="en-US" smtClean="0"/>
               <a:t>第 </a:t>
             </a:r>
             <a:r>
-              <a:rPr kumimoji="1" lang="en-US" altLang="ja-JP" smtClean="0"/>
+              <a:rPr lang="en-US" altLang="ja-JP" smtClean="0"/>
               <a:t>2 </a:t>
             </a:r>
             <a:r>
-              <a:rPr kumimoji="1" lang="ja-JP" altLang="en-US" smtClean="0"/>
+              <a:rPr lang="ja-JP" altLang="en-US" smtClean="0"/>
               <a:t>レベル</a:t>
             </a:r>
           </a:p>
           <a:p>
             <a:pPr lvl="2"/>
             <a:r>
-              <a:rPr kumimoji="1" lang="ja-JP" altLang="en-US" smtClean="0"/>
+              <a:rPr lang="ja-JP" altLang="en-US" smtClean="0"/>
               <a:t>第 </a:t>
             </a:r>
             <a:r>
-              <a:rPr kumimoji="1" lang="en-US" altLang="ja-JP" smtClean="0"/>
+              <a:rPr lang="en-US" altLang="ja-JP" smtClean="0"/>
               <a:t>3 </a:t>
             </a:r>
             <a:r>
-              <a:rPr kumimoji="1" lang="ja-JP" altLang="en-US" smtClean="0"/>
+              <a:rPr lang="ja-JP" altLang="en-US" smtClean="0"/>
               <a:t>レベル</a:t>
             </a:r>
           </a:p>
           <a:p>
             <a:pPr lvl="3"/>
             <a:r>
-              <a:rPr kumimoji="1" lang="ja-JP" altLang="en-US" smtClean="0"/>
+              <a:rPr lang="ja-JP" altLang="en-US" smtClean="0"/>
               <a:t>第 </a:t>
             </a:r>
             <a:r>
-              <a:rPr kumimoji="1" lang="en-US" altLang="ja-JP" smtClean="0"/>
+              <a:rPr lang="en-US" altLang="ja-JP" smtClean="0"/>
               <a:t>4 </a:t>
             </a:r>
             <a:r>
-              <a:rPr kumimoji="1" lang="ja-JP" altLang="en-US" smtClean="0"/>
+              <a:rPr lang="ja-JP" altLang="en-US" smtClean="0"/>
               <a:t>レベル</a:t>
             </a:r>
           </a:p>
           <a:p>
             <a:pPr lvl="4"/>
             <a:r>
-              <a:rPr kumimoji="1" lang="ja-JP" altLang="en-US" smtClean="0"/>
+              <a:rPr lang="ja-JP" altLang="en-US" smtClean="0"/>
               <a:t>第 </a:t>
             </a:r>
             <a:r>
-              <a:rPr kumimoji="1" lang="en-US" altLang="ja-JP" smtClean="0"/>
+              <a:rPr lang="en-US" altLang="ja-JP" smtClean="0"/>
               <a:t>5 </a:t>
             </a:r>
             <a:r>
-              <a:rPr kumimoji="1" lang="ja-JP" altLang="en-US" smtClean="0"/>
+              <a:rPr lang="ja-JP" altLang="en-US" smtClean="0"/>
               <a:t>レベル</a:t>
             </a:r>
-            <a:endParaRPr kumimoji="1" lang="ja-JP" altLang="en-US"/>
-          </a:p>
-        </p:txBody>
-      </p:sp>
-      <p:sp>
-        <p:nvSpPr>
-          <p:cNvPr id="5" name="日付プレースホルダー 4"/>
+            <a:endParaRPr lang="en-US" dirty="0"/>
+          </a:p>
+        </p:txBody>
+      </p:sp>
+      <p:sp>
+        <p:nvSpPr>
+          <p:cNvPr id="5" name="Date Placeholder 4"/>
           <p:cNvSpPr>
             <a:spLocks noGrp="1"/>
           </p:cNvSpPr>
@@ -1405,7 +4087,7 @@
           <a:p>
             <a:fld id="{242841BA-3CFF-4AFF-88B1-DBD736C8B12D}" type="datetimeFigureOut">
               <a:rPr kumimoji="1" lang="ja-JP" altLang="en-US" smtClean="0"/>
-              <a:t>2025/12/17</a:t>
+              <a:t>2025/12/22</a:t>
             </a:fld>
             <a:endParaRPr kumimoji="1" lang="ja-JP" altLang="en-US"/>
           </a:p>
@@ -1413,7 +4095,7 @@
       </p:sp>
       <p:sp>
         <p:nvSpPr>
-          <p:cNvPr id="6" name="フッター プレースホルダー 5"/>
+          <p:cNvPr id="6" name="Footer Placeholder 5"/>
           <p:cNvSpPr>
             <a:spLocks noGrp="1"/>
           </p:cNvSpPr>
@@ -1432,7 +4114,7 @@
       </p:sp>
       <p:sp>
         <p:nvSpPr>
-          <p:cNvPr id="7" name="スライド番号プレースホルダー 6"/>
+          <p:cNvPr id="7" name="Slide Number Placeholder 6"/>
           <p:cNvSpPr>
             <a:spLocks noGrp="1"/>
           </p:cNvSpPr>
@@ -1456,7 +4138,7 @@
     </p:spTree>
     <p:extLst>
       <p:ext uri="{BB962C8B-B14F-4D97-AF65-F5344CB8AC3E}">
-        <p14:creationId xmlns:p14="http://schemas.microsoft.com/office/powerpoint/2010/main" val="209207806"/>
+        <p14:creationId xmlns:p14="http://schemas.microsoft.com/office/powerpoint/2010/main" val="3642503240"/>
       </p:ext>
     </p:extLst>
   </p:cSld>
@@ -1485,7 +4167,7 @@
       </p:grpSpPr>
       <p:sp>
         <p:nvSpPr>
-          <p:cNvPr id="2" name="タイトル 1"/>
+          <p:cNvPr id="2" name="Title 1"/>
           <p:cNvSpPr>
             <a:spLocks noGrp="1"/>
           </p:cNvSpPr>
@@ -1493,46 +4175,54 @@
             <p:ph type="title"/>
           </p:nvPr>
         </p:nvSpPr>
+        <p:spPr/>
+        <p:txBody>
+          <a:bodyPr/>
+          <a:lstStyle>
+            <a:lvl1pPr>
+              <a:defRPr/>
+            </a:lvl1pPr>
+          </a:lstStyle>
+          <a:p>
+            <a:r>
+              <a:rPr lang="ja-JP" altLang="en-US" smtClean="0"/>
+              <a:t>マスター タイトルの書式設定</a:t>
+            </a:r>
+            <a:endParaRPr lang="en-US" dirty="0"/>
+          </a:p>
+        </p:txBody>
+      </p:sp>
+      <p:sp>
+        <p:nvSpPr>
+          <p:cNvPr id="3" name="Text Placeholder 2"/>
+          <p:cNvSpPr>
+            <a:spLocks noGrp="1"/>
+          </p:cNvSpPr>
+          <p:nvPr>
+            <p:ph type="body" idx="1"/>
+          </p:nvPr>
+        </p:nvSpPr>
         <p:spPr>
           <a:xfrm>
-            <a:off x="839788" y="365125"/>
-            <a:ext cx="10515600" cy="1325563"/>
-          </a:xfrm>
-        </p:spPr>
-        <p:txBody>
-          <a:bodyPr/>
-          <a:lstStyle/>
-          <a:p>
-            <a:r>
-              <a:rPr kumimoji="1" lang="ja-JP" altLang="en-US" smtClean="0"/>
-              <a:t>マスター タイトルの書式設定</a:t>
-            </a:r>
-            <a:endParaRPr kumimoji="1" lang="ja-JP" altLang="en-US"/>
-          </a:p>
-        </p:txBody>
-      </p:sp>
-      <p:sp>
-        <p:nvSpPr>
-          <p:cNvPr id="3" name="テキスト プレースホルダー 2"/>
-          <p:cNvSpPr>
-            <a:spLocks noGrp="1"/>
-          </p:cNvSpPr>
-          <p:nvPr>
-            <p:ph type="body" idx="1"/>
-          </p:nvPr>
-        </p:nvSpPr>
-        <p:spPr>
-          <a:xfrm>
-            <a:off x="839788" y="1681163"/>
-            <a:ext cx="5157787" cy="823912"/>
-          </a:xfrm>
-        </p:spPr>
-        <p:txBody>
-          <a:bodyPr anchor="b"/>
+            <a:off x="1103313" y="1905000"/>
+            <a:ext cx="4396338" cy="576262"/>
+          </a:xfrm>
+        </p:spPr>
+        <p:txBody>
+          <a:bodyPr anchor="b">
+            <a:noAutofit/>
+          </a:bodyPr>
           <a:lstStyle>
             <a:lvl1pPr marL="0" indent="0">
               <a:buNone/>
-              <a:defRPr sz="2400" b="1"/>
+              <a:defRPr sz="2400" b="0">
+                <a:solidFill>
+                  <a:schemeClr val="bg2">
+                    <a:lumMod val="40000"/>
+                    <a:lumOff val="60000"/>
+                  </a:schemeClr>
+                </a:solidFill>
+              </a:defRPr>
             </a:lvl1pPr>
             <a:lvl2pPr marL="457200" indent="0">
               <a:buNone/>
@@ -1570,7 +4260,7 @@
           <a:p>
             <a:pPr lvl="0"/>
             <a:r>
-              <a:rPr kumimoji="1" lang="ja-JP" altLang="en-US" smtClean="0"/>
+              <a:rPr lang="ja-JP" altLang="en-US" smtClean="0"/>
               <a:t>マスター テキストの書式設定</a:t>
             </a:r>
           </a:p>
@@ -1578,7 +4268,7 @@
       </p:sp>
       <p:sp>
         <p:nvSpPr>
-          <p:cNvPr id="4" name="コンテンツ プレースホルダー 3"/>
+          <p:cNvPr id="4" name="Content Placeholder 3"/>
           <p:cNvSpPr>
             <a:spLocks noGrp="1"/>
           </p:cNvSpPr>
@@ -1588,86 +4278,116 @@
         </p:nvSpPr>
         <p:spPr>
           <a:xfrm>
-            <a:off x="839788" y="2505075"/>
-            <a:ext cx="5157787" cy="3684588"/>
-          </a:xfrm>
-        </p:spPr>
-        <p:txBody>
-          <a:bodyPr/>
-          <a:lstStyle/>
+            <a:off x="1103312" y="2514600"/>
+            <a:ext cx="4396339" cy="3741738"/>
+          </a:xfrm>
+        </p:spPr>
+        <p:txBody>
+          <a:bodyPr>
+            <a:normAutofit/>
+          </a:bodyPr>
+          <a:lstStyle>
+            <a:lvl1pPr>
+              <a:defRPr sz="1800"/>
+            </a:lvl1pPr>
+            <a:lvl2pPr>
+              <a:defRPr sz="1600"/>
+            </a:lvl2pPr>
+            <a:lvl3pPr>
+              <a:defRPr sz="1400"/>
+            </a:lvl3pPr>
+            <a:lvl4pPr>
+              <a:defRPr sz="1200"/>
+            </a:lvl4pPr>
+            <a:lvl5pPr>
+              <a:defRPr sz="1200"/>
+            </a:lvl5pPr>
+            <a:lvl6pPr>
+              <a:defRPr sz="1200"/>
+            </a:lvl6pPr>
+            <a:lvl7pPr>
+              <a:defRPr sz="1200"/>
+            </a:lvl7pPr>
+            <a:lvl8pPr>
+              <a:defRPr sz="1200"/>
+            </a:lvl8pPr>
+            <a:lvl9pPr>
+              <a:defRPr sz="1200"/>
+            </a:lvl9pPr>
+          </a:lstStyle>
           <a:p>
             <a:pPr lvl="0"/>
             <a:r>
-              <a:rPr kumimoji="1" lang="ja-JP" altLang="en-US" smtClean="0"/>
+              <a:rPr lang="ja-JP" altLang="en-US" smtClean="0"/>
               <a:t>マスター テキストの書式設定</a:t>
             </a:r>
           </a:p>
           <a:p>
             <a:pPr lvl="1"/>
             <a:r>
-              <a:rPr kumimoji="1" lang="ja-JP" altLang="en-US" smtClean="0"/>
+              <a:rPr lang="ja-JP" altLang="en-US" smtClean="0"/>
               <a:t>第 </a:t>
             </a:r>
             <a:r>
-              <a:rPr kumimoji="1" lang="en-US" altLang="ja-JP" smtClean="0"/>
+              <a:rPr lang="en-US" altLang="ja-JP" smtClean="0"/>
               <a:t>2 </a:t>
             </a:r>
             <a:r>
-              <a:rPr kumimoji="1" lang="ja-JP" altLang="en-US" smtClean="0"/>
+              <a:rPr lang="ja-JP" altLang="en-US" smtClean="0"/>
               <a:t>レベル</a:t>
             </a:r>
           </a:p>
           <a:p>
             <a:pPr lvl="2"/>
             <a:r>
-              <a:rPr kumimoji="1" lang="ja-JP" altLang="en-US" smtClean="0"/>
+              <a:rPr lang="ja-JP" altLang="en-US" smtClean="0"/>
               <a:t>第 </a:t>
             </a:r>
             <a:r>
-              <a:rPr kumimoji="1" lang="en-US" altLang="ja-JP" smtClean="0"/>
+              <a:rPr lang="en-US" altLang="ja-JP" smtClean="0"/>
               <a:t>3 </a:t>
             </a:r>
             <a:r>
-              <a:rPr kumimoji="1" lang="ja-JP" altLang="en-US" smtClean="0"/>
+              <a:rPr lang="ja-JP" altLang="en-US" smtClean="0"/>
               <a:t>レベル</a:t>
             </a:r>
           </a:p>
           <a:p>
             <a:pPr lvl="3"/>
             <a:r>
-              <a:rPr kumimoji="1" lang="ja-JP" altLang="en-US" smtClean="0"/>
+              <a:rPr lang="ja-JP" altLang="en-US" smtClean="0"/>
               <a:t>第 </a:t>
             </a:r>
             <a:r>
-              <a:rPr kumimoji="1" lang="en-US" altLang="ja-JP" smtClean="0"/>
+              <a:rPr lang="en-US" altLang="ja-JP" smtClean="0"/>
               <a:t>4 </a:t>
             </a:r>
             <a:r>
-              <a:rPr kumimoji="1" lang="ja-JP" altLang="en-US" smtClean="0"/>
+              <a:rPr lang="ja-JP" altLang="en-US" smtClean="0"/>
               <a:t>レベル</a:t>
             </a:r>
           </a:p>
           <a:p>
             <a:pPr lvl="4"/>
             <a:r>
-              <a:rPr kumimoji="1" lang="ja-JP" altLang="en-US" smtClean="0"/>
+              <a:rPr lang="ja-JP" altLang="en-US" smtClean="0"/>
               <a:t>第 </a:t>
             </a:r>
             <a:r>
-              <a:rPr kumimoji="1" lang="en-US" altLang="ja-JP" smtClean="0"/>
+              <a:rPr lang="en-US" altLang="ja-JP" smtClean="0"/>
               <a:t>5 </a:t>
             </a:r>
             <a:r>
-              <a:rPr kumimoji="1" lang="ja-JP" altLang="en-US" smtClean="0"/>
+              <a:rPr lang="ja-JP" altLang="en-US" smtClean="0"/>
               <a:t>レベル</a:t>
             </a:r>
-            <a:endParaRPr kumimoji="1" lang="ja-JP" altLang="en-US"/>
-          </a:p>
-        </p:txBody>
-      </p:sp>
-      <p:sp>
-        <p:nvSpPr>
-          <p:cNvPr id="5" name="テキスト プレースホルダー 4"/>
+            <a:endParaRPr lang="en-US" dirty="0"/>
+          </a:p>
+        </p:txBody>
+      </p:sp>
+      <p:sp>
+        <p:nvSpPr>
+          <p:cNvPr id="5" name="Text Placeholder 4"/>
           <p:cNvSpPr>
             <a:spLocks noGrp="1"/>
           </p:cNvSpPr>
@@ -1677,16 +4397,25 @@
         </p:nvSpPr>
         <p:spPr>
           <a:xfrm>
-            <a:off x="6172200" y="1681163"/>
-            <a:ext cx="5183188" cy="823912"/>
-          </a:xfrm>
-        </p:spPr>
-        <p:txBody>
-          <a:bodyPr anchor="b"/>
+            <a:off x="5654495" y="1905000"/>
+            <a:ext cx="4396339" cy="576262"/>
+          </a:xfrm>
+        </p:spPr>
+        <p:txBody>
+          <a:bodyPr anchor="b">
+            <a:noAutofit/>
+          </a:bodyPr>
           <a:lstStyle>
             <a:lvl1pPr marL="0" indent="0">
               <a:buNone/>
-              <a:defRPr sz="2400" b="1"/>
+              <a:defRPr sz="2400" b="0">
+                <a:solidFill>
+                  <a:schemeClr val="bg2">
+                    <a:lumMod val="40000"/>
+                    <a:lumOff val="60000"/>
+                  </a:schemeClr>
+                </a:solidFill>
+              </a:defRPr>
             </a:lvl1pPr>
             <a:lvl2pPr marL="457200" indent="0">
               <a:buNone/>
@@ -1724,7 +4453,7 @@
           <a:p>
             <a:pPr lvl="0"/>
             <a:r>
-              <a:rPr kumimoji="1" lang="ja-JP" altLang="en-US" smtClean="0"/>
+              <a:rPr lang="ja-JP" altLang="en-US" smtClean="0"/>
               <a:t>マスター テキストの書式設定</a:t>
             </a:r>
           </a:p>
@@ -1732,7 +4461,7 @@
       </p:sp>
       <p:sp>
         <p:nvSpPr>
-          <p:cNvPr id="6" name="コンテンツ プレースホルダー 5"/>
+          <p:cNvPr id="6" name="Content Placeholder 5"/>
           <p:cNvSpPr>
             <a:spLocks noGrp="1"/>
           </p:cNvSpPr>
@@ -1742,86 +4471,116 @@
         </p:nvSpPr>
         <p:spPr>
           <a:xfrm>
-            <a:off x="6172200" y="2505075"/>
-            <a:ext cx="5183188" cy="3684588"/>
-          </a:xfrm>
-        </p:spPr>
-        <p:txBody>
-          <a:bodyPr/>
-          <a:lstStyle/>
+            <a:off x="5654495" y="2514600"/>
+            <a:ext cx="4396339" cy="3741738"/>
+          </a:xfrm>
+        </p:spPr>
+        <p:txBody>
+          <a:bodyPr>
+            <a:normAutofit/>
+          </a:bodyPr>
+          <a:lstStyle>
+            <a:lvl1pPr>
+              <a:defRPr sz="1800"/>
+            </a:lvl1pPr>
+            <a:lvl2pPr>
+              <a:defRPr sz="1600"/>
+            </a:lvl2pPr>
+            <a:lvl3pPr>
+              <a:defRPr sz="1400"/>
+            </a:lvl3pPr>
+            <a:lvl4pPr>
+              <a:defRPr sz="1200"/>
+            </a:lvl4pPr>
+            <a:lvl5pPr>
+              <a:defRPr sz="1200"/>
+            </a:lvl5pPr>
+            <a:lvl6pPr>
+              <a:defRPr sz="1200"/>
+            </a:lvl6pPr>
+            <a:lvl7pPr>
+              <a:defRPr sz="1200"/>
+            </a:lvl7pPr>
+            <a:lvl8pPr>
+              <a:defRPr sz="1200"/>
+            </a:lvl8pPr>
+            <a:lvl9pPr>
+              <a:defRPr sz="1200"/>
+            </a:lvl9pPr>
+          </a:lstStyle>
           <a:p>
             <a:pPr lvl="0"/>
             <a:r>
-              <a:rPr kumimoji="1" lang="ja-JP" altLang="en-US" smtClean="0"/>
+              <a:rPr lang="ja-JP" altLang="en-US" smtClean="0"/>
               <a:t>マスター テキストの書式設定</a:t>
             </a:r>
           </a:p>
           <a:p>
             <a:pPr lvl="1"/>
             <a:r>
-              <a:rPr kumimoji="1" lang="ja-JP" altLang="en-US" smtClean="0"/>
+              <a:rPr lang="ja-JP" altLang="en-US" smtClean="0"/>
               <a:t>第 </a:t>
             </a:r>
             <a:r>
-              <a:rPr kumimoji="1" lang="en-US" altLang="ja-JP" smtClean="0"/>
+              <a:rPr lang="en-US" altLang="ja-JP" smtClean="0"/>
               <a:t>2 </a:t>
             </a:r>
             <a:r>
-              <a:rPr kumimoji="1" lang="ja-JP" altLang="en-US" smtClean="0"/>
+              <a:rPr lang="ja-JP" altLang="en-US" smtClean="0"/>
               <a:t>レベル</a:t>
             </a:r>
           </a:p>
           <a:p>
             <a:pPr lvl="2"/>
             <a:r>
-              <a:rPr kumimoji="1" lang="ja-JP" altLang="en-US" smtClean="0"/>
+              <a:rPr lang="ja-JP" altLang="en-US" smtClean="0"/>
               <a:t>第 </a:t>
             </a:r>
             <a:r>
-              <a:rPr kumimoji="1" lang="en-US" altLang="ja-JP" smtClean="0"/>
+              <a:rPr lang="en-US" altLang="ja-JP" smtClean="0"/>
               <a:t>3 </a:t>
             </a:r>
             <a:r>
-              <a:rPr kumimoji="1" lang="ja-JP" altLang="en-US" smtClean="0"/>
+              <a:rPr lang="ja-JP" altLang="en-US" smtClean="0"/>
               <a:t>レベル</a:t>
             </a:r>
           </a:p>
           <a:p>
             <a:pPr lvl="3"/>
             <a:r>
-              <a:rPr kumimoji="1" lang="ja-JP" altLang="en-US" smtClean="0"/>
+              <a:rPr lang="ja-JP" altLang="en-US" smtClean="0"/>
               <a:t>第 </a:t>
             </a:r>
             <a:r>
-              <a:rPr kumimoji="1" lang="en-US" altLang="ja-JP" smtClean="0"/>
+              <a:rPr lang="en-US" altLang="ja-JP" smtClean="0"/>
               <a:t>4 </a:t>
             </a:r>
             <a:r>
-              <a:rPr kumimoji="1" lang="ja-JP" altLang="en-US" smtClean="0"/>
+              <a:rPr lang="ja-JP" altLang="en-US" smtClean="0"/>
               <a:t>レベル</a:t>
             </a:r>
           </a:p>
           <a:p>
             <a:pPr lvl="4"/>
             <a:r>
-              <a:rPr kumimoji="1" lang="ja-JP" altLang="en-US" smtClean="0"/>
+              <a:rPr lang="ja-JP" altLang="en-US" smtClean="0"/>
               <a:t>第 </a:t>
             </a:r>
             <a:r>
-              <a:rPr kumimoji="1" lang="en-US" altLang="ja-JP" smtClean="0"/>
+              <a:rPr lang="en-US" altLang="ja-JP" smtClean="0"/>
               <a:t>5 </a:t>
             </a:r>
             <a:r>
-              <a:rPr kumimoji="1" lang="ja-JP" altLang="en-US" smtClean="0"/>
+              <a:rPr lang="ja-JP" altLang="en-US" smtClean="0"/>
               <a:t>レベル</a:t>
             </a:r>
-            <a:endParaRPr kumimoji="1" lang="ja-JP" altLang="en-US"/>
-          </a:p>
-        </p:txBody>
-      </p:sp>
-      <p:sp>
-        <p:nvSpPr>
-          <p:cNvPr id="7" name="日付プレースホルダー 6"/>
+            <a:endParaRPr lang="en-US" dirty="0"/>
+          </a:p>
+        </p:txBody>
+      </p:sp>
+      <p:sp>
+        <p:nvSpPr>
+          <p:cNvPr id="7" name="Date Placeholder 6"/>
           <p:cNvSpPr>
             <a:spLocks noGrp="1"/>
           </p:cNvSpPr>
@@ -1836,7 +4595,7 @@
           <a:p>
             <a:fld id="{242841BA-3CFF-4AFF-88B1-DBD736C8B12D}" type="datetimeFigureOut">
               <a:rPr kumimoji="1" lang="ja-JP" altLang="en-US" smtClean="0"/>
-              <a:t>2025/12/17</a:t>
+              <a:t>2025/12/22</a:t>
             </a:fld>
             <a:endParaRPr kumimoji="1" lang="ja-JP" altLang="en-US"/>
           </a:p>
@@ -1844,7 +4603,7 @@
       </p:sp>
       <p:sp>
         <p:nvSpPr>
-          <p:cNvPr id="8" name="フッター プレースホルダー 7"/>
+          <p:cNvPr id="8" name="Footer Placeholder 7"/>
           <p:cNvSpPr>
             <a:spLocks noGrp="1"/>
           </p:cNvSpPr>
@@ -1863,7 +4622,7 @@
       </p:sp>
       <p:sp>
         <p:nvSpPr>
-          <p:cNvPr id="9" name="スライド番号プレースホルダー 8"/>
+          <p:cNvPr id="9" name="Slide Number Placeholder 8"/>
           <p:cNvSpPr>
             <a:spLocks noGrp="1"/>
           </p:cNvSpPr>
@@ -1887,7 +4646,7 @@
     </p:spTree>
     <p:extLst>
       <p:ext uri="{BB962C8B-B14F-4D97-AF65-F5344CB8AC3E}">
-        <p14:creationId xmlns:p14="http://schemas.microsoft.com/office/powerpoint/2010/main" val="3019434253"/>
+        <p14:creationId xmlns:p14="http://schemas.microsoft.com/office/powerpoint/2010/main" val="1662767235"/>
       </p:ext>
     </p:extLst>
   </p:cSld>
@@ -1916,7 +4675,7 @@
       </p:grpSpPr>
       <p:sp>
         <p:nvSpPr>
-          <p:cNvPr id="2" name="タイトル 1"/>
+          <p:cNvPr id="2" name="Title 1"/>
           <p:cNvSpPr>
             <a:spLocks noGrp="1"/>
           </p:cNvSpPr>
@@ -1930,16 +4689,16 @@
           <a:lstStyle/>
           <a:p>
             <a:r>
-              <a:rPr kumimoji="1" lang="ja-JP" altLang="en-US" smtClean="0"/>
+              <a:rPr lang="ja-JP" altLang="en-US" smtClean="0"/>
               <a:t>マスター タイトルの書式設定</a:t>
             </a:r>
-            <a:endParaRPr kumimoji="1" lang="ja-JP" altLang="en-US"/>
-          </a:p>
-        </p:txBody>
-      </p:sp>
-      <p:sp>
-        <p:nvSpPr>
-          <p:cNvPr id="3" name="日付プレースホルダー 2"/>
+            <a:endParaRPr lang="en-US" dirty="0"/>
+          </a:p>
+        </p:txBody>
+      </p:sp>
+      <p:sp>
+        <p:nvSpPr>
+          <p:cNvPr id="7" name="Date Placeholder 2"/>
           <p:cNvSpPr>
             <a:spLocks noGrp="1"/>
           </p:cNvSpPr>
@@ -1954,7 +4713,7 @@
           <a:p>
             <a:fld id="{242841BA-3CFF-4AFF-88B1-DBD736C8B12D}" type="datetimeFigureOut">
               <a:rPr kumimoji="1" lang="ja-JP" altLang="en-US" smtClean="0"/>
-              <a:t>2025/12/17</a:t>
+              <a:t>2025/12/22</a:t>
             </a:fld>
             <a:endParaRPr kumimoji="1" lang="ja-JP" altLang="en-US"/>
           </a:p>
@@ -1962,7 +4721,7 @@
       </p:sp>
       <p:sp>
         <p:nvSpPr>
-          <p:cNvPr id="4" name="フッター プレースホルダー 3"/>
+          <p:cNvPr id="5" name="Footer Placeholder 3"/>
           <p:cNvSpPr>
             <a:spLocks noGrp="1"/>
           </p:cNvSpPr>
@@ -1981,7 +4740,7 @@
       </p:sp>
       <p:sp>
         <p:nvSpPr>
-          <p:cNvPr id="5" name="スライド番号プレースホルダー 4"/>
+          <p:cNvPr id="6" name="Slide Number Placeholder 4"/>
           <p:cNvSpPr>
             <a:spLocks noGrp="1"/>
           </p:cNvSpPr>
@@ -2005,7 +4764,7 @@
     </p:spTree>
     <p:extLst>
       <p:ext uri="{BB962C8B-B14F-4D97-AF65-F5344CB8AC3E}">
-        <p14:creationId xmlns:p14="http://schemas.microsoft.com/office/powerpoint/2010/main" val="2351036794"/>
+        <p14:creationId xmlns:p14="http://schemas.microsoft.com/office/powerpoint/2010/main" val="3267176099"/>
       </p:ext>
     </p:extLst>
   </p:cSld>
@@ -2034,7 +4793,7 @@
       </p:grpSpPr>
       <p:sp>
         <p:nvSpPr>
-          <p:cNvPr id="2" name="日付プレースホルダー 1"/>
+          <p:cNvPr id="7" name="Date Placeholder 1"/>
           <p:cNvSpPr>
             <a:spLocks noGrp="1"/>
           </p:cNvSpPr>
@@ -2049,7 +4808,7 @@
           <a:p>
             <a:fld id="{242841BA-3CFF-4AFF-88B1-DBD736C8B12D}" type="datetimeFigureOut">
               <a:rPr kumimoji="1" lang="ja-JP" altLang="en-US" smtClean="0"/>
-              <a:t>2025/12/17</a:t>
+              <a:t>2025/12/22</a:t>
             </a:fld>
             <a:endParaRPr kumimoji="1" lang="ja-JP" altLang="en-US"/>
           </a:p>
@@ -2057,7 +4816,7 @@
       </p:sp>
       <p:sp>
         <p:nvSpPr>
-          <p:cNvPr id="3" name="フッター プレースホルダー 2"/>
+          <p:cNvPr id="5" name="Footer Placeholder 2"/>
           <p:cNvSpPr>
             <a:spLocks noGrp="1"/>
           </p:cNvSpPr>
@@ -2076,7 +4835,7 @@
       </p:sp>
       <p:sp>
         <p:nvSpPr>
-          <p:cNvPr id="4" name="スライド番号プレースホルダー 3"/>
+          <p:cNvPr id="6" name="Slide Number Placeholder 3"/>
           <p:cNvSpPr>
             <a:spLocks noGrp="1"/>
           </p:cNvSpPr>
@@ -2100,7 +4859,7 @@
     </p:spTree>
     <p:extLst>
       <p:ext uri="{BB962C8B-B14F-4D97-AF65-F5344CB8AC3E}">
-        <p14:creationId xmlns:p14="http://schemas.microsoft.com/office/powerpoint/2010/main" val="4246999006"/>
+        <p14:creationId xmlns:p14="http://schemas.microsoft.com/office/powerpoint/2010/main" val="3090010376"/>
       </p:ext>
     </p:extLst>
   </p:cSld>
@@ -2129,7 +4888,7 @@
       </p:grpSpPr>
       <p:sp>
         <p:nvSpPr>
-          <p:cNvPr id="2" name="タイトル 1"/>
+          <p:cNvPr id="2" name="Title 1"/>
           <p:cNvSpPr>
             <a:spLocks noGrp="1"/>
           </p:cNvSpPr>
@@ -2139,29 +4898,29 @@
         </p:nvSpPr>
         <p:spPr>
           <a:xfrm>
-            <a:off x="839788" y="457200"/>
-            <a:ext cx="3932237" cy="1600200"/>
+            <a:off x="1154953" y="1447800"/>
+            <a:ext cx="3401064" cy="1447800"/>
           </a:xfrm>
         </p:spPr>
         <p:txBody>
           <a:bodyPr anchor="b"/>
           <a:lstStyle>
-            <a:lvl1pPr>
-              <a:defRPr sz="3200"/>
+            <a:lvl1pPr algn="l">
+              <a:defRPr sz="2400" b="0"/>
             </a:lvl1pPr>
           </a:lstStyle>
           <a:p>
             <a:r>
-              <a:rPr kumimoji="1" lang="ja-JP" altLang="en-US" smtClean="0"/>
+              <a:rPr lang="ja-JP" altLang="en-US" smtClean="0"/>
               <a:t>マスター タイトルの書式設定</a:t>
             </a:r>
-            <a:endParaRPr kumimoji="1" lang="ja-JP" altLang="en-US"/>
-          </a:p>
-        </p:txBody>
-      </p:sp>
-      <p:sp>
-        <p:nvSpPr>
-          <p:cNvPr id="3" name="コンテンツ プレースホルダー 2"/>
+            <a:endParaRPr lang="en-US" dirty="0"/>
+          </a:p>
+        </p:txBody>
+      </p:sp>
+      <p:sp>
+        <p:nvSpPr>
+          <p:cNvPr id="3" name="Content Placeholder 2"/>
           <p:cNvSpPr>
             <a:spLocks noGrp="1"/>
           </p:cNvSpPr>
@@ -2171,114 +4930,116 @@
         </p:nvSpPr>
         <p:spPr>
           <a:xfrm>
-            <a:off x="5183188" y="987425"/>
-            <a:ext cx="6172200" cy="4873625"/>
-          </a:xfrm>
-        </p:spPr>
-        <p:txBody>
-          <a:bodyPr/>
+            <a:off x="4784616" y="1447800"/>
+            <a:ext cx="5195997" cy="4572000"/>
+          </a:xfrm>
+        </p:spPr>
+        <p:txBody>
+          <a:bodyPr anchor="ctr">
+            <a:normAutofit/>
+          </a:bodyPr>
           <a:lstStyle>
             <a:lvl1pPr>
-              <a:defRPr sz="3200"/>
+              <a:defRPr sz="2000"/>
             </a:lvl1pPr>
             <a:lvl2pPr>
-              <a:defRPr sz="2800"/>
+              <a:defRPr sz="1800"/>
             </a:lvl2pPr>
             <a:lvl3pPr>
-              <a:defRPr sz="2400"/>
+              <a:defRPr sz="1600"/>
             </a:lvl3pPr>
             <a:lvl4pPr>
-              <a:defRPr sz="2000"/>
+              <a:defRPr sz="1400"/>
             </a:lvl4pPr>
             <a:lvl5pPr>
-              <a:defRPr sz="2000"/>
+              <a:defRPr sz="1400"/>
             </a:lvl5pPr>
             <a:lvl6pPr>
-              <a:defRPr sz="2000"/>
+              <a:defRPr sz="1400"/>
             </a:lvl6pPr>
             <a:lvl7pPr>
-              <a:defRPr sz="2000"/>
+              <a:defRPr sz="1400"/>
             </a:lvl7pPr>
             <a:lvl8pPr>
-              <a:defRPr sz="2000"/>
+              <a:defRPr sz="1400"/>
             </a:lvl8pPr>
             <a:lvl9pPr>
-              <a:defRPr sz="2000"/>
+              <a:defRPr sz="1400"/>
             </a:lvl9pPr>
           </a:lstStyle>
           <a:p>
             <a:pPr lvl="0"/>
             <a:r>
-              <a:rPr kumimoji="1" lang="ja-JP" altLang="en-US" smtClean="0"/>
+              <a:rPr lang="ja-JP" altLang="en-US" smtClean="0"/>
               <a:t>マスター テキストの書式設定</a:t>
             </a:r>
           </a:p>
           <a:p>
             <a:pPr lvl="1"/>
             <a:r>
-              <a:rPr kumimoji="1" lang="ja-JP" altLang="en-US" smtClean="0"/>
+              <a:rPr lang="ja-JP" altLang="en-US" smtClean="0"/>
               <a:t>第 </a:t>
             </a:r>
             <a:r>
-              <a:rPr kumimoji="1" lang="en-US" altLang="ja-JP" smtClean="0"/>
+              <a:rPr lang="en-US" altLang="ja-JP" smtClean="0"/>
               <a:t>2 </a:t>
             </a:r>
             <a:r>
-              <a:rPr kumimoji="1" lang="ja-JP" altLang="en-US" smtClean="0"/>
+              <a:rPr lang="ja-JP" altLang="en-US" smtClean="0"/>
               <a:t>レベル</a:t>
             </a:r>
           </a:p>
           <a:p>
             <a:pPr lvl="2"/>
             <a:r>
-              <a:rPr kumimoji="1" lang="ja-JP" altLang="en-US" smtClean="0"/>
+              <a:rPr lang="ja-JP" altLang="en-US" smtClean="0"/>
               <a:t>第 </a:t>
             </a:r>
             <a:r>
-              <a:rPr kumimoji="1" lang="en-US" altLang="ja-JP" smtClean="0"/>
+              <a:rPr lang="en-US" altLang="ja-JP" smtClean="0"/>
               <a:t>3 </a:t>
             </a:r>
             <a:r>
-              <a:rPr kumimoji="1" lang="ja-JP" altLang="en-US" smtClean="0"/>
+              <a:rPr lang="ja-JP" altLang="en-US" smtClean="0"/>
               <a:t>レベル</a:t>
             </a:r>
           </a:p>
           <a:p>
             <a:pPr lvl="3"/>
             <a:r>
-              <a:rPr kumimoji="1" lang="ja-JP" altLang="en-US" smtClean="0"/>
+              <a:rPr lang="ja-JP" altLang="en-US" smtClean="0"/>
               <a:t>第 </a:t>
             </a:r>
             <a:r>
-              <a:rPr kumimoji="1" lang="en-US" altLang="ja-JP" smtClean="0"/>
+              <a:rPr lang="en-US" altLang="ja-JP" smtClean="0"/>
               <a:t>4 </a:t>
             </a:r>
             <a:r>
-              <a:rPr kumimoji="1" lang="ja-JP" altLang="en-US" smtClean="0"/>
+              <a:rPr lang="ja-JP" altLang="en-US" smtClean="0"/>
               <a:t>レベル</a:t>
             </a:r>
           </a:p>
           <a:p>
             <a:pPr lvl="4"/>
             <a:r>
-              <a:rPr kumimoji="1" lang="ja-JP" altLang="en-US" smtClean="0"/>
+              <a:rPr lang="ja-JP" altLang="en-US" smtClean="0"/>
               <a:t>第 </a:t>
             </a:r>
             <a:r>
-              <a:rPr kumimoji="1" lang="en-US" altLang="ja-JP" smtClean="0"/>
+              <a:rPr lang="en-US" altLang="ja-JP" smtClean="0"/>
               <a:t>5 </a:t>
             </a:r>
             <a:r>
-              <a:rPr kumimoji="1" lang="ja-JP" altLang="en-US" smtClean="0"/>
+              <a:rPr lang="ja-JP" altLang="en-US" smtClean="0"/>
               <a:t>レベル</a:t>
             </a:r>
-            <a:endParaRPr kumimoji="1" lang="ja-JP" altLang="en-US"/>
-          </a:p>
-        </p:txBody>
-      </p:sp>
-      <p:sp>
-        <p:nvSpPr>
-          <p:cNvPr id="4" name="テキスト プレースホルダー 3"/>
+            <a:endParaRPr lang="en-US" dirty="0"/>
+          </a:p>
+        </p:txBody>
+      </p:sp>
+      <p:sp>
+        <p:nvSpPr>
+          <p:cNvPr id="4" name="Text Placeholder 3"/>
           <p:cNvSpPr>
             <a:spLocks noGrp="1"/>
           </p:cNvSpPr>
@@ -2288,8 +5049,8 @@
         </p:nvSpPr>
         <p:spPr>
           <a:xfrm>
-            <a:off x="839788" y="2057400"/>
-            <a:ext cx="3932237" cy="3811588"/>
+            <a:off x="1154953" y="3129280"/>
+            <a:ext cx="3401063" cy="2895599"/>
           </a:xfrm>
         </p:spPr>
         <p:txBody>
@@ -2297,45 +5058,45 @@
           <a:lstStyle>
             <a:lvl1pPr marL="0" indent="0">
               <a:buNone/>
-              <a:defRPr sz="1600"/>
+              <a:defRPr sz="1400"/>
             </a:lvl1pPr>
             <a:lvl2pPr marL="457200" indent="0">
               <a:buNone/>
-              <a:defRPr sz="1400"/>
+              <a:defRPr sz="1200"/>
             </a:lvl2pPr>
             <a:lvl3pPr marL="914400" indent="0">
               <a:buNone/>
-              <a:defRPr sz="1200"/>
+              <a:defRPr sz="1000"/>
             </a:lvl3pPr>
             <a:lvl4pPr marL="1371600" indent="0">
               <a:buNone/>
-              <a:defRPr sz="1000"/>
+              <a:defRPr sz="900"/>
             </a:lvl4pPr>
             <a:lvl5pPr marL="1828800" indent="0">
               <a:buNone/>
-              <a:defRPr sz="1000"/>
+              <a:defRPr sz="900"/>
             </a:lvl5pPr>
             <a:lvl6pPr marL="2286000" indent="0">
               <a:buNone/>
-              <a:defRPr sz="1000"/>
+              <a:defRPr sz="900"/>
             </a:lvl6pPr>
             <a:lvl7pPr marL="2743200" indent="0">
               <a:buNone/>
-              <a:defRPr sz="1000"/>
+              <a:defRPr sz="900"/>
             </a:lvl7pPr>
             <a:lvl8pPr marL="3200400" indent="0">
               <a:buNone/>
-              <a:defRPr sz="1000"/>
+              <a:defRPr sz="900"/>
             </a:lvl8pPr>
             <a:lvl9pPr marL="3657600" indent="0">
               <a:buNone/>
-              <a:defRPr sz="1000"/>
+              <a:defRPr sz="900"/>
             </a:lvl9pPr>
           </a:lstStyle>
           <a:p>
             <a:pPr lvl="0"/>
             <a:r>
-              <a:rPr kumimoji="1" lang="ja-JP" altLang="en-US" smtClean="0"/>
+              <a:rPr lang="ja-JP" altLang="en-US" smtClean="0"/>
               <a:t>マスター テキストの書式設定</a:t>
             </a:r>
           </a:p>
@@ -2343,7 +5104,7 @@
       </p:sp>
       <p:sp>
         <p:nvSpPr>
-          <p:cNvPr id="5" name="日付プレースホルダー 4"/>
+          <p:cNvPr id="7" name="Date Placeholder 4"/>
           <p:cNvSpPr>
             <a:spLocks noGrp="1"/>
           </p:cNvSpPr>
@@ -2358,7 +5119,7 @@
           <a:p>
             <a:fld id="{242841BA-3CFF-4AFF-88B1-DBD736C8B12D}" type="datetimeFigureOut">
               <a:rPr kumimoji="1" lang="ja-JP" altLang="en-US" smtClean="0"/>
-              <a:t>2025/12/17</a:t>
+              <a:t>2025/12/22</a:t>
             </a:fld>
             <a:endParaRPr kumimoji="1" lang="ja-JP" altLang="en-US"/>
           </a:p>
@@ -2366,7 +5127,7 @@
       </p:sp>
       <p:sp>
         <p:nvSpPr>
-          <p:cNvPr id="6" name="フッター プレースホルダー 5"/>
+          <p:cNvPr id="5" name="Footer Placeholder 5"/>
           <p:cNvSpPr>
             <a:spLocks noGrp="1"/>
           </p:cNvSpPr>
@@ -2385,7 +5146,7 @@
       </p:sp>
       <p:sp>
         <p:nvSpPr>
-          <p:cNvPr id="7" name="スライド番号プレースホルダー 6"/>
+          <p:cNvPr id="6" name="Slide Number Placeholder 6"/>
           <p:cNvSpPr>
             <a:spLocks noGrp="1"/>
           </p:cNvSpPr>
@@ -2409,7 +5170,7 @@
     </p:spTree>
     <p:extLst>
       <p:ext uri="{BB962C8B-B14F-4D97-AF65-F5344CB8AC3E}">
-        <p14:creationId xmlns:p14="http://schemas.microsoft.com/office/powerpoint/2010/main" val="4095393403"/>
+        <p14:creationId xmlns:p14="http://schemas.microsoft.com/office/powerpoint/2010/main" val="1965003010"/>
       </p:ext>
     </p:extLst>
   </p:cSld>
@@ -2438,7 +5199,7 @@
       </p:grpSpPr>
       <p:sp>
         <p:nvSpPr>
-          <p:cNvPr id="2" name="タイトル 1"/>
+          <p:cNvPr id="2" name="Title 1"/>
           <p:cNvSpPr>
             <a:spLocks noGrp="1"/>
           </p:cNvSpPr>
@@ -2448,31 +5209,33 @@
         </p:nvSpPr>
         <p:spPr>
           <a:xfrm>
-            <a:off x="839788" y="457200"/>
-            <a:ext cx="3932237" cy="1600200"/>
-          </a:xfrm>
-        </p:spPr>
-        <p:txBody>
-          <a:bodyPr anchor="b"/>
+            <a:off x="1153907" y="1854192"/>
+            <a:ext cx="5092906" cy="1574808"/>
+          </a:xfrm>
+        </p:spPr>
+        <p:txBody>
+          <a:bodyPr anchor="b">
+            <a:normAutofit/>
+          </a:bodyPr>
           <a:lstStyle>
-            <a:lvl1pPr>
-              <a:defRPr sz="3200"/>
+            <a:lvl1pPr algn="l">
+              <a:defRPr sz="3600" b="0"/>
             </a:lvl1pPr>
           </a:lstStyle>
           <a:p>
             <a:r>
-              <a:rPr kumimoji="1" lang="ja-JP" altLang="en-US" smtClean="0"/>
+              <a:rPr lang="ja-JP" altLang="en-US" smtClean="0"/>
               <a:t>マスター タイトルの書式設定</a:t>
             </a:r>
-            <a:endParaRPr kumimoji="1" lang="ja-JP" altLang="en-US"/>
-          </a:p>
-        </p:txBody>
-      </p:sp>
-      <p:sp>
-        <p:nvSpPr>
-          <p:cNvPr id="3" name="図プレースホルダー 2"/>
-          <p:cNvSpPr>
-            <a:spLocks noGrp="1"/>
+            <a:endParaRPr lang="en-US" dirty="0"/>
+          </a:p>
+        </p:txBody>
+      </p:sp>
+      <p:sp>
+        <p:nvSpPr>
+          <p:cNvPr id="3" name="Picture Placeholder 2"/>
+          <p:cNvSpPr>
+            <a:spLocks noGrp="1" noChangeAspect="1"/>
           </p:cNvSpPr>
           <p:nvPr>
             <p:ph type="pic" idx="1"/>
@@ -2480,115 +5243,135 @@
         </p:nvSpPr>
         <p:spPr>
           <a:xfrm>
-            <a:off x="5183188" y="987425"/>
-            <a:ext cx="6172200" cy="4873625"/>
-          </a:xfrm>
-        </p:spPr>
-        <p:txBody>
-          <a:bodyPr/>
+            <a:off x="6949546" y="1143000"/>
+            <a:ext cx="3200400" cy="4572000"/>
+          </a:xfrm>
+          <a:prstGeom prst="roundRect">
+            <a:avLst>
+              <a:gd name="adj" fmla="val 1858"/>
+            </a:avLst>
+          </a:prstGeom>
+          <a:effectLst>
+            <a:outerShdw blurRad="50800" dist="50800" dir="5400000" algn="tl" rotWithShape="0">
+              <a:srgbClr val="000000">
+                <a:alpha val="43000"/>
+              </a:srgbClr>
+            </a:outerShdw>
+          </a:effectLst>
+        </p:spPr>
+        <p:txBody>
+          <a:bodyPr anchor="t">
+            <a:normAutofit/>
+          </a:bodyPr>
           <a:lstStyle>
-            <a:lvl1pPr marL="0" indent="0">
-              <a:buNone/>
-              <a:defRPr sz="3200"/>
-            </a:lvl1pPr>
-            <a:lvl2pPr marL="457200" indent="0">
-              <a:buNone/>
-              <a:defRPr sz="2800"/>
-            </a:lvl2pPr>
-            <a:lvl3pPr marL="914400" indent="0">
-              <a:buNone/>
-              <a:defRPr sz="2400"/>
-            </a:lvl3pPr>
-            <a:lvl4pPr marL="1371600" indent="0">
-              <a:buNone/>
-              <a:defRPr sz="2000"/>
-            </a:lvl4pPr>
-            <a:lvl5pPr marL="1828800" indent="0">
-              <a:buNone/>
-              <a:defRPr sz="2000"/>
-            </a:lvl5pPr>
-            <a:lvl6pPr marL="2286000" indent="0">
-              <a:buNone/>
-              <a:defRPr sz="2000"/>
-            </a:lvl6pPr>
-            <a:lvl7pPr marL="2743200" indent="0">
-              <a:buNone/>
-              <a:defRPr sz="2000"/>
-            </a:lvl7pPr>
-            <a:lvl8pPr marL="3200400" indent="0">
-              <a:buNone/>
-              <a:defRPr sz="2000"/>
-            </a:lvl8pPr>
-            <a:lvl9pPr marL="3657600" indent="0">
-              <a:buNone/>
-              <a:defRPr sz="2000"/>
-            </a:lvl9pPr>
-          </a:lstStyle>
-          <a:p>
-            <a:endParaRPr kumimoji="1" lang="ja-JP" altLang="en-US"/>
-          </a:p>
-        </p:txBody>
-      </p:sp>
-      <p:sp>
-        <p:nvSpPr>
-          <p:cNvPr id="4" name="テキスト プレースホルダー 3"/>
-          <p:cNvSpPr>
-            <a:spLocks noGrp="1"/>
-          </p:cNvSpPr>
-          <p:nvPr>
-            <p:ph type="body" sz="half" idx="2"/>
-          </p:nvPr>
-        </p:nvSpPr>
-        <p:spPr>
-          <a:xfrm>
-            <a:off x="839788" y="2057400"/>
-            <a:ext cx="3932237" cy="3811588"/>
-          </a:xfrm>
-        </p:spPr>
-        <p:txBody>
-          <a:bodyPr/>
-          <a:lstStyle>
-            <a:lvl1pPr marL="0" indent="0">
+            <a:lvl1pPr marL="0" indent="0" algn="ctr">
               <a:buNone/>
               <a:defRPr sz="1600"/>
             </a:lvl1pPr>
             <a:lvl2pPr marL="457200" indent="0">
               <a:buNone/>
-              <a:defRPr sz="1400"/>
+              <a:defRPr sz="1600"/>
             </a:lvl2pPr>
             <a:lvl3pPr marL="914400" indent="0">
               <a:buNone/>
-              <a:defRPr sz="1200"/>
+              <a:defRPr sz="1600"/>
             </a:lvl3pPr>
             <a:lvl4pPr marL="1371600" indent="0">
               <a:buNone/>
-              <a:defRPr sz="1000"/>
+              <a:defRPr sz="1600"/>
             </a:lvl4pPr>
             <a:lvl5pPr marL="1828800" indent="0">
               <a:buNone/>
-              <a:defRPr sz="1000"/>
+              <a:defRPr sz="1600"/>
             </a:lvl5pPr>
             <a:lvl6pPr marL="2286000" indent="0">
               <a:buNone/>
-              <a:defRPr sz="1000"/>
+              <a:defRPr sz="1600"/>
             </a:lvl6pPr>
             <a:lvl7pPr marL="2743200" indent="0">
               <a:buNone/>
-              <a:defRPr sz="1000"/>
+              <a:defRPr sz="1600"/>
             </a:lvl7pPr>
             <a:lvl8pPr marL="3200400" indent="0">
               <a:buNone/>
-              <a:defRPr sz="1000"/>
+              <a:defRPr sz="1600"/>
             </a:lvl8pPr>
             <a:lvl9pPr marL="3657600" indent="0">
               <a:buNone/>
-              <a:defRPr sz="1000"/>
+              <a:defRPr sz="1600"/>
             </a:lvl9pPr>
           </a:lstStyle>
           <a:p>
+            <a:r>
+              <a:rPr lang="ja-JP" altLang="en-US" smtClean="0"/>
+              <a:t>図を追加</a:t>
+            </a:r>
+            <a:endParaRPr lang="en-US" dirty="0"/>
+          </a:p>
+        </p:txBody>
+      </p:sp>
+      <p:sp>
+        <p:nvSpPr>
+          <p:cNvPr id="4" name="Text Placeholder 3"/>
+          <p:cNvSpPr>
+            <a:spLocks noGrp="1"/>
+          </p:cNvSpPr>
+          <p:nvPr>
+            <p:ph type="body" sz="half" idx="2"/>
+          </p:nvPr>
+        </p:nvSpPr>
+        <p:spPr>
+          <a:xfrm>
+            <a:off x="1154954" y="3657600"/>
+            <a:ext cx="5084979" cy="1371600"/>
+          </a:xfrm>
+        </p:spPr>
+        <p:txBody>
+          <a:bodyPr>
+            <a:normAutofit/>
+          </a:bodyPr>
+          <a:lstStyle>
+            <a:lvl1pPr marL="0" indent="0">
+              <a:buNone/>
+              <a:defRPr sz="1400"/>
+            </a:lvl1pPr>
+            <a:lvl2pPr marL="457200" indent="0">
+              <a:buNone/>
+              <a:defRPr sz="1200"/>
+            </a:lvl2pPr>
+            <a:lvl3pPr marL="914400" indent="0">
+              <a:buNone/>
+              <a:defRPr sz="1000"/>
+            </a:lvl3pPr>
+            <a:lvl4pPr marL="1371600" indent="0">
+              <a:buNone/>
+              <a:defRPr sz="900"/>
+            </a:lvl4pPr>
+            <a:lvl5pPr marL="1828800" indent="0">
+              <a:buNone/>
+              <a:defRPr sz="900"/>
+            </a:lvl5pPr>
+            <a:lvl6pPr marL="2286000" indent="0">
+              <a:buNone/>
+              <a:defRPr sz="900"/>
+            </a:lvl6pPr>
+            <a:lvl7pPr marL="2743200" indent="0">
+              <a:buNone/>
+              <a:defRPr sz="900"/>
+            </a:lvl7pPr>
+            <a:lvl8pPr marL="3200400" indent="0">
+              <a:buNone/>
+              <a:defRPr sz="900"/>
+            </a:lvl8pPr>
+            <a:lvl9pPr marL="3657600" indent="0">
+              <a:buNone/>
+              <a:defRPr sz="900"/>
+            </a:lvl9pPr>
+          </a:lstStyle>
+          <a:p>
             <a:pPr lvl="0"/>
             <a:r>
-              <a:rPr kumimoji="1" lang="ja-JP" altLang="en-US" smtClean="0"/>
+              <a:rPr lang="ja-JP" altLang="en-US" smtClean="0"/>
               <a:t>マスター テキストの書式設定</a:t>
             </a:r>
           </a:p>
@@ -2596,7 +5379,7 @@
       </p:sp>
       <p:sp>
         <p:nvSpPr>
-          <p:cNvPr id="5" name="日付プレースホルダー 4"/>
+          <p:cNvPr id="5" name="Date Placeholder 4"/>
           <p:cNvSpPr>
             <a:spLocks noGrp="1"/>
           </p:cNvSpPr>
@@ -2611,7 +5394,7 @@
           <a:p>
             <a:fld id="{242841BA-3CFF-4AFF-88B1-DBD736C8B12D}" type="datetimeFigureOut">
               <a:rPr kumimoji="1" lang="ja-JP" altLang="en-US" smtClean="0"/>
-              <a:t>2025/12/17</a:t>
+              <a:t>2025/12/22</a:t>
             </a:fld>
             <a:endParaRPr kumimoji="1" lang="ja-JP" altLang="en-US"/>
           </a:p>
@@ -2619,7 +5402,7 @@
       </p:sp>
       <p:sp>
         <p:nvSpPr>
-          <p:cNvPr id="6" name="フッター プレースホルダー 5"/>
+          <p:cNvPr id="6" name="Footer Placeholder 5"/>
           <p:cNvSpPr>
             <a:spLocks noGrp="1"/>
           </p:cNvSpPr>
@@ -2638,7 +5421,7 @@
       </p:sp>
       <p:sp>
         <p:nvSpPr>
-          <p:cNvPr id="7" name="スライド番号プレースホルダー 6"/>
+          <p:cNvPr id="7" name="Slide Number Placeholder 6"/>
           <p:cNvSpPr>
             <a:spLocks noGrp="1"/>
           </p:cNvSpPr>
@@ -2662,7 +5445,7 @@
     </p:spTree>
     <p:extLst>
       <p:ext uri="{BB962C8B-B14F-4D97-AF65-F5344CB8AC3E}">
-        <p14:creationId xmlns:p14="http://schemas.microsoft.com/office/powerpoint/2010/main" val="1338979830"/>
+        <p14:creationId xmlns:p14="http://schemas.microsoft.com/office/powerpoint/2010/main" val="3411631533"/>
       </p:ext>
     </p:extLst>
   </p:cSld>
@@ -2676,8 +5459,8 @@
 <p:sldMaster xmlns:a="http://schemas.openxmlformats.org/drawingml/2006/main" xmlns:r="http://schemas.openxmlformats.org/officeDocument/2006/relationships" xmlns:p="http://schemas.openxmlformats.org/presentationml/2006/main">
   <p:cSld>
     <p:bg>
-      <p:bgRef idx="1001">
-        <a:schemeClr val="bg1"/>
+      <p:bgRef idx="1003">
+        <a:schemeClr val="bg2"/>
       </p:bgRef>
     </p:bg>
     <p:spTree>
@@ -2694,58 +5477,273 @@
           <a:chExt cx="0" cy="0"/>
         </a:xfrm>
       </p:grpSpPr>
-      <p:sp>
-        <p:nvSpPr>
-          <p:cNvPr id="2" name="タイトル プレースホルダー 1"/>
-          <p:cNvSpPr>
-            <a:spLocks noGrp="1"/>
-          </p:cNvSpPr>
-          <p:nvPr>
-            <p:ph type="title"/>
-          </p:nvPr>
-        </p:nvSpPr>
+      <p:pic>
+        <p:nvPicPr>
+          <p:cNvPr id="8" name="Picture 7"/>
+          <p:cNvPicPr>
+            <a:picLocks noChangeAspect="1"/>
+          </p:cNvPicPr>
+          <p:nvPr/>
+        </p:nvPicPr>
+        <p:blipFill rotWithShape="1">
+          <a:blip r:embed="rId19">
+            <a:extLst>
+              <a:ext uri="{28A0092B-C50C-407E-A947-70E740481C1C}">
+                <a14:useLocalDpi xmlns:a14="http://schemas.microsoft.com/office/drawing/2010/main" val="0"/>
+              </a:ext>
+            </a:extLst>
+          </a:blip>
+          <a:srcRect l="3613"/>
+          <a:stretch/>
+        </p:blipFill>
         <p:spPr>
           <a:xfrm>
-            <a:off x="838200" y="365125"/>
-            <a:ext cx="10515600" cy="1325563"/>
+            <a:off x="0" y="2669685"/>
+            <a:ext cx="4037012" cy="4188315"/>
           </a:xfrm>
           <a:prstGeom prst="rect">
             <a:avLst/>
           </a:prstGeom>
         </p:spPr>
-        <p:txBody>
-          <a:bodyPr vert="horz" lIns="91440" tIns="45720" rIns="91440" bIns="45720" rtlCol="0" anchor="ctr">
-            <a:normAutofit/>
-          </a:bodyPr>
-          <a:lstStyle/>
-          <a:p>
-            <a:r>
-              <a:rPr kumimoji="1" lang="ja-JP" altLang="en-US" smtClean="0"/>
-              <a:t>マスター タイトルの書式設定</a:t>
-            </a:r>
-            <a:endParaRPr kumimoji="1" lang="ja-JP" altLang="en-US"/>
-          </a:p>
-        </p:txBody>
-      </p:sp>
-      <p:sp>
-        <p:nvSpPr>
-          <p:cNvPr id="3" name="テキスト プレースホルダー 2"/>
-          <p:cNvSpPr>
-            <a:spLocks noGrp="1"/>
-          </p:cNvSpPr>
-          <p:nvPr>
-            <p:ph type="body" idx="1"/>
-          </p:nvPr>
-        </p:nvSpPr>
+      </p:pic>
+      <p:pic>
+        <p:nvPicPr>
+          <p:cNvPr id="7" name="Picture 6"/>
+          <p:cNvPicPr>
+            <a:picLocks noChangeAspect="1"/>
+          </p:cNvPicPr>
+          <p:nvPr/>
+        </p:nvPicPr>
+        <p:blipFill rotWithShape="1">
+          <a:blip r:embed="rId20">
+            <a:extLst>
+              <a:ext uri="{28A0092B-C50C-407E-A947-70E740481C1C}">
+                <a14:useLocalDpi xmlns:a14="http://schemas.microsoft.com/office/drawing/2010/main" val="0"/>
+              </a:ext>
+            </a:extLst>
+          </a:blip>
+          <a:srcRect l="35640"/>
+          <a:stretch/>
+        </p:blipFill>
         <p:spPr>
           <a:xfrm>
-            <a:off x="838200" y="1825625"/>
-            <a:ext cx="10515600" cy="4351338"/>
+            <a:off x="0" y="2892347"/>
+            <a:ext cx="1522412" cy="2365453"/>
           </a:xfrm>
           <a:prstGeom prst="rect">
             <a:avLst/>
           </a:prstGeom>
         </p:spPr>
+      </p:pic>
+      <p:sp>
+        <p:nvSpPr>
+          <p:cNvPr id="16" name="Oval 15"/>
+          <p:cNvSpPr/>
+          <p:nvPr/>
+        </p:nvSpPr>
+        <p:spPr>
+          <a:xfrm>
+            <a:off x="8609012" y="1676400"/>
+            <a:ext cx="2819400" cy="2819400"/>
+          </a:xfrm>
+          <a:prstGeom prst="ellipse">
+            <a:avLst/>
+          </a:prstGeom>
+          <a:gradFill flip="none" rotWithShape="1">
+            <a:gsLst>
+              <a:gs pos="0">
+                <a:schemeClr val="bg2">
+                  <a:lumMod val="60000"/>
+                  <a:lumOff val="40000"/>
+                  <a:alpha val="7000"/>
+                </a:schemeClr>
+              </a:gs>
+              <a:gs pos="69000">
+                <a:schemeClr val="bg2">
+                  <a:lumMod val="60000"/>
+                  <a:lumOff val="40000"/>
+                  <a:alpha val="0"/>
+                </a:schemeClr>
+              </a:gs>
+              <a:gs pos="36000">
+                <a:schemeClr val="bg2">
+                  <a:lumMod val="60000"/>
+                  <a:lumOff val="40000"/>
+                  <a:alpha val="6000"/>
+                </a:schemeClr>
+              </a:gs>
+            </a:gsLst>
+            <a:path path="circle">
+              <a:fillToRect l="50000" t="50000" r="50000" b="50000"/>
+            </a:path>
+            <a:tileRect/>
+          </a:gradFill>
+          <a:ln>
+            <a:noFill/>
+          </a:ln>
+          <a:effectLst/>
+        </p:spPr>
+        <p:style>
+          <a:lnRef idx="1">
+            <a:schemeClr val="accent1"/>
+          </a:lnRef>
+          <a:fillRef idx="3">
+            <a:schemeClr val="accent1"/>
+          </a:fillRef>
+          <a:effectRef idx="2">
+            <a:schemeClr val="accent1"/>
+          </a:effectRef>
+          <a:fontRef idx="minor">
+            <a:schemeClr val="lt1"/>
+          </a:fontRef>
+        </p:style>
+      </p:sp>
+      <p:pic>
+        <p:nvPicPr>
+          <p:cNvPr id="9" name="Picture 8"/>
+          <p:cNvPicPr>
+            <a:picLocks noChangeAspect="1"/>
+          </p:cNvPicPr>
+          <p:nvPr/>
+        </p:nvPicPr>
+        <p:blipFill rotWithShape="1">
+          <a:blip r:embed="rId21">
+            <a:extLst>
+              <a:ext uri="{28A0092B-C50C-407E-A947-70E740481C1C}">
+                <a14:useLocalDpi xmlns:a14="http://schemas.microsoft.com/office/drawing/2010/main" val="0"/>
+              </a:ext>
+            </a:extLst>
+          </a:blip>
+          <a:srcRect t="28813"/>
+          <a:stretch/>
+        </p:blipFill>
+        <p:spPr>
+          <a:xfrm>
+            <a:off x="7999412" y="0"/>
+            <a:ext cx="1603387" cy="1141407"/>
+          </a:xfrm>
+          <a:prstGeom prst="rect">
+            <a:avLst/>
+          </a:prstGeom>
+        </p:spPr>
+      </p:pic>
+      <p:pic>
+        <p:nvPicPr>
+          <p:cNvPr id="10" name="Picture 9"/>
+          <p:cNvPicPr>
+            <a:picLocks noChangeAspect="1"/>
+          </p:cNvPicPr>
+          <p:nvPr/>
+        </p:nvPicPr>
+        <p:blipFill rotWithShape="1">
+          <a:blip r:embed="rId22">
+            <a:extLst>
+              <a:ext uri="{28A0092B-C50C-407E-A947-70E740481C1C}">
+                <a14:useLocalDpi xmlns:a14="http://schemas.microsoft.com/office/drawing/2010/main" val="0"/>
+              </a:ext>
+            </a:extLst>
+          </a:blip>
+          <a:srcRect b="23320"/>
+          <a:stretch/>
+        </p:blipFill>
+        <p:spPr>
+          <a:xfrm>
+            <a:off x="8605878" y="6096000"/>
+            <a:ext cx="993734" cy="762000"/>
+          </a:xfrm>
+          <a:prstGeom prst="rect">
+            <a:avLst/>
+          </a:prstGeom>
+        </p:spPr>
+      </p:pic>
+      <p:sp>
+        <p:nvSpPr>
+          <p:cNvPr id="14" name="Rectangle 13"/>
+          <p:cNvSpPr/>
+          <p:nvPr/>
+        </p:nvSpPr>
+        <p:spPr>
+          <a:xfrm>
+            <a:off x="10437812" y="0"/>
+            <a:ext cx="685800" cy="1143000"/>
+          </a:xfrm>
+          <a:prstGeom prst="rect">
+            <a:avLst/>
+          </a:prstGeom>
+          <a:solidFill>
+            <a:schemeClr val="accent1"/>
+          </a:solidFill>
+          <a:ln>
+            <a:noFill/>
+          </a:ln>
+        </p:spPr>
+        <p:style>
+          <a:lnRef idx="1">
+            <a:schemeClr val="accent1"/>
+          </a:lnRef>
+          <a:fillRef idx="3">
+            <a:schemeClr val="accent1"/>
+          </a:fillRef>
+          <a:effectRef idx="2">
+            <a:schemeClr val="accent1"/>
+          </a:effectRef>
+          <a:fontRef idx="minor">
+            <a:schemeClr val="lt1"/>
+          </a:fontRef>
+        </p:style>
+      </p:sp>
+      <p:sp>
+        <p:nvSpPr>
+          <p:cNvPr id="2" name="Title Placeholder 1"/>
+          <p:cNvSpPr>
+            <a:spLocks noGrp="1"/>
+          </p:cNvSpPr>
+          <p:nvPr>
+            <p:ph type="title"/>
+          </p:nvPr>
+        </p:nvSpPr>
+        <p:spPr>
+          <a:xfrm>
+            <a:off x="646111" y="452718"/>
+            <a:ext cx="9404723" cy="1400530"/>
+          </a:xfrm>
+          <a:prstGeom prst="rect">
+            <a:avLst/>
+          </a:prstGeom>
+        </p:spPr>
+        <p:txBody>
+          <a:bodyPr vert="horz" lIns="91440" tIns="45720" rIns="91440" bIns="45720" rtlCol="0" anchor="t">
+            <a:noAutofit/>
+          </a:bodyPr>
+          <a:lstStyle/>
+          <a:p>
+            <a:r>
+              <a:rPr lang="ja-JP" altLang="en-US" smtClean="0"/>
+              <a:t>マスター タイトルの書式設定</a:t>
+            </a:r>
+            <a:endParaRPr lang="en-US" dirty="0"/>
+          </a:p>
+        </p:txBody>
+      </p:sp>
+      <p:sp>
+        <p:nvSpPr>
+          <p:cNvPr id="3" name="Text Placeholder 2"/>
+          <p:cNvSpPr>
+            <a:spLocks noGrp="1"/>
+          </p:cNvSpPr>
+          <p:nvPr>
+            <p:ph type="body" idx="1"/>
+          </p:nvPr>
+        </p:nvSpPr>
+        <p:spPr>
+          <a:xfrm>
+            <a:off x="1103312" y="2052918"/>
+            <a:ext cx="8946541" cy="4195481"/>
+          </a:xfrm>
+          <a:prstGeom prst="rect">
+            <a:avLst/>
+          </a:prstGeom>
+        </p:spPr>
         <p:txBody>
           <a:bodyPr vert="horz" lIns="91440" tIns="45720" rIns="91440" bIns="45720" rtlCol="0">
             <a:normAutofit/>
@@ -2754,76 +5752,76 @@
           <a:p>
             <a:pPr lvl="0"/>
             <a:r>
-              <a:rPr kumimoji="1" lang="ja-JP" altLang="en-US" smtClean="0"/>
+              <a:rPr lang="ja-JP" altLang="en-US" smtClean="0"/>
               <a:t>マスター テキストの書式設定</a:t>
             </a:r>
           </a:p>
           <a:p>
             <a:pPr lvl="1"/>
             <a:r>
-              <a:rPr kumimoji="1" lang="ja-JP" altLang="en-US" smtClean="0"/>
+              <a:rPr lang="ja-JP" altLang="en-US" smtClean="0"/>
               <a:t>第 </a:t>
             </a:r>
             <a:r>
-              <a:rPr kumimoji="1" lang="en-US" altLang="ja-JP" smtClean="0"/>
+              <a:rPr lang="en-US" altLang="ja-JP" smtClean="0"/>
               <a:t>2 </a:t>
             </a:r>
             <a:r>
-              <a:rPr kumimoji="1" lang="ja-JP" altLang="en-US" smtClean="0"/>
+              <a:rPr lang="ja-JP" altLang="en-US" smtClean="0"/>
               <a:t>レベル</a:t>
             </a:r>
           </a:p>
           <a:p>
             <a:pPr lvl="2"/>
             <a:r>
-              <a:rPr kumimoji="1" lang="ja-JP" altLang="en-US" smtClean="0"/>
+              <a:rPr lang="ja-JP" altLang="en-US" smtClean="0"/>
               <a:t>第 </a:t>
             </a:r>
             <a:r>
-              <a:rPr kumimoji="1" lang="en-US" altLang="ja-JP" smtClean="0"/>
+              <a:rPr lang="en-US" altLang="ja-JP" smtClean="0"/>
               <a:t>3 </a:t>
             </a:r>
             <a:r>
-              <a:rPr kumimoji="1" lang="ja-JP" altLang="en-US" smtClean="0"/>
+              <a:rPr lang="ja-JP" altLang="en-US" smtClean="0"/>
               <a:t>レベル</a:t>
             </a:r>
           </a:p>
           <a:p>
             <a:pPr lvl="3"/>
             <a:r>
-              <a:rPr kumimoji="1" lang="ja-JP" altLang="en-US" smtClean="0"/>
+              <a:rPr lang="ja-JP" altLang="en-US" smtClean="0"/>
               <a:t>第 </a:t>
             </a:r>
             <a:r>
-              <a:rPr kumimoji="1" lang="en-US" altLang="ja-JP" smtClean="0"/>
+              <a:rPr lang="en-US" altLang="ja-JP" smtClean="0"/>
               <a:t>4 </a:t>
             </a:r>
             <a:r>
-              <a:rPr kumimoji="1" lang="ja-JP" altLang="en-US" smtClean="0"/>
+              <a:rPr lang="ja-JP" altLang="en-US" smtClean="0"/>
               <a:t>レベル</a:t>
             </a:r>
           </a:p>
           <a:p>
             <a:pPr lvl="4"/>
             <a:r>
-              <a:rPr kumimoji="1" lang="ja-JP" altLang="en-US" smtClean="0"/>
+              <a:rPr lang="ja-JP" altLang="en-US" smtClean="0"/>
               <a:t>第 </a:t>
             </a:r>
             <a:r>
-              <a:rPr kumimoji="1" lang="en-US" altLang="ja-JP" smtClean="0"/>
+              <a:rPr lang="en-US" altLang="ja-JP" smtClean="0"/>
               <a:t>5 </a:t>
             </a:r>
             <a:r>
-              <a:rPr kumimoji="1" lang="ja-JP" altLang="en-US" smtClean="0"/>
+              <a:rPr lang="ja-JP" altLang="en-US" smtClean="0"/>
               <a:t>レベル</a:t>
             </a:r>
-            <a:endParaRPr kumimoji="1" lang="ja-JP" altLang="en-US"/>
-          </a:p>
-        </p:txBody>
-      </p:sp>
-      <p:sp>
-        <p:nvSpPr>
-          <p:cNvPr id="4" name="日付プレースホルダー 3"/>
+            <a:endParaRPr lang="en-US" dirty="0"/>
+          </a:p>
+        </p:txBody>
+      </p:sp>
+      <p:sp>
+        <p:nvSpPr>
+          <p:cNvPr id="4" name="Date Placeholder 3"/>
           <p:cNvSpPr>
             <a:spLocks noGrp="1"/>
           </p:cNvSpPr>
@@ -2832,19 +5830,99 @@
           </p:nvPr>
         </p:nvSpPr>
         <p:spPr>
-          <a:xfrm>
-            <a:off x="838200" y="6356350"/>
-            <a:ext cx="2743200" cy="365125"/>
+          <a:xfrm rot="5400000">
+            <a:off x="10155639" y="1790701"/>
+            <a:ext cx="990599" cy="304799"/>
           </a:xfrm>
           <a:prstGeom prst="rect">
             <a:avLst/>
           </a:prstGeom>
         </p:spPr>
         <p:txBody>
-          <a:bodyPr vert="horz" lIns="91440" tIns="45720" rIns="91440" bIns="45720" rtlCol="0" anchor="ctr"/>
+          <a:bodyPr vert="horz" lIns="91440" tIns="45720" rIns="91440" bIns="45720" rtlCol="0" anchor="t"/>
           <a:lstStyle>
             <a:lvl1pPr algn="l">
-              <a:defRPr sz="1200">
+              <a:defRPr sz="1100" b="0" i="0">
+                <a:solidFill>
+                  <a:schemeClr val="tx1">
+                    <a:tint val="75000"/>
+                    <a:alpha val="60000"/>
+                  </a:schemeClr>
+                </a:solidFill>
+              </a:defRPr>
+            </a:lvl1pPr>
+          </a:lstStyle>
+          <a:p>
+            <a:fld id="{242841BA-3CFF-4AFF-88B1-DBD736C8B12D}" type="datetimeFigureOut">
+              <a:rPr kumimoji="1" lang="ja-JP" altLang="en-US" smtClean="0"/>
+              <a:t>2025/12/22</a:t>
+            </a:fld>
+            <a:endParaRPr kumimoji="1" lang="ja-JP" altLang="en-US"/>
+          </a:p>
+        </p:txBody>
+      </p:sp>
+      <p:sp>
+        <p:nvSpPr>
+          <p:cNvPr id="5" name="Footer Placeholder 4"/>
+          <p:cNvSpPr>
+            <a:spLocks noGrp="1"/>
+          </p:cNvSpPr>
+          <p:nvPr>
+            <p:ph type="ftr" sz="quarter" idx="3"/>
+          </p:nvPr>
+        </p:nvSpPr>
+        <p:spPr>
+          <a:xfrm rot="5400000">
+            <a:off x="8951573" y="3225297"/>
+            <a:ext cx="3859795" cy="304801"/>
+          </a:xfrm>
+          <a:prstGeom prst="rect">
+            <a:avLst/>
+          </a:prstGeom>
+        </p:spPr>
+        <p:txBody>
+          <a:bodyPr vert="horz" lIns="91440" tIns="45720" rIns="91440" bIns="45720" rtlCol="0" anchor="b"/>
+          <a:lstStyle>
+            <a:lvl1pPr algn="l">
+              <a:defRPr sz="1100" b="0" i="0">
+                <a:solidFill>
+                  <a:schemeClr val="tx1">
+                    <a:tint val="75000"/>
+                    <a:alpha val="60000"/>
+                  </a:schemeClr>
+                </a:solidFill>
+              </a:defRPr>
+            </a:lvl1pPr>
+          </a:lstStyle>
+          <a:p>
+            <a:endParaRPr kumimoji="1" lang="ja-JP" altLang="en-US"/>
+          </a:p>
+        </p:txBody>
+      </p:sp>
+      <p:sp>
+        <p:nvSpPr>
+          <p:cNvPr id="6" name="Slide Number Placeholder 5"/>
+          <p:cNvSpPr>
+            <a:spLocks noGrp="1"/>
+          </p:cNvSpPr>
+          <p:nvPr>
+            <p:ph type="sldNum" sz="quarter" idx="4"/>
+          </p:nvPr>
+        </p:nvSpPr>
+        <p:spPr bwMode="gray">
+          <a:xfrm>
+            <a:off x="10352540" y="295729"/>
+            <a:ext cx="838199" cy="767687"/>
+          </a:xfrm>
+          <a:prstGeom prst="rect">
+            <a:avLst/>
+          </a:prstGeom>
+        </p:spPr>
+        <p:txBody>
+          <a:bodyPr vert="horz" lIns="91440" tIns="45720" rIns="91440" bIns="45720" rtlCol="0" anchor="b"/>
+          <a:lstStyle>
+            <a:lvl1pPr algn="ctr">
+              <a:defRPr sz="2800" b="0" i="0">
                 <a:solidFill>
                   <a:schemeClr val="tx1">
                     <a:tint val="75000"/>
@@ -2854,84 +5932,6 @@
             </a:lvl1pPr>
           </a:lstStyle>
           <a:p>
-            <a:fld id="{242841BA-3CFF-4AFF-88B1-DBD736C8B12D}" type="datetimeFigureOut">
-              <a:rPr kumimoji="1" lang="ja-JP" altLang="en-US" smtClean="0"/>
-              <a:t>2025/12/17</a:t>
-            </a:fld>
-            <a:endParaRPr kumimoji="1" lang="ja-JP" altLang="en-US"/>
-          </a:p>
-        </p:txBody>
-      </p:sp>
-      <p:sp>
-        <p:nvSpPr>
-          <p:cNvPr id="5" name="フッター プレースホルダー 4"/>
-          <p:cNvSpPr>
-            <a:spLocks noGrp="1"/>
-          </p:cNvSpPr>
-          <p:nvPr>
-            <p:ph type="ftr" sz="quarter" idx="3"/>
-          </p:nvPr>
-        </p:nvSpPr>
-        <p:spPr>
-          <a:xfrm>
-            <a:off x="4038600" y="6356350"/>
-            <a:ext cx="4114800" cy="365125"/>
-          </a:xfrm>
-          <a:prstGeom prst="rect">
-            <a:avLst/>
-          </a:prstGeom>
-        </p:spPr>
-        <p:txBody>
-          <a:bodyPr vert="horz" lIns="91440" tIns="45720" rIns="91440" bIns="45720" rtlCol="0" anchor="ctr"/>
-          <a:lstStyle>
-            <a:lvl1pPr algn="ctr">
-              <a:defRPr sz="1200">
-                <a:solidFill>
-                  <a:schemeClr val="tx1">
-                    <a:tint val="75000"/>
-                  </a:schemeClr>
-                </a:solidFill>
-              </a:defRPr>
-            </a:lvl1pPr>
-          </a:lstStyle>
-          <a:p>
-            <a:endParaRPr kumimoji="1" lang="ja-JP" altLang="en-US"/>
-          </a:p>
-        </p:txBody>
-      </p:sp>
-      <p:sp>
-        <p:nvSpPr>
-          <p:cNvPr id="6" name="スライド番号プレースホルダー 5"/>
-          <p:cNvSpPr>
-            <a:spLocks noGrp="1"/>
-          </p:cNvSpPr>
-          <p:nvPr>
-            <p:ph type="sldNum" sz="quarter" idx="4"/>
-          </p:nvPr>
-        </p:nvSpPr>
-        <p:spPr>
-          <a:xfrm>
-            <a:off x="8610600" y="6356350"/>
-            <a:ext cx="2743200" cy="365125"/>
-          </a:xfrm>
-          <a:prstGeom prst="rect">
-            <a:avLst/>
-          </a:prstGeom>
-        </p:spPr>
-        <p:txBody>
-          <a:bodyPr vert="horz" lIns="91440" tIns="45720" rIns="91440" bIns="45720" rtlCol="0" anchor="ctr"/>
-          <a:lstStyle>
-            <a:lvl1pPr algn="r">
-              <a:defRPr sz="1200">
-                <a:solidFill>
-                  <a:schemeClr val="tx1">
-                    <a:tint val="75000"/>
-                  </a:schemeClr>
-                </a:solidFill>
-              </a:defRPr>
-            </a:lvl1pPr>
-          </a:lstStyle>
-          <a:p>
             <a:fld id="{B61B8580-C637-4C0A-B198-F70AF7616DB3}" type="slidenum">
               <a:rPr kumimoji="1" lang="ja-JP" altLang="en-US" smtClean="0"/>
               <a:t>‹#›</a:t>
@@ -2943,35 +5943,121 @@
     </p:spTree>
     <p:extLst>
       <p:ext uri="{BB962C8B-B14F-4D97-AF65-F5344CB8AC3E}">
-        <p14:creationId xmlns:p14="http://schemas.microsoft.com/office/powerpoint/2010/main" val="3469038619"/>
+        <p14:creationId xmlns:p14="http://schemas.microsoft.com/office/powerpoint/2010/main" val="391228890"/>
       </p:ext>
     </p:extLst>
   </p:cSld>
-  <p:clrMap bg1="lt1" tx1="dk1" bg2="lt2" tx2="dk2" accent1="accent1" accent2="accent2" accent3="accent3" accent4="accent4" accent5="accent5" accent6="accent6" hlink="hlink" folHlink="folHlink"/>
+  <p:clrMap bg1="dk1" tx1="lt1" bg2="dk2" tx2="lt2" accent1="accent1" accent2="accent2" accent3="accent3" accent4="accent4" accent5="accent5" accent6="accent6" hlink="hlink" folHlink="folHlink"/>
   <p:sldLayoutIdLst>
-    <p:sldLayoutId id="2147483649" r:id="rId1"/>
-    <p:sldLayoutId id="2147483650" r:id="rId2"/>
-    <p:sldLayoutId id="2147483651" r:id="rId3"/>
-    <p:sldLayoutId id="2147483652" r:id="rId4"/>
-    <p:sldLayoutId id="2147483653" r:id="rId5"/>
-    <p:sldLayoutId id="2147483654" r:id="rId6"/>
-    <p:sldLayoutId id="2147483655" r:id="rId7"/>
-    <p:sldLayoutId id="2147483656" r:id="rId8"/>
-    <p:sldLayoutId id="2147483657" r:id="rId9"/>
-    <p:sldLayoutId id="2147483658" r:id="rId10"/>
-    <p:sldLayoutId id="2147483659" r:id="rId11"/>
+    <p:sldLayoutId id="2147483822" r:id="rId1"/>
+    <p:sldLayoutId id="2147483823" r:id="rId2"/>
+    <p:sldLayoutId id="2147483824" r:id="rId3"/>
+    <p:sldLayoutId id="2147483825" r:id="rId4"/>
+    <p:sldLayoutId id="2147483826" r:id="rId5"/>
+    <p:sldLayoutId id="2147483827" r:id="rId6"/>
+    <p:sldLayoutId id="2147483828" r:id="rId7"/>
+    <p:sldLayoutId id="2147483829" r:id="rId8"/>
+    <p:sldLayoutId id="2147483830" r:id="rId9"/>
+    <p:sldLayoutId id="2147483831" r:id="rId10"/>
+    <p:sldLayoutId id="2147483832" r:id="rId11"/>
+    <p:sldLayoutId id="2147483833" r:id="rId12"/>
+    <p:sldLayoutId id="2147483834" r:id="rId13"/>
+    <p:sldLayoutId id="2147483835" r:id="rId14"/>
+    <p:sldLayoutId id="2147483836" r:id="rId15"/>
+    <p:sldLayoutId id="2147483837" r:id="rId16"/>
+    <p:sldLayoutId id="2147483838" r:id="rId17"/>
   </p:sldLayoutIdLst>
   <p:txStyles>
     <p:titleStyle>
-      <a:lvl1pPr algn="l" defTabSz="914400" rtl="0" eaLnBrk="1" latinLnBrk="0" hangingPunct="1">
-        <a:lnSpc>
-          <a:spcPct val="90000"/>
-        </a:lnSpc>
+      <a:lvl1pPr algn="l" defTabSz="457200" rtl="0" eaLnBrk="1" latinLnBrk="0" hangingPunct="1">
         <a:spcBef>
           <a:spcPct val="0"/>
         </a:spcBef>
         <a:buNone/>
-        <a:defRPr kumimoji="1" sz="4400" kern="1200">
+        <a:defRPr kumimoji="1" sz="4200" b="0" i="0" kern="1200">
+          <a:solidFill>
+            <a:schemeClr val="tx2"/>
+          </a:solidFill>
+          <a:latin typeface="+mj-lt"/>
+          <a:ea typeface="+mj-ea"/>
+          <a:cs typeface="+mj-cs"/>
+        </a:defRPr>
+      </a:lvl1pPr>
+      <a:lvl2pPr eaLnBrk="1" hangingPunct="1">
+        <a:defRPr kumimoji="1">
+          <a:solidFill>
+            <a:schemeClr val="tx2"/>
+          </a:solidFill>
+        </a:defRPr>
+      </a:lvl2pPr>
+      <a:lvl3pPr eaLnBrk="1" hangingPunct="1">
+        <a:defRPr kumimoji="1">
+          <a:solidFill>
+            <a:schemeClr val="tx2"/>
+          </a:solidFill>
+        </a:defRPr>
+      </a:lvl3pPr>
+      <a:lvl4pPr eaLnBrk="1" hangingPunct="1">
+        <a:defRPr kumimoji="1">
+          <a:solidFill>
+            <a:schemeClr val="tx2"/>
+          </a:solidFill>
+        </a:defRPr>
+      </a:lvl4pPr>
+      <a:lvl5pPr eaLnBrk="1" hangingPunct="1">
+        <a:defRPr kumimoji="1">
+          <a:solidFill>
+            <a:schemeClr val="tx2"/>
+          </a:solidFill>
+        </a:defRPr>
+      </a:lvl5pPr>
+      <a:lvl6pPr eaLnBrk="1" hangingPunct="1">
+        <a:defRPr kumimoji="1">
+          <a:solidFill>
+            <a:schemeClr val="tx2"/>
+          </a:solidFill>
+        </a:defRPr>
+      </a:lvl6pPr>
+      <a:lvl7pPr eaLnBrk="1" hangingPunct="1">
+        <a:defRPr kumimoji="1">
+          <a:solidFill>
+            <a:schemeClr val="tx2"/>
+          </a:solidFill>
+        </a:defRPr>
+      </a:lvl7pPr>
+      <a:lvl8pPr eaLnBrk="1" hangingPunct="1">
+        <a:defRPr kumimoji="1">
+          <a:solidFill>
+            <a:schemeClr val="tx2"/>
+          </a:solidFill>
+        </a:defRPr>
+      </a:lvl8pPr>
+      <a:lvl9pPr eaLnBrk="1" hangingPunct="1">
+        <a:defRPr kumimoji="1">
+          <a:solidFill>
+            <a:schemeClr val="tx2"/>
+          </a:solidFill>
+        </a:defRPr>
+      </a:lvl9pPr>
+    </p:titleStyle>
+    <p:bodyStyle>
+      <a:lvl1pPr marL="342900" indent="-342900" algn="l" defTabSz="457200" rtl="0" eaLnBrk="1" latinLnBrk="0" hangingPunct="1">
+        <a:spcBef>
+          <a:spcPts val="1000"/>
+        </a:spcBef>
+        <a:spcAft>
+          <a:spcPts val="0"/>
+        </a:spcAft>
+        <a:buClr>
+          <a:schemeClr val="bg2">
+            <a:lumMod val="40000"/>
+            <a:lumOff val="60000"/>
+          </a:schemeClr>
+        </a:buClr>
+        <a:buSzPct val="80000"/>
+        <a:buFont typeface="Wingdings 3" charset="2"/>
+        <a:buChar char=""/>
+        <a:defRPr kumimoji="1" sz="2000" b="0" i="0" kern="1200">
           <a:solidFill>
             <a:schemeClr val="tx1"/>
           </a:solidFill>
@@ -2980,18 +6066,213 @@
           <a:cs typeface="+mj-cs"/>
         </a:defRPr>
       </a:lvl1pPr>
-    </p:titleStyle>
-    <p:bodyStyle>
-      <a:lvl1pPr marL="228600" indent="-228600" algn="l" defTabSz="914400" rtl="0" eaLnBrk="1" latinLnBrk="0" hangingPunct="1">
-        <a:lnSpc>
-          <a:spcPct val="90000"/>
-        </a:lnSpc>
+      <a:lvl2pPr marL="742950" indent="-285750" algn="l" defTabSz="457200" rtl="0" eaLnBrk="1" latinLnBrk="0" hangingPunct="1">
         <a:spcBef>
           <a:spcPts val="1000"/>
         </a:spcBef>
-        <a:buFont typeface="Arial" panose="020B0604020202020204" pitchFamily="34" charset="0"/>
-        <a:buChar char="•"/>
-        <a:defRPr kumimoji="1" sz="2800" kern="1200">
+        <a:spcAft>
+          <a:spcPts val="0"/>
+        </a:spcAft>
+        <a:buClr>
+          <a:schemeClr val="bg2">
+            <a:lumMod val="40000"/>
+            <a:lumOff val="60000"/>
+          </a:schemeClr>
+        </a:buClr>
+        <a:buSzPct val="80000"/>
+        <a:buFont typeface="Wingdings 3" charset="2"/>
+        <a:buChar char=""/>
+        <a:defRPr kumimoji="1" sz="1800" b="0" i="0" kern="1200">
+          <a:solidFill>
+            <a:schemeClr val="tx1"/>
+          </a:solidFill>
+          <a:latin typeface="+mj-lt"/>
+          <a:ea typeface="+mj-ea"/>
+          <a:cs typeface="+mj-cs"/>
+        </a:defRPr>
+      </a:lvl2pPr>
+      <a:lvl3pPr marL="1143000" indent="-228600" algn="l" defTabSz="457200" rtl="0" eaLnBrk="1" latinLnBrk="0" hangingPunct="1">
+        <a:spcBef>
+          <a:spcPts val="1000"/>
+        </a:spcBef>
+        <a:spcAft>
+          <a:spcPts val="0"/>
+        </a:spcAft>
+        <a:buClr>
+          <a:schemeClr val="bg2">
+            <a:lumMod val="40000"/>
+            <a:lumOff val="60000"/>
+          </a:schemeClr>
+        </a:buClr>
+        <a:buSzPct val="80000"/>
+        <a:buFont typeface="Wingdings 3" charset="2"/>
+        <a:buChar char=""/>
+        <a:defRPr kumimoji="1" sz="1600" b="0" i="0" kern="1200">
+          <a:solidFill>
+            <a:schemeClr val="tx1"/>
+          </a:solidFill>
+          <a:latin typeface="+mj-lt"/>
+          <a:ea typeface="+mj-ea"/>
+          <a:cs typeface="+mj-cs"/>
+        </a:defRPr>
+      </a:lvl3pPr>
+      <a:lvl4pPr marL="1600200" indent="-228600" algn="l" defTabSz="457200" rtl="0" eaLnBrk="1" latinLnBrk="0" hangingPunct="1">
+        <a:spcBef>
+          <a:spcPts val="1000"/>
+        </a:spcBef>
+        <a:spcAft>
+          <a:spcPts val="0"/>
+        </a:spcAft>
+        <a:buClr>
+          <a:schemeClr val="bg2">
+            <a:lumMod val="40000"/>
+            <a:lumOff val="60000"/>
+          </a:schemeClr>
+        </a:buClr>
+        <a:buSzPct val="80000"/>
+        <a:buFont typeface="Wingdings 3" charset="2"/>
+        <a:buChar char=""/>
+        <a:defRPr kumimoji="1" sz="1400" b="0" i="0" kern="1200">
+          <a:solidFill>
+            <a:schemeClr val="tx1"/>
+          </a:solidFill>
+          <a:latin typeface="+mj-lt"/>
+          <a:ea typeface="+mj-ea"/>
+          <a:cs typeface="+mj-cs"/>
+        </a:defRPr>
+      </a:lvl4pPr>
+      <a:lvl5pPr marL="2057400" indent="-228600" algn="l" defTabSz="457200" rtl="0" eaLnBrk="1" latinLnBrk="0" hangingPunct="1">
+        <a:spcBef>
+          <a:spcPts val="1000"/>
+        </a:spcBef>
+        <a:spcAft>
+          <a:spcPts val="0"/>
+        </a:spcAft>
+        <a:buClr>
+          <a:schemeClr val="bg2">
+            <a:lumMod val="40000"/>
+            <a:lumOff val="60000"/>
+          </a:schemeClr>
+        </a:buClr>
+        <a:buSzPct val="80000"/>
+        <a:buFont typeface="Wingdings 3" charset="2"/>
+        <a:buChar char=""/>
+        <a:defRPr kumimoji="1" sz="1400" b="0" i="0" kern="1200">
+          <a:solidFill>
+            <a:schemeClr val="tx1"/>
+          </a:solidFill>
+          <a:latin typeface="+mj-lt"/>
+          <a:ea typeface="+mj-ea"/>
+          <a:cs typeface="+mj-cs"/>
+        </a:defRPr>
+      </a:lvl5pPr>
+      <a:lvl6pPr marL="2506000" indent="-228600" algn="l" defTabSz="457200" rtl="0" eaLnBrk="1" latinLnBrk="0" hangingPunct="1">
+        <a:spcBef>
+          <a:spcPts val="1000"/>
+        </a:spcBef>
+        <a:spcAft>
+          <a:spcPts val="0"/>
+        </a:spcAft>
+        <a:buClr>
+          <a:schemeClr val="bg2">
+            <a:lumMod val="40000"/>
+            <a:lumOff val="60000"/>
+          </a:schemeClr>
+        </a:buClr>
+        <a:buSzPct val="80000"/>
+        <a:buFont typeface="Wingdings 3" charset="2"/>
+        <a:buChar char=""/>
+        <a:defRPr kumimoji="1" sz="1400" b="0" i="0" kern="1200">
+          <a:solidFill>
+            <a:schemeClr val="tx1"/>
+          </a:solidFill>
+          <a:latin typeface="+mj-lt"/>
+          <a:ea typeface="+mj-ea"/>
+          <a:cs typeface="+mj-cs"/>
+        </a:defRPr>
+      </a:lvl6pPr>
+      <a:lvl7pPr marL="2971800" indent="-228600" algn="l" defTabSz="457200" rtl="0" eaLnBrk="1" latinLnBrk="0" hangingPunct="1">
+        <a:spcBef>
+          <a:spcPts val="1000"/>
+        </a:spcBef>
+        <a:spcAft>
+          <a:spcPts val="0"/>
+        </a:spcAft>
+        <a:buClr>
+          <a:schemeClr val="bg2">
+            <a:lumMod val="40000"/>
+            <a:lumOff val="60000"/>
+          </a:schemeClr>
+        </a:buClr>
+        <a:buSzPct val="80000"/>
+        <a:buFont typeface="Wingdings 3" charset="2"/>
+        <a:buChar char=""/>
+        <a:defRPr kumimoji="1" sz="1400" b="0" i="0" kern="1200">
+          <a:solidFill>
+            <a:schemeClr val="tx1"/>
+          </a:solidFill>
+          <a:latin typeface="+mj-lt"/>
+          <a:ea typeface="+mj-ea"/>
+          <a:cs typeface="+mj-cs"/>
+        </a:defRPr>
+      </a:lvl7pPr>
+      <a:lvl8pPr marL="3429000" indent="-228600" algn="l" defTabSz="457200" rtl="0" eaLnBrk="1" latinLnBrk="0" hangingPunct="1">
+        <a:spcBef>
+          <a:spcPts val="1000"/>
+        </a:spcBef>
+        <a:spcAft>
+          <a:spcPts val="0"/>
+        </a:spcAft>
+        <a:buClr>
+          <a:schemeClr val="bg2">
+            <a:lumMod val="40000"/>
+            <a:lumOff val="60000"/>
+          </a:schemeClr>
+        </a:buClr>
+        <a:buSzPct val="80000"/>
+        <a:buFont typeface="Wingdings 3" charset="2"/>
+        <a:buChar char=""/>
+        <a:defRPr kumimoji="1" sz="1400" b="0" i="0" kern="1200">
+          <a:solidFill>
+            <a:schemeClr val="tx1"/>
+          </a:solidFill>
+          <a:latin typeface="+mj-lt"/>
+          <a:ea typeface="+mj-ea"/>
+          <a:cs typeface="+mj-cs"/>
+        </a:defRPr>
+      </a:lvl8pPr>
+      <a:lvl9pPr marL="3886200" indent="-228600" algn="l" defTabSz="457200" rtl="0" eaLnBrk="1" latinLnBrk="0" hangingPunct="1">
+        <a:spcBef>
+          <a:spcPts val="1000"/>
+        </a:spcBef>
+        <a:spcAft>
+          <a:spcPts val="0"/>
+        </a:spcAft>
+        <a:buClr>
+          <a:schemeClr val="bg2">
+            <a:lumMod val="40000"/>
+            <a:lumOff val="60000"/>
+          </a:schemeClr>
+        </a:buClr>
+        <a:buSzPct val="80000"/>
+        <a:buFont typeface="Wingdings 3" charset="2"/>
+        <a:buChar char=""/>
+        <a:defRPr kumimoji="1" sz="1400" b="0" i="0" kern="1200">
+          <a:solidFill>
+            <a:schemeClr val="tx1"/>
+          </a:solidFill>
+          <a:latin typeface="+mj-lt"/>
+          <a:ea typeface="+mj-ea"/>
+          <a:cs typeface="+mj-cs"/>
+        </a:defRPr>
+      </a:lvl9pPr>
+    </p:bodyStyle>
+    <p:otherStyle>
+      <a:defPPr>
+        <a:defRPr lang="en-US"/>
+      </a:defPPr>
+      <a:lvl1pPr marL="0" algn="l" defTabSz="457200" rtl="0" eaLnBrk="1" latinLnBrk="0" hangingPunct="1">
+        <a:defRPr kumimoji="1" sz="1800" kern="1200">
           <a:solidFill>
             <a:schemeClr val="tx1"/>
           </a:solidFill>
@@ -3000,16 +6281,8 @@
           <a:cs typeface="+mn-cs"/>
         </a:defRPr>
       </a:lvl1pPr>
-      <a:lvl2pPr marL="685800" indent="-228600" algn="l" defTabSz="914400" rtl="0" eaLnBrk="1" latinLnBrk="0" hangingPunct="1">
-        <a:lnSpc>
-          <a:spcPct val="90000"/>
-        </a:lnSpc>
-        <a:spcBef>
-          <a:spcPts val="500"/>
-        </a:spcBef>
-        <a:buFont typeface="Arial" panose="020B0604020202020204" pitchFamily="34" charset="0"/>
-        <a:buChar char="•"/>
-        <a:defRPr kumimoji="1" sz="2400" kern="1200">
+      <a:lvl2pPr marL="457200" algn="l" defTabSz="457200" rtl="0" eaLnBrk="1" latinLnBrk="0" hangingPunct="1">
+        <a:defRPr kumimoji="1" sz="1800" kern="1200">
           <a:solidFill>
             <a:schemeClr val="tx1"/>
           </a:solidFill>
@@ -3018,16 +6291,8 @@
           <a:cs typeface="+mn-cs"/>
         </a:defRPr>
       </a:lvl2pPr>
-      <a:lvl3pPr marL="1143000" indent="-228600" algn="l" defTabSz="914400" rtl="0" eaLnBrk="1" latinLnBrk="0" hangingPunct="1">
-        <a:lnSpc>
-          <a:spcPct val="90000"/>
-        </a:lnSpc>
-        <a:spcBef>
-          <a:spcPts val="500"/>
-        </a:spcBef>
-        <a:buFont typeface="Arial" panose="020B0604020202020204" pitchFamily="34" charset="0"/>
-        <a:buChar char="•"/>
-        <a:defRPr kumimoji="1" sz="2000" kern="1200">
+      <a:lvl3pPr marL="914400" algn="l" defTabSz="457200" rtl="0" eaLnBrk="1" latinLnBrk="0" hangingPunct="1">
+        <a:defRPr kumimoji="1" sz="1800" kern="1200">
           <a:solidFill>
             <a:schemeClr val="tx1"/>
           </a:solidFill>
@@ -3036,15 +6301,7 @@
           <a:cs typeface="+mn-cs"/>
         </a:defRPr>
       </a:lvl3pPr>
-      <a:lvl4pPr marL="1600200" indent="-228600" algn="l" defTabSz="914400" rtl="0" eaLnBrk="1" latinLnBrk="0" hangingPunct="1">
-        <a:lnSpc>
-          <a:spcPct val="90000"/>
-        </a:lnSpc>
-        <a:spcBef>
-          <a:spcPts val="500"/>
-        </a:spcBef>
-        <a:buFont typeface="Arial" panose="020B0604020202020204" pitchFamily="34" charset="0"/>
-        <a:buChar char="•"/>
+      <a:lvl4pPr marL="1371600" algn="l" defTabSz="457200" rtl="0" eaLnBrk="1" latinLnBrk="0" hangingPunct="1">
         <a:defRPr kumimoji="1" sz="1800" kern="1200">
           <a:solidFill>
             <a:schemeClr val="tx1"/>
@@ -3054,15 +6311,7 @@
           <a:cs typeface="+mn-cs"/>
         </a:defRPr>
       </a:lvl4pPr>
-      <a:lvl5pPr marL="2057400" indent="-228600" algn="l" defTabSz="914400" rtl="0" eaLnBrk="1" latinLnBrk="0" hangingPunct="1">
-        <a:lnSpc>
-          <a:spcPct val="90000"/>
-        </a:lnSpc>
-        <a:spcBef>
-          <a:spcPts val="500"/>
-        </a:spcBef>
-        <a:buFont typeface="Arial" panose="020B0604020202020204" pitchFamily="34" charset="0"/>
-        <a:buChar char="•"/>
+      <a:lvl5pPr marL="1828800" algn="l" defTabSz="457200" rtl="0" eaLnBrk="1" latinLnBrk="0" hangingPunct="1">
         <a:defRPr kumimoji="1" sz="1800" kern="1200">
           <a:solidFill>
             <a:schemeClr val="tx1"/>
@@ -3072,15 +6321,7 @@
           <a:cs typeface="+mn-cs"/>
         </a:defRPr>
       </a:lvl5pPr>
-      <a:lvl6pPr marL="2514600" indent="-228600" algn="l" defTabSz="914400" rtl="0" eaLnBrk="1" latinLnBrk="0" hangingPunct="1">
-        <a:lnSpc>
-          <a:spcPct val="90000"/>
-        </a:lnSpc>
-        <a:spcBef>
-          <a:spcPts val="500"/>
-        </a:spcBef>
-        <a:buFont typeface="Arial" panose="020B0604020202020204" pitchFamily="34" charset="0"/>
-        <a:buChar char="•"/>
+      <a:lvl6pPr marL="2286000" algn="l" defTabSz="457200" rtl="0" eaLnBrk="1" latinLnBrk="0" hangingPunct="1">
         <a:defRPr kumimoji="1" sz="1800" kern="1200">
           <a:solidFill>
             <a:schemeClr val="tx1"/>
@@ -3090,15 +6331,7 @@
           <a:cs typeface="+mn-cs"/>
         </a:defRPr>
       </a:lvl6pPr>
-      <a:lvl7pPr marL="2971800" indent="-228600" algn="l" defTabSz="914400" rtl="0" eaLnBrk="1" latinLnBrk="0" hangingPunct="1">
-        <a:lnSpc>
-          <a:spcPct val="90000"/>
-        </a:lnSpc>
-        <a:spcBef>
-          <a:spcPts val="500"/>
-        </a:spcBef>
-        <a:buFont typeface="Arial" panose="020B0604020202020204" pitchFamily="34" charset="0"/>
-        <a:buChar char="•"/>
+      <a:lvl7pPr marL="2743200" algn="l" defTabSz="457200" rtl="0" eaLnBrk="1" latinLnBrk="0" hangingPunct="1">
         <a:defRPr kumimoji="1" sz="1800" kern="1200">
           <a:solidFill>
             <a:schemeClr val="tx1"/>
@@ -3108,15 +6341,7 @@
           <a:cs typeface="+mn-cs"/>
         </a:defRPr>
       </a:lvl7pPr>
-      <a:lvl8pPr marL="3429000" indent="-228600" algn="l" defTabSz="914400" rtl="0" eaLnBrk="1" latinLnBrk="0" hangingPunct="1">
-        <a:lnSpc>
-          <a:spcPct val="90000"/>
-        </a:lnSpc>
-        <a:spcBef>
-          <a:spcPts val="500"/>
-        </a:spcBef>
-        <a:buFont typeface="Arial" panose="020B0604020202020204" pitchFamily="34" charset="0"/>
-        <a:buChar char="•"/>
+      <a:lvl8pPr marL="3200400" algn="l" defTabSz="457200" rtl="0" eaLnBrk="1" latinLnBrk="0" hangingPunct="1">
         <a:defRPr kumimoji="1" sz="1800" kern="1200">
           <a:solidFill>
             <a:schemeClr val="tx1"/>
@@ -3126,110 +6351,7 @@
           <a:cs typeface="+mn-cs"/>
         </a:defRPr>
       </a:lvl8pPr>
-      <a:lvl9pPr marL="3886200" indent="-228600" algn="l" defTabSz="914400" rtl="0" eaLnBrk="1" latinLnBrk="0" hangingPunct="1">
-        <a:lnSpc>
-          <a:spcPct val="90000"/>
-        </a:lnSpc>
-        <a:spcBef>
-          <a:spcPts val="500"/>
-        </a:spcBef>
-        <a:buFont typeface="Arial" panose="020B0604020202020204" pitchFamily="34" charset="0"/>
-        <a:buChar char="•"/>
-        <a:defRPr kumimoji="1" sz="1800" kern="1200">
-          <a:solidFill>
-            <a:schemeClr val="tx1"/>
-          </a:solidFill>
-          <a:latin typeface="+mn-lt"/>
-          <a:ea typeface="+mn-ea"/>
-          <a:cs typeface="+mn-cs"/>
-        </a:defRPr>
-      </a:lvl9pPr>
-    </p:bodyStyle>
-    <p:otherStyle>
-      <a:defPPr>
-        <a:defRPr lang="ja-JP"/>
-      </a:defPPr>
-      <a:lvl1pPr marL="0" algn="l" defTabSz="914400" rtl="0" eaLnBrk="1" latinLnBrk="0" hangingPunct="1">
-        <a:defRPr kumimoji="1" sz="1800" kern="1200">
-          <a:solidFill>
-            <a:schemeClr val="tx1"/>
-          </a:solidFill>
-          <a:latin typeface="+mn-lt"/>
-          <a:ea typeface="+mn-ea"/>
-          <a:cs typeface="+mn-cs"/>
-        </a:defRPr>
-      </a:lvl1pPr>
-      <a:lvl2pPr marL="457200" algn="l" defTabSz="914400" rtl="0" eaLnBrk="1" latinLnBrk="0" hangingPunct="1">
-        <a:defRPr kumimoji="1" sz="1800" kern="1200">
-          <a:solidFill>
-            <a:schemeClr val="tx1"/>
-          </a:solidFill>
-          <a:latin typeface="+mn-lt"/>
-          <a:ea typeface="+mn-ea"/>
-          <a:cs typeface="+mn-cs"/>
-        </a:defRPr>
-      </a:lvl2pPr>
-      <a:lvl3pPr marL="914400" algn="l" defTabSz="914400" rtl="0" eaLnBrk="1" latinLnBrk="0" hangingPunct="1">
-        <a:defRPr kumimoji="1" sz="1800" kern="1200">
-          <a:solidFill>
-            <a:schemeClr val="tx1"/>
-          </a:solidFill>
-          <a:latin typeface="+mn-lt"/>
-          <a:ea typeface="+mn-ea"/>
-          <a:cs typeface="+mn-cs"/>
-        </a:defRPr>
-      </a:lvl3pPr>
-      <a:lvl4pPr marL="1371600" algn="l" defTabSz="914400" rtl="0" eaLnBrk="1" latinLnBrk="0" hangingPunct="1">
-        <a:defRPr kumimoji="1" sz="1800" kern="1200">
-          <a:solidFill>
-            <a:schemeClr val="tx1"/>
-          </a:solidFill>
-          <a:latin typeface="+mn-lt"/>
-          <a:ea typeface="+mn-ea"/>
-          <a:cs typeface="+mn-cs"/>
-        </a:defRPr>
-      </a:lvl4pPr>
-      <a:lvl5pPr marL="1828800" algn="l" defTabSz="914400" rtl="0" eaLnBrk="1" latinLnBrk="0" hangingPunct="1">
-        <a:defRPr kumimoji="1" sz="1800" kern="1200">
-          <a:solidFill>
-            <a:schemeClr val="tx1"/>
-          </a:solidFill>
-          <a:latin typeface="+mn-lt"/>
-          <a:ea typeface="+mn-ea"/>
-          <a:cs typeface="+mn-cs"/>
-        </a:defRPr>
-      </a:lvl5pPr>
-      <a:lvl6pPr marL="2286000" algn="l" defTabSz="914400" rtl="0" eaLnBrk="1" latinLnBrk="0" hangingPunct="1">
-        <a:defRPr kumimoji="1" sz="1800" kern="1200">
-          <a:solidFill>
-            <a:schemeClr val="tx1"/>
-          </a:solidFill>
-          <a:latin typeface="+mn-lt"/>
-          <a:ea typeface="+mn-ea"/>
-          <a:cs typeface="+mn-cs"/>
-        </a:defRPr>
-      </a:lvl6pPr>
-      <a:lvl7pPr marL="2743200" algn="l" defTabSz="914400" rtl="0" eaLnBrk="1" latinLnBrk="0" hangingPunct="1">
-        <a:defRPr kumimoji="1" sz="1800" kern="1200">
-          <a:solidFill>
-            <a:schemeClr val="tx1"/>
-          </a:solidFill>
-          <a:latin typeface="+mn-lt"/>
-          <a:ea typeface="+mn-ea"/>
-          <a:cs typeface="+mn-cs"/>
-        </a:defRPr>
-      </a:lvl7pPr>
-      <a:lvl8pPr marL="3200400" algn="l" defTabSz="914400" rtl="0" eaLnBrk="1" latinLnBrk="0" hangingPunct="1">
-        <a:defRPr kumimoji="1" sz="1800" kern="1200">
-          <a:solidFill>
-            <a:schemeClr val="tx1"/>
-          </a:solidFill>
-          <a:latin typeface="+mn-lt"/>
-          <a:ea typeface="+mn-ea"/>
-          <a:cs typeface="+mn-cs"/>
-        </a:defRPr>
-      </a:lvl8pPr>
-      <a:lvl9pPr marL="3657600" algn="l" defTabSz="914400" rtl="0" eaLnBrk="1" latinLnBrk="0" hangingPunct="1">
+      <a:lvl9pPr marL="3657600" algn="l" defTabSz="457200" rtl="0" eaLnBrk="1" latinLnBrk="0" hangingPunct="1">
         <a:defRPr kumimoji="1" sz="1800" kern="1200">
           <a:solidFill>
             <a:schemeClr val="tx1"/>
@@ -3271,14 +6393,59 @@
             <p:ph type="ctrTitle"/>
           </p:nvPr>
         </p:nvSpPr>
-        <p:spPr/>
+        <p:spPr>
+          <a:xfrm>
+            <a:off x="1524000" y="0"/>
+            <a:ext cx="9144000" cy="2387600"/>
+          </a:xfrm>
+        </p:spPr>
         <p:txBody>
           <a:bodyPr/>
           <a:lstStyle/>
           <a:p>
             <a:r>
+              <a:rPr lang="en-US" altLang="ja-JP" dirty="0" smtClean="0"/>
+              <a:t>The</a:t>
+            </a:r>
+            <a:r>
+              <a:rPr lang="ja-JP" altLang="en-US" dirty="0"/>
+              <a:t> </a:t>
+            </a:r>
+            <a:r>
+              <a:rPr lang="ja-JP" altLang="en-US" dirty="0" smtClean="0"/>
+              <a:t>防衛</a:t>
+            </a:r>
+            <a:endParaRPr kumimoji="1" lang="ja-JP" altLang="en-US" dirty="0"/>
+          </a:p>
+        </p:txBody>
+      </p:sp>
+      <p:sp>
+        <p:nvSpPr>
+          <p:cNvPr id="3" name="サブタイトル 2"/>
+          <p:cNvSpPr>
+            <a:spLocks noGrp="1"/>
+          </p:cNvSpPr>
+          <p:nvPr>
+            <p:ph type="subTitle" idx="1"/>
+          </p:nvPr>
+        </p:nvSpPr>
+        <p:spPr>
+          <a:xfrm>
+            <a:off x="1524000" y="2387600"/>
+            <a:ext cx="9144000" cy="1655762"/>
+          </a:xfrm>
+        </p:spPr>
+        <p:txBody>
+          <a:bodyPr/>
+          <a:lstStyle/>
+          <a:p>
+            <a:r>
               <a:rPr kumimoji="1" lang="ja-JP" altLang="en-US" dirty="0" smtClean="0"/>
-              <a:t>ゲーム制作企画書</a:t>
+              <a:t>企画者　愛甲</a:t>
+            </a:r>
+            <a:r>
+              <a:rPr kumimoji="1" lang="ja-JP" altLang="en-US" dirty="0" smtClean="0"/>
+              <a:t>　祥大</a:t>
             </a:r>
             <a:endParaRPr kumimoji="1" lang="ja-JP" altLang="en-US" dirty="0"/>
           </a:p>
@@ -3286,24 +6453,82 @@
       </p:sp>
       <p:sp>
         <p:nvSpPr>
-          <p:cNvPr id="3" name="サブタイトル 2"/>
-          <p:cNvSpPr>
-            <a:spLocks noGrp="1"/>
-          </p:cNvSpPr>
-          <p:nvPr>
-            <p:ph type="subTitle" idx="1"/>
-          </p:nvPr>
-        </p:nvSpPr>
-        <p:spPr/>
-        <p:txBody>
-          <a:bodyPr/>
+          <p:cNvPr id="4" name="テキスト ボックス 3"/>
+          <p:cNvSpPr txBox="1"/>
+          <p:nvPr/>
+        </p:nvSpPr>
+        <p:spPr>
+          <a:xfrm>
+            <a:off x="5486400" y="4634144"/>
+            <a:ext cx="6705600" cy="1200329"/>
+          </a:xfrm>
+          <a:prstGeom prst="rect">
+            <a:avLst/>
+          </a:prstGeom>
+          <a:noFill/>
+        </p:spPr>
+        <p:txBody>
+          <a:bodyPr wrap="square" rtlCol="0">
+            <a:spAutoFit/>
+          </a:bodyPr>
           <a:lstStyle/>
           <a:p>
             <a:r>
               <a:rPr kumimoji="1" lang="ja-JP" altLang="en-US" dirty="0" smtClean="0"/>
-              <a:t>愛甲　祥大</a:t>
-            </a:r>
-            <a:endParaRPr kumimoji="1" lang="ja-JP" altLang="en-US" dirty="0"/>
+              <a:t>エンジン：</a:t>
+            </a:r>
+            <a:r>
+              <a:rPr kumimoji="1" lang="en-US" altLang="ja-JP" dirty="0" smtClean="0"/>
+              <a:t>Unreal Engine5</a:t>
+            </a:r>
+          </a:p>
+          <a:p>
+            <a:r>
+              <a:rPr lang="ja-JP" altLang="en-US" dirty="0" smtClean="0"/>
+              <a:t>プラットフォーム：</a:t>
+            </a:r>
+            <a:r>
+              <a:rPr lang="en-US" altLang="ja-JP" dirty="0" smtClean="0"/>
+              <a:t>PC</a:t>
+            </a:r>
+          </a:p>
+          <a:p>
+            <a:r>
+              <a:rPr kumimoji="1" lang="ja-JP" altLang="en-US" dirty="0" smtClean="0"/>
+              <a:t>ジャンル：</a:t>
+            </a:r>
+            <a:r>
+              <a:rPr kumimoji="1" lang="en-US" altLang="ja-JP" dirty="0" smtClean="0"/>
+              <a:t>FPS</a:t>
+            </a:r>
+            <a:r>
+              <a:rPr kumimoji="1" lang="ja-JP" altLang="en-US" dirty="0" smtClean="0"/>
+              <a:t>シューティング</a:t>
+            </a:r>
+            <a:r>
+              <a:rPr lang="ja-JP" altLang="en-US" dirty="0" smtClean="0"/>
+              <a:t>、タワーディフェンス</a:t>
+            </a:r>
+            <a:endParaRPr kumimoji="1" lang="en-US" altLang="ja-JP" dirty="0" smtClean="0"/>
+          </a:p>
+          <a:p>
+            <a:r>
+              <a:rPr lang="ja-JP" altLang="en-US" dirty="0"/>
+              <a:t>プレイ</a:t>
+            </a:r>
+            <a:r>
+              <a:rPr lang="ja-JP" altLang="en-US" dirty="0" smtClean="0"/>
+              <a:t>人数：</a:t>
+            </a:r>
+            <a:r>
+              <a:rPr lang="en-US" altLang="ja-JP" dirty="0" smtClean="0"/>
+              <a:t>1</a:t>
+            </a:r>
+            <a:r>
+              <a:rPr lang="ja-JP" altLang="en-US" dirty="0" smtClean="0"/>
+              <a:t>人</a:t>
+            </a:r>
+            <a:endParaRPr kumimoji="1" lang="en-US" altLang="ja-JP" dirty="0" smtClean="0"/>
           </a:p>
         </p:txBody>
       </p:sp>
@@ -3370,16 +6595,293 @@
             <p:ph idx="1"/>
           </p:nvPr>
         </p:nvSpPr>
-        <p:spPr/>
+        <p:spPr>
+          <a:xfrm>
+            <a:off x="838200" y="1825625"/>
+            <a:ext cx="11155532" cy="837676"/>
+          </a:xfrm>
+        </p:spPr>
         <p:txBody>
           <a:bodyPr/>
           <a:lstStyle/>
           <a:p>
             <a:r>
               <a:rPr kumimoji="1" lang="ja-JP" altLang="en-US" dirty="0" smtClean="0"/>
-              <a:t>兵站を維持する。ジリ貧防衛。徐々に弾薬も兵士も失っていく状況で耐えていく。</a:t>
+              <a:t>弾も味方も</a:t>
+            </a:r>
+            <a:r>
+              <a:rPr kumimoji="1" lang="ja-JP" altLang="en-US" dirty="0" smtClean="0"/>
+              <a:t>失っていく状況</a:t>
+            </a:r>
+            <a:r>
+              <a:rPr kumimoji="1" lang="ja-JP" altLang="en-US" dirty="0" smtClean="0"/>
+              <a:t>であるものすべてを使って耐えていく</a:t>
+            </a:r>
+            <a:r>
+              <a:rPr kumimoji="1" lang="ja-JP" altLang="en-US" dirty="0" smtClean="0"/>
+              <a:t>。</a:t>
             </a:r>
             <a:endParaRPr kumimoji="1" lang="ja-JP" altLang="en-US" dirty="0"/>
+          </a:p>
+        </p:txBody>
+      </p:sp>
+      <p:sp>
+        <p:nvSpPr>
+          <p:cNvPr id="6" name="タイトル 1"/>
+          <p:cNvSpPr txBox="1">
+            <a:spLocks/>
+          </p:cNvSpPr>
+          <p:nvPr/>
+        </p:nvSpPr>
+        <p:spPr>
+          <a:xfrm>
+            <a:off x="838200" y="2798238"/>
+            <a:ext cx="10515600" cy="1325563"/>
+          </a:xfrm>
+          <a:prstGeom prst="rect">
+            <a:avLst/>
+          </a:prstGeom>
+        </p:spPr>
+        <p:txBody>
+          <a:bodyPr vert="horz" lIns="91440" tIns="45720" rIns="91440" bIns="45720" rtlCol="0" anchor="ctr">
+            <a:normAutofit/>
+          </a:bodyPr>
+          <a:lstStyle>
+            <a:lvl1pPr algn="l" defTabSz="914400" rtl="0" eaLnBrk="1" latinLnBrk="0" hangingPunct="1">
+              <a:lnSpc>
+                <a:spcPct val="90000"/>
+              </a:lnSpc>
+              <a:spcBef>
+                <a:spcPct val="0"/>
+              </a:spcBef>
+              <a:buNone/>
+              <a:defRPr kumimoji="1" sz="4400" kern="1200">
+                <a:solidFill>
+                  <a:schemeClr val="tx1"/>
+                </a:solidFill>
+                <a:latin typeface="+mj-lt"/>
+                <a:ea typeface="+mj-ea"/>
+                <a:cs typeface="+mj-cs"/>
+              </a:defRPr>
+            </a:lvl1pPr>
+          </a:lstStyle>
+          <a:p>
+            <a:r>
+              <a:rPr lang="ja-JP" altLang="en-US" dirty="0" smtClean="0"/>
+              <a:t>概要</a:t>
+            </a:r>
+            <a:endParaRPr lang="ja-JP" altLang="en-US" dirty="0"/>
+          </a:p>
+        </p:txBody>
+      </p:sp>
+      <p:sp>
+        <p:nvSpPr>
+          <p:cNvPr id="7" name="コンテンツ プレースホルダー 2"/>
+          <p:cNvSpPr txBox="1">
+            <a:spLocks/>
+          </p:cNvSpPr>
+          <p:nvPr/>
+        </p:nvSpPr>
+        <p:spPr>
+          <a:xfrm>
+            <a:off x="838200" y="3974021"/>
+            <a:ext cx="10515600" cy="2435657"/>
+          </a:xfrm>
+          <a:prstGeom prst="rect">
+            <a:avLst/>
+          </a:prstGeom>
+        </p:spPr>
+        <p:txBody>
+          <a:bodyPr vert="horz" lIns="91440" tIns="45720" rIns="91440" bIns="45720" rtlCol="0">
+            <a:normAutofit/>
+          </a:bodyPr>
+          <a:lstStyle>
+            <a:lvl1pPr marL="228600" indent="-228600" algn="l" defTabSz="914400" rtl="0" eaLnBrk="1" latinLnBrk="0" hangingPunct="1">
+              <a:lnSpc>
+                <a:spcPct val="90000"/>
+              </a:lnSpc>
+              <a:spcBef>
+                <a:spcPts val="1000"/>
+              </a:spcBef>
+              <a:buFont typeface="Arial" panose="020B0604020202020204" pitchFamily="34" charset="0"/>
+              <a:buChar char="•"/>
+              <a:defRPr kumimoji="1" sz="2800" kern="1200">
+                <a:solidFill>
+                  <a:schemeClr val="tx1"/>
+                </a:solidFill>
+                <a:latin typeface="+mn-lt"/>
+                <a:ea typeface="+mn-ea"/>
+                <a:cs typeface="+mn-cs"/>
+              </a:defRPr>
+            </a:lvl1pPr>
+            <a:lvl2pPr marL="685800" indent="-228600" algn="l" defTabSz="914400" rtl="0" eaLnBrk="1" latinLnBrk="0" hangingPunct="1">
+              <a:lnSpc>
+                <a:spcPct val="90000"/>
+              </a:lnSpc>
+              <a:spcBef>
+                <a:spcPts val="500"/>
+              </a:spcBef>
+              <a:buFont typeface="Arial" panose="020B0604020202020204" pitchFamily="34" charset="0"/>
+              <a:buChar char="•"/>
+              <a:defRPr kumimoji="1" sz="2400" kern="1200">
+                <a:solidFill>
+                  <a:schemeClr val="tx1"/>
+                </a:solidFill>
+                <a:latin typeface="+mn-lt"/>
+                <a:ea typeface="+mn-ea"/>
+                <a:cs typeface="+mn-cs"/>
+              </a:defRPr>
+            </a:lvl2pPr>
+            <a:lvl3pPr marL="1143000" indent="-228600" algn="l" defTabSz="914400" rtl="0" eaLnBrk="1" latinLnBrk="0" hangingPunct="1">
+              <a:lnSpc>
+                <a:spcPct val="90000"/>
+              </a:lnSpc>
+              <a:spcBef>
+                <a:spcPts val="500"/>
+              </a:spcBef>
+              <a:buFont typeface="Arial" panose="020B0604020202020204" pitchFamily="34" charset="0"/>
+              <a:buChar char="•"/>
+              <a:defRPr kumimoji="1" sz="2000" kern="1200">
+                <a:solidFill>
+                  <a:schemeClr val="tx1"/>
+                </a:solidFill>
+                <a:latin typeface="+mn-lt"/>
+                <a:ea typeface="+mn-ea"/>
+                <a:cs typeface="+mn-cs"/>
+              </a:defRPr>
+            </a:lvl3pPr>
+            <a:lvl4pPr marL="1600200" indent="-228600" algn="l" defTabSz="914400" rtl="0" eaLnBrk="1" latinLnBrk="0" hangingPunct="1">
+              <a:lnSpc>
+                <a:spcPct val="90000"/>
+              </a:lnSpc>
+              <a:spcBef>
+                <a:spcPts val="500"/>
+              </a:spcBef>
+              <a:buFont typeface="Arial" panose="020B0604020202020204" pitchFamily="34" charset="0"/>
+              <a:buChar char="•"/>
+              <a:defRPr kumimoji="1" sz="1800" kern="1200">
+                <a:solidFill>
+                  <a:schemeClr val="tx1"/>
+                </a:solidFill>
+                <a:latin typeface="+mn-lt"/>
+                <a:ea typeface="+mn-ea"/>
+                <a:cs typeface="+mn-cs"/>
+              </a:defRPr>
+            </a:lvl4pPr>
+            <a:lvl5pPr marL="2057400" indent="-228600" algn="l" defTabSz="914400" rtl="0" eaLnBrk="1" latinLnBrk="0" hangingPunct="1">
+              <a:lnSpc>
+                <a:spcPct val="90000"/>
+              </a:lnSpc>
+              <a:spcBef>
+                <a:spcPts val="500"/>
+              </a:spcBef>
+              <a:buFont typeface="Arial" panose="020B0604020202020204" pitchFamily="34" charset="0"/>
+              <a:buChar char="•"/>
+              <a:defRPr kumimoji="1" sz="1800" kern="1200">
+                <a:solidFill>
+                  <a:schemeClr val="tx1"/>
+                </a:solidFill>
+                <a:latin typeface="+mn-lt"/>
+                <a:ea typeface="+mn-ea"/>
+                <a:cs typeface="+mn-cs"/>
+              </a:defRPr>
+            </a:lvl5pPr>
+            <a:lvl6pPr marL="2514600" indent="-228600" algn="l" defTabSz="914400" rtl="0" eaLnBrk="1" latinLnBrk="0" hangingPunct="1">
+              <a:lnSpc>
+                <a:spcPct val="90000"/>
+              </a:lnSpc>
+              <a:spcBef>
+                <a:spcPts val="500"/>
+              </a:spcBef>
+              <a:buFont typeface="Arial" panose="020B0604020202020204" pitchFamily="34" charset="0"/>
+              <a:buChar char="•"/>
+              <a:defRPr kumimoji="1" sz="1800" kern="1200">
+                <a:solidFill>
+                  <a:schemeClr val="tx1"/>
+                </a:solidFill>
+                <a:latin typeface="+mn-lt"/>
+                <a:ea typeface="+mn-ea"/>
+                <a:cs typeface="+mn-cs"/>
+              </a:defRPr>
+            </a:lvl6pPr>
+            <a:lvl7pPr marL="2971800" indent="-228600" algn="l" defTabSz="914400" rtl="0" eaLnBrk="1" latinLnBrk="0" hangingPunct="1">
+              <a:lnSpc>
+                <a:spcPct val="90000"/>
+              </a:lnSpc>
+              <a:spcBef>
+                <a:spcPts val="500"/>
+              </a:spcBef>
+              <a:buFont typeface="Arial" panose="020B0604020202020204" pitchFamily="34" charset="0"/>
+              <a:buChar char="•"/>
+              <a:defRPr kumimoji="1" sz="1800" kern="1200">
+                <a:solidFill>
+                  <a:schemeClr val="tx1"/>
+                </a:solidFill>
+                <a:latin typeface="+mn-lt"/>
+                <a:ea typeface="+mn-ea"/>
+                <a:cs typeface="+mn-cs"/>
+              </a:defRPr>
+            </a:lvl7pPr>
+            <a:lvl8pPr marL="3429000" indent="-228600" algn="l" defTabSz="914400" rtl="0" eaLnBrk="1" latinLnBrk="0" hangingPunct="1">
+              <a:lnSpc>
+                <a:spcPct val="90000"/>
+              </a:lnSpc>
+              <a:spcBef>
+                <a:spcPts val="500"/>
+              </a:spcBef>
+              <a:buFont typeface="Arial" panose="020B0604020202020204" pitchFamily="34" charset="0"/>
+              <a:buChar char="•"/>
+              <a:defRPr kumimoji="1" sz="1800" kern="1200">
+                <a:solidFill>
+                  <a:schemeClr val="tx1"/>
+                </a:solidFill>
+                <a:latin typeface="+mn-lt"/>
+                <a:ea typeface="+mn-ea"/>
+                <a:cs typeface="+mn-cs"/>
+              </a:defRPr>
+            </a:lvl8pPr>
+            <a:lvl9pPr marL="3886200" indent="-228600" algn="l" defTabSz="914400" rtl="0" eaLnBrk="1" latinLnBrk="0" hangingPunct="1">
+              <a:lnSpc>
+                <a:spcPct val="90000"/>
+              </a:lnSpc>
+              <a:spcBef>
+                <a:spcPts val="500"/>
+              </a:spcBef>
+              <a:buFont typeface="Arial" panose="020B0604020202020204" pitchFamily="34" charset="0"/>
+              <a:buChar char="•"/>
+              <a:defRPr kumimoji="1" sz="1800" kern="1200">
+                <a:solidFill>
+                  <a:schemeClr val="tx1"/>
+                </a:solidFill>
+                <a:latin typeface="+mn-lt"/>
+                <a:ea typeface="+mn-ea"/>
+                <a:cs typeface="+mn-cs"/>
+              </a:defRPr>
+            </a:lvl9pPr>
+          </a:lstStyle>
+          <a:p>
+            <a:r>
+              <a:rPr lang="ja-JP" altLang="en-US" dirty="0" smtClean="0"/>
+              <a:t>舞台：どこかの前哨基地。</a:t>
+            </a:r>
+            <a:endParaRPr lang="en-US" altLang="ja-JP" dirty="0" smtClean="0"/>
+          </a:p>
+          <a:p>
+            <a:endParaRPr lang="en-US" altLang="ja-JP" dirty="0" smtClean="0"/>
+          </a:p>
+          <a:p>
+            <a:r>
+              <a:rPr lang="ja-JP" altLang="en-US" dirty="0" smtClean="0"/>
+              <a:t>ストーリー：バイオハザードが発生し、命からがら拠点まで撤退出来た者たちの奮闘記。</a:t>
+            </a:r>
+            <a:endParaRPr lang="en-US" altLang="ja-JP" dirty="0" smtClean="0"/>
+          </a:p>
+          <a:p>
+            <a:pPr marL="0" indent="0">
+              <a:buFont typeface="Arial" panose="020B0604020202020204" pitchFamily="34" charset="0"/>
+              <a:buNone/>
+            </a:pPr>
+            <a:endParaRPr lang="en-US" altLang="ja-JP" dirty="0"/>
           </a:p>
         </p:txBody>
       </p:sp>
@@ -3430,7 +6932,7 @@
           <a:p>
             <a:r>
               <a:rPr kumimoji="1" lang="ja-JP" altLang="en-US" dirty="0" smtClean="0"/>
-              <a:t>概要</a:t>
+              <a:t>ゲームの流れ</a:t>
             </a:r>
             <a:endParaRPr kumimoji="1" lang="ja-JP" altLang="en-US" dirty="0"/>
           </a:p>
@@ -3452,61 +6954,549 @@
           <a:lstStyle/>
           <a:p>
             <a:r>
+              <a:rPr lang="ja-JP" altLang="en-US" dirty="0" smtClean="0"/>
+              <a:t>ウェーブ毎に敵が湧く。湧いた敵は基地を目指して移動する。</a:t>
+            </a:r>
+            <a:endParaRPr lang="en-US" altLang="ja-JP" dirty="0" smtClean="0"/>
+          </a:p>
+          <a:p>
+            <a:endParaRPr lang="en-US" altLang="ja-JP" dirty="0" smtClean="0"/>
+          </a:p>
+          <a:p>
+            <a:endParaRPr lang="en-US" altLang="ja-JP" dirty="0" smtClean="0"/>
+          </a:p>
+          <a:p>
+            <a:r>
+              <a:rPr lang="ja-JP" altLang="en-US" dirty="0" smtClean="0"/>
+              <a:t>時折、補給が来るが敵は補給を潰しに来る。</a:t>
+            </a:r>
+            <a:endParaRPr lang="en-US" altLang="ja-JP" dirty="0" smtClean="0"/>
+          </a:p>
+          <a:p>
+            <a:endParaRPr lang="en-US" altLang="ja-JP" dirty="0" smtClean="0"/>
+          </a:p>
+          <a:p>
+            <a:endParaRPr lang="en-US" altLang="ja-JP" dirty="0"/>
+          </a:p>
+          <a:p>
+            <a:r>
+              <a:rPr lang="ja-JP" altLang="en-US" dirty="0" smtClean="0"/>
+              <a:t>補給を確保</a:t>
+            </a:r>
+            <a:r>
+              <a:rPr lang="ja-JP" altLang="en-US" dirty="0" smtClean="0"/>
+              <a:t>しつつ</a:t>
+            </a:r>
+            <a:r>
+              <a:rPr lang="ja-JP" altLang="en-US" dirty="0" smtClean="0"/>
+              <a:t>拠点を敵から</a:t>
+            </a:r>
+            <a:r>
+              <a:rPr kumimoji="1" lang="ja-JP" altLang="en-US" dirty="0" smtClean="0"/>
+              <a:t>防衛。</a:t>
+            </a:r>
+            <a:endParaRPr kumimoji="1" lang="en-US" altLang="ja-JP" dirty="0" smtClean="0"/>
+          </a:p>
+          <a:p>
+            <a:endParaRPr lang="en-US" altLang="ja-JP" dirty="0" smtClean="0"/>
+          </a:p>
+          <a:p>
+            <a:endParaRPr lang="en-US" altLang="ja-JP" dirty="0"/>
+          </a:p>
+        </p:txBody>
+      </p:sp>
+      <p:pic>
+        <p:nvPicPr>
+          <p:cNvPr id="4" name="図 3"/>
+          <p:cNvPicPr>
+            <a:picLocks noChangeAspect="1"/>
+          </p:cNvPicPr>
+          <p:nvPr/>
+        </p:nvPicPr>
+        <p:blipFill>
+          <a:blip r:embed="rId2">
+            <a:extLst>
+              <a:ext uri="{28A0092B-C50C-407E-A947-70E740481C1C}">
+                <a14:useLocalDpi xmlns:a14="http://schemas.microsoft.com/office/drawing/2010/main" val="0"/>
+              </a:ext>
+            </a:extLst>
+          </a:blip>
+          <a:stretch>
+            <a:fillRect/>
+          </a:stretch>
+        </p:blipFill>
+        <p:spPr>
+          <a:xfrm>
+            <a:off x="10051508" y="2526321"/>
+            <a:ext cx="1596553" cy="1867313"/>
+          </a:xfrm>
+          <a:prstGeom prst="rect">
+            <a:avLst/>
+          </a:prstGeom>
+        </p:spPr>
+      </p:pic>
+      <p:pic>
+        <p:nvPicPr>
+          <p:cNvPr id="5" name="図 4"/>
+          <p:cNvPicPr>
+            <a:picLocks noChangeAspect="1"/>
+          </p:cNvPicPr>
+          <p:nvPr/>
+        </p:nvPicPr>
+        <p:blipFill>
+          <a:blip r:embed="rId3">
+            <a:extLst>
+              <a:ext uri="{28A0092B-C50C-407E-A947-70E740481C1C}">
+                <a14:useLocalDpi xmlns:a14="http://schemas.microsoft.com/office/drawing/2010/main" val="0"/>
+              </a:ext>
+            </a:extLst>
+          </a:blip>
+          <a:stretch>
+            <a:fillRect/>
+          </a:stretch>
+        </p:blipFill>
+        <p:spPr>
+          <a:xfrm>
+            <a:off x="8187285" y="-96733"/>
+            <a:ext cx="2319767" cy="2149651"/>
+          </a:xfrm>
+          <a:prstGeom prst="rect">
+            <a:avLst/>
+          </a:prstGeom>
+        </p:spPr>
+      </p:pic>
+      <p:sp>
+        <p:nvSpPr>
+          <p:cNvPr id="6" name="右矢印 5"/>
+          <p:cNvSpPr/>
+          <p:nvPr/>
+        </p:nvSpPr>
+        <p:spPr>
+          <a:xfrm flipH="1">
+            <a:off x="8406208" y="3459978"/>
+            <a:ext cx="1323795" cy="603681"/>
+          </a:xfrm>
+          <a:prstGeom prst="rightArrow">
+            <a:avLst/>
+          </a:prstGeom>
+        </p:spPr>
+        <p:style>
+          <a:lnRef idx="2">
+            <a:schemeClr val="accent1">
+              <a:shade val="50000"/>
+            </a:schemeClr>
+          </a:lnRef>
+          <a:fillRef idx="1">
+            <a:schemeClr val="accent1"/>
+          </a:fillRef>
+          <a:effectRef idx="0">
+            <a:schemeClr val="accent1"/>
+          </a:effectRef>
+          <a:fontRef idx="minor">
+            <a:schemeClr val="lt1"/>
+          </a:fontRef>
+        </p:style>
+        <p:txBody>
+          <a:bodyPr rtlCol="0" anchor="ctr"/>
+          <a:lstStyle/>
+          <a:p>
+            <a:pPr algn="ctr"/>
+            <a:endParaRPr kumimoji="1" lang="ja-JP" altLang="en-US"/>
+          </a:p>
+        </p:txBody>
+      </p:sp>
+      <p:sp>
+        <p:nvSpPr>
+          <p:cNvPr id="7" name="テキスト ボックス 6"/>
+          <p:cNvSpPr txBox="1"/>
+          <p:nvPr/>
+        </p:nvSpPr>
+        <p:spPr>
+          <a:xfrm>
+            <a:off x="10069376" y="1933796"/>
+            <a:ext cx="1928528" cy="369332"/>
+          </a:xfrm>
+          <a:prstGeom prst="rect">
+            <a:avLst/>
+          </a:prstGeom>
+          <a:noFill/>
+        </p:spPr>
+        <p:txBody>
+          <a:bodyPr wrap="square" rtlCol="0">
+            <a:spAutoFit/>
+          </a:bodyPr>
+          <a:lstStyle/>
+          <a:p>
+            <a:r>
+              <a:rPr kumimoji="1" lang="ja-JP" altLang="en-US" dirty="0" smtClean="0"/>
+              <a:t>移動</a:t>
+            </a:r>
+            <a:endParaRPr kumimoji="1" lang="ja-JP" altLang="en-US" dirty="0"/>
+          </a:p>
+        </p:txBody>
+      </p:sp>
+      <p:pic>
+        <p:nvPicPr>
+          <p:cNvPr id="8" name="図 7"/>
+          <p:cNvPicPr>
+            <a:picLocks noChangeAspect="1"/>
+          </p:cNvPicPr>
+          <p:nvPr/>
+        </p:nvPicPr>
+        <p:blipFill rotWithShape="1">
+          <a:blip r:embed="rId4">
+            <a:extLst>
+              <a:ext uri="{28A0092B-C50C-407E-A947-70E740481C1C}">
+                <a14:useLocalDpi xmlns:a14="http://schemas.microsoft.com/office/drawing/2010/main" val="0"/>
+              </a:ext>
+            </a:extLst>
+          </a:blip>
+          <a:srcRect b="36432"/>
+          <a:stretch/>
+        </p:blipFill>
+        <p:spPr>
+          <a:xfrm>
+            <a:off x="6516209" y="2683318"/>
+            <a:ext cx="2443577" cy="1553321"/>
+          </a:xfrm>
+          <a:prstGeom prst="rect">
+            <a:avLst/>
+          </a:prstGeom>
+        </p:spPr>
+      </p:pic>
+      <p:sp>
+        <p:nvSpPr>
+          <p:cNvPr id="9" name="右矢印 8"/>
+          <p:cNvSpPr/>
+          <p:nvPr/>
+        </p:nvSpPr>
+        <p:spPr>
+          <a:xfrm rot="2855198" flipH="1">
+            <a:off x="9263707" y="1950748"/>
+            <a:ext cx="1323795" cy="603681"/>
+          </a:xfrm>
+          <a:prstGeom prst="rightArrow">
+            <a:avLst/>
+          </a:prstGeom>
+        </p:spPr>
+        <p:style>
+          <a:lnRef idx="2">
+            <a:schemeClr val="accent1">
+              <a:shade val="50000"/>
+            </a:schemeClr>
+          </a:lnRef>
+          <a:fillRef idx="1">
+            <a:schemeClr val="accent1"/>
+          </a:fillRef>
+          <a:effectRef idx="0">
+            <a:schemeClr val="accent1"/>
+          </a:effectRef>
+          <a:fontRef idx="minor">
+            <a:schemeClr val="lt1"/>
+          </a:fontRef>
+        </p:style>
+        <p:txBody>
+          <a:bodyPr rtlCol="0" anchor="ctr"/>
+          <a:lstStyle/>
+          <a:p>
+            <a:pPr algn="ctr"/>
+            <a:endParaRPr kumimoji="1" lang="ja-JP" altLang="en-US"/>
+          </a:p>
+        </p:txBody>
+      </p:sp>
+      <p:sp>
+        <p:nvSpPr>
+          <p:cNvPr id="10" name="テキスト ボックス 9"/>
+          <p:cNvSpPr txBox="1"/>
+          <p:nvPr/>
+        </p:nvSpPr>
+        <p:spPr>
+          <a:xfrm>
+            <a:off x="8666359" y="3094299"/>
+            <a:ext cx="1928528" cy="369332"/>
+          </a:xfrm>
+          <a:prstGeom prst="rect">
+            <a:avLst/>
+          </a:prstGeom>
+          <a:noFill/>
+        </p:spPr>
+        <p:txBody>
+          <a:bodyPr wrap="square" rtlCol="0">
+            <a:spAutoFit/>
+          </a:bodyPr>
+          <a:lstStyle/>
+          <a:p>
+            <a:r>
               <a:rPr lang="ja-JP" altLang="en-US" dirty="0"/>
-              <a:t>舞台</a:t>
-            </a:r>
-            <a:r>
-              <a:rPr kumimoji="1" lang="ja-JP" altLang="en-US" dirty="0" smtClean="0"/>
-              <a:t>：どこかの前哨基地。</a:t>
-            </a:r>
-            <a:endParaRPr kumimoji="1" lang="en-US" altLang="ja-JP" dirty="0" smtClean="0"/>
-          </a:p>
-          <a:p>
-            <a:endParaRPr kumimoji="1" lang="en-US" altLang="ja-JP" dirty="0" smtClean="0"/>
-          </a:p>
+              <a:t>攻撃</a:t>
+            </a:r>
+            <a:endParaRPr kumimoji="1" lang="ja-JP" altLang="en-US" dirty="0"/>
+          </a:p>
+        </p:txBody>
+      </p:sp>
+      <p:pic>
+        <p:nvPicPr>
+          <p:cNvPr id="11" name="図 10"/>
+          <p:cNvPicPr>
+            <a:picLocks noChangeAspect="1"/>
+          </p:cNvPicPr>
+          <p:nvPr/>
+        </p:nvPicPr>
+        <p:blipFill>
+          <a:blip r:embed="rId5" cstate="print">
+            <a:extLst>
+              <a:ext uri="{28A0092B-C50C-407E-A947-70E740481C1C}">
+                <a14:useLocalDpi xmlns:a14="http://schemas.microsoft.com/office/drawing/2010/main" val="0"/>
+              </a:ext>
+            </a:extLst>
+          </a:blip>
+          <a:stretch>
+            <a:fillRect/>
+          </a:stretch>
+        </p:blipFill>
+        <p:spPr>
+          <a:xfrm>
+            <a:off x="8557427" y="4796476"/>
+            <a:ext cx="1368177" cy="1638535"/>
+          </a:xfrm>
+          <a:prstGeom prst="rect">
+            <a:avLst/>
+          </a:prstGeom>
+        </p:spPr>
+      </p:pic>
+      <p:sp>
+        <p:nvSpPr>
+          <p:cNvPr id="12" name="右矢印 11"/>
+          <p:cNvSpPr/>
+          <p:nvPr/>
+        </p:nvSpPr>
+        <p:spPr>
+          <a:xfrm rot="7923612" flipH="1">
+            <a:off x="9660473" y="4896798"/>
+            <a:ext cx="1323795" cy="603681"/>
+          </a:xfrm>
+          <a:prstGeom prst="rightArrow">
+            <a:avLst/>
+          </a:prstGeom>
+        </p:spPr>
+        <p:style>
+          <a:lnRef idx="2">
+            <a:schemeClr val="accent1">
+              <a:shade val="50000"/>
+            </a:schemeClr>
+          </a:lnRef>
+          <a:fillRef idx="1">
+            <a:schemeClr val="accent1"/>
+          </a:fillRef>
+          <a:effectRef idx="0">
+            <a:schemeClr val="accent1"/>
+          </a:effectRef>
+          <a:fontRef idx="minor">
+            <a:schemeClr val="lt1"/>
+          </a:fontRef>
+        </p:style>
+        <p:txBody>
+          <a:bodyPr rtlCol="0" anchor="ctr"/>
+          <a:lstStyle/>
+          <a:p>
+            <a:pPr algn="ctr"/>
+            <a:endParaRPr kumimoji="1" lang="ja-JP" altLang="en-US"/>
+          </a:p>
+        </p:txBody>
+      </p:sp>
+      <p:sp>
+        <p:nvSpPr>
+          <p:cNvPr id="13" name="テキスト ボックス 12"/>
+          <p:cNvSpPr txBox="1"/>
+          <p:nvPr/>
+        </p:nvSpPr>
+        <p:spPr>
+          <a:xfrm>
+            <a:off x="10507052" y="5435015"/>
+            <a:ext cx="1928528" cy="369332"/>
+          </a:xfrm>
+          <a:prstGeom prst="rect">
+            <a:avLst/>
+          </a:prstGeom>
+          <a:noFill/>
+        </p:spPr>
+        <p:txBody>
+          <a:bodyPr wrap="square" rtlCol="0">
+            <a:spAutoFit/>
+          </a:bodyPr>
+          <a:lstStyle/>
+          <a:p>
+            <a:r>
+              <a:rPr lang="ja-JP" altLang="en-US" dirty="0"/>
+              <a:t>倒す</a:t>
+            </a:r>
+            <a:endParaRPr kumimoji="1" lang="ja-JP" altLang="en-US" dirty="0"/>
+          </a:p>
+        </p:txBody>
+      </p:sp>
+      <p:sp>
+        <p:nvSpPr>
+          <p:cNvPr id="14" name="右矢印 13"/>
+          <p:cNvSpPr/>
+          <p:nvPr/>
+        </p:nvSpPr>
+        <p:spPr>
+          <a:xfrm rot="3233541" flipH="1">
+            <a:off x="7292209" y="4455490"/>
+            <a:ext cx="1588299" cy="603681"/>
+          </a:xfrm>
+          <a:prstGeom prst="rightArrow">
+            <a:avLst/>
+          </a:prstGeom>
+        </p:spPr>
+        <p:style>
+          <a:lnRef idx="2">
+            <a:schemeClr val="accent1">
+              <a:shade val="50000"/>
+            </a:schemeClr>
+          </a:lnRef>
+          <a:fillRef idx="1">
+            <a:schemeClr val="accent1"/>
+          </a:fillRef>
+          <a:effectRef idx="0">
+            <a:schemeClr val="accent1"/>
+          </a:effectRef>
+          <a:fontRef idx="minor">
+            <a:schemeClr val="lt1"/>
+          </a:fontRef>
+        </p:style>
+        <p:txBody>
+          <a:bodyPr rtlCol="0" anchor="ctr"/>
+          <a:lstStyle/>
+          <a:p>
+            <a:pPr algn="ctr"/>
+            <a:endParaRPr kumimoji="1" lang="ja-JP" altLang="en-US"/>
+          </a:p>
+        </p:txBody>
+      </p:sp>
+      <p:sp>
+        <p:nvSpPr>
+          <p:cNvPr id="15" name="テキスト ボックス 14"/>
+          <p:cNvSpPr txBox="1"/>
+          <p:nvPr/>
+        </p:nvSpPr>
+        <p:spPr>
+          <a:xfrm>
+            <a:off x="7298009" y="4969456"/>
+            <a:ext cx="1928528" cy="369332"/>
+          </a:xfrm>
+          <a:prstGeom prst="rect">
+            <a:avLst/>
+          </a:prstGeom>
+          <a:noFill/>
+        </p:spPr>
+        <p:txBody>
+          <a:bodyPr wrap="square" rtlCol="0">
+            <a:spAutoFit/>
+          </a:bodyPr>
+          <a:lstStyle/>
+          <a:p>
+            <a:r>
+              <a:rPr lang="ja-JP" altLang="en-US" dirty="0"/>
+              <a:t>補給</a:t>
+            </a:r>
+            <a:endParaRPr kumimoji="1" lang="ja-JP" altLang="en-US" dirty="0"/>
+          </a:p>
+        </p:txBody>
+      </p:sp>
+      <p:sp>
+        <p:nvSpPr>
+          <p:cNvPr id="16" name="テキスト ボックス 15"/>
+          <p:cNvSpPr txBox="1"/>
+          <p:nvPr/>
+        </p:nvSpPr>
+        <p:spPr>
+          <a:xfrm>
+            <a:off x="10594886" y="4358417"/>
+            <a:ext cx="1928528" cy="369332"/>
+          </a:xfrm>
+          <a:prstGeom prst="rect">
+            <a:avLst/>
+          </a:prstGeom>
+          <a:noFill/>
+        </p:spPr>
+        <p:txBody>
+          <a:bodyPr wrap="square" rtlCol="0">
+            <a:spAutoFit/>
+          </a:bodyPr>
+          <a:lstStyle/>
+          <a:p>
+            <a:r>
+              <a:rPr lang="ja-JP" altLang="en-US" dirty="0">
+                <a:solidFill>
+                  <a:srgbClr val="FF0000"/>
+                </a:solidFill>
+              </a:rPr>
+              <a:t>敵</a:t>
+            </a:r>
+            <a:endParaRPr kumimoji="1" lang="ja-JP" altLang="en-US" dirty="0">
+              <a:solidFill>
+                <a:srgbClr val="FF0000"/>
+              </a:solidFill>
+            </a:endParaRPr>
+          </a:p>
+        </p:txBody>
+      </p:sp>
+      <p:sp>
+        <p:nvSpPr>
+          <p:cNvPr id="17" name="テキスト ボックス 16"/>
+          <p:cNvSpPr txBox="1"/>
+          <p:nvPr/>
+        </p:nvSpPr>
+        <p:spPr>
+          <a:xfrm>
+            <a:off x="8664709" y="6360207"/>
+            <a:ext cx="1928528" cy="369332"/>
+          </a:xfrm>
+          <a:prstGeom prst="rect">
+            <a:avLst/>
+          </a:prstGeom>
+          <a:noFill/>
+        </p:spPr>
+        <p:txBody>
+          <a:bodyPr wrap="square" rtlCol="0">
+            <a:spAutoFit/>
+          </a:bodyPr>
+          <a:lstStyle/>
+          <a:p>
+            <a:r>
+              <a:rPr lang="ja-JP" altLang="en-US" dirty="0"/>
+              <a:t>プレイヤー</a:t>
+            </a:r>
+            <a:endParaRPr kumimoji="1" lang="ja-JP" altLang="en-US" dirty="0"/>
+          </a:p>
+        </p:txBody>
+      </p:sp>
+      <p:sp>
+        <p:nvSpPr>
+          <p:cNvPr id="18" name="テキスト ボックス 17"/>
+          <p:cNvSpPr txBox="1"/>
+          <p:nvPr/>
+        </p:nvSpPr>
+        <p:spPr>
+          <a:xfrm>
+            <a:off x="6832656" y="3899691"/>
+            <a:ext cx="1928528" cy="369332"/>
+          </a:xfrm>
+          <a:prstGeom prst="rect">
+            <a:avLst/>
+          </a:prstGeom>
+          <a:noFill/>
+        </p:spPr>
+        <p:txBody>
+          <a:bodyPr wrap="square" rtlCol="0">
+            <a:spAutoFit/>
+          </a:bodyPr>
+          <a:lstStyle/>
           <a:p>
             <a:r>
               <a:rPr lang="ja-JP" altLang="en-US" dirty="0" smtClean="0"/>
-              <a:t>ストーリー：バイオハザードが発生し、命からがら拠点まで撤退出来た者たちの奮闘記。</a:t>
-            </a:r>
-            <a:endParaRPr lang="en-US" altLang="ja-JP" dirty="0" smtClean="0"/>
-          </a:p>
-          <a:p>
-            <a:endParaRPr kumimoji="1" lang="en-US" altLang="ja-JP" dirty="0"/>
-          </a:p>
-          <a:p>
-            <a:r>
-              <a:rPr lang="ja-JP" altLang="en-US" dirty="0" smtClean="0"/>
-              <a:t>使用エンジン：</a:t>
-            </a:r>
-            <a:r>
-              <a:rPr lang="en-US" altLang="ja-JP" dirty="0" err="1" smtClean="0"/>
-              <a:t>UnReal</a:t>
-            </a:r>
-            <a:r>
-              <a:rPr lang="en-US" altLang="ja-JP" dirty="0" smtClean="0"/>
-              <a:t> Engine</a:t>
-            </a:r>
-          </a:p>
-          <a:p>
-            <a:endParaRPr kumimoji="1" lang="en-US" altLang="ja-JP" dirty="0"/>
-          </a:p>
-          <a:p>
-            <a:r>
-              <a:rPr lang="ja-JP" altLang="en-US" dirty="0" smtClean="0"/>
-              <a:t>ジャンル：</a:t>
-            </a:r>
-            <a:r>
-              <a:rPr lang="en-US" altLang="ja-JP" dirty="0" smtClean="0"/>
-              <a:t>FPS</a:t>
-            </a:r>
-            <a:r>
-              <a:rPr lang="ja-JP" altLang="en-US" dirty="0" err="1" smtClean="0"/>
-              <a:t>、</a:t>
-            </a:r>
-            <a:r>
-              <a:rPr lang="ja-JP" altLang="en-US" dirty="0" smtClean="0"/>
-              <a:t>タワーディフェンス。</a:t>
+              <a:t>補給ドローン</a:t>
             </a:r>
             <a:endParaRPr kumimoji="1" lang="ja-JP" altLang="en-US" dirty="0"/>
           </a:p>
@@ -3515,7 +7505,7 @@
     </p:spTree>
     <p:extLst>
       <p:ext uri="{BB962C8B-B14F-4D97-AF65-F5344CB8AC3E}">
-        <p14:creationId xmlns:p14="http://schemas.microsoft.com/office/powerpoint/2010/main" val="3459135747"/>
+        <p14:creationId xmlns:p14="http://schemas.microsoft.com/office/powerpoint/2010/main" val="1680184930"/>
       </p:ext>
     </p:extLst>
   </p:cSld>
@@ -3559,7 +7549,7 @@
           <a:p>
             <a:r>
               <a:rPr kumimoji="1" lang="ja-JP" altLang="en-US" dirty="0" smtClean="0"/>
-              <a:t>ゲームの流れ</a:t>
+              <a:t>遊び方</a:t>
             </a:r>
             <a:endParaRPr kumimoji="1" lang="ja-JP" altLang="en-US" dirty="0"/>
           </a:p>
@@ -3581,51 +7571,25 @@
           <a:lstStyle/>
           <a:p>
             <a:r>
-              <a:rPr lang="ja-JP" altLang="en-US" dirty="0" smtClean="0"/>
-              <a:t>ウェーブ制で敵が襲来。</a:t>
-            </a:r>
-            <a:endParaRPr lang="en-US" altLang="ja-JP" dirty="0" smtClean="0"/>
-          </a:p>
-          <a:p>
-            <a:endParaRPr lang="en-US" altLang="ja-JP" dirty="0" smtClean="0"/>
-          </a:p>
-          <a:p>
-            <a:r>
-              <a:rPr lang="ja-JP" altLang="en-US" dirty="0" smtClean="0"/>
-              <a:t>時折、補給が来るが敵は補給を潰しに来る。</a:t>
-            </a:r>
-            <a:endParaRPr lang="en-US" altLang="ja-JP" dirty="0" smtClean="0"/>
-          </a:p>
-          <a:p>
-            <a:endParaRPr lang="en-US" altLang="ja-JP" dirty="0"/>
-          </a:p>
-          <a:p>
-            <a:r>
-              <a:rPr lang="ja-JP" altLang="en-US" dirty="0"/>
-              <a:t>兵站の</a:t>
-            </a:r>
-            <a:r>
-              <a:rPr lang="ja-JP" altLang="en-US" dirty="0" smtClean="0"/>
-              <a:t>維持しつつ拠点を敵から</a:t>
-            </a:r>
-            <a:r>
               <a:rPr kumimoji="1" lang="ja-JP" altLang="en-US" dirty="0" smtClean="0"/>
-              <a:t>防衛。</a:t>
-            </a:r>
-            <a:endParaRPr kumimoji="1" lang="en-US" altLang="ja-JP" dirty="0" smtClean="0"/>
-          </a:p>
-          <a:p>
-            <a:endParaRPr lang="en-US" altLang="ja-JP" dirty="0" smtClean="0"/>
-          </a:p>
-          <a:p>
-            <a:endParaRPr lang="en-US" altLang="ja-JP" dirty="0"/>
+              <a:t>キーボード</a:t>
+            </a:r>
+            <a:r>
+              <a:rPr kumimoji="1" lang="en-US" altLang="ja-JP" dirty="0" smtClean="0"/>
+              <a:t>+</a:t>
+            </a:r>
+            <a:r>
+              <a:rPr kumimoji="1" lang="ja-JP" altLang="en-US" dirty="0" smtClean="0"/>
+              <a:t>マウス。</a:t>
+            </a:r>
+            <a:endParaRPr kumimoji="1" lang="ja-JP" altLang="en-US" dirty="0"/>
           </a:p>
         </p:txBody>
       </p:sp>
     </p:spTree>
     <p:extLst>
       <p:ext uri="{BB962C8B-B14F-4D97-AF65-F5344CB8AC3E}">
-        <p14:creationId xmlns:p14="http://schemas.microsoft.com/office/powerpoint/2010/main" val="1680184930"/>
+        <p14:creationId xmlns:p14="http://schemas.microsoft.com/office/powerpoint/2010/main" val="1514550287"/>
       </p:ext>
     </p:extLst>
   </p:cSld>
@@ -3662,45 +7626,350 @@
             <p:ph type="title"/>
           </p:nvPr>
         </p:nvSpPr>
-        <p:spPr/>
+        <p:spPr>
+          <a:xfrm>
+            <a:off x="646111" y="452718"/>
+            <a:ext cx="9404723" cy="737453"/>
+          </a:xfrm>
+        </p:spPr>
         <p:txBody>
           <a:bodyPr/>
           <a:lstStyle/>
           <a:p>
             <a:r>
               <a:rPr kumimoji="1" lang="ja-JP" altLang="en-US" dirty="0" smtClean="0"/>
-              <a:t>遊び方</a:t>
+              <a:t>ゲーム画面</a:t>
             </a:r>
             <a:endParaRPr kumimoji="1" lang="ja-JP" altLang="en-US" dirty="0"/>
           </a:p>
         </p:txBody>
       </p:sp>
-      <p:sp>
-        <p:nvSpPr>
-          <p:cNvPr id="3" name="コンテンツ プレースホルダー 2"/>
-          <p:cNvSpPr>
-            <a:spLocks noGrp="1"/>
-          </p:cNvSpPr>
-          <p:nvPr>
-            <p:ph idx="1"/>
-          </p:nvPr>
-        </p:nvSpPr>
-        <p:spPr/>
-        <p:txBody>
-          <a:bodyPr/>
+      <p:pic>
+        <p:nvPicPr>
+          <p:cNvPr id="4" name="図 3"/>
+          <p:cNvPicPr>
+            <a:picLocks noChangeAspect="1"/>
+          </p:cNvPicPr>
+          <p:nvPr/>
+        </p:nvPicPr>
+        <p:blipFill>
+          <a:blip r:embed="rId2"/>
+          <a:stretch>
+            <a:fillRect/>
+          </a:stretch>
+        </p:blipFill>
+        <p:spPr>
+          <a:xfrm>
+            <a:off x="2570034" y="1402085"/>
+            <a:ext cx="7480800" cy="4206244"/>
+          </a:xfrm>
+          <a:prstGeom prst="rect">
+            <a:avLst/>
+          </a:prstGeom>
+        </p:spPr>
+      </p:pic>
+      <p:sp>
+        <p:nvSpPr>
+          <p:cNvPr id="5" name="右矢印 4"/>
+          <p:cNvSpPr/>
+          <p:nvPr/>
+        </p:nvSpPr>
+        <p:spPr>
+          <a:xfrm rot="19506332">
+            <a:off x="2139519" y="5461849"/>
+            <a:ext cx="621437" cy="292963"/>
+          </a:xfrm>
+          <a:prstGeom prst="rightArrow">
+            <a:avLst/>
+          </a:prstGeom>
+        </p:spPr>
+        <p:style>
+          <a:lnRef idx="2">
+            <a:schemeClr val="accent1">
+              <a:shade val="50000"/>
+            </a:schemeClr>
+          </a:lnRef>
+          <a:fillRef idx="1">
+            <a:schemeClr val="accent1"/>
+          </a:fillRef>
+          <a:effectRef idx="0">
+            <a:schemeClr val="accent1"/>
+          </a:effectRef>
+          <a:fontRef idx="minor">
+            <a:schemeClr val="lt1"/>
+          </a:fontRef>
+        </p:style>
+        <p:txBody>
+          <a:bodyPr rtlCol="0" anchor="ctr"/>
+          <a:lstStyle/>
+          <a:p>
+            <a:pPr algn="ctr"/>
+            <a:endParaRPr kumimoji="1" lang="ja-JP" altLang="en-US"/>
+          </a:p>
+        </p:txBody>
+      </p:sp>
+      <p:sp>
+        <p:nvSpPr>
+          <p:cNvPr id="6" name="テキスト ボックス 5"/>
+          <p:cNvSpPr txBox="1"/>
+          <p:nvPr/>
+        </p:nvSpPr>
+        <p:spPr>
+          <a:xfrm>
+            <a:off x="1846554" y="5906228"/>
+            <a:ext cx="4463879" cy="369332"/>
+          </a:xfrm>
+          <a:prstGeom prst="rect">
+            <a:avLst/>
+          </a:prstGeom>
+          <a:noFill/>
+        </p:spPr>
+        <p:txBody>
+          <a:bodyPr wrap="square" rtlCol="0">
+            <a:spAutoFit/>
+          </a:bodyPr>
           <a:lstStyle/>
           <a:p>
             <a:r>
               <a:rPr kumimoji="1" lang="ja-JP" altLang="en-US" dirty="0" smtClean="0"/>
-              <a:t>キーボード</a:t>
+              <a:t>体力：</a:t>
             </a:r>
             <a:r>
               <a:rPr kumimoji="1" lang="en-US" altLang="ja-JP" dirty="0" smtClean="0"/>
-              <a:t>+</a:t>
+              <a:t>0</a:t>
             </a:r>
             <a:r>
               <a:rPr kumimoji="1" lang="ja-JP" altLang="en-US" dirty="0" smtClean="0"/>
-              <a:t>マウス。</a:t>
+              <a:t>になると戦闘に参加できなくなる</a:t>
+            </a:r>
+            <a:endParaRPr kumimoji="1" lang="ja-JP" altLang="en-US" dirty="0"/>
+          </a:p>
+        </p:txBody>
+      </p:sp>
+      <p:sp>
+        <p:nvSpPr>
+          <p:cNvPr id="7" name="右矢印 6"/>
+          <p:cNvSpPr/>
+          <p:nvPr/>
+        </p:nvSpPr>
+        <p:spPr>
+          <a:xfrm rot="5400000">
+            <a:off x="5853234" y="985681"/>
+            <a:ext cx="621437" cy="292963"/>
+          </a:xfrm>
+          <a:prstGeom prst="rightArrow">
+            <a:avLst/>
+          </a:prstGeom>
+        </p:spPr>
+        <p:style>
+          <a:lnRef idx="2">
+            <a:schemeClr val="accent1">
+              <a:shade val="50000"/>
+            </a:schemeClr>
+          </a:lnRef>
+          <a:fillRef idx="1">
+            <a:schemeClr val="accent1"/>
+          </a:fillRef>
+          <a:effectRef idx="0">
+            <a:schemeClr val="accent1"/>
+          </a:effectRef>
+          <a:fontRef idx="minor">
+            <a:schemeClr val="lt1"/>
+          </a:fontRef>
+        </p:style>
+        <p:txBody>
+          <a:bodyPr rtlCol="0" anchor="ctr"/>
+          <a:lstStyle/>
+          <a:p>
+            <a:pPr algn="ctr"/>
+            <a:endParaRPr kumimoji="1" lang="ja-JP" altLang="en-US"/>
+          </a:p>
+        </p:txBody>
+      </p:sp>
+      <p:sp>
+        <p:nvSpPr>
+          <p:cNvPr id="8" name="テキスト ボックス 7"/>
+          <p:cNvSpPr txBox="1"/>
+          <p:nvPr/>
+        </p:nvSpPr>
+        <p:spPr>
+          <a:xfrm>
+            <a:off x="5521621" y="532618"/>
+            <a:ext cx="4954029" cy="369332"/>
+          </a:xfrm>
+          <a:prstGeom prst="rect">
+            <a:avLst/>
+          </a:prstGeom>
+          <a:noFill/>
+        </p:spPr>
+        <p:txBody>
+          <a:bodyPr wrap="square" rtlCol="0">
+            <a:spAutoFit/>
+          </a:bodyPr>
+          <a:lstStyle/>
+          <a:p>
+            <a:r>
+              <a:rPr kumimoji="1" lang="ja-JP" altLang="en-US" dirty="0" smtClean="0"/>
+              <a:t>基地の体力：</a:t>
+            </a:r>
+            <a:r>
+              <a:rPr kumimoji="1" lang="en-US" altLang="ja-JP" dirty="0" smtClean="0"/>
+              <a:t>0</a:t>
+            </a:r>
+            <a:r>
+              <a:rPr kumimoji="1" lang="ja-JP" altLang="en-US" dirty="0" smtClean="0"/>
+              <a:t>になるとゲームオーバー</a:t>
+            </a:r>
+            <a:endParaRPr kumimoji="1" lang="ja-JP" altLang="en-US" dirty="0"/>
+          </a:p>
+        </p:txBody>
+      </p:sp>
+      <p:sp>
+        <p:nvSpPr>
+          <p:cNvPr id="9" name="右矢印 8"/>
+          <p:cNvSpPr/>
+          <p:nvPr/>
+        </p:nvSpPr>
+        <p:spPr>
+          <a:xfrm rot="16200000">
+            <a:off x="9215224" y="5610798"/>
+            <a:ext cx="621437" cy="292963"/>
+          </a:xfrm>
+          <a:prstGeom prst="rightArrow">
+            <a:avLst/>
+          </a:prstGeom>
+        </p:spPr>
+        <p:style>
+          <a:lnRef idx="2">
+            <a:schemeClr val="accent1">
+              <a:shade val="50000"/>
+            </a:schemeClr>
+          </a:lnRef>
+          <a:fillRef idx="1">
+            <a:schemeClr val="accent1"/>
+          </a:fillRef>
+          <a:effectRef idx="0">
+            <a:schemeClr val="accent1"/>
+          </a:effectRef>
+          <a:fontRef idx="minor">
+            <a:schemeClr val="lt1"/>
+          </a:fontRef>
+        </p:style>
+        <p:txBody>
+          <a:bodyPr rtlCol="0" anchor="ctr"/>
+          <a:lstStyle/>
+          <a:p>
+            <a:pPr algn="ctr"/>
+            <a:endParaRPr kumimoji="1" lang="ja-JP" altLang="en-US"/>
+          </a:p>
+        </p:txBody>
+      </p:sp>
+      <p:sp>
+        <p:nvSpPr>
+          <p:cNvPr id="10" name="テキスト ボックス 9"/>
+          <p:cNvSpPr txBox="1"/>
+          <p:nvPr/>
+        </p:nvSpPr>
+        <p:spPr>
+          <a:xfrm>
+            <a:off x="8243710" y="6090894"/>
+            <a:ext cx="4463879" cy="369332"/>
+          </a:xfrm>
+          <a:prstGeom prst="rect">
+            <a:avLst/>
+          </a:prstGeom>
+          <a:noFill/>
+        </p:spPr>
+        <p:txBody>
+          <a:bodyPr wrap="square" rtlCol="0">
+            <a:spAutoFit/>
+          </a:bodyPr>
+          <a:lstStyle/>
+          <a:p>
+            <a:r>
+              <a:rPr lang="ja-JP" altLang="en-US" dirty="0"/>
+              <a:t>弾薬</a:t>
+            </a:r>
+            <a:r>
+              <a:rPr kumimoji="1" lang="ja-JP" altLang="en-US" dirty="0" smtClean="0"/>
+              <a:t>：装弾数と残っている弾の数</a:t>
+            </a:r>
+            <a:endParaRPr kumimoji="1" lang="ja-JP" altLang="en-US" dirty="0"/>
+          </a:p>
+        </p:txBody>
+      </p:sp>
+      <p:sp>
+        <p:nvSpPr>
+          <p:cNvPr id="11" name="右矢印 10"/>
+          <p:cNvSpPr/>
+          <p:nvPr/>
+        </p:nvSpPr>
+        <p:spPr>
+          <a:xfrm rot="787914">
+            <a:off x="1839775" y="4046321"/>
+            <a:ext cx="1853165" cy="292963"/>
+          </a:xfrm>
+          <a:prstGeom prst="rightArrow">
+            <a:avLst/>
+          </a:prstGeom>
+        </p:spPr>
+        <p:style>
+          <a:lnRef idx="2">
+            <a:schemeClr val="accent1">
+              <a:shade val="50000"/>
+            </a:schemeClr>
+          </a:lnRef>
+          <a:fillRef idx="1">
+            <a:schemeClr val="accent1"/>
+          </a:fillRef>
+          <a:effectRef idx="0">
+            <a:schemeClr val="accent1"/>
+          </a:effectRef>
+          <a:fontRef idx="minor">
+            <a:schemeClr val="lt1"/>
+          </a:fontRef>
+        </p:style>
+        <p:txBody>
+          <a:bodyPr rtlCol="0" anchor="ctr"/>
+          <a:lstStyle/>
+          <a:p>
+            <a:pPr algn="ctr"/>
+            <a:endParaRPr kumimoji="1" lang="ja-JP" altLang="en-US"/>
+          </a:p>
+        </p:txBody>
+      </p:sp>
+      <p:sp>
+        <p:nvSpPr>
+          <p:cNvPr id="12" name="テキスト ボックス 11"/>
+          <p:cNvSpPr txBox="1"/>
+          <p:nvPr/>
+        </p:nvSpPr>
+        <p:spPr>
+          <a:xfrm>
+            <a:off x="108871" y="3235465"/>
+            <a:ext cx="4463879" cy="646331"/>
+          </a:xfrm>
+          <a:prstGeom prst="rect">
+            <a:avLst/>
+          </a:prstGeom>
+          <a:noFill/>
+        </p:spPr>
+        <p:txBody>
+          <a:bodyPr wrap="square" rtlCol="0">
+            <a:spAutoFit/>
+          </a:bodyPr>
+          <a:lstStyle/>
+          <a:p>
+            <a:r>
+              <a:rPr lang="ja-JP" altLang="en-US" dirty="0" smtClean="0"/>
+              <a:t>インベントリ：</a:t>
+            </a:r>
+            <a:endParaRPr lang="en-US" altLang="ja-JP" dirty="0" smtClean="0"/>
+          </a:p>
+          <a:p>
+            <a:r>
+              <a:rPr kumimoji="1" lang="ja-JP" altLang="en-US" dirty="0" smtClean="0"/>
+              <a:t>消耗品を所持できる。</a:t>
             </a:r>
             <a:endParaRPr kumimoji="1" lang="ja-JP" altLang="en-US" dirty="0"/>
           </a:p>
@@ -3709,7 +7978,7 @@
     </p:spTree>
     <p:extLst>
       <p:ext uri="{BB962C8B-B14F-4D97-AF65-F5344CB8AC3E}">
-        <p14:creationId xmlns:p14="http://schemas.microsoft.com/office/powerpoint/2010/main" val="1514550287"/>
+        <p14:creationId xmlns:p14="http://schemas.microsoft.com/office/powerpoint/2010/main" val="1545623317"/>
       </p:ext>
     </p:extLst>
   </p:cSld>
@@ -3720,9 +7989,9 @@
 </file>
 
 <file path=ppt/theme/theme1.xml><?xml version="1.0" encoding="utf-8"?>
-<a:theme xmlns:a="http://schemas.openxmlformats.org/drawingml/2006/main" name="Office テーマ">
+<a:theme xmlns:a="http://schemas.openxmlformats.org/drawingml/2006/main" name="イオン">
   <a:themeElements>
-    <a:clrScheme name="Office">
+    <a:clrScheme name="イオン">
       <a:dk1>
         <a:sysClr val="windowText" lastClr="000000"/>
       </a:dk1>
@@ -3730,44 +7999,44 @@
         <a:sysClr val="window" lastClr="FFFFFF"/>
       </a:lt1>
       <a:dk2>
-        <a:srgbClr val="44546A"/>
+        <a:srgbClr val="1E5155"/>
       </a:dk2>
       <a:lt2>
-        <a:srgbClr val="E7E6E6"/>
+        <a:srgbClr val="EBEBEB"/>
       </a:lt2>
       <a:accent1>
-        <a:srgbClr val="5B9BD5"/>
+        <a:srgbClr val="B01513"/>
       </a:accent1>
       <a:accent2>
-        <a:srgbClr val="ED7D31"/>
+        <a:srgbClr val="EA6312"/>
       </a:accent2>
       <a:accent3>
-        <a:srgbClr val="A5A5A5"/>
+        <a:srgbClr val="E6B729"/>
       </a:accent3>
       <a:accent4>
-        <a:srgbClr val="FFC000"/>
+        <a:srgbClr val="6AAC90"/>
       </a:accent4>
       <a:accent5>
-        <a:srgbClr val="4472C4"/>
+        <a:srgbClr val="54849A"/>
       </a:accent5>
       <a:accent6>
-        <a:srgbClr val="70AD47"/>
+        <a:srgbClr val="9E5E9B"/>
       </a:accent6>
       <a:hlink>
-        <a:srgbClr val="0563C1"/>
+        <a:srgbClr val="58C1BA"/>
       </a:hlink>
       <a:folHlink>
-        <a:srgbClr val="954F72"/>
+        <a:srgbClr val="9DFFCB"/>
       </a:folHlink>
     </a:clrScheme>
-    <a:fontScheme name="Office">
+    <a:fontScheme name="イオン">
       <a:majorFont>
-        <a:latin typeface="游ゴシック Light" panose="020F0302020204030204"/>
+        <a:latin typeface="Century Gothic" panose="020B0502020202020204"/>
         <a:ea typeface=""/>
         <a:cs typeface=""/>
-        <a:font script="Jpan" typeface="游ゴシック Light"/>
+        <a:font script="Jpan" typeface="メイリオ"/>
         <a:font script="Hang" typeface="맑은 고딕"/>
-        <a:font script="Hans" typeface="等线 Light"/>
+        <a:font script="Hans" typeface="宋体"/>
         <a:font script="Hant" typeface="新細明體"/>
         <a:font script="Arab" typeface="Times New Roman"/>
         <a:font script="Hebr" typeface="Times New Roman"/>
@@ -3797,12 +8066,12 @@
         <a:font script="Geor" typeface="Sylfaen"/>
       </a:majorFont>
       <a:minorFont>
-        <a:latin typeface="游ゴシック" panose="020F0502020204030204"/>
+        <a:latin typeface="Century Gothic" panose="020B0502020202020204"/>
         <a:ea typeface=""/>
         <a:cs typeface=""/>
-        <a:font script="Jpan" typeface="游ゴシック"/>
+        <a:font script="Jpan" typeface="メイリオ"/>
         <a:font script="Hang" typeface="맑은 고딕"/>
-        <a:font script="Hans" typeface="等线"/>
+        <a:font script="Hans" typeface="宋体"/>
         <a:font script="Hant" typeface="新細明體"/>
         <a:font script="Arab" typeface="Arial"/>
         <a:font script="Hebr" typeface="Arial"/>
@@ -3832,7 +8101,7 @@
         <a:font script="Geor" typeface="Sylfaen"/>
       </a:minorFont>
     </a:fontScheme>
-    <a:fmtScheme name="Office">
+    <a:fmtScheme name="イオン">
       <a:fillStyleLst>
         <a:solidFill>
           <a:schemeClr val="phClr"/>
@@ -3841,23 +8110,15 @@
           <a:gsLst>
             <a:gs pos="0">
               <a:schemeClr val="phClr">
-                <a:lumMod val="110000"/>
-                <a:satMod val="105000"/>
-                <a:tint val="67000"/>
-              </a:schemeClr>
-            </a:gs>
-            <a:gs pos="50000">
-              <a:schemeClr val="phClr">
-                <a:lumMod val="105000"/>
-                <a:satMod val="103000"/>
-                <a:tint val="73000"/>
+                <a:tint val="64000"/>
+                <a:lumMod val="118000"/>
               </a:schemeClr>
             </a:gs>
             <a:gs pos="100000">
               <a:schemeClr val="phClr">
-                <a:lumMod val="105000"/>
-                <a:satMod val="109000"/>
-                <a:tint val="81000"/>
+                <a:tint val="92000"/>
+                <a:alpha val="100000"/>
+                <a:lumMod val="110000"/>
               </a:schemeClr>
             </a:gs>
           </a:gsLst>
@@ -3867,23 +8128,14 @@
           <a:gsLst>
             <a:gs pos="0">
               <a:schemeClr val="phClr">
-                <a:satMod val="103000"/>
-                <a:lumMod val="102000"/>
-                <a:tint val="94000"/>
-              </a:schemeClr>
-            </a:gs>
-            <a:gs pos="50000">
-              <a:schemeClr val="phClr">
-                <a:satMod val="110000"/>
-                <a:lumMod val="100000"/>
-                <a:shade val="100000"/>
+                <a:tint val="98000"/>
+                <a:lumMod val="114000"/>
               </a:schemeClr>
             </a:gs>
             <a:gs pos="100000">
               <a:schemeClr val="phClr">
-                <a:lumMod val="99000"/>
-                <a:satMod val="120000"/>
-                <a:shade val="78000"/>
+                <a:shade val="90000"/>
+                <a:lumMod val="84000"/>
               </a:schemeClr>
             </a:gs>
           </a:gsLst>
@@ -3891,26 +8143,23 @@
         </a:gradFill>
       </a:fillStyleLst>
       <a:lnStyleLst>
-        <a:ln w="6350" cap="flat" cmpd="sng" algn="ctr">
+        <a:ln w="9525" cap="rnd" cmpd="sng" algn="ctr">
           <a:solidFill>
             <a:schemeClr val="phClr"/>
           </a:solidFill>
           <a:prstDash val="solid"/>
-          <a:miter lim="800000"/>
         </a:ln>
-        <a:ln w="12700" cap="flat" cmpd="sng" algn="ctr">
+        <a:ln w="19050" cap="rnd" cmpd="sng" algn="ctr">
           <a:solidFill>
             <a:schemeClr val="phClr"/>
           </a:solidFill>
           <a:prstDash val="solid"/>
-          <a:miter lim="800000"/>
         </a:ln>
-        <a:ln w="19050" cap="flat" cmpd="sng" algn="ctr">
+        <a:ln w="28575" cap="rnd" cmpd="sng" algn="ctr">
           <a:solidFill>
             <a:schemeClr val="phClr"/>
           </a:solidFill>
           <a:prstDash val="solid"/>
-          <a:miter lim="800000"/>
         </a:ln>
       </a:lnStyleLst>
       <a:effectStyleLst>
@@ -3918,55 +8167,80 @@
           <a:effectLst/>
         </a:effectStyle>
         <a:effectStyle>
-          <a:effectLst/>
+          <a:effectLst>
+            <a:outerShdw blurRad="38100" dist="25400" dir="5400000" rotWithShape="0">
+              <a:srgbClr val="000000">
+                <a:alpha val="45000"/>
+              </a:srgbClr>
+            </a:outerShdw>
+          </a:effectLst>
         </a:effectStyle>
         <a:effectStyle>
           <a:effectLst>
-            <a:outerShdw blurRad="57150" dist="19050" dir="5400000" algn="ctr" rotWithShape="0">
+            <a:outerShdw blurRad="63500" dist="38100" dir="5400000" rotWithShape="0">
               <a:srgbClr val="000000">
-                <a:alpha val="63000"/>
+                <a:alpha val="60000"/>
               </a:srgbClr>
             </a:outerShdw>
           </a:effectLst>
+          <a:scene3d>
+            <a:camera prst="orthographicFront">
+              <a:rot lat="0" lon="0" rev="0"/>
+            </a:camera>
+            <a:lightRig rig="threePt" dir="tl"/>
+          </a:scene3d>
+          <a:sp3d prstMaterial="plastic">
+            <a:bevelT w="0" h="0"/>
+          </a:sp3d>
         </a:effectStyle>
       </a:effectStyleLst>
       <a:bgFillStyleLst>
         <a:solidFill>
           <a:schemeClr val="phClr"/>
         </a:solidFill>
-        <a:solidFill>
-          <a:schemeClr val="phClr">
-            <a:tint val="95000"/>
-            <a:satMod val="170000"/>
-          </a:schemeClr>
-        </a:solidFill>
         <a:gradFill rotWithShape="1">
           <a:gsLst>
             <a:gs pos="0">
               <a:schemeClr val="phClr">
-                <a:tint val="93000"/>
-                <a:satMod val="150000"/>
-                <a:shade val="98000"/>
-                <a:lumMod val="102000"/>
-              </a:schemeClr>
-            </a:gs>
-            <a:gs pos="50000">
-              <a:schemeClr val="phClr">
-                <a:tint val="98000"/>
+                <a:tint val="97000"/>
+                <a:hueMod val="88000"/>
                 <a:satMod val="130000"/>
-                <a:shade val="90000"/>
-                <a:lumMod val="103000"/>
+                <a:lumMod val="124000"/>
               </a:schemeClr>
             </a:gs>
             <a:gs pos="100000">
               <a:schemeClr val="phClr">
-                <a:shade val="63000"/>
-                <a:satMod val="120000"/>
+                <a:tint val="96000"/>
+                <a:shade val="88000"/>
+                <a:hueMod val="108000"/>
+                <a:satMod val="164000"/>
+                <a:lumMod val="76000"/>
               </a:schemeClr>
             </a:gs>
           </a:gsLst>
-          <a:lin ang="5400000" scaled="0"/>
+          <a:path path="circle">
+            <a:fillToRect l="45000" t="65000" r="125000" b="100000"/>
+          </a:path>
         </a:gradFill>
+        <a:blipFill rotWithShape="1">
+          <a:blip xmlns:r="http://schemas.openxmlformats.org/officeDocument/2006/relationships" r:embed="rId1">
+            <a:duotone>
+              <a:schemeClr val="phClr">
+                <a:shade val="69000"/>
+                <a:hueMod val="108000"/>
+                <a:satMod val="164000"/>
+                <a:lumMod val="74000"/>
+              </a:schemeClr>
+              <a:schemeClr val="phClr">
+                <a:tint val="96000"/>
+                <a:hueMod val="88000"/>
+                <a:satMod val="140000"/>
+                <a:lumMod val="132000"/>
+              </a:schemeClr>
+            </a:duotone>
+          </a:blip>
+          <a:stretch/>
+        </a:blipFill>
       </a:bgFillStyleLst>
     </a:fmtScheme>
   </a:themeElements>
@@ -3974,7 +8248,7 @@
   <a:extraClrSchemeLst/>
   <a:extLst>
     <a:ext uri="{05A4C25C-085E-4340-85A3-A5531E510DB2}">
-      <thm15:themeFamily xmlns:thm15="http://schemas.microsoft.com/office/thememl/2012/main" name="Office Theme" id="{62F939B6-93AF-4DB8-9C6B-D6C7DFDC589F}" vid="{4A3C46E8-61CC-4603-A589-7422A47A8E4A}"/>
+      <thm15:themeFamily xmlns:thm15="http://schemas.microsoft.com/office/thememl/2012/main" name="Ion" id="{B8441ADB-2E43-4AF7-B97A-BD870242C6A8}" vid="{292E63A9-BB86-4E3D-B92A-7223C6510D2E}"/>
     </a:ext>
   </a:extLst>
 </a:theme>

--- a/ゲーム制作企画書.pptx
+++ b/ゲーム制作企画書.pptx
@@ -158,7 +158,7 @@
           </a:lstStyle>
           <a:p>
             <a:r>
-              <a:rPr lang="ja-JP" altLang="en-US" smtClean="0"/>
+              <a:rPr lang="ja-JP" altLang="en-US"/>
               <a:t>マスター タイトルの書式設定</a:t>
             </a:r>
             <a:endParaRPr lang="en-US" dirty="0"/>
@@ -278,7 +278,7 @@
           </a:lstStyle>
           <a:p>
             <a:r>
-              <a:rPr lang="ja-JP" altLang="en-US" smtClean="0"/>
+              <a:rPr lang="ja-JP" altLang="en-US"/>
               <a:t>マスター サブタイトルの書式設定</a:t>
             </a:r>
             <a:endParaRPr lang="en-US" dirty="0"/>
@@ -407,7 +407,7 @@
           </a:lstStyle>
           <a:p>
             <a:r>
-              <a:rPr lang="ja-JP" altLang="en-US" smtClean="0"/>
+              <a:rPr lang="ja-JP" altLang="en-US"/>
               <a:t>マスター タイトルの書式設定</a:t>
             </a:r>
             <a:endParaRPr lang="en-US" dirty="0"/>
@@ -486,7 +486,7 @@
           </a:lstStyle>
           <a:p>
             <a:r>
-              <a:rPr lang="ja-JP" altLang="en-US" smtClean="0"/>
+              <a:rPr lang="ja-JP" altLang="en-US"/>
               <a:t>図を追加</a:t>
             </a:r>
             <a:endParaRPr lang="en-US" dirty="0"/>
@@ -554,7 +554,7 @@
           <a:p>
             <a:pPr lvl="0"/>
             <a:r>
-              <a:rPr lang="ja-JP" altLang="en-US" smtClean="0"/>
+              <a:rPr lang="ja-JP" altLang="en-US"/>
               <a:t>マスター テキストの書式設定</a:t>
             </a:r>
           </a:p>
@@ -680,7 +680,7 @@
           </a:lstStyle>
           <a:p>
             <a:r>
-              <a:rPr lang="ja-JP" altLang="en-US" smtClean="0"/>
+              <a:rPr lang="ja-JP" altLang="en-US"/>
               <a:t>マスター タイトルの書式設定</a:t>
             </a:r>
             <a:endParaRPr lang="en-US" dirty="0"/>
@@ -748,7 +748,7 @@
           <a:p>
             <a:pPr lvl="0"/>
             <a:r>
-              <a:rPr lang="ja-JP" altLang="en-US" smtClean="0"/>
+              <a:rPr lang="ja-JP" altLang="en-US"/>
               <a:t>マスター テキストの書式設定</a:t>
             </a:r>
           </a:p>
@@ -874,7 +874,7 @@
           </a:lstStyle>
           <a:p>
             <a:r>
-              <a:rPr lang="ja-JP" altLang="en-US" smtClean="0"/>
+              <a:rPr lang="ja-JP" altLang="en-US"/>
               <a:t>マスター タイトルの書式設定</a:t>
             </a:r>
             <a:endParaRPr lang="en-US" dirty="0"/>
@@ -954,7 +954,7 @@
               <a:buNone/>
             </a:pPr>
             <a:r>
-              <a:rPr lang="ja-JP" altLang="en-US" smtClean="0"/>
+              <a:rPr lang="ja-JP" altLang="en-US"/>
               <a:t>マスター テキストの書式設定</a:t>
             </a:r>
           </a:p>
@@ -1021,7 +1021,7 @@
           <a:p>
             <a:pPr lvl="0"/>
             <a:r>
-              <a:rPr lang="ja-JP" altLang="en-US" smtClean="0"/>
+              <a:rPr lang="ja-JP" altLang="en-US"/>
               <a:t>マスター テキストの書式設定</a:t>
             </a:r>
           </a:p>
@@ -1241,7 +1241,7 @@
           </a:lstStyle>
           <a:p>
             <a:r>
-              <a:rPr lang="ja-JP" altLang="en-US" smtClean="0"/>
+              <a:rPr lang="ja-JP" altLang="en-US"/>
               <a:t>マスター タイトルの書式設定</a:t>
             </a:r>
             <a:endParaRPr lang="en-US" dirty="0"/>
@@ -1362,7 +1362,7 @@
           <a:p>
             <a:pPr lvl="0"/>
             <a:r>
-              <a:rPr lang="ja-JP" altLang="en-US" smtClean="0"/>
+              <a:rPr lang="ja-JP" altLang="en-US"/>
               <a:t>マスター テキストの書式設定</a:t>
             </a:r>
           </a:p>
@@ -1483,7 +1483,7 @@
           </a:lstStyle>
           <a:p>
             <a:r>
-              <a:rPr lang="ja-JP" altLang="en-US" smtClean="0"/>
+              <a:rPr lang="ja-JP" altLang="en-US"/>
               <a:t>マスター タイトルの書式設定</a:t>
             </a:r>
             <a:endParaRPr lang="en-US" dirty="0"/>
@@ -1558,7 +1558,7 @@
           <a:p>
             <a:pPr lvl="0"/>
             <a:r>
-              <a:rPr lang="ja-JP" altLang="en-US" smtClean="0"/>
+              <a:rPr lang="ja-JP" altLang="en-US"/>
               <a:t>マスター テキストの書式設定</a:t>
             </a:r>
           </a:p>
@@ -1625,7 +1625,7 @@
           <a:p>
             <a:pPr lvl="0"/>
             <a:r>
-              <a:rPr lang="ja-JP" altLang="en-US" smtClean="0"/>
+              <a:rPr lang="ja-JP" altLang="en-US"/>
               <a:t>マスター テキストの書式設定</a:t>
             </a:r>
           </a:p>
@@ -1699,7 +1699,7 @@
           <a:p>
             <a:pPr lvl="0"/>
             <a:r>
-              <a:rPr lang="ja-JP" altLang="en-US" smtClean="0"/>
+              <a:rPr lang="ja-JP" altLang="en-US"/>
               <a:t>マスター テキストの書式設定</a:t>
             </a:r>
           </a:p>
@@ -1766,7 +1766,7 @@
           <a:p>
             <a:pPr lvl="0"/>
             <a:r>
-              <a:rPr lang="ja-JP" altLang="en-US" smtClean="0"/>
+              <a:rPr lang="ja-JP" altLang="en-US"/>
               <a:t>マスター テキストの書式設定</a:t>
             </a:r>
           </a:p>
@@ -1840,7 +1840,7 @@
           <a:p>
             <a:pPr lvl="0"/>
             <a:r>
-              <a:rPr lang="ja-JP" altLang="en-US" smtClean="0"/>
+              <a:rPr lang="ja-JP" altLang="en-US"/>
               <a:t>マスター テキストの書式設定</a:t>
             </a:r>
           </a:p>
@@ -1907,7 +1907,7 @@
           <a:p>
             <a:pPr lvl="0"/>
             <a:r>
-              <a:rPr lang="ja-JP" altLang="en-US" smtClean="0"/>
+              <a:rPr lang="ja-JP" altLang="en-US"/>
               <a:t>マスター テキストの書式設定</a:t>
             </a:r>
           </a:p>
@@ -2106,7 +2106,7 @@
           </a:lstStyle>
           <a:p>
             <a:r>
-              <a:rPr lang="ja-JP" altLang="en-US" smtClean="0"/>
+              <a:rPr lang="ja-JP" altLang="en-US"/>
               <a:t>マスター タイトルの書式設定</a:t>
             </a:r>
             <a:endParaRPr lang="en-US" dirty="0"/>
@@ -2181,7 +2181,7 @@
           <a:p>
             <a:pPr lvl="0"/>
             <a:r>
-              <a:rPr lang="ja-JP" altLang="en-US" smtClean="0"/>
+              <a:rPr lang="ja-JP" altLang="en-US"/>
               <a:t>マスター テキストの書式設定</a:t>
             </a:r>
           </a:p>
@@ -2259,7 +2259,7 @@
           </a:lstStyle>
           <a:p>
             <a:r>
-              <a:rPr lang="ja-JP" altLang="en-US" smtClean="0"/>
+              <a:rPr lang="ja-JP" altLang="en-US"/>
               <a:t>図を追加</a:t>
             </a:r>
             <a:endParaRPr lang="en-US" dirty="0"/>
@@ -2327,7 +2327,7 @@
           <a:p>
             <a:pPr lvl="0"/>
             <a:r>
-              <a:rPr lang="ja-JP" altLang="en-US" smtClean="0"/>
+              <a:rPr lang="ja-JP" altLang="en-US"/>
               <a:t>マスター テキストの書式設定</a:t>
             </a:r>
           </a:p>
@@ -2401,7 +2401,7 @@
           <a:p>
             <a:pPr lvl="0"/>
             <a:r>
-              <a:rPr lang="ja-JP" altLang="en-US" smtClean="0"/>
+              <a:rPr lang="ja-JP" altLang="en-US"/>
               <a:t>マスター テキストの書式設定</a:t>
             </a:r>
           </a:p>
@@ -2479,7 +2479,7 @@
           </a:lstStyle>
           <a:p>
             <a:r>
-              <a:rPr lang="ja-JP" altLang="en-US" smtClean="0"/>
+              <a:rPr lang="ja-JP" altLang="en-US"/>
               <a:t>図を追加</a:t>
             </a:r>
             <a:endParaRPr lang="en-US" dirty="0"/>
@@ -2547,7 +2547,7 @@
           <a:p>
             <a:pPr lvl="0"/>
             <a:r>
-              <a:rPr lang="ja-JP" altLang="en-US" smtClean="0"/>
+              <a:rPr lang="ja-JP" altLang="en-US"/>
               <a:t>マスター テキストの書式設定</a:t>
             </a:r>
           </a:p>
@@ -2621,7 +2621,7 @@
           <a:p>
             <a:pPr lvl="0"/>
             <a:r>
-              <a:rPr lang="ja-JP" altLang="en-US" smtClean="0"/>
+              <a:rPr lang="ja-JP" altLang="en-US"/>
               <a:t>マスター テキストの書式設定</a:t>
             </a:r>
           </a:p>
@@ -2699,7 +2699,7 @@
           </a:lstStyle>
           <a:p>
             <a:r>
-              <a:rPr lang="ja-JP" altLang="en-US" smtClean="0"/>
+              <a:rPr lang="ja-JP" altLang="en-US"/>
               <a:t>図を追加</a:t>
             </a:r>
             <a:endParaRPr lang="en-US" dirty="0"/>
@@ -2767,7 +2767,7 @@
           <a:p>
             <a:pPr lvl="0"/>
             <a:r>
-              <a:rPr lang="ja-JP" altLang="en-US" smtClean="0"/>
+              <a:rPr lang="ja-JP" altLang="en-US"/>
               <a:t>マスター テキストの書式設定</a:t>
             </a:r>
           </a:p>
@@ -2962,7 +2962,7 @@
           <a:lstStyle/>
           <a:p>
             <a:r>
-              <a:rPr lang="ja-JP" altLang="en-US" smtClean="0"/>
+              <a:rPr lang="ja-JP" altLang="en-US"/>
               <a:t>マスター タイトルの書式設定</a:t>
             </a:r>
             <a:endParaRPr lang="en-US" dirty="0"/>
@@ -2986,67 +2986,67 @@
           <a:p>
             <a:pPr lvl="0"/>
             <a:r>
-              <a:rPr lang="ja-JP" altLang="en-US" smtClean="0"/>
+              <a:rPr lang="ja-JP" altLang="en-US"/>
               <a:t>マスター テキストの書式設定</a:t>
             </a:r>
           </a:p>
           <a:p>
             <a:pPr lvl="1"/>
             <a:r>
-              <a:rPr lang="ja-JP" altLang="en-US" smtClean="0"/>
+              <a:rPr lang="ja-JP" altLang="en-US"/>
               <a:t>第 </a:t>
             </a:r>
             <a:r>
-              <a:rPr lang="en-US" altLang="ja-JP" smtClean="0"/>
+              <a:rPr lang="en-US" altLang="ja-JP"/>
               <a:t>2 </a:t>
             </a:r>
             <a:r>
-              <a:rPr lang="ja-JP" altLang="en-US" smtClean="0"/>
+              <a:rPr lang="ja-JP" altLang="en-US"/>
               <a:t>レベル</a:t>
             </a:r>
           </a:p>
           <a:p>
             <a:pPr lvl="2"/>
             <a:r>
-              <a:rPr lang="ja-JP" altLang="en-US" smtClean="0"/>
+              <a:rPr lang="ja-JP" altLang="en-US"/>
               <a:t>第 </a:t>
             </a:r>
             <a:r>
-              <a:rPr lang="en-US" altLang="ja-JP" smtClean="0"/>
+              <a:rPr lang="en-US" altLang="ja-JP"/>
               <a:t>3 </a:t>
             </a:r>
             <a:r>
-              <a:rPr lang="ja-JP" altLang="en-US" smtClean="0"/>
+              <a:rPr lang="ja-JP" altLang="en-US"/>
               <a:t>レベル</a:t>
             </a:r>
           </a:p>
           <a:p>
             <a:pPr lvl="3"/>
             <a:r>
-              <a:rPr lang="ja-JP" altLang="en-US" smtClean="0"/>
+              <a:rPr lang="ja-JP" altLang="en-US"/>
               <a:t>第 </a:t>
             </a:r>
             <a:r>
-              <a:rPr lang="en-US" altLang="ja-JP" smtClean="0"/>
+              <a:rPr lang="en-US" altLang="ja-JP"/>
               <a:t>4 </a:t>
             </a:r>
             <a:r>
-              <a:rPr lang="ja-JP" altLang="en-US" smtClean="0"/>
+              <a:rPr lang="ja-JP" altLang="en-US"/>
               <a:t>レベル</a:t>
             </a:r>
           </a:p>
           <a:p>
             <a:pPr lvl="4"/>
             <a:r>
-              <a:rPr lang="ja-JP" altLang="en-US" smtClean="0"/>
+              <a:rPr lang="ja-JP" altLang="en-US"/>
               <a:t>第 </a:t>
             </a:r>
             <a:r>
-              <a:rPr lang="en-US" altLang="ja-JP" smtClean="0"/>
+              <a:rPr lang="en-US" altLang="ja-JP"/>
               <a:t>5 </a:t>
             </a:r>
             <a:r>
-              <a:rPr lang="ja-JP" altLang="en-US" smtClean="0"/>
+              <a:rPr lang="ja-JP" altLang="en-US"/>
               <a:t>レベル</a:t>
             </a:r>
             <a:endParaRPr lang="en-US" dirty="0"/>
@@ -3169,7 +3169,7 @@
           <a:lstStyle/>
           <a:p>
             <a:r>
-              <a:rPr lang="ja-JP" altLang="en-US" smtClean="0"/>
+              <a:rPr lang="ja-JP" altLang="en-US"/>
               <a:t>マスター タイトルの書式設定</a:t>
             </a:r>
             <a:endParaRPr lang="en-US" dirty="0"/>
@@ -3198,67 +3198,67 @@
           <a:p>
             <a:pPr lvl="0"/>
             <a:r>
-              <a:rPr lang="ja-JP" altLang="en-US" smtClean="0"/>
+              <a:rPr lang="ja-JP" altLang="en-US"/>
               <a:t>マスター テキストの書式設定</a:t>
             </a:r>
           </a:p>
           <a:p>
             <a:pPr lvl="1"/>
             <a:r>
-              <a:rPr lang="ja-JP" altLang="en-US" smtClean="0"/>
+              <a:rPr lang="ja-JP" altLang="en-US"/>
               <a:t>第 </a:t>
             </a:r>
             <a:r>
-              <a:rPr lang="en-US" altLang="ja-JP" smtClean="0"/>
+              <a:rPr lang="en-US" altLang="ja-JP"/>
               <a:t>2 </a:t>
             </a:r>
             <a:r>
-              <a:rPr lang="ja-JP" altLang="en-US" smtClean="0"/>
+              <a:rPr lang="ja-JP" altLang="en-US"/>
               <a:t>レベル</a:t>
             </a:r>
           </a:p>
           <a:p>
             <a:pPr lvl="2"/>
             <a:r>
-              <a:rPr lang="ja-JP" altLang="en-US" smtClean="0"/>
+              <a:rPr lang="ja-JP" altLang="en-US"/>
               <a:t>第 </a:t>
             </a:r>
             <a:r>
-              <a:rPr lang="en-US" altLang="ja-JP" smtClean="0"/>
+              <a:rPr lang="en-US" altLang="ja-JP"/>
               <a:t>3 </a:t>
             </a:r>
             <a:r>
-              <a:rPr lang="ja-JP" altLang="en-US" smtClean="0"/>
+              <a:rPr lang="ja-JP" altLang="en-US"/>
               <a:t>レベル</a:t>
             </a:r>
           </a:p>
           <a:p>
             <a:pPr lvl="3"/>
             <a:r>
-              <a:rPr lang="ja-JP" altLang="en-US" smtClean="0"/>
+              <a:rPr lang="ja-JP" altLang="en-US"/>
               <a:t>第 </a:t>
             </a:r>
             <a:r>
-              <a:rPr lang="en-US" altLang="ja-JP" smtClean="0"/>
+              <a:rPr lang="en-US" altLang="ja-JP"/>
               <a:t>4 </a:t>
             </a:r>
             <a:r>
-              <a:rPr lang="ja-JP" altLang="en-US" smtClean="0"/>
+              <a:rPr lang="ja-JP" altLang="en-US"/>
               <a:t>レベル</a:t>
             </a:r>
           </a:p>
           <a:p>
             <a:pPr lvl="4"/>
             <a:r>
-              <a:rPr lang="ja-JP" altLang="en-US" smtClean="0"/>
+              <a:rPr lang="ja-JP" altLang="en-US"/>
               <a:t>第 </a:t>
             </a:r>
             <a:r>
-              <a:rPr lang="en-US" altLang="ja-JP" smtClean="0"/>
+              <a:rPr lang="en-US" altLang="ja-JP"/>
               <a:t>5 </a:t>
             </a:r>
             <a:r>
-              <a:rPr lang="ja-JP" altLang="en-US" smtClean="0"/>
+              <a:rPr lang="ja-JP" altLang="en-US"/>
               <a:t>レベル</a:t>
             </a:r>
             <a:endParaRPr lang="en-US" dirty="0"/>
@@ -3376,7 +3376,7 @@
           <a:lstStyle/>
           <a:p>
             <a:r>
-              <a:rPr lang="ja-JP" altLang="en-US" smtClean="0"/>
+              <a:rPr lang="ja-JP" altLang="en-US"/>
               <a:t>マスター タイトルの書式設定</a:t>
             </a:r>
             <a:endParaRPr lang="en-US" dirty="0"/>
@@ -3400,67 +3400,67 @@
           <a:p>
             <a:pPr lvl="0"/>
             <a:r>
-              <a:rPr lang="ja-JP" altLang="en-US" smtClean="0"/>
+              <a:rPr lang="ja-JP" altLang="en-US"/>
               <a:t>マスター テキストの書式設定</a:t>
             </a:r>
           </a:p>
           <a:p>
             <a:pPr lvl="1"/>
             <a:r>
-              <a:rPr lang="ja-JP" altLang="en-US" smtClean="0"/>
+              <a:rPr lang="ja-JP" altLang="en-US"/>
               <a:t>第 </a:t>
             </a:r>
             <a:r>
-              <a:rPr lang="en-US" altLang="ja-JP" smtClean="0"/>
+              <a:rPr lang="en-US" altLang="ja-JP"/>
               <a:t>2 </a:t>
             </a:r>
             <a:r>
-              <a:rPr lang="ja-JP" altLang="en-US" smtClean="0"/>
+              <a:rPr lang="ja-JP" altLang="en-US"/>
               <a:t>レベル</a:t>
             </a:r>
           </a:p>
           <a:p>
             <a:pPr lvl="2"/>
             <a:r>
-              <a:rPr lang="ja-JP" altLang="en-US" smtClean="0"/>
+              <a:rPr lang="ja-JP" altLang="en-US"/>
               <a:t>第 </a:t>
             </a:r>
             <a:r>
-              <a:rPr lang="en-US" altLang="ja-JP" smtClean="0"/>
+              <a:rPr lang="en-US" altLang="ja-JP"/>
               <a:t>3 </a:t>
             </a:r>
             <a:r>
-              <a:rPr lang="ja-JP" altLang="en-US" smtClean="0"/>
+              <a:rPr lang="ja-JP" altLang="en-US"/>
               <a:t>レベル</a:t>
             </a:r>
           </a:p>
           <a:p>
             <a:pPr lvl="3"/>
             <a:r>
-              <a:rPr lang="ja-JP" altLang="en-US" smtClean="0"/>
+              <a:rPr lang="ja-JP" altLang="en-US"/>
               <a:t>第 </a:t>
             </a:r>
             <a:r>
-              <a:rPr lang="en-US" altLang="ja-JP" smtClean="0"/>
+              <a:rPr lang="en-US" altLang="ja-JP"/>
               <a:t>4 </a:t>
             </a:r>
             <a:r>
-              <a:rPr lang="ja-JP" altLang="en-US" smtClean="0"/>
+              <a:rPr lang="ja-JP" altLang="en-US"/>
               <a:t>レベル</a:t>
             </a:r>
           </a:p>
           <a:p>
             <a:pPr lvl="4"/>
             <a:r>
-              <a:rPr lang="ja-JP" altLang="en-US" smtClean="0"/>
+              <a:rPr lang="ja-JP" altLang="en-US"/>
               <a:t>第 </a:t>
             </a:r>
             <a:r>
-              <a:rPr lang="en-US" altLang="ja-JP" smtClean="0"/>
+              <a:rPr lang="en-US" altLang="ja-JP"/>
               <a:t>5 </a:t>
             </a:r>
             <a:r>
-              <a:rPr lang="ja-JP" altLang="en-US" smtClean="0"/>
+              <a:rPr lang="ja-JP" altLang="en-US"/>
               <a:t>レベル</a:t>
             </a:r>
             <a:endParaRPr lang="en-US" dirty="0"/>
@@ -3587,7 +3587,7 @@
           </a:lstStyle>
           <a:p>
             <a:r>
-              <a:rPr lang="ja-JP" altLang="en-US" smtClean="0"/>
+              <a:rPr lang="ja-JP" altLang="en-US"/>
               <a:t>マスター タイトルの書式設定</a:t>
             </a:r>
             <a:endParaRPr lang="en-US" dirty="0"/>
@@ -3708,7 +3708,7 @@
           <a:p>
             <a:pPr lvl="0"/>
             <a:r>
-              <a:rPr lang="ja-JP" altLang="en-US" smtClean="0"/>
+              <a:rPr lang="ja-JP" altLang="en-US"/>
               <a:t>マスター テキストの書式設定</a:t>
             </a:r>
           </a:p>
@@ -3825,7 +3825,7 @@
           <a:lstStyle/>
           <a:p>
             <a:r>
-              <a:rPr lang="ja-JP" altLang="en-US" smtClean="0"/>
+              <a:rPr lang="ja-JP" altLang="en-US"/>
               <a:t>マスター タイトルの書式設定</a:t>
             </a:r>
             <a:endParaRPr lang="en-US" dirty="0"/>
@@ -3884,67 +3884,67 @@
           <a:p>
             <a:pPr lvl="0"/>
             <a:r>
-              <a:rPr lang="ja-JP" altLang="en-US" smtClean="0"/>
+              <a:rPr lang="ja-JP" altLang="en-US"/>
               <a:t>マスター テキストの書式設定</a:t>
             </a:r>
           </a:p>
           <a:p>
             <a:pPr lvl="1"/>
             <a:r>
-              <a:rPr lang="ja-JP" altLang="en-US" smtClean="0"/>
+              <a:rPr lang="ja-JP" altLang="en-US"/>
               <a:t>第 </a:t>
             </a:r>
             <a:r>
-              <a:rPr lang="en-US" altLang="ja-JP" smtClean="0"/>
+              <a:rPr lang="en-US" altLang="ja-JP"/>
               <a:t>2 </a:t>
             </a:r>
             <a:r>
-              <a:rPr lang="ja-JP" altLang="en-US" smtClean="0"/>
+              <a:rPr lang="ja-JP" altLang="en-US"/>
               <a:t>レベル</a:t>
             </a:r>
           </a:p>
           <a:p>
             <a:pPr lvl="2"/>
             <a:r>
-              <a:rPr lang="ja-JP" altLang="en-US" smtClean="0"/>
+              <a:rPr lang="ja-JP" altLang="en-US"/>
               <a:t>第 </a:t>
             </a:r>
             <a:r>
-              <a:rPr lang="en-US" altLang="ja-JP" smtClean="0"/>
+              <a:rPr lang="en-US" altLang="ja-JP"/>
               <a:t>3 </a:t>
             </a:r>
             <a:r>
-              <a:rPr lang="ja-JP" altLang="en-US" smtClean="0"/>
+              <a:rPr lang="ja-JP" altLang="en-US"/>
               <a:t>レベル</a:t>
             </a:r>
           </a:p>
           <a:p>
             <a:pPr lvl="3"/>
             <a:r>
-              <a:rPr lang="ja-JP" altLang="en-US" smtClean="0"/>
+              <a:rPr lang="ja-JP" altLang="en-US"/>
               <a:t>第 </a:t>
             </a:r>
             <a:r>
-              <a:rPr lang="en-US" altLang="ja-JP" smtClean="0"/>
+              <a:rPr lang="en-US" altLang="ja-JP"/>
               <a:t>4 </a:t>
             </a:r>
             <a:r>
-              <a:rPr lang="ja-JP" altLang="en-US" smtClean="0"/>
+              <a:rPr lang="ja-JP" altLang="en-US"/>
               <a:t>レベル</a:t>
             </a:r>
           </a:p>
           <a:p>
             <a:pPr lvl="4"/>
             <a:r>
-              <a:rPr lang="ja-JP" altLang="en-US" smtClean="0"/>
+              <a:rPr lang="ja-JP" altLang="en-US"/>
               <a:t>第 </a:t>
             </a:r>
             <a:r>
-              <a:rPr lang="en-US" altLang="ja-JP" smtClean="0"/>
+              <a:rPr lang="en-US" altLang="ja-JP"/>
               <a:t>5 </a:t>
             </a:r>
             <a:r>
-              <a:rPr lang="ja-JP" altLang="en-US" smtClean="0"/>
+              <a:rPr lang="ja-JP" altLang="en-US"/>
               <a:t>レベル</a:t>
             </a:r>
             <a:endParaRPr lang="en-US" dirty="0"/>
@@ -4003,67 +4003,67 @@
           <a:p>
             <a:pPr lvl="0"/>
             <a:r>
-              <a:rPr lang="ja-JP" altLang="en-US" smtClean="0"/>
+              <a:rPr lang="ja-JP" altLang="en-US"/>
               <a:t>マスター テキストの書式設定</a:t>
             </a:r>
           </a:p>
           <a:p>
             <a:pPr lvl="1"/>
             <a:r>
-              <a:rPr lang="ja-JP" altLang="en-US" smtClean="0"/>
+              <a:rPr lang="ja-JP" altLang="en-US"/>
               <a:t>第 </a:t>
             </a:r>
             <a:r>
-              <a:rPr lang="en-US" altLang="ja-JP" smtClean="0"/>
+              <a:rPr lang="en-US" altLang="ja-JP"/>
               <a:t>2 </a:t>
             </a:r>
             <a:r>
-              <a:rPr lang="ja-JP" altLang="en-US" smtClean="0"/>
+              <a:rPr lang="ja-JP" altLang="en-US"/>
               <a:t>レベル</a:t>
             </a:r>
           </a:p>
           <a:p>
             <a:pPr lvl="2"/>
             <a:r>
-              <a:rPr lang="ja-JP" altLang="en-US" smtClean="0"/>
+              <a:rPr lang="ja-JP" altLang="en-US"/>
               <a:t>第 </a:t>
             </a:r>
             <a:r>
-              <a:rPr lang="en-US" altLang="ja-JP" smtClean="0"/>
+              <a:rPr lang="en-US" altLang="ja-JP"/>
               <a:t>3 </a:t>
             </a:r>
             <a:r>
-              <a:rPr lang="ja-JP" altLang="en-US" smtClean="0"/>
+              <a:rPr lang="ja-JP" altLang="en-US"/>
               <a:t>レベル</a:t>
             </a:r>
           </a:p>
           <a:p>
             <a:pPr lvl="3"/>
             <a:r>
-              <a:rPr lang="ja-JP" altLang="en-US" smtClean="0"/>
+              <a:rPr lang="ja-JP" altLang="en-US"/>
               <a:t>第 </a:t>
             </a:r>
             <a:r>
-              <a:rPr lang="en-US" altLang="ja-JP" smtClean="0"/>
+              <a:rPr lang="en-US" altLang="ja-JP"/>
               <a:t>4 </a:t>
             </a:r>
             <a:r>
-              <a:rPr lang="ja-JP" altLang="en-US" smtClean="0"/>
+              <a:rPr lang="ja-JP" altLang="en-US"/>
               <a:t>レベル</a:t>
             </a:r>
           </a:p>
           <a:p>
             <a:pPr lvl="4"/>
             <a:r>
-              <a:rPr lang="ja-JP" altLang="en-US" smtClean="0"/>
+              <a:rPr lang="ja-JP" altLang="en-US"/>
               <a:t>第 </a:t>
             </a:r>
             <a:r>
-              <a:rPr lang="en-US" altLang="ja-JP" smtClean="0"/>
+              <a:rPr lang="en-US" altLang="ja-JP"/>
               <a:t>5 </a:t>
             </a:r>
             <a:r>
-              <a:rPr lang="ja-JP" altLang="en-US" smtClean="0"/>
+              <a:rPr lang="ja-JP" altLang="en-US"/>
               <a:t>レベル</a:t>
             </a:r>
             <a:endParaRPr lang="en-US" dirty="0"/>
@@ -4185,7 +4185,7 @@
           </a:lstStyle>
           <a:p>
             <a:r>
-              <a:rPr lang="ja-JP" altLang="en-US" smtClean="0"/>
+              <a:rPr lang="ja-JP" altLang="en-US"/>
               <a:t>マスター タイトルの書式設定</a:t>
             </a:r>
             <a:endParaRPr lang="en-US" dirty="0"/>
@@ -4260,7 +4260,7 @@
           <a:p>
             <a:pPr lvl="0"/>
             <a:r>
-              <a:rPr lang="ja-JP" altLang="en-US" smtClean="0"/>
+              <a:rPr lang="ja-JP" altLang="en-US"/>
               <a:t>マスター テキストの書式設定</a:t>
             </a:r>
           </a:p>
@@ -4318,67 +4318,67 @@
           <a:p>
             <a:pPr lvl="0"/>
             <a:r>
-              <a:rPr lang="ja-JP" altLang="en-US" smtClean="0"/>
+              <a:rPr lang="ja-JP" altLang="en-US"/>
               <a:t>マスター テキストの書式設定</a:t>
             </a:r>
           </a:p>
           <a:p>
             <a:pPr lvl="1"/>
             <a:r>
-              <a:rPr lang="ja-JP" altLang="en-US" smtClean="0"/>
+              <a:rPr lang="ja-JP" altLang="en-US"/>
               <a:t>第 </a:t>
             </a:r>
             <a:r>
-              <a:rPr lang="en-US" altLang="ja-JP" smtClean="0"/>
+              <a:rPr lang="en-US" altLang="ja-JP"/>
               <a:t>2 </a:t>
             </a:r>
             <a:r>
-              <a:rPr lang="ja-JP" altLang="en-US" smtClean="0"/>
+              <a:rPr lang="ja-JP" altLang="en-US"/>
               <a:t>レベル</a:t>
             </a:r>
           </a:p>
           <a:p>
             <a:pPr lvl="2"/>
             <a:r>
-              <a:rPr lang="ja-JP" altLang="en-US" smtClean="0"/>
+              <a:rPr lang="ja-JP" altLang="en-US"/>
               <a:t>第 </a:t>
             </a:r>
             <a:r>
-              <a:rPr lang="en-US" altLang="ja-JP" smtClean="0"/>
+              <a:rPr lang="en-US" altLang="ja-JP"/>
               <a:t>3 </a:t>
             </a:r>
             <a:r>
-              <a:rPr lang="ja-JP" altLang="en-US" smtClean="0"/>
+              <a:rPr lang="ja-JP" altLang="en-US"/>
               <a:t>レベル</a:t>
             </a:r>
           </a:p>
           <a:p>
             <a:pPr lvl="3"/>
             <a:r>
-              <a:rPr lang="ja-JP" altLang="en-US" smtClean="0"/>
+              <a:rPr lang="ja-JP" altLang="en-US"/>
               <a:t>第 </a:t>
             </a:r>
             <a:r>
-              <a:rPr lang="en-US" altLang="ja-JP" smtClean="0"/>
+              <a:rPr lang="en-US" altLang="ja-JP"/>
               <a:t>4 </a:t>
             </a:r>
             <a:r>
-              <a:rPr lang="ja-JP" altLang="en-US" smtClean="0"/>
+              <a:rPr lang="ja-JP" altLang="en-US"/>
               <a:t>レベル</a:t>
             </a:r>
           </a:p>
           <a:p>
             <a:pPr lvl="4"/>
             <a:r>
-              <a:rPr lang="ja-JP" altLang="en-US" smtClean="0"/>
+              <a:rPr lang="ja-JP" altLang="en-US"/>
               <a:t>第 </a:t>
             </a:r>
             <a:r>
-              <a:rPr lang="en-US" altLang="ja-JP" smtClean="0"/>
+              <a:rPr lang="en-US" altLang="ja-JP"/>
               <a:t>5 </a:t>
             </a:r>
             <a:r>
-              <a:rPr lang="ja-JP" altLang="en-US" smtClean="0"/>
+              <a:rPr lang="ja-JP" altLang="en-US"/>
               <a:t>レベル</a:t>
             </a:r>
             <a:endParaRPr lang="en-US" dirty="0"/>
@@ -4453,7 +4453,7 @@
           <a:p>
             <a:pPr lvl="0"/>
             <a:r>
-              <a:rPr lang="ja-JP" altLang="en-US" smtClean="0"/>
+              <a:rPr lang="ja-JP" altLang="en-US"/>
               <a:t>マスター テキストの書式設定</a:t>
             </a:r>
           </a:p>
@@ -4511,67 +4511,67 @@
           <a:p>
             <a:pPr lvl="0"/>
             <a:r>
-              <a:rPr lang="ja-JP" altLang="en-US" smtClean="0"/>
+              <a:rPr lang="ja-JP" altLang="en-US"/>
               <a:t>マスター テキストの書式設定</a:t>
             </a:r>
           </a:p>
           <a:p>
             <a:pPr lvl="1"/>
             <a:r>
-              <a:rPr lang="ja-JP" altLang="en-US" smtClean="0"/>
+              <a:rPr lang="ja-JP" altLang="en-US"/>
               <a:t>第 </a:t>
             </a:r>
             <a:r>
-              <a:rPr lang="en-US" altLang="ja-JP" smtClean="0"/>
+              <a:rPr lang="en-US" altLang="ja-JP"/>
               <a:t>2 </a:t>
             </a:r>
             <a:r>
-              <a:rPr lang="ja-JP" altLang="en-US" smtClean="0"/>
+              <a:rPr lang="ja-JP" altLang="en-US"/>
               <a:t>レベル</a:t>
             </a:r>
           </a:p>
           <a:p>
             <a:pPr lvl="2"/>
             <a:r>
-              <a:rPr lang="ja-JP" altLang="en-US" smtClean="0"/>
+              <a:rPr lang="ja-JP" altLang="en-US"/>
               <a:t>第 </a:t>
             </a:r>
             <a:r>
-              <a:rPr lang="en-US" altLang="ja-JP" smtClean="0"/>
+              <a:rPr lang="en-US" altLang="ja-JP"/>
               <a:t>3 </a:t>
             </a:r>
             <a:r>
-              <a:rPr lang="ja-JP" altLang="en-US" smtClean="0"/>
+              <a:rPr lang="ja-JP" altLang="en-US"/>
               <a:t>レベル</a:t>
             </a:r>
           </a:p>
           <a:p>
             <a:pPr lvl="3"/>
             <a:r>
-              <a:rPr lang="ja-JP" altLang="en-US" smtClean="0"/>
+              <a:rPr lang="ja-JP" altLang="en-US"/>
               <a:t>第 </a:t>
             </a:r>
             <a:r>
-              <a:rPr lang="en-US" altLang="ja-JP" smtClean="0"/>
+              <a:rPr lang="en-US" altLang="ja-JP"/>
               <a:t>4 </a:t>
             </a:r>
             <a:r>
-              <a:rPr lang="ja-JP" altLang="en-US" smtClean="0"/>
+              <a:rPr lang="ja-JP" altLang="en-US"/>
               <a:t>レベル</a:t>
             </a:r>
           </a:p>
           <a:p>
             <a:pPr lvl="4"/>
             <a:r>
-              <a:rPr lang="ja-JP" altLang="en-US" smtClean="0"/>
+              <a:rPr lang="ja-JP" altLang="en-US"/>
               <a:t>第 </a:t>
             </a:r>
             <a:r>
-              <a:rPr lang="en-US" altLang="ja-JP" smtClean="0"/>
+              <a:rPr lang="en-US" altLang="ja-JP"/>
               <a:t>5 </a:t>
             </a:r>
             <a:r>
-              <a:rPr lang="ja-JP" altLang="en-US" smtClean="0"/>
+              <a:rPr lang="ja-JP" altLang="en-US"/>
               <a:t>レベル</a:t>
             </a:r>
             <a:endParaRPr lang="en-US" dirty="0"/>
@@ -4689,7 +4689,7 @@
           <a:lstStyle/>
           <a:p>
             <a:r>
-              <a:rPr lang="ja-JP" altLang="en-US" smtClean="0"/>
+              <a:rPr lang="ja-JP" altLang="en-US"/>
               <a:t>マスター タイトルの書式設定</a:t>
             </a:r>
             <a:endParaRPr lang="en-US" dirty="0"/>
@@ -4911,7 +4911,7 @@
           </a:lstStyle>
           <a:p>
             <a:r>
-              <a:rPr lang="ja-JP" altLang="en-US" smtClean="0"/>
+              <a:rPr lang="ja-JP" altLang="en-US"/>
               <a:t>マスター タイトルの書式設定</a:t>
             </a:r>
             <a:endParaRPr lang="en-US" dirty="0"/>
@@ -4970,67 +4970,67 @@
           <a:p>
             <a:pPr lvl="0"/>
             <a:r>
-              <a:rPr lang="ja-JP" altLang="en-US" smtClean="0"/>
+              <a:rPr lang="ja-JP" altLang="en-US"/>
               <a:t>マスター テキストの書式設定</a:t>
             </a:r>
           </a:p>
           <a:p>
             <a:pPr lvl="1"/>
             <a:r>
-              <a:rPr lang="ja-JP" altLang="en-US" smtClean="0"/>
+              <a:rPr lang="ja-JP" altLang="en-US"/>
               <a:t>第 </a:t>
             </a:r>
             <a:r>
-              <a:rPr lang="en-US" altLang="ja-JP" smtClean="0"/>
+              <a:rPr lang="en-US" altLang="ja-JP"/>
               <a:t>2 </a:t>
             </a:r>
             <a:r>
-              <a:rPr lang="ja-JP" altLang="en-US" smtClean="0"/>
+              <a:rPr lang="ja-JP" altLang="en-US"/>
               <a:t>レベル</a:t>
             </a:r>
           </a:p>
           <a:p>
             <a:pPr lvl="2"/>
             <a:r>
-              <a:rPr lang="ja-JP" altLang="en-US" smtClean="0"/>
+              <a:rPr lang="ja-JP" altLang="en-US"/>
               <a:t>第 </a:t>
             </a:r>
             <a:r>
-              <a:rPr lang="en-US" altLang="ja-JP" smtClean="0"/>
+              <a:rPr lang="en-US" altLang="ja-JP"/>
               <a:t>3 </a:t>
             </a:r>
             <a:r>
-              <a:rPr lang="ja-JP" altLang="en-US" smtClean="0"/>
+              <a:rPr lang="ja-JP" altLang="en-US"/>
               <a:t>レベル</a:t>
             </a:r>
           </a:p>
           <a:p>
             <a:pPr lvl="3"/>
             <a:r>
-              <a:rPr lang="ja-JP" altLang="en-US" smtClean="0"/>
+              <a:rPr lang="ja-JP" altLang="en-US"/>
               <a:t>第 </a:t>
             </a:r>
             <a:r>
-              <a:rPr lang="en-US" altLang="ja-JP" smtClean="0"/>
+              <a:rPr lang="en-US" altLang="ja-JP"/>
               <a:t>4 </a:t>
             </a:r>
             <a:r>
-              <a:rPr lang="ja-JP" altLang="en-US" smtClean="0"/>
+              <a:rPr lang="ja-JP" altLang="en-US"/>
               <a:t>レベル</a:t>
             </a:r>
           </a:p>
           <a:p>
             <a:pPr lvl="4"/>
             <a:r>
-              <a:rPr lang="ja-JP" altLang="en-US" smtClean="0"/>
+              <a:rPr lang="ja-JP" altLang="en-US"/>
               <a:t>第 </a:t>
             </a:r>
             <a:r>
-              <a:rPr lang="en-US" altLang="ja-JP" smtClean="0"/>
+              <a:rPr lang="en-US" altLang="ja-JP"/>
               <a:t>5 </a:t>
             </a:r>
             <a:r>
-              <a:rPr lang="ja-JP" altLang="en-US" smtClean="0"/>
+              <a:rPr lang="ja-JP" altLang="en-US"/>
               <a:t>レベル</a:t>
             </a:r>
             <a:endParaRPr lang="en-US" dirty="0"/>
@@ -5096,7 +5096,7 @@
           <a:p>
             <a:pPr lvl="0"/>
             <a:r>
-              <a:rPr lang="ja-JP" altLang="en-US" smtClean="0"/>
+              <a:rPr lang="ja-JP" altLang="en-US"/>
               <a:t>マスター テキストの書式設定</a:t>
             </a:r>
           </a:p>
@@ -5224,7 +5224,7 @@
           </a:lstStyle>
           <a:p>
             <a:r>
-              <a:rPr lang="ja-JP" altLang="en-US" smtClean="0"/>
+              <a:rPr lang="ja-JP" altLang="en-US"/>
               <a:t>マスター タイトルの書式設定</a:t>
             </a:r>
             <a:endParaRPr lang="en-US" dirty="0"/>
@@ -5303,7 +5303,7 @@
           </a:lstStyle>
           <a:p>
             <a:r>
-              <a:rPr lang="ja-JP" altLang="en-US" smtClean="0"/>
+              <a:rPr lang="ja-JP" altLang="en-US"/>
               <a:t>図を追加</a:t>
             </a:r>
             <a:endParaRPr lang="en-US" dirty="0"/>
@@ -5371,7 +5371,7 @@
           <a:p>
             <a:pPr lvl="0"/>
             <a:r>
-              <a:rPr lang="ja-JP" altLang="en-US" smtClean="0"/>
+              <a:rPr lang="ja-JP" altLang="en-US"/>
               <a:t>マスター テキストの書式設定</a:t>
             </a:r>
           </a:p>
@@ -5718,7 +5718,7 @@
           <a:lstStyle/>
           <a:p>
             <a:r>
-              <a:rPr lang="ja-JP" altLang="en-US" smtClean="0"/>
+              <a:rPr lang="ja-JP" altLang="en-US"/>
               <a:t>マスター タイトルの書式設定</a:t>
             </a:r>
             <a:endParaRPr lang="en-US" dirty="0"/>
@@ -5752,67 +5752,67 @@
           <a:p>
             <a:pPr lvl="0"/>
             <a:r>
-              <a:rPr lang="ja-JP" altLang="en-US" smtClean="0"/>
+              <a:rPr lang="ja-JP" altLang="en-US"/>
               <a:t>マスター テキストの書式設定</a:t>
             </a:r>
           </a:p>
           <a:p>
             <a:pPr lvl="1"/>
             <a:r>
-              <a:rPr lang="ja-JP" altLang="en-US" smtClean="0"/>
+              <a:rPr lang="ja-JP" altLang="en-US"/>
               <a:t>第 </a:t>
             </a:r>
             <a:r>
-              <a:rPr lang="en-US" altLang="ja-JP" smtClean="0"/>
+              <a:rPr lang="en-US" altLang="ja-JP"/>
               <a:t>2 </a:t>
             </a:r>
             <a:r>
-              <a:rPr lang="ja-JP" altLang="en-US" smtClean="0"/>
+              <a:rPr lang="ja-JP" altLang="en-US"/>
               <a:t>レベル</a:t>
             </a:r>
           </a:p>
           <a:p>
             <a:pPr lvl="2"/>
             <a:r>
-              <a:rPr lang="ja-JP" altLang="en-US" smtClean="0"/>
+              <a:rPr lang="ja-JP" altLang="en-US"/>
               <a:t>第 </a:t>
             </a:r>
             <a:r>
-              <a:rPr lang="en-US" altLang="ja-JP" smtClean="0"/>
+              <a:rPr lang="en-US" altLang="ja-JP"/>
               <a:t>3 </a:t>
             </a:r>
             <a:r>
-              <a:rPr lang="ja-JP" altLang="en-US" smtClean="0"/>
+              <a:rPr lang="ja-JP" altLang="en-US"/>
               <a:t>レベル</a:t>
             </a:r>
           </a:p>
           <a:p>
             <a:pPr lvl="3"/>
             <a:r>
-              <a:rPr lang="ja-JP" altLang="en-US" smtClean="0"/>
+              <a:rPr lang="ja-JP" altLang="en-US"/>
               <a:t>第 </a:t>
             </a:r>
             <a:r>
-              <a:rPr lang="en-US" altLang="ja-JP" smtClean="0"/>
+              <a:rPr lang="en-US" altLang="ja-JP"/>
               <a:t>4 </a:t>
             </a:r>
             <a:r>
-              <a:rPr lang="ja-JP" altLang="en-US" smtClean="0"/>
+              <a:rPr lang="ja-JP" altLang="en-US"/>
               <a:t>レベル</a:t>
             </a:r>
           </a:p>
           <a:p>
             <a:pPr lvl="4"/>
             <a:r>
-              <a:rPr lang="ja-JP" altLang="en-US" smtClean="0"/>
+              <a:rPr lang="ja-JP" altLang="en-US"/>
               <a:t>第 </a:t>
             </a:r>
             <a:r>
-              <a:rPr lang="en-US" altLang="ja-JP" smtClean="0"/>
+              <a:rPr lang="en-US" altLang="ja-JP"/>
               <a:t>5 </a:t>
             </a:r>
             <a:r>
-              <a:rPr lang="ja-JP" altLang="en-US" smtClean="0"/>
+              <a:rPr lang="ja-JP" altLang="en-US"/>
               <a:t>レベル</a:t>
             </a:r>
             <a:endParaRPr lang="en-US" dirty="0"/>
@@ -6404,16 +6404,12 @@
           <a:lstStyle/>
           <a:p>
             <a:r>
-              <a:rPr lang="en-US" altLang="ja-JP" dirty="0" smtClean="0"/>
+              <a:rPr lang="en-US" altLang="ja-JP" dirty="0"/>
               <a:t>The</a:t>
             </a:r>
             <a:r>
               <a:rPr lang="ja-JP" altLang="en-US" dirty="0"/>
-              <a:t> </a:t>
-            </a:r>
-            <a:r>
-              <a:rPr lang="ja-JP" altLang="en-US" dirty="0" smtClean="0"/>
-              <a:t>防衛</a:t>
+              <a:t> 防衛</a:t>
             </a:r>
             <a:endParaRPr kumimoji="1" lang="ja-JP" altLang="en-US" dirty="0"/>
           </a:p>
@@ -6440,14 +6436,9 @@
           <a:lstStyle/>
           <a:p>
             <a:r>
-              <a:rPr kumimoji="1" lang="ja-JP" altLang="en-US" dirty="0" smtClean="0"/>
-              <a:t>企画者　愛甲</a:t>
-            </a:r>
-            <a:r>
-              <a:rPr kumimoji="1" lang="ja-JP" altLang="en-US" dirty="0" smtClean="0"/>
-              <a:t>　祥大</a:t>
-            </a:r>
-            <a:endParaRPr kumimoji="1" lang="ja-JP" altLang="en-US" dirty="0"/>
+              <a:rPr kumimoji="1" lang="ja-JP" altLang="en-US" dirty="0"/>
+              <a:t>企画者　愛甲　祥大</a:t>
+            </a:r>
           </a:p>
         </p:txBody>
       </p:sp>
@@ -6474,61 +6465,57 @@
           <a:lstStyle/>
           <a:p>
             <a:r>
-              <a:rPr kumimoji="1" lang="ja-JP" altLang="en-US" dirty="0" smtClean="0"/>
+              <a:rPr kumimoji="1" lang="ja-JP" altLang="en-US" dirty="0"/>
               <a:t>エンジン：</a:t>
             </a:r>
             <a:r>
-              <a:rPr kumimoji="1" lang="en-US" altLang="ja-JP" dirty="0" smtClean="0"/>
+              <a:rPr kumimoji="1" lang="en-US" altLang="ja-JP" dirty="0"/>
               <a:t>Unreal Engine5</a:t>
             </a:r>
           </a:p>
           <a:p>
             <a:r>
-              <a:rPr lang="ja-JP" altLang="en-US" dirty="0" smtClean="0"/>
+              <a:rPr lang="ja-JP" altLang="en-US" dirty="0"/>
               <a:t>プラットフォーム：</a:t>
             </a:r>
             <a:r>
-              <a:rPr lang="en-US" altLang="ja-JP" dirty="0" smtClean="0"/>
+              <a:rPr lang="en-US" altLang="ja-JP" dirty="0"/>
               <a:t>PC</a:t>
             </a:r>
           </a:p>
           <a:p>
             <a:r>
-              <a:rPr kumimoji="1" lang="ja-JP" altLang="en-US" dirty="0" smtClean="0"/>
+              <a:rPr kumimoji="1" lang="ja-JP" altLang="en-US" dirty="0"/>
               <a:t>ジャンル：</a:t>
             </a:r>
             <a:r>
-              <a:rPr kumimoji="1" lang="en-US" altLang="ja-JP" dirty="0" smtClean="0"/>
+              <a:rPr kumimoji="1" lang="en-US" altLang="ja-JP" dirty="0"/>
               <a:t>FPS</a:t>
             </a:r>
             <a:r>
-              <a:rPr kumimoji="1" lang="ja-JP" altLang="en-US" dirty="0" smtClean="0"/>
+              <a:rPr kumimoji="1" lang="ja-JP" altLang="en-US" dirty="0"/>
               <a:t>シューティング</a:t>
             </a:r>
             <a:r>
-              <a:rPr lang="ja-JP" altLang="en-US" dirty="0" smtClean="0"/>
+              <a:rPr lang="ja-JP" altLang="en-US" dirty="0"/>
               <a:t>、タワーディフェンス</a:t>
             </a:r>
-            <a:endParaRPr kumimoji="1" lang="en-US" altLang="ja-JP" dirty="0" smtClean="0"/>
+            <a:endParaRPr kumimoji="1" lang="en-US" altLang="ja-JP" dirty="0"/>
           </a:p>
           <a:p>
             <a:r>
               <a:rPr lang="ja-JP" altLang="en-US" dirty="0"/>
-              <a:t>プレイ</a:t>
-            </a:r>
-            <a:r>
-              <a:rPr lang="ja-JP" altLang="en-US" dirty="0" smtClean="0"/>
-              <a:t>人数：</a:t>
-            </a:r>
-            <a:r>
-              <a:rPr lang="en-US" altLang="ja-JP" dirty="0" smtClean="0"/>
+              <a:t>プレイ人数：</a:t>
+            </a:r>
+            <a:r>
+              <a:rPr lang="en-US" altLang="ja-JP" dirty="0"/>
               <a:t>1</a:t>
             </a:r>
             <a:r>
-              <a:rPr lang="ja-JP" altLang="en-US" dirty="0" smtClean="0"/>
+              <a:rPr lang="ja-JP" altLang="en-US" dirty="0"/>
               <a:t>人</a:t>
             </a:r>
-            <a:endParaRPr kumimoji="1" lang="en-US" altLang="ja-JP" dirty="0" smtClean="0"/>
+            <a:endParaRPr kumimoji="1" lang="en-US" altLang="ja-JP" dirty="0"/>
           </a:p>
         </p:txBody>
       </p:sp>
@@ -6578,10 +6565,9 @@
           <a:lstStyle/>
           <a:p>
             <a:r>
-              <a:rPr kumimoji="1" lang="ja-JP" altLang="en-US" dirty="0" smtClean="0"/>
+              <a:rPr kumimoji="1" lang="ja-JP" altLang="en-US" dirty="0"/>
               <a:t>コンセプト</a:t>
             </a:r>
-            <a:endParaRPr kumimoji="1" lang="ja-JP" altLang="en-US" dirty="0"/>
           </a:p>
         </p:txBody>
       </p:sp>
@@ -6606,22 +6592,9 @@
           <a:lstStyle/>
           <a:p>
             <a:r>
-              <a:rPr kumimoji="1" lang="ja-JP" altLang="en-US" dirty="0" smtClean="0"/>
-              <a:t>弾も味方も</a:t>
-            </a:r>
-            <a:r>
-              <a:rPr kumimoji="1" lang="ja-JP" altLang="en-US" dirty="0" smtClean="0"/>
-              <a:t>失っていく状況</a:t>
-            </a:r>
-            <a:r>
-              <a:rPr kumimoji="1" lang="ja-JP" altLang="en-US" dirty="0" smtClean="0"/>
-              <a:t>であるものすべてを使って耐えていく</a:t>
-            </a:r>
-            <a:r>
-              <a:rPr kumimoji="1" lang="ja-JP" altLang="en-US" dirty="0" smtClean="0"/>
-              <a:t>。</a:t>
-            </a:r>
-            <a:endParaRPr kumimoji="1" lang="ja-JP" altLang="en-US" dirty="0"/>
+              <a:rPr kumimoji="1" lang="ja-JP" altLang="en-US" dirty="0"/>
+              <a:t>弾も味方も失っていく状況であるものすべてを使って耐えていく。</a:t>
+            </a:r>
           </a:p>
         </p:txBody>
       </p:sp>
@@ -6667,10 +6640,9 @@
           </a:lstStyle>
           <a:p>
             <a:r>
-              <a:rPr lang="ja-JP" altLang="en-US" dirty="0" smtClean="0"/>
+              <a:rPr lang="ja-JP" altLang="en-US" dirty="0"/>
               <a:t>概要</a:t>
             </a:r>
-            <a:endParaRPr lang="ja-JP" altLang="en-US" dirty="0"/>
           </a:p>
         </p:txBody>
       </p:sp>
@@ -6861,20 +6833,20 @@
           </a:lstStyle>
           <a:p>
             <a:r>
-              <a:rPr lang="ja-JP" altLang="en-US" dirty="0" smtClean="0"/>
+              <a:rPr lang="ja-JP" altLang="en-US" dirty="0"/>
               <a:t>舞台：どこかの前哨基地。</a:t>
             </a:r>
-            <a:endParaRPr lang="en-US" altLang="ja-JP" dirty="0" smtClean="0"/>
-          </a:p>
-          <a:p>
-            <a:endParaRPr lang="en-US" altLang="ja-JP" dirty="0" smtClean="0"/>
-          </a:p>
-          <a:p>
-            <a:r>
-              <a:rPr lang="ja-JP" altLang="en-US" dirty="0" smtClean="0"/>
+            <a:endParaRPr lang="en-US" altLang="ja-JP" dirty="0"/>
+          </a:p>
+          <a:p>
+            <a:endParaRPr lang="en-US" altLang="ja-JP" dirty="0"/>
+          </a:p>
+          <a:p>
+            <a:r>
+              <a:rPr lang="ja-JP" altLang="en-US" dirty="0"/>
               <a:t>ストーリー：バイオハザードが発生し、命からがら拠点まで撤退出来た者たちの奮闘記。</a:t>
             </a:r>
-            <a:endParaRPr lang="en-US" altLang="ja-JP" dirty="0" smtClean="0"/>
+            <a:endParaRPr lang="en-US" altLang="ja-JP" dirty="0"/>
           </a:p>
           <a:p>
             <a:pPr marL="0" indent="0">
@@ -6931,10 +6903,9 @@
           <a:lstStyle/>
           <a:p>
             <a:r>
-              <a:rPr kumimoji="1" lang="ja-JP" altLang="en-US" dirty="0" smtClean="0"/>
+              <a:rPr kumimoji="1" lang="ja-JP" altLang="en-US" dirty="0"/>
               <a:t>ゲームの流れ</a:t>
             </a:r>
-            <a:endParaRPr kumimoji="1" lang="ja-JP" altLang="en-US" dirty="0"/>
           </a:p>
         </p:txBody>
       </p:sp>
@@ -6954,51 +6925,43 @@
           <a:lstStyle/>
           <a:p>
             <a:r>
-              <a:rPr lang="ja-JP" altLang="en-US" dirty="0" smtClean="0"/>
+              <a:rPr lang="ja-JP" altLang="en-US" dirty="0"/>
               <a:t>ウェーブ毎に敵が湧く。湧いた敵は基地を目指して移動する。</a:t>
             </a:r>
-            <a:endParaRPr lang="en-US" altLang="ja-JP" dirty="0" smtClean="0"/>
-          </a:p>
-          <a:p>
-            <a:endParaRPr lang="en-US" altLang="ja-JP" dirty="0" smtClean="0"/>
-          </a:p>
-          <a:p>
-            <a:endParaRPr lang="en-US" altLang="ja-JP" dirty="0" smtClean="0"/>
-          </a:p>
-          <a:p>
-            <a:r>
-              <a:rPr lang="ja-JP" altLang="en-US" dirty="0" smtClean="0"/>
+            <a:endParaRPr lang="en-US" altLang="ja-JP" dirty="0"/>
+          </a:p>
+          <a:p>
+            <a:endParaRPr lang="en-US" altLang="ja-JP" dirty="0"/>
+          </a:p>
+          <a:p>
+            <a:endParaRPr lang="en-US" altLang="ja-JP" dirty="0"/>
+          </a:p>
+          <a:p>
+            <a:r>
+              <a:rPr lang="ja-JP" altLang="en-US" dirty="0"/>
               <a:t>時折、補給が来るが敵は補給を潰しに来る。</a:t>
             </a:r>
-            <a:endParaRPr lang="en-US" altLang="ja-JP" dirty="0" smtClean="0"/>
-          </a:p>
-          <a:p>
-            <a:endParaRPr lang="en-US" altLang="ja-JP" dirty="0" smtClean="0"/>
-          </a:p>
-          <a:p>
             <a:endParaRPr lang="en-US" altLang="ja-JP" dirty="0"/>
           </a:p>
           <a:p>
-            <a:r>
-              <a:rPr lang="ja-JP" altLang="en-US" dirty="0" smtClean="0"/>
-              <a:t>補給を確保</a:t>
-            </a:r>
-            <a:r>
-              <a:rPr lang="ja-JP" altLang="en-US" dirty="0" smtClean="0"/>
-              <a:t>しつつ</a:t>
-            </a:r>
-            <a:r>
-              <a:rPr lang="ja-JP" altLang="en-US" dirty="0" smtClean="0"/>
-              <a:t>拠点を敵から</a:t>
-            </a:r>
-            <a:r>
-              <a:rPr kumimoji="1" lang="ja-JP" altLang="en-US" dirty="0" smtClean="0"/>
+            <a:endParaRPr lang="en-US" altLang="ja-JP" dirty="0"/>
+          </a:p>
+          <a:p>
+            <a:endParaRPr lang="en-US" altLang="ja-JP" dirty="0"/>
+          </a:p>
+          <a:p>
+            <a:r>
+              <a:rPr lang="ja-JP" altLang="en-US" dirty="0"/>
+              <a:t>補給を確保しつつ拠点を敵から</a:t>
+            </a:r>
+            <a:r>
+              <a:rPr kumimoji="1" lang="ja-JP" altLang="en-US" dirty="0"/>
               <a:t>防衛。</a:t>
             </a:r>
-            <a:endParaRPr kumimoji="1" lang="en-US" altLang="ja-JP" dirty="0" smtClean="0"/>
-          </a:p>
-          <a:p>
-            <a:endParaRPr lang="en-US" altLang="ja-JP" dirty="0" smtClean="0"/>
+            <a:endParaRPr kumimoji="1" lang="en-US" altLang="ja-JP" dirty="0"/>
+          </a:p>
+          <a:p>
+            <a:endParaRPr lang="en-US" altLang="ja-JP" dirty="0"/>
           </a:p>
           <a:p>
             <a:endParaRPr lang="en-US" altLang="ja-JP" dirty="0"/>
@@ -7128,10 +7091,9 @@
           <a:lstStyle/>
           <a:p>
             <a:r>
-              <a:rPr kumimoji="1" lang="ja-JP" altLang="en-US" dirty="0" smtClean="0"/>
+              <a:rPr kumimoji="1" lang="ja-JP" altLang="en-US" dirty="0"/>
               <a:t>移動</a:t>
             </a:r>
-            <a:endParaRPr kumimoji="1" lang="ja-JP" altLang="en-US" dirty="0"/>
           </a:p>
         </p:txBody>
       </p:sp>
@@ -7495,7 +7457,7 @@
           <a:lstStyle/>
           <a:p>
             <a:r>
-              <a:rPr lang="ja-JP" altLang="en-US" dirty="0" smtClean="0"/>
+              <a:rPr lang="ja-JP" altLang="en-US" dirty="0"/>
               <a:t>補給ドローン</a:t>
             </a:r>
             <a:endParaRPr kumimoji="1" lang="ja-JP" altLang="en-US" dirty="0"/>
@@ -7542,14 +7504,19 @@
             <p:ph type="title"/>
           </p:nvPr>
         </p:nvSpPr>
-        <p:spPr/>
+        <p:spPr>
+          <a:xfrm>
+            <a:off x="646111" y="245513"/>
+            <a:ext cx="9404723" cy="1400530"/>
+          </a:xfrm>
+        </p:spPr>
         <p:txBody>
           <a:bodyPr/>
           <a:lstStyle/>
           <a:p>
             <a:r>
-              <a:rPr kumimoji="1" lang="ja-JP" altLang="en-US" dirty="0" smtClean="0"/>
-              <a:t>遊び方</a:t>
+              <a:rPr lang="ja-JP" altLang="en-US" dirty="0"/>
+              <a:t>操作方法</a:t>
             </a:r>
             <a:endParaRPr kumimoji="1" lang="ja-JP" altLang="en-US" dirty="0"/>
           </a:p>
@@ -7565,27 +7532,187 @@
             <p:ph idx="1"/>
           </p:nvPr>
         </p:nvSpPr>
-        <p:spPr/>
+        <p:spPr>
+          <a:xfrm>
+            <a:off x="646111" y="1138518"/>
+            <a:ext cx="8946541" cy="4195481"/>
+          </a:xfrm>
+        </p:spPr>
         <p:txBody>
           <a:bodyPr/>
           <a:lstStyle/>
           <a:p>
             <a:r>
-              <a:rPr kumimoji="1" lang="ja-JP" altLang="en-US" dirty="0" smtClean="0"/>
-              <a:t>キーボード</a:t>
-            </a:r>
-            <a:r>
-              <a:rPr kumimoji="1" lang="en-US" altLang="ja-JP" dirty="0" smtClean="0"/>
-              <a:t>+</a:t>
-            </a:r>
-            <a:r>
-              <a:rPr kumimoji="1" lang="ja-JP" altLang="en-US" dirty="0" smtClean="0"/>
-              <a:t>マウス。</a:t>
+              <a:rPr lang="ja-JP" altLang="en-US" dirty="0"/>
+              <a:t>視点操作：マウス</a:t>
+            </a:r>
+            <a:endParaRPr lang="en-US" altLang="ja-JP" dirty="0"/>
+          </a:p>
+          <a:p>
+            <a:r>
+              <a:rPr lang="ja-JP" altLang="en-US" dirty="0"/>
+              <a:t>攻撃：マウス左クリック</a:t>
+            </a:r>
+            <a:endParaRPr lang="en-US" altLang="ja-JP" dirty="0"/>
+          </a:p>
+          <a:p>
+            <a:r>
+              <a:rPr lang="ja-JP" altLang="en-US" dirty="0"/>
+              <a:t>インベントリ切り替え：マウスホイール</a:t>
+            </a:r>
+            <a:endParaRPr lang="en-US" altLang="ja-JP" dirty="0"/>
+          </a:p>
+          <a:p>
+            <a:r>
+              <a:rPr lang="ja-JP" altLang="en-US" dirty="0"/>
+              <a:t>移動：</a:t>
+            </a:r>
+            <a:r>
+              <a:rPr lang="en-US" altLang="ja-JP" dirty="0"/>
+              <a:t>WASD</a:t>
+            </a:r>
+          </a:p>
+          <a:p>
+            <a:r>
+              <a:rPr kumimoji="1" lang="ja-JP" altLang="en-US" dirty="0"/>
+              <a:t>アイテム回収＆インタラクト：</a:t>
+            </a:r>
+            <a:r>
+              <a:rPr kumimoji="1" lang="en-US" altLang="ja-JP" dirty="0"/>
+              <a:t>E</a:t>
+            </a:r>
+          </a:p>
+          <a:p>
+            <a:r>
+              <a:rPr lang="ja-JP" altLang="en-US" dirty="0"/>
+              <a:t>武器切り替え：</a:t>
+            </a:r>
+            <a:r>
+              <a:rPr lang="en-US" altLang="ja-JP" dirty="0"/>
+              <a:t>Q</a:t>
             </a:r>
             <a:endParaRPr kumimoji="1" lang="ja-JP" altLang="en-US" dirty="0"/>
           </a:p>
         </p:txBody>
       </p:sp>
+      <p:pic>
+        <p:nvPicPr>
+          <p:cNvPr id="5" name="図 4">
+            <a:extLst>
+              <a:ext uri="{FF2B5EF4-FFF2-40B4-BE49-F238E27FC236}">
+                <a16:creationId xmlns:a16="http://schemas.microsoft.com/office/drawing/2014/main" id="{9C8C8CEB-6A61-EC8E-F6A6-892323104CC4}"/>
+              </a:ext>
+            </a:extLst>
+          </p:cNvPr>
+          <p:cNvPicPr>
+            <a:picLocks noChangeAspect="1"/>
+          </p:cNvPicPr>
+          <p:nvPr/>
+        </p:nvPicPr>
+        <p:blipFill>
+          <a:blip r:embed="rId2">
+            <a:extLst>
+              <a:ext uri="{28A0092B-C50C-407E-A947-70E740481C1C}">
+                <a14:useLocalDpi xmlns:a14="http://schemas.microsoft.com/office/drawing/2010/main" val="0"/>
+              </a:ext>
+            </a:extLst>
+          </a:blip>
+          <a:stretch>
+            <a:fillRect/>
+          </a:stretch>
+        </p:blipFill>
+        <p:spPr>
+          <a:xfrm>
+            <a:off x="187929" y="3685622"/>
+            <a:ext cx="7128939" cy="3172378"/>
+          </a:xfrm>
+          <a:prstGeom prst="rect">
+            <a:avLst/>
+          </a:prstGeom>
+        </p:spPr>
+      </p:pic>
+      <p:pic>
+        <p:nvPicPr>
+          <p:cNvPr id="7" name="図 6">
+            <a:extLst>
+              <a:ext uri="{FF2B5EF4-FFF2-40B4-BE49-F238E27FC236}">
+                <a16:creationId xmlns:a16="http://schemas.microsoft.com/office/drawing/2014/main" id="{251F4FB3-7535-DF5A-AA73-614732E7CD9E}"/>
+              </a:ext>
+            </a:extLst>
+          </p:cNvPr>
+          <p:cNvPicPr>
+            <a:picLocks noChangeAspect="1"/>
+          </p:cNvPicPr>
+          <p:nvPr/>
+        </p:nvPicPr>
+        <p:blipFill>
+          <a:blip r:embed="rId3">
+            <a:extLst>
+              <a:ext uri="{BEBA8EAE-BF5A-486C-A8C5-ECC9F3942E4B}">
+                <a14:imgProps xmlns:a14="http://schemas.microsoft.com/office/drawing/2010/main">
+                  <a14:imgLayer r:embed="rId4">
+                    <a14:imgEffect>
+                      <a14:backgroundRemoval t="2250" b="98250" l="10000" r="90000">
+                        <a14:foregroundMark x1="29000" y1="41000" x2="29000" y2="41000"/>
+                        <a14:foregroundMark x1="28500" y1="38500" x2="38750" y2="84250"/>
+                        <a14:foregroundMark x1="40500" y1="38000" x2="28500" y2="60500"/>
+                        <a14:foregroundMark x1="28500" y1="60500" x2="30250" y2="69500"/>
+                        <a14:foregroundMark x1="31500" y1="41500" x2="24000" y2="45000"/>
+                        <a14:foregroundMark x1="31500" y1="32250" x2="36250" y2="32750"/>
+                        <a14:foregroundMark x1="48250" y1="34000" x2="55750" y2="47500"/>
+                        <a14:foregroundMark x1="55750" y1="47500" x2="56000" y2="49000"/>
+                        <a14:foregroundMark x1="58000" y1="36250" x2="49000" y2="44500"/>
+                        <a14:foregroundMark x1="45750" y1="29000" x2="52000" y2="34500"/>
+                        <a14:foregroundMark x1="59250" y1="41250" x2="63000" y2="48750"/>
+                        <a14:foregroundMark x1="56500" y1="61250" x2="50250" y2="81250"/>
+                        <a14:foregroundMark x1="50250" y1="81250" x2="34500" y2="89250"/>
+                        <a14:foregroundMark x1="34500" y1="89250" x2="28500" y2="73500"/>
+                        <a14:foregroundMark x1="28500" y1="73500" x2="28500" y2="72250"/>
+                        <a14:foregroundMark x1="48250" y1="56250" x2="44500" y2="73500"/>
+                        <a14:foregroundMark x1="44500" y1="73500" x2="44500" y2="73500"/>
+                        <a14:foregroundMark x1="52750" y1="55000" x2="61750" y2="64250"/>
+                        <a14:foregroundMark x1="61750" y1="64250" x2="59750" y2="72500"/>
+                        <a14:foregroundMark x1="60250" y1="55000" x2="63250" y2="68250"/>
+                        <a14:foregroundMark x1="63250" y1="68250" x2="60500" y2="81750"/>
+                        <a14:foregroundMark x1="24000" y1="57750" x2="26500" y2="86000"/>
+                        <a14:foregroundMark x1="28500" y1="89250" x2="45000" y2="94500"/>
+                        <a14:foregroundMark x1="45000" y1="94500" x2="56250" y2="86000"/>
+                        <a14:foregroundMark x1="56250" y1="86000" x2="56250" y2="85500"/>
+                        <a14:foregroundMark x1="40750" y1="97000" x2="43250" y2="98250"/>
+                        <a14:foregroundMark x1="43250" y1="45750" x2="43500" y2="54250"/>
+                        <a14:foregroundMark x1="43000" y1="19250" x2="43750" y2="15750"/>
+                        <a14:foregroundMark x1="43250" y1="15250" x2="47389" y2="10593"/>
+                        <a14:foregroundMark x1="45000" y1="10750" x2="45000" y2="10750"/>
+                        <a14:foregroundMark x1="46750" y1="9250" x2="46750" y2="9250"/>
+                        <a14:foregroundMark x1="49000" y1="7250" x2="49000" y2="7250"/>
+                        <a14:foregroundMark x1="76500" y1="6000" x2="76500" y2="6000"/>
+                        <a14:foregroundMark x1="80500" y1="2250" x2="80500" y2="2250"/>
+                        <a14:foregroundMark x1="54000" y1="6750" x2="54000" y2="6750"/>
+                        <a14:backgroundMark x1="50750" y1="10250" x2="47500" y2="10750"/>
+                      </a14:backgroundRemoval>
+                    </a14:imgEffect>
+                  </a14:imgLayer>
+                </a14:imgProps>
+              </a:ext>
+              <a:ext uri="{28A0092B-C50C-407E-A947-70E740481C1C}">
+                <a14:useLocalDpi xmlns:a14="http://schemas.microsoft.com/office/drawing/2010/main" val="0"/>
+              </a:ext>
+            </a:extLst>
+          </a:blip>
+          <a:stretch>
+            <a:fillRect/>
+          </a:stretch>
+        </p:blipFill>
+        <p:spPr>
+          <a:xfrm>
+            <a:off x="8034730" y="2963413"/>
+            <a:ext cx="3810000" cy="3810000"/>
+          </a:xfrm>
+          <a:prstGeom prst="rect">
+            <a:avLst/>
+          </a:prstGeom>
+        </p:spPr>
+      </p:pic>
     </p:spTree>
     <p:extLst>
       <p:ext uri="{BB962C8B-B14F-4D97-AF65-F5344CB8AC3E}">
@@ -7637,10 +7764,9 @@
           <a:lstStyle/>
           <a:p>
             <a:r>
-              <a:rPr kumimoji="1" lang="ja-JP" altLang="en-US" dirty="0" smtClean="0"/>
+              <a:rPr kumimoji="1" lang="ja-JP" altLang="en-US" dirty="0"/>
               <a:t>ゲーム画面</a:t>
             </a:r>
-            <a:endParaRPr kumimoji="1" lang="ja-JP" altLang="en-US" dirty="0"/>
           </a:p>
         </p:txBody>
       </p:sp>
@@ -7731,18 +7857,17 @@
           <a:lstStyle/>
           <a:p>
             <a:r>
-              <a:rPr kumimoji="1" lang="ja-JP" altLang="en-US" dirty="0" smtClean="0"/>
+              <a:rPr kumimoji="1" lang="ja-JP" altLang="en-US" dirty="0"/>
               <a:t>体力：</a:t>
             </a:r>
             <a:r>
-              <a:rPr kumimoji="1" lang="en-US" altLang="ja-JP" dirty="0" smtClean="0"/>
+              <a:rPr kumimoji="1" lang="en-US" altLang="ja-JP" dirty="0"/>
               <a:t>0</a:t>
             </a:r>
             <a:r>
-              <a:rPr kumimoji="1" lang="ja-JP" altLang="en-US" dirty="0" smtClean="0"/>
+              <a:rPr kumimoji="1" lang="ja-JP" altLang="en-US" dirty="0"/>
               <a:t>になると戦闘に参加できなくなる</a:t>
             </a:r>
-            <a:endParaRPr kumimoji="1" lang="ja-JP" altLang="en-US" dirty="0"/>
           </a:p>
         </p:txBody>
       </p:sp>
@@ -7809,18 +7934,17 @@
           <a:lstStyle/>
           <a:p>
             <a:r>
-              <a:rPr kumimoji="1" lang="ja-JP" altLang="en-US" dirty="0" smtClean="0"/>
+              <a:rPr kumimoji="1" lang="ja-JP" altLang="en-US" dirty="0"/>
               <a:t>基地の体力：</a:t>
             </a:r>
             <a:r>
-              <a:rPr kumimoji="1" lang="en-US" altLang="ja-JP" dirty="0" smtClean="0"/>
+              <a:rPr kumimoji="1" lang="en-US" altLang="ja-JP" dirty="0"/>
               <a:t>0</a:t>
             </a:r>
             <a:r>
-              <a:rPr kumimoji="1" lang="ja-JP" altLang="en-US" dirty="0" smtClean="0"/>
+              <a:rPr kumimoji="1" lang="ja-JP" altLang="en-US" dirty="0"/>
               <a:t>になるとゲームオーバー</a:t>
             </a:r>
-            <a:endParaRPr kumimoji="1" lang="ja-JP" altLang="en-US" dirty="0"/>
           </a:p>
         </p:txBody>
       </p:sp>
@@ -7891,10 +8015,9 @@
               <a:t>弾薬</a:t>
             </a:r>
             <a:r>
-              <a:rPr kumimoji="1" lang="ja-JP" altLang="en-US" dirty="0" smtClean="0"/>
+              <a:rPr kumimoji="1" lang="ja-JP" altLang="en-US" dirty="0"/>
               <a:t>：装弾数と残っている弾の数</a:t>
             </a:r>
-            <a:endParaRPr kumimoji="1" lang="ja-JP" altLang="en-US" dirty="0"/>
           </a:p>
         </p:txBody>
       </p:sp>
@@ -7947,7 +8070,7 @@
         <p:spPr>
           <a:xfrm>
             <a:off x="108871" y="3235465"/>
-            <a:ext cx="4463879" cy="646331"/>
+            <a:ext cx="4463879" cy="923330"/>
           </a:xfrm>
           <a:prstGeom prst="rect">
             <a:avLst/>
@@ -7961,17 +8084,31 @@
           <a:lstStyle/>
           <a:p>
             <a:r>
-              <a:rPr lang="ja-JP" altLang="en-US" dirty="0" smtClean="0"/>
+              <a:rPr lang="ja-JP" altLang="en-US" dirty="0"/>
               <a:t>インベントリ：</a:t>
             </a:r>
-            <a:endParaRPr lang="en-US" altLang="ja-JP" dirty="0" smtClean="0"/>
-          </a:p>
-          <a:p>
-            <a:r>
-              <a:rPr kumimoji="1" lang="ja-JP" altLang="en-US" dirty="0" smtClean="0"/>
-              <a:t>消耗品を所持できる。</a:t>
-            </a:r>
-            <a:endParaRPr kumimoji="1" lang="ja-JP" altLang="en-US" dirty="0"/>
+            <a:endParaRPr lang="en-US" altLang="ja-JP" dirty="0"/>
+          </a:p>
+          <a:p>
+            <a:r>
+              <a:rPr kumimoji="1" lang="ja-JP" altLang="en-US" dirty="0"/>
+              <a:t>消耗品を所持</a:t>
+            </a:r>
+            <a:r>
+              <a:rPr lang="ja-JP" altLang="en-US" dirty="0"/>
+              <a:t>と</a:t>
+            </a:r>
+            <a:r>
+              <a:rPr kumimoji="1" lang="ja-JP" altLang="en-US" dirty="0"/>
+              <a:t>、</a:t>
+            </a:r>
+            <a:endParaRPr kumimoji="1" lang="en-US" altLang="ja-JP" dirty="0"/>
+          </a:p>
+          <a:p>
+            <a:r>
+              <a:rPr kumimoji="1" lang="ja-JP" altLang="en-US" dirty="0"/>
+              <a:t>使用できる。</a:t>
+            </a:r>
           </a:p>
         </p:txBody>
       </p:sp>

--- a/ゲーム制作企画書.pptx
+++ b/ゲーム制作企画書.pptx
@@ -302,7 +302,7 @@
           <a:p>
             <a:fld id="{242841BA-3CFF-4AFF-88B1-DBD736C8B12D}" type="datetimeFigureOut">
               <a:rPr kumimoji="1" lang="ja-JP" altLang="en-US" smtClean="0"/>
-              <a:t>2025/12/22</a:t>
+              <a:t>2025/12/23</a:t>
             </a:fld>
             <a:endParaRPr kumimoji="1" lang="ja-JP" altLang="en-US"/>
           </a:p>
@@ -577,7 +577,7 @@
           <a:p>
             <a:fld id="{242841BA-3CFF-4AFF-88B1-DBD736C8B12D}" type="datetimeFigureOut">
               <a:rPr kumimoji="1" lang="ja-JP" altLang="en-US" smtClean="0"/>
-              <a:t>2025/12/22</a:t>
+              <a:t>2025/12/23</a:t>
             </a:fld>
             <a:endParaRPr kumimoji="1" lang="ja-JP" altLang="en-US"/>
           </a:p>
@@ -771,7 +771,7 @@
           <a:p>
             <a:fld id="{242841BA-3CFF-4AFF-88B1-DBD736C8B12D}" type="datetimeFigureOut">
               <a:rPr kumimoji="1" lang="ja-JP" altLang="en-US" smtClean="0"/>
-              <a:t>2025/12/22</a:t>
+              <a:t>2025/12/23</a:t>
             </a:fld>
             <a:endParaRPr kumimoji="1" lang="ja-JP" altLang="en-US"/>
           </a:p>
@@ -1044,7 +1044,7 @@
           <a:p>
             <a:fld id="{242841BA-3CFF-4AFF-88B1-DBD736C8B12D}" type="datetimeFigureOut">
               <a:rPr kumimoji="1" lang="ja-JP" altLang="en-US" smtClean="0"/>
-              <a:t>2025/12/22</a:t>
+              <a:t>2025/12/23</a:t>
             </a:fld>
             <a:endParaRPr kumimoji="1" lang="ja-JP" altLang="en-US"/>
           </a:p>
@@ -1385,7 +1385,7 @@
           <a:p>
             <a:fld id="{242841BA-3CFF-4AFF-88B1-DBD736C8B12D}" type="datetimeFigureOut">
               <a:rPr kumimoji="1" lang="ja-JP" altLang="en-US" smtClean="0"/>
-              <a:t>2025/12/22</a:t>
+              <a:t>2025/12/23</a:t>
             </a:fld>
             <a:endParaRPr kumimoji="1" lang="ja-JP" altLang="en-US"/>
           </a:p>
@@ -2008,7 +2008,7 @@
           <a:p>
             <a:fld id="{242841BA-3CFF-4AFF-88B1-DBD736C8B12D}" type="datetimeFigureOut">
               <a:rPr kumimoji="1" lang="ja-JP" altLang="en-US" smtClean="0"/>
-              <a:t>2025/12/22</a:t>
+              <a:t>2025/12/23</a:t>
             </a:fld>
             <a:endParaRPr kumimoji="1" lang="ja-JP" altLang="en-US"/>
           </a:p>
@@ -2868,7 +2868,7 @@
           <a:p>
             <a:fld id="{242841BA-3CFF-4AFF-88B1-DBD736C8B12D}" type="datetimeFigureOut">
               <a:rPr kumimoji="1" lang="ja-JP" altLang="en-US" smtClean="0"/>
-              <a:t>2025/12/22</a:t>
+              <a:t>2025/12/23</a:t>
             </a:fld>
             <a:endParaRPr kumimoji="1" lang="ja-JP" altLang="en-US"/>
           </a:p>
@@ -3070,7 +3070,7 @@
           <a:p>
             <a:fld id="{242841BA-3CFF-4AFF-88B1-DBD736C8B12D}" type="datetimeFigureOut">
               <a:rPr kumimoji="1" lang="ja-JP" altLang="en-US" smtClean="0"/>
-              <a:t>2025/12/22</a:t>
+              <a:t>2025/12/23</a:t>
             </a:fld>
             <a:endParaRPr kumimoji="1" lang="ja-JP" altLang="en-US"/>
           </a:p>
@@ -3282,7 +3282,7 @@
           <a:p>
             <a:fld id="{242841BA-3CFF-4AFF-88B1-DBD736C8B12D}" type="datetimeFigureOut">
               <a:rPr kumimoji="1" lang="ja-JP" altLang="en-US" smtClean="0"/>
-              <a:t>2025/12/22</a:t>
+              <a:t>2025/12/23</a:t>
             </a:fld>
             <a:endParaRPr kumimoji="1" lang="ja-JP" altLang="en-US"/>
           </a:p>
@@ -3484,7 +3484,7 @@
           <a:p>
             <a:fld id="{242841BA-3CFF-4AFF-88B1-DBD736C8B12D}" type="datetimeFigureOut">
               <a:rPr kumimoji="1" lang="ja-JP" altLang="en-US" smtClean="0"/>
-              <a:t>2025/12/22</a:t>
+              <a:t>2025/12/23</a:t>
             </a:fld>
             <a:endParaRPr kumimoji="1" lang="ja-JP" altLang="en-US"/>
           </a:p>
@@ -3731,7 +3731,7 @@
           <a:p>
             <a:fld id="{242841BA-3CFF-4AFF-88B1-DBD736C8B12D}" type="datetimeFigureOut">
               <a:rPr kumimoji="1" lang="ja-JP" altLang="en-US" smtClean="0"/>
-              <a:t>2025/12/22</a:t>
+              <a:t>2025/12/23</a:t>
             </a:fld>
             <a:endParaRPr kumimoji="1" lang="ja-JP" altLang="en-US"/>
           </a:p>
@@ -4087,7 +4087,7 @@
           <a:p>
             <a:fld id="{242841BA-3CFF-4AFF-88B1-DBD736C8B12D}" type="datetimeFigureOut">
               <a:rPr kumimoji="1" lang="ja-JP" altLang="en-US" smtClean="0"/>
-              <a:t>2025/12/22</a:t>
+              <a:t>2025/12/23</a:t>
             </a:fld>
             <a:endParaRPr kumimoji="1" lang="ja-JP" altLang="en-US"/>
           </a:p>
@@ -4595,7 +4595,7 @@
           <a:p>
             <a:fld id="{242841BA-3CFF-4AFF-88B1-DBD736C8B12D}" type="datetimeFigureOut">
               <a:rPr kumimoji="1" lang="ja-JP" altLang="en-US" smtClean="0"/>
-              <a:t>2025/12/22</a:t>
+              <a:t>2025/12/23</a:t>
             </a:fld>
             <a:endParaRPr kumimoji="1" lang="ja-JP" altLang="en-US"/>
           </a:p>
@@ -4713,7 +4713,7 @@
           <a:p>
             <a:fld id="{242841BA-3CFF-4AFF-88B1-DBD736C8B12D}" type="datetimeFigureOut">
               <a:rPr kumimoji="1" lang="ja-JP" altLang="en-US" smtClean="0"/>
-              <a:t>2025/12/22</a:t>
+              <a:t>2025/12/23</a:t>
             </a:fld>
             <a:endParaRPr kumimoji="1" lang="ja-JP" altLang="en-US"/>
           </a:p>
@@ -4808,7 +4808,7 @@
           <a:p>
             <a:fld id="{242841BA-3CFF-4AFF-88B1-DBD736C8B12D}" type="datetimeFigureOut">
               <a:rPr kumimoji="1" lang="ja-JP" altLang="en-US" smtClean="0"/>
-              <a:t>2025/12/22</a:t>
+              <a:t>2025/12/23</a:t>
             </a:fld>
             <a:endParaRPr kumimoji="1" lang="ja-JP" altLang="en-US"/>
           </a:p>
@@ -5119,7 +5119,7 @@
           <a:p>
             <a:fld id="{242841BA-3CFF-4AFF-88B1-DBD736C8B12D}" type="datetimeFigureOut">
               <a:rPr kumimoji="1" lang="ja-JP" altLang="en-US" smtClean="0"/>
-              <a:t>2025/12/22</a:t>
+              <a:t>2025/12/23</a:t>
             </a:fld>
             <a:endParaRPr kumimoji="1" lang="ja-JP" altLang="en-US"/>
           </a:p>
@@ -5394,7 +5394,7 @@
           <a:p>
             <a:fld id="{242841BA-3CFF-4AFF-88B1-DBD736C8B12D}" type="datetimeFigureOut">
               <a:rPr kumimoji="1" lang="ja-JP" altLang="en-US" smtClean="0"/>
-              <a:t>2025/12/22</a:t>
+              <a:t>2025/12/23</a:t>
             </a:fld>
             <a:endParaRPr kumimoji="1" lang="ja-JP" altLang="en-US"/>
           </a:p>
@@ -5855,7 +5855,7 @@
           <a:p>
             <a:fld id="{242841BA-3CFF-4AFF-88B1-DBD736C8B12D}" type="datetimeFigureOut">
               <a:rPr kumimoji="1" lang="ja-JP" altLang="en-US" smtClean="0"/>
-              <a:t>2025/12/22</a:t>
+              <a:t>2025/12/23</a:t>
             </a:fld>
             <a:endParaRPr kumimoji="1" lang="ja-JP" altLang="en-US"/>
           </a:p>
@@ -6588,11 +6588,13 @@
           </a:xfrm>
         </p:spPr>
         <p:txBody>
-          <a:bodyPr/>
-          <a:lstStyle/>
-          <a:p>
-            <a:r>
-              <a:rPr kumimoji="1" lang="ja-JP" altLang="en-US" dirty="0"/>
+          <a:bodyPr>
+            <a:normAutofit/>
+          </a:bodyPr>
+          <a:lstStyle/>
+          <a:p>
+            <a:r>
+              <a:rPr kumimoji="1" lang="ja-JP" altLang="en-US" sz="2800" dirty="0"/>
               <a:t>弾も味方も失っていく状況であるものすべてを使って耐えていく。</a:t>
             </a:r>
           </a:p>
@@ -6889,6 +6891,46 @@
       </p:grpSpPr>
       <p:sp>
         <p:nvSpPr>
+          <p:cNvPr id="9" name="右矢印 8"/>
+          <p:cNvSpPr/>
+          <p:nvPr/>
+        </p:nvSpPr>
+        <p:spPr>
+          <a:xfrm rot="5400000" flipH="1">
+            <a:off x="7914882" y="4466633"/>
+            <a:ext cx="1387956" cy="356343"/>
+          </a:xfrm>
+          <a:prstGeom prst="rightArrow">
+            <a:avLst/>
+          </a:prstGeom>
+        </p:spPr>
+        <p:style>
+          <a:lnRef idx="2">
+            <a:schemeClr val="accent1">
+              <a:shade val="50000"/>
+            </a:schemeClr>
+          </a:lnRef>
+          <a:fillRef idx="1">
+            <a:schemeClr val="accent1"/>
+          </a:fillRef>
+          <a:effectRef idx="0">
+            <a:schemeClr val="accent1"/>
+          </a:effectRef>
+          <a:fontRef idx="minor">
+            <a:schemeClr val="lt1"/>
+          </a:fontRef>
+        </p:style>
+        <p:txBody>
+          <a:bodyPr rtlCol="0" anchor="ctr"/>
+          <a:lstStyle/>
+          <a:p>
+            <a:pPr algn="ctr"/>
+            <a:endParaRPr kumimoji="1" lang="ja-JP" altLang="en-US"/>
+          </a:p>
+        </p:txBody>
+      </p:sp>
+      <p:sp>
+        <p:nvSpPr>
           <p:cNvPr id="2" name="タイトル 1"/>
           <p:cNvSpPr>
             <a:spLocks noGrp="1"/>
@@ -6919,7 +6961,12 @@
             <p:ph idx="1"/>
           </p:nvPr>
         </p:nvSpPr>
-        <p:spPr/>
+        <p:spPr>
+          <a:xfrm>
+            <a:off x="386813" y="1975034"/>
+            <a:ext cx="8946541" cy="4195481"/>
+          </a:xfrm>
+        </p:spPr>
         <p:txBody>
           <a:bodyPr/>
           <a:lstStyle/>
@@ -6977,7 +7024,7 @@
           <p:nvPr/>
         </p:nvPicPr>
         <p:blipFill>
-          <a:blip r:embed="rId2">
+          <a:blip r:embed="rId2" cstate="print">
             <a:extLst>
               <a:ext uri="{28A0092B-C50C-407E-A947-70E740481C1C}">
                 <a14:useLocalDpi xmlns:a14="http://schemas.microsoft.com/office/drawing/2010/main" val="0"/>
@@ -6990,8 +7037,8 @@
         </p:blipFill>
         <p:spPr>
           <a:xfrm>
-            <a:off x="10051508" y="2526321"/>
-            <a:ext cx="1596553" cy="1867313"/>
+            <a:off x="8402598" y="5125388"/>
+            <a:ext cx="1152873" cy="1348389"/>
           </a:xfrm>
           <a:prstGeom prst="rect">
             <a:avLst/>
@@ -7020,7 +7067,7 @@
         </p:blipFill>
         <p:spPr>
           <a:xfrm>
-            <a:off x="8187285" y="-96733"/>
+            <a:off x="7836177" y="1817229"/>
             <a:ext cx="2319767" cy="2149651"/>
           </a:xfrm>
           <a:prstGeom prst="rect">
@@ -7035,13 +7082,21 @@
           <p:nvPr/>
         </p:nvSpPr>
         <p:spPr>
-          <a:xfrm flipH="1">
-            <a:off x="8406208" y="3459978"/>
-            <a:ext cx="1323795" cy="603681"/>
+          <a:xfrm rot="16200000" flipH="1">
+            <a:off x="8713684" y="4718432"/>
+            <a:ext cx="854036" cy="367422"/>
           </a:xfrm>
           <a:prstGeom prst="rightArrow">
             <a:avLst/>
           </a:prstGeom>
+          <a:solidFill>
+            <a:schemeClr val="tx1"/>
+          </a:solidFill>
+          <a:ln>
+            <a:solidFill>
+              <a:schemeClr val="tx1"/>
+            </a:solidFill>
+          </a:ln>
         </p:spPr>
         <p:style>
           <a:lnRef idx="2">
@@ -7076,8 +7131,8 @@
         </p:nvSpPr>
         <p:spPr>
           <a:xfrm>
-            <a:off x="10069376" y="1933796"/>
-            <a:ext cx="1928528" cy="369332"/>
+            <a:off x="7671212" y="4310500"/>
+            <a:ext cx="731385" cy="923330"/>
           </a:xfrm>
           <a:prstGeom prst="rect">
             <a:avLst/>
@@ -7091,9 +7146,49 @@
           <a:lstStyle/>
           <a:p>
             <a:r>
-              <a:rPr kumimoji="1" lang="ja-JP" altLang="en-US" dirty="0"/>
+              <a:rPr kumimoji="1" lang="ja-JP" altLang="en-US" dirty="0" smtClean="0">
+                <a:solidFill>
+                  <a:srgbClr val="FF0000"/>
+                </a:solidFill>
+              </a:rPr>
               <a:t>移動</a:t>
             </a:r>
+            <a:endParaRPr kumimoji="1" lang="en-US" altLang="ja-JP" dirty="0" smtClean="0">
+              <a:solidFill>
+                <a:srgbClr val="FF0000"/>
+              </a:solidFill>
+            </a:endParaRPr>
+          </a:p>
+          <a:p>
+            <a:pPr algn="ctr"/>
+            <a:r>
+              <a:rPr lang="ja-JP" altLang="en-US" dirty="0" smtClean="0">
+                <a:solidFill>
+                  <a:srgbClr val="FF0000"/>
+                </a:solidFill>
+              </a:rPr>
+              <a:t>＆</a:t>
+            </a:r>
+            <a:endParaRPr lang="en-US" altLang="ja-JP" dirty="0" smtClean="0">
+              <a:solidFill>
+                <a:srgbClr val="FF0000"/>
+              </a:solidFill>
+            </a:endParaRPr>
+          </a:p>
+          <a:p>
+            <a:r>
+              <a:rPr kumimoji="1" lang="ja-JP" altLang="en-US" dirty="0">
+                <a:solidFill>
+                  <a:srgbClr val="FF0000"/>
+                </a:solidFill>
+              </a:rPr>
+              <a:t>攻撃</a:t>
+            </a:r>
+            <a:endParaRPr kumimoji="1" lang="ja-JP" altLang="en-US" dirty="0">
+              <a:solidFill>
+                <a:srgbClr val="FF0000"/>
+              </a:solidFill>
+            </a:endParaRPr>
           </a:p>
         </p:txBody>
       </p:sp>
@@ -7118,84 +7213,14 @@
         </p:blipFill>
         <p:spPr>
           <a:xfrm>
-            <a:off x="6516209" y="2683318"/>
-            <a:ext cx="2443577" cy="1553321"/>
+            <a:off x="6966366" y="117958"/>
+            <a:ext cx="1928528" cy="1225917"/>
           </a:xfrm>
           <a:prstGeom prst="rect">
             <a:avLst/>
           </a:prstGeom>
         </p:spPr>
       </p:pic>
-      <p:sp>
-        <p:nvSpPr>
-          <p:cNvPr id="9" name="右矢印 8"/>
-          <p:cNvSpPr/>
-          <p:nvPr/>
-        </p:nvSpPr>
-        <p:spPr>
-          <a:xfrm rot="2855198" flipH="1">
-            <a:off x="9263707" y="1950748"/>
-            <a:ext cx="1323795" cy="603681"/>
-          </a:xfrm>
-          <a:prstGeom prst="rightArrow">
-            <a:avLst/>
-          </a:prstGeom>
-        </p:spPr>
-        <p:style>
-          <a:lnRef idx="2">
-            <a:schemeClr val="accent1">
-              <a:shade val="50000"/>
-            </a:schemeClr>
-          </a:lnRef>
-          <a:fillRef idx="1">
-            <a:schemeClr val="accent1"/>
-          </a:fillRef>
-          <a:effectRef idx="0">
-            <a:schemeClr val="accent1"/>
-          </a:effectRef>
-          <a:fontRef idx="minor">
-            <a:schemeClr val="lt1"/>
-          </a:fontRef>
-        </p:style>
-        <p:txBody>
-          <a:bodyPr rtlCol="0" anchor="ctr"/>
-          <a:lstStyle/>
-          <a:p>
-            <a:pPr algn="ctr"/>
-            <a:endParaRPr kumimoji="1" lang="ja-JP" altLang="en-US"/>
-          </a:p>
-        </p:txBody>
-      </p:sp>
-      <p:sp>
-        <p:nvSpPr>
-          <p:cNvPr id="10" name="テキスト ボックス 9"/>
-          <p:cNvSpPr txBox="1"/>
-          <p:nvPr/>
-        </p:nvSpPr>
-        <p:spPr>
-          <a:xfrm>
-            <a:off x="8666359" y="3094299"/>
-            <a:ext cx="1928528" cy="369332"/>
-          </a:xfrm>
-          <a:prstGeom prst="rect">
-            <a:avLst/>
-          </a:prstGeom>
-          <a:noFill/>
-        </p:spPr>
-        <p:txBody>
-          <a:bodyPr wrap="square" rtlCol="0">
-            <a:spAutoFit/>
-          </a:bodyPr>
-          <a:lstStyle/>
-          <a:p>
-            <a:r>
-              <a:rPr lang="ja-JP" altLang="en-US" dirty="0"/>
-              <a:t>攻撃</a:t>
-            </a:r>
-            <a:endParaRPr kumimoji="1" lang="ja-JP" altLang="en-US" dirty="0"/>
-          </a:p>
-        </p:txBody>
-      </p:sp>
       <p:pic>
         <p:nvPicPr>
           <p:cNvPr id="11" name="図 10"/>
@@ -7218,8 +7243,8 @@
         </p:blipFill>
         <p:spPr>
           <a:xfrm>
-            <a:off x="8557427" y="4796476"/>
-            <a:ext cx="1368177" cy="1638535"/>
+            <a:off x="8468487" y="2953944"/>
+            <a:ext cx="1055145" cy="1263646"/>
           </a:xfrm>
           <a:prstGeom prst="rect">
             <a:avLst/>
@@ -7233,9 +7258,9 @@
           <p:nvPr/>
         </p:nvSpPr>
         <p:spPr>
-          <a:xfrm rot="7923612" flipH="1">
-            <a:off x="9660473" y="4896798"/>
-            <a:ext cx="1323795" cy="603681"/>
+          <a:xfrm rot="9816190" flipH="1">
+            <a:off x="6856233" y="3869360"/>
+            <a:ext cx="1703969" cy="404077"/>
           </a:xfrm>
           <a:prstGeom prst="rightArrow">
             <a:avLst/>
@@ -7274,7 +7299,7 @@
         </p:nvSpPr>
         <p:spPr>
           <a:xfrm>
-            <a:off x="10507052" y="5435015"/>
+            <a:off x="9555471" y="4632726"/>
             <a:ext cx="1928528" cy="369332"/>
           </a:xfrm>
           <a:prstGeom prst="rect">
@@ -7304,12 +7329,20 @@
         </p:nvSpPr>
         <p:spPr>
           <a:xfrm rot="3233541" flipH="1">
-            <a:off x="7292209" y="4455490"/>
-            <a:ext cx="1588299" cy="603681"/>
+            <a:off x="7321981" y="2078954"/>
+            <a:ext cx="1779724" cy="368187"/>
           </a:xfrm>
           <a:prstGeom prst="rightArrow">
             <a:avLst/>
           </a:prstGeom>
+          <a:solidFill>
+            <a:schemeClr val="tx1"/>
+          </a:solidFill>
+          <a:ln>
+            <a:solidFill>
+              <a:schemeClr val="tx1"/>
+            </a:solidFill>
+          </a:ln>
         </p:spPr>
         <p:style>
           <a:lnRef idx="2">
@@ -7344,7 +7377,7 @@
         </p:nvSpPr>
         <p:spPr>
           <a:xfrm>
-            <a:off x="7298009" y="4969456"/>
+            <a:off x="8114895" y="1737614"/>
             <a:ext cx="1928528" cy="369332"/>
           </a:xfrm>
           <a:prstGeom prst="rect">
@@ -7374,7 +7407,7 @@
         </p:nvSpPr>
         <p:spPr>
           <a:xfrm>
-            <a:off x="10594886" y="4358417"/>
+            <a:off x="8809460" y="6504893"/>
             <a:ext cx="1928528" cy="369332"/>
           </a:xfrm>
           <a:prstGeom prst="rect">
@@ -7412,7 +7445,7 @@
         </p:nvSpPr>
         <p:spPr>
           <a:xfrm>
-            <a:off x="8664709" y="6360207"/>
+            <a:off x="8402598" y="4125834"/>
             <a:ext cx="1928528" cy="369332"/>
           </a:xfrm>
           <a:prstGeom prst="rect">
@@ -7442,7 +7475,7 @@
         </p:nvSpPr>
         <p:spPr>
           <a:xfrm>
-            <a:off x="6832656" y="3899691"/>
+            <a:off x="6944808" y="1086401"/>
             <a:ext cx="1928528" cy="369332"/>
           </a:xfrm>
           <a:prstGeom prst="rect">
@@ -7461,6 +7494,671 @@
               <a:t>補給ドローン</a:t>
             </a:r>
             <a:endParaRPr kumimoji="1" lang="ja-JP" altLang="en-US" dirty="0"/>
+          </a:p>
+        </p:txBody>
+      </p:sp>
+      <p:pic>
+        <p:nvPicPr>
+          <p:cNvPr id="19" name="図 18"/>
+          <p:cNvPicPr>
+            <a:picLocks noChangeAspect="1"/>
+          </p:cNvPicPr>
+          <p:nvPr/>
+        </p:nvPicPr>
+        <p:blipFill>
+          <a:blip r:embed="rId2" cstate="print">
+            <a:extLst>
+              <a:ext uri="{28A0092B-C50C-407E-A947-70E740481C1C}">
+                <a14:useLocalDpi xmlns:a14="http://schemas.microsoft.com/office/drawing/2010/main" val="0"/>
+              </a:ext>
+            </a:extLst>
+          </a:blip>
+          <a:stretch>
+            <a:fillRect/>
+          </a:stretch>
+        </p:blipFill>
+        <p:spPr>
+          <a:xfrm>
+            <a:off x="11078080" y="2581988"/>
+            <a:ext cx="1152873" cy="1348389"/>
+          </a:xfrm>
+          <a:prstGeom prst="rect">
+            <a:avLst/>
+          </a:prstGeom>
+        </p:spPr>
+      </p:pic>
+      <p:sp>
+        <p:nvSpPr>
+          <p:cNvPr id="20" name="右矢印 19"/>
+          <p:cNvSpPr/>
+          <p:nvPr/>
+        </p:nvSpPr>
+        <p:spPr>
+          <a:xfrm flipH="1">
+            <a:off x="9523631" y="3271501"/>
+            <a:ext cx="1632505" cy="322028"/>
+          </a:xfrm>
+          <a:prstGeom prst="rightArrow">
+            <a:avLst/>
+          </a:prstGeom>
+        </p:spPr>
+        <p:style>
+          <a:lnRef idx="2">
+            <a:schemeClr val="accent1">
+              <a:shade val="50000"/>
+            </a:schemeClr>
+          </a:lnRef>
+          <a:fillRef idx="1">
+            <a:schemeClr val="accent1"/>
+          </a:fillRef>
+          <a:effectRef idx="0">
+            <a:schemeClr val="accent1"/>
+          </a:effectRef>
+          <a:fontRef idx="minor">
+            <a:schemeClr val="lt1"/>
+          </a:fontRef>
+        </p:style>
+        <p:txBody>
+          <a:bodyPr rtlCol="0" anchor="ctr"/>
+          <a:lstStyle/>
+          <a:p>
+            <a:pPr algn="ctr"/>
+            <a:endParaRPr kumimoji="1" lang="ja-JP" altLang="en-US"/>
+          </a:p>
+        </p:txBody>
+      </p:sp>
+      <p:sp>
+        <p:nvSpPr>
+          <p:cNvPr id="21" name="テキスト ボックス 20"/>
+          <p:cNvSpPr txBox="1"/>
+          <p:nvPr/>
+        </p:nvSpPr>
+        <p:spPr>
+          <a:xfrm>
+            <a:off x="10154082" y="2449624"/>
+            <a:ext cx="731385" cy="923330"/>
+          </a:xfrm>
+          <a:prstGeom prst="rect">
+            <a:avLst/>
+          </a:prstGeom>
+          <a:noFill/>
+        </p:spPr>
+        <p:txBody>
+          <a:bodyPr wrap="square" rtlCol="0">
+            <a:spAutoFit/>
+          </a:bodyPr>
+          <a:lstStyle/>
+          <a:p>
+            <a:r>
+              <a:rPr kumimoji="1" lang="ja-JP" altLang="en-US" dirty="0" smtClean="0">
+                <a:solidFill>
+                  <a:srgbClr val="FF0000"/>
+                </a:solidFill>
+              </a:rPr>
+              <a:t>移動</a:t>
+            </a:r>
+            <a:endParaRPr kumimoji="1" lang="en-US" altLang="ja-JP" dirty="0" smtClean="0">
+              <a:solidFill>
+                <a:srgbClr val="FF0000"/>
+              </a:solidFill>
+            </a:endParaRPr>
+          </a:p>
+          <a:p>
+            <a:pPr algn="ctr"/>
+            <a:r>
+              <a:rPr lang="ja-JP" altLang="en-US" dirty="0" smtClean="0">
+                <a:solidFill>
+                  <a:srgbClr val="FF0000"/>
+                </a:solidFill>
+              </a:rPr>
+              <a:t>＆</a:t>
+            </a:r>
+            <a:endParaRPr lang="en-US" altLang="ja-JP" dirty="0" smtClean="0">
+              <a:solidFill>
+                <a:srgbClr val="FF0000"/>
+              </a:solidFill>
+            </a:endParaRPr>
+          </a:p>
+          <a:p>
+            <a:r>
+              <a:rPr kumimoji="1" lang="ja-JP" altLang="en-US" dirty="0">
+                <a:solidFill>
+                  <a:srgbClr val="FF0000"/>
+                </a:solidFill>
+              </a:rPr>
+              <a:t>攻撃</a:t>
+            </a:r>
+            <a:endParaRPr kumimoji="1" lang="ja-JP" altLang="en-US" dirty="0">
+              <a:solidFill>
+                <a:srgbClr val="FF0000"/>
+              </a:solidFill>
+            </a:endParaRPr>
+          </a:p>
+        </p:txBody>
+      </p:sp>
+      <p:sp>
+        <p:nvSpPr>
+          <p:cNvPr id="22" name="テキスト ボックス 21"/>
+          <p:cNvSpPr txBox="1"/>
+          <p:nvPr/>
+        </p:nvSpPr>
+        <p:spPr>
+          <a:xfrm>
+            <a:off x="11502250" y="3966880"/>
+            <a:ext cx="587972" cy="369332"/>
+          </a:xfrm>
+          <a:prstGeom prst="rect">
+            <a:avLst/>
+          </a:prstGeom>
+          <a:noFill/>
+        </p:spPr>
+        <p:txBody>
+          <a:bodyPr wrap="square" rtlCol="0">
+            <a:spAutoFit/>
+          </a:bodyPr>
+          <a:lstStyle/>
+          <a:p>
+            <a:r>
+              <a:rPr lang="ja-JP" altLang="en-US" dirty="0">
+                <a:solidFill>
+                  <a:srgbClr val="FF0000"/>
+                </a:solidFill>
+              </a:rPr>
+              <a:t>敵</a:t>
+            </a:r>
+            <a:endParaRPr kumimoji="1" lang="ja-JP" altLang="en-US" dirty="0">
+              <a:solidFill>
+                <a:srgbClr val="FF0000"/>
+              </a:solidFill>
+            </a:endParaRPr>
+          </a:p>
+        </p:txBody>
+      </p:sp>
+      <p:sp>
+        <p:nvSpPr>
+          <p:cNvPr id="23" name="右矢印 22"/>
+          <p:cNvSpPr/>
+          <p:nvPr/>
+        </p:nvSpPr>
+        <p:spPr>
+          <a:xfrm rot="7807429" flipH="1">
+            <a:off x="8831631" y="2173406"/>
+            <a:ext cx="1531065" cy="313469"/>
+          </a:xfrm>
+          <a:prstGeom prst="rightArrow">
+            <a:avLst/>
+          </a:prstGeom>
+          <a:solidFill>
+            <a:schemeClr val="tx1"/>
+          </a:solidFill>
+          <a:ln>
+            <a:solidFill>
+              <a:schemeClr val="tx1"/>
+            </a:solidFill>
+          </a:ln>
+        </p:spPr>
+        <p:style>
+          <a:lnRef idx="2">
+            <a:schemeClr val="accent1">
+              <a:shade val="50000"/>
+            </a:schemeClr>
+          </a:lnRef>
+          <a:fillRef idx="1">
+            <a:schemeClr val="accent1"/>
+          </a:fillRef>
+          <a:effectRef idx="0">
+            <a:schemeClr val="accent1"/>
+          </a:effectRef>
+          <a:fontRef idx="minor">
+            <a:schemeClr val="lt1"/>
+          </a:fontRef>
+        </p:style>
+        <p:txBody>
+          <a:bodyPr rtlCol="0" anchor="ctr"/>
+          <a:lstStyle/>
+          <a:p>
+            <a:pPr algn="ctr"/>
+            <a:endParaRPr kumimoji="1" lang="ja-JP" altLang="en-US"/>
+          </a:p>
+        </p:txBody>
+      </p:sp>
+      <p:sp>
+        <p:nvSpPr>
+          <p:cNvPr id="24" name="テキスト ボックス 23"/>
+          <p:cNvSpPr txBox="1"/>
+          <p:nvPr/>
+        </p:nvSpPr>
+        <p:spPr>
+          <a:xfrm>
+            <a:off x="9795470" y="4125834"/>
+            <a:ext cx="775224" cy="369332"/>
+          </a:xfrm>
+          <a:prstGeom prst="rect">
+            <a:avLst/>
+          </a:prstGeom>
+          <a:noFill/>
+        </p:spPr>
+        <p:txBody>
+          <a:bodyPr wrap="square" rtlCol="0">
+            <a:spAutoFit/>
+          </a:bodyPr>
+          <a:lstStyle/>
+          <a:p>
+            <a:r>
+              <a:rPr lang="ja-JP" altLang="en-US" dirty="0"/>
+              <a:t>倒す</a:t>
+            </a:r>
+            <a:endParaRPr kumimoji="1" lang="ja-JP" altLang="en-US" dirty="0"/>
+          </a:p>
+        </p:txBody>
+      </p:sp>
+      <p:pic>
+        <p:nvPicPr>
+          <p:cNvPr id="25" name="図 24"/>
+          <p:cNvPicPr>
+            <a:picLocks noChangeAspect="1"/>
+          </p:cNvPicPr>
+          <p:nvPr/>
+        </p:nvPicPr>
+        <p:blipFill>
+          <a:blip r:embed="rId2" cstate="print">
+            <a:extLst>
+              <a:ext uri="{28A0092B-C50C-407E-A947-70E740481C1C}">
+                <a14:useLocalDpi xmlns:a14="http://schemas.microsoft.com/office/drawing/2010/main" val="0"/>
+              </a:ext>
+            </a:extLst>
+          </a:blip>
+          <a:stretch>
+            <a:fillRect/>
+          </a:stretch>
+        </p:blipFill>
+        <p:spPr>
+          <a:xfrm>
+            <a:off x="5868153" y="3766039"/>
+            <a:ext cx="1152873" cy="1348389"/>
+          </a:xfrm>
+          <a:prstGeom prst="rect">
+            <a:avLst/>
+          </a:prstGeom>
+        </p:spPr>
+      </p:pic>
+      <p:sp>
+        <p:nvSpPr>
+          <p:cNvPr id="27" name="テキスト ボックス 26"/>
+          <p:cNvSpPr txBox="1"/>
+          <p:nvPr/>
+        </p:nvSpPr>
+        <p:spPr>
+          <a:xfrm>
+            <a:off x="6176353" y="5236214"/>
+            <a:ext cx="615385" cy="369332"/>
+          </a:xfrm>
+          <a:prstGeom prst="rect">
+            <a:avLst/>
+          </a:prstGeom>
+          <a:noFill/>
+        </p:spPr>
+        <p:txBody>
+          <a:bodyPr wrap="square" rtlCol="0">
+            <a:spAutoFit/>
+          </a:bodyPr>
+          <a:lstStyle/>
+          <a:p>
+            <a:r>
+              <a:rPr lang="ja-JP" altLang="en-US" dirty="0">
+                <a:solidFill>
+                  <a:srgbClr val="FF0000"/>
+                </a:solidFill>
+              </a:rPr>
+              <a:t>敵</a:t>
+            </a:r>
+            <a:endParaRPr kumimoji="1" lang="ja-JP" altLang="en-US" dirty="0">
+              <a:solidFill>
+                <a:srgbClr val="FF0000"/>
+              </a:solidFill>
+            </a:endParaRPr>
+          </a:p>
+        </p:txBody>
+      </p:sp>
+      <p:pic>
+        <p:nvPicPr>
+          <p:cNvPr id="28" name="図 27"/>
+          <p:cNvPicPr>
+            <a:picLocks noChangeAspect="1"/>
+          </p:cNvPicPr>
+          <p:nvPr/>
+        </p:nvPicPr>
+        <p:blipFill>
+          <a:blip r:embed="rId2" cstate="print">
+            <a:extLst>
+              <a:ext uri="{28A0092B-C50C-407E-A947-70E740481C1C}">
+                <a14:useLocalDpi xmlns:a14="http://schemas.microsoft.com/office/drawing/2010/main" val="0"/>
+              </a:ext>
+            </a:extLst>
+          </a:blip>
+          <a:stretch>
+            <a:fillRect/>
+          </a:stretch>
+        </p:blipFill>
+        <p:spPr>
+          <a:xfrm>
+            <a:off x="9675137" y="341772"/>
+            <a:ext cx="1152873" cy="1348389"/>
+          </a:xfrm>
+          <a:prstGeom prst="rect">
+            <a:avLst/>
+          </a:prstGeom>
+        </p:spPr>
+      </p:pic>
+      <p:sp>
+        <p:nvSpPr>
+          <p:cNvPr id="29" name="テキスト ボックス 28"/>
+          <p:cNvSpPr txBox="1"/>
+          <p:nvPr/>
+        </p:nvSpPr>
+        <p:spPr>
+          <a:xfrm>
+            <a:off x="10085525" y="1735232"/>
+            <a:ext cx="615385" cy="369332"/>
+          </a:xfrm>
+          <a:prstGeom prst="rect">
+            <a:avLst/>
+          </a:prstGeom>
+          <a:noFill/>
+        </p:spPr>
+        <p:txBody>
+          <a:bodyPr wrap="square" rtlCol="0">
+            <a:spAutoFit/>
+          </a:bodyPr>
+          <a:lstStyle/>
+          <a:p>
+            <a:r>
+              <a:rPr lang="ja-JP" altLang="en-US" dirty="0">
+                <a:solidFill>
+                  <a:srgbClr val="FF0000"/>
+                </a:solidFill>
+              </a:rPr>
+              <a:t>敵</a:t>
+            </a:r>
+            <a:endParaRPr kumimoji="1" lang="ja-JP" altLang="en-US" dirty="0">
+              <a:solidFill>
+                <a:srgbClr val="FF0000"/>
+              </a:solidFill>
+            </a:endParaRPr>
+          </a:p>
+        </p:txBody>
+      </p:sp>
+      <p:sp>
+        <p:nvSpPr>
+          <p:cNvPr id="30" name="右矢印 29"/>
+          <p:cNvSpPr/>
+          <p:nvPr/>
+        </p:nvSpPr>
+        <p:spPr>
+          <a:xfrm rot="18542314" flipH="1">
+            <a:off x="9058841" y="2526086"/>
+            <a:ext cx="1420598" cy="351584"/>
+          </a:xfrm>
+          <a:prstGeom prst="rightArrow">
+            <a:avLst/>
+          </a:prstGeom>
+        </p:spPr>
+        <p:style>
+          <a:lnRef idx="2">
+            <a:schemeClr val="accent1">
+              <a:shade val="50000"/>
+            </a:schemeClr>
+          </a:lnRef>
+          <a:fillRef idx="1">
+            <a:schemeClr val="accent1"/>
+          </a:fillRef>
+          <a:effectRef idx="0">
+            <a:schemeClr val="accent1"/>
+          </a:effectRef>
+          <a:fontRef idx="minor">
+            <a:schemeClr val="lt1"/>
+          </a:fontRef>
+        </p:style>
+        <p:txBody>
+          <a:bodyPr rtlCol="0" anchor="ctr"/>
+          <a:lstStyle/>
+          <a:p>
+            <a:pPr algn="ctr"/>
+            <a:endParaRPr kumimoji="1" lang="ja-JP" altLang="en-US"/>
+          </a:p>
+        </p:txBody>
+      </p:sp>
+      <p:sp>
+        <p:nvSpPr>
+          <p:cNvPr id="31" name="右矢印 30"/>
+          <p:cNvSpPr/>
+          <p:nvPr/>
+        </p:nvSpPr>
+        <p:spPr>
+          <a:xfrm rot="421682" flipH="1">
+            <a:off x="8177770" y="680558"/>
+            <a:ext cx="1576360" cy="342152"/>
+          </a:xfrm>
+          <a:prstGeom prst="rightArrow">
+            <a:avLst/>
+          </a:prstGeom>
+        </p:spPr>
+        <p:style>
+          <a:lnRef idx="2">
+            <a:schemeClr val="accent1">
+              <a:shade val="50000"/>
+            </a:schemeClr>
+          </a:lnRef>
+          <a:fillRef idx="1">
+            <a:schemeClr val="accent1"/>
+          </a:fillRef>
+          <a:effectRef idx="0">
+            <a:schemeClr val="accent1"/>
+          </a:effectRef>
+          <a:fontRef idx="minor">
+            <a:schemeClr val="lt1"/>
+          </a:fontRef>
+        </p:style>
+        <p:txBody>
+          <a:bodyPr rtlCol="0" anchor="ctr"/>
+          <a:lstStyle/>
+          <a:p>
+            <a:pPr algn="ctr"/>
+            <a:endParaRPr kumimoji="1" lang="ja-JP" altLang="en-US"/>
+          </a:p>
+        </p:txBody>
+      </p:sp>
+      <p:sp>
+        <p:nvSpPr>
+          <p:cNvPr id="33" name="右矢印 32"/>
+          <p:cNvSpPr/>
+          <p:nvPr/>
+        </p:nvSpPr>
+        <p:spPr>
+          <a:xfrm rot="10800000" flipH="1">
+            <a:off x="9361445" y="3684113"/>
+            <a:ext cx="1794692" cy="320735"/>
+          </a:xfrm>
+          <a:prstGeom prst="rightArrow">
+            <a:avLst/>
+          </a:prstGeom>
+          <a:solidFill>
+            <a:schemeClr val="tx1"/>
+          </a:solidFill>
+          <a:ln>
+            <a:solidFill>
+              <a:schemeClr val="tx1"/>
+            </a:solidFill>
+          </a:ln>
+        </p:spPr>
+        <p:style>
+          <a:lnRef idx="2">
+            <a:schemeClr val="accent1">
+              <a:shade val="50000"/>
+            </a:schemeClr>
+          </a:lnRef>
+          <a:fillRef idx="1">
+            <a:schemeClr val="accent1"/>
+          </a:fillRef>
+          <a:effectRef idx="0">
+            <a:schemeClr val="accent1"/>
+          </a:effectRef>
+          <a:fontRef idx="minor">
+            <a:schemeClr val="lt1"/>
+          </a:fontRef>
+        </p:style>
+        <p:txBody>
+          <a:bodyPr rtlCol="0" anchor="ctr"/>
+          <a:lstStyle/>
+          <a:p>
+            <a:pPr algn="ctr"/>
+            <a:endParaRPr kumimoji="1" lang="ja-JP" altLang="en-US"/>
+          </a:p>
+        </p:txBody>
+      </p:sp>
+      <p:sp>
+        <p:nvSpPr>
+          <p:cNvPr id="34" name="テキスト ボックス 33"/>
+          <p:cNvSpPr txBox="1"/>
+          <p:nvPr/>
+        </p:nvSpPr>
+        <p:spPr>
+          <a:xfrm>
+            <a:off x="8984694" y="1974234"/>
+            <a:ext cx="1928528" cy="369332"/>
+          </a:xfrm>
+          <a:prstGeom prst="rect">
+            <a:avLst/>
+          </a:prstGeom>
+          <a:noFill/>
+        </p:spPr>
+        <p:txBody>
+          <a:bodyPr wrap="square" rtlCol="0">
+            <a:spAutoFit/>
+          </a:bodyPr>
+          <a:lstStyle/>
+          <a:p>
+            <a:r>
+              <a:rPr lang="ja-JP" altLang="en-US" dirty="0"/>
+              <a:t>倒す</a:t>
+            </a:r>
+            <a:endParaRPr kumimoji="1" lang="ja-JP" altLang="en-US" dirty="0"/>
+          </a:p>
+        </p:txBody>
+      </p:sp>
+      <p:sp>
+        <p:nvSpPr>
+          <p:cNvPr id="35" name="右矢印 34"/>
+          <p:cNvSpPr/>
+          <p:nvPr/>
+        </p:nvSpPr>
+        <p:spPr>
+          <a:xfrm rot="20645620" flipH="1">
+            <a:off x="6712520" y="3574682"/>
+            <a:ext cx="1585977" cy="363259"/>
+          </a:xfrm>
+          <a:prstGeom prst="rightArrow">
+            <a:avLst/>
+          </a:prstGeom>
+          <a:solidFill>
+            <a:schemeClr val="tx1"/>
+          </a:solidFill>
+          <a:ln>
+            <a:solidFill>
+              <a:schemeClr val="tx1"/>
+            </a:solidFill>
+          </a:ln>
+        </p:spPr>
+        <p:style>
+          <a:lnRef idx="2">
+            <a:schemeClr val="accent1">
+              <a:shade val="50000"/>
+            </a:schemeClr>
+          </a:lnRef>
+          <a:fillRef idx="1">
+            <a:schemeClr val="accent1"/>
+          </a:fillRef>
+          <a:effectRef idx="0">
+            <a:schemeClr val="accent1"/>
+          </a:effectRef>
+          <a:fontRef idx="minor">
+            <a:schemeClr val="lt1"/>
+          </a:fontRef>
+        </p:style>
+        <p:txBody>
+          <a:bodyPr rtlCol="0" anchor="ctr"/>
+          <a:lstStyle/>
+          <a:p>
+            <a:pPr algn="ctr"/>
+            <a:endParaRPr kumimoji="1" lang="ja-JP" altLang="en-US"/>
+          </a:p>
+        </p:txBody>
+      </p:sp>
+      <p:sp>
+        <p:nvSpPr>
+          <p:cNvPr id="36" name="テキスト ボックス 35"/>
+          <p:cNvSpPr txBox="1"/>
+          <p:nvPr/>
+        </p:nvSpPr>
+        <p:spPr>
+          <a:xfrm>
+            <a:off x="7060818" y="3284480"/>
+            <a:ext cx="1928528" cy="369332"/>
+          </a:xfrm>
+          <a:prstGeom prst="rect">
+            <a:avLst/>
+          </a:prstGeom>
+          <a:noFill/>
+        </p:spPr>
+        <p:txBody>
+          <a:bodyPr wrap="square" rtlCol="0">
+            <a:spAutoFit/>
+          </a:bodyPr>
+          <a:lstStyle/>
+          <a:p>
+            <a:r>
+              <a:rPr lang="ja-JP" altLang="en-US" dirty="0"/>
+              <a:t>倒す</a:t>
+            </a:r>
+            <a:endParaRPr kumimoji="1" lang="ja-JP" altLang="en-US" dirty="0"/>
+          </a:p>
+        </p:txBody>
+      </p:sp>
+      <p:sp>
+        <p:nvSpPr>
+          <p:cNvPr id="37" name="テキスト ボックス 36"/>
+          <p:cNvSpPr txBox="1"/>
+          <p:nvPr/>
+        </p:nvSpPr>
+        <p:spPr>
+          <a:xfrm>
+            <a:off x="8649341" y="1016901"/>
+            <a:ext cx="731385" cy="369332"/>
+          </a:xfrm>
+          <a:prstGeom prst="rect">
+            <a:avLst/>
+          </a:prstGeom>
+          <a:noFill/>
+        </p:spPr>
+        <p:txBody>
+          <a:bodyPr wrap="square" rtlCol="0">
+            <a:spAutoFit/>
+          </a:bodyPr>
+          <a:lstStyle/>
+          <a:p>
+            <a:r>
+              <a:rPr kumimoji="1" lang="ja-JP" altLang="en-US" dirty="0" smtClean="0">
+                <a:solidFill>
+                  <a:srgbClr val="FF0000"/>
+                </a:solidFill>
+              </a:rPr>
+              <a:t>攻撃</a:t>
+            </a:r>
+            <a:endParaRPr kumimoji="1" lang="ja-JP" altLang="en-US" dirty="0">
+              <a:solidFill>
+                <a:srgbClr val="FF0000"/>
+              </a:solidFill>
+            </a:endParaRPr>
           </a:p>
         </p:txBody>
       </p:sp>
@@ -7535,52 +8233,87 @@
         <p:spPr>
           <a:xfrm>
             <a:off x="646111" y="1138518"/>
-            <a:ext cx="8946541" cy="4195481"/>
+            <a:ext cx="11410171" cy="4195481"/>
           </a:xfrm>
         </p:spPr>
         <p:txBody>
           <a:bodyPr/>
           <a:lstStyle/>
           <a:p>
+            <a:pPr marL="0" indent="0">
+              <a:buNone/>
+            </a:pPr>
+            <a:r>
+              <a:rPr lang="ja-JP" altLang="en-US" dirty="0" smtClean="0"/>
+              <a:t>キーボード</a:t>
+            </a:r>
+            <a:r>
+              <a:rPr lang="en-US" altLang="ja-JP" dirty="0" smtClean="0"/>
+              <a:t>											</a:t>
+            </a:r>
+            <a:r>
+              <a:rPr lang="ja-JP" altLang="en-US" dirty="0" smtClean="0"/>
+              <a:t>マウス</a:t>
+            </a:r>
+            <a:endParaRPr lang="en-US" altLang="ja-JP" dirty="0" smtClean="0"/>
+          </a:p>
+          <a:p>
+            <a:r>
+              <a:rPr lang="ja-JP" altLang="en-US" dirty="0" smtClean="0"/>
+              <a:t>移動</a:t>
+            </a:r>
             <a:r>
               <a:rPr lang="ja-JP" altLang="en-US" dirty="0"/>
-              <a:t>視点操作：マウス</a:t>
+              <a:t>：</a:t>
+            </a:r>
+            <a:r>
+              <a:rPr lang="en-US" altLang="ja-JP" dirty="0" smtClean="0"/>
+              <a:t>WASD									</a:t>
+            </a:r>
+            <a:r>
+              <a:rPr lang="ja-JP" altLang="en-US" dirty="0" smtClean="0"/>
+              <a:t>アイテム</a:t>
+            </a:r>
+            <a:r>
+              <a:rPr lang="ja-JP" altLang="en-US" dirty="0"/>
+              <a:t>回収＆インタラクト：</a:t>
+            </a:r>
+            <a:r>
+              <a:rPr lang="en-US" altLang="ja-JP" dirty="0" smtClean="0"/>
+              <a:t>E	</a:t>
             </a:r>
             <a:endParaRPr lang="en-US" altLang="ja-JP" dirty="0"/>
           </a:p>
           <a:p>
             <a:r>
+              <a:rPr lang="ja-JP" altLang="en-US" dirty="0" smtClean="0"/>
+              <a:t>攻撃</a:t>
+            </a:r>
+            <a:r>
               <a:rPr lang="ja-JP" altLang="en-US" dirty="0"/>
-              <a:t>攻撃：マウス左クリック</a:t>
+              <a:t>：マウス左</a:t>
+            </a:r>
+            <a:r>
+              <a:rPr lang="ja-JP" altLang="en-US" dirty="0" smtClean="0"/>
+              <a:t>クリック</a:t>
+            </a:r>
+            <a:r>
+              <a:rPr lang="en-US" altLang="ja-JP" dirty="0" smtClean="0"/>
+              <a:t>							</a:t>
+            </a:r>
+            <a:r>
+              <a:rPr lang="ja-JP" altLang="en-US" dirty="0" smtClean="0"/>
+              <a:t>インベントリ</a:t>
+            </a:r>
+            <a:r>
+              <a:rPr lang="ja-JP" altLang="en-US" dirty="0"/>
+              <a:t>切り替え：</a:t>
+            </a:r>
+            <a:r>
+              <a:rPr lang="ja-JP" altLang="en-US" dirty="0" smtClean="0"/>
+              <a:t>マウスホイール</a:t>
             </a:r>
             <a:endParaRPr lang="en-US" altLang="ja-JP" dirty="0"/>
-          </a:p>
-          <a:p>
-            <a:r>
-              <a:rPr lang="ja-JP" altLang="en-US" dirty="0"/>
-              <a:t>インベントリ切り替え：マウスホイール</a:t>
-            </a:r>
-            <a:endParaRPr lang="en-US" altLang="ja-JP" dirty="0"/>
-          </a:p>
-          <a:p>
-            <a:r>
-              <a:rPr lang="ja-JP" altLang="en-US" dirty="0"/>
-              <a:t>移動：</a:t>
-            </a:r>
-            <a:r>
-              <a:rPr lang="en-US" altLang="ja-JP" dirty="0"/>
-              <a:t>WASD</a:t>
-            </a:r>
-          </a:p>
-          <a:p>
-            <a:r>
-              <a:rPr kumimoji="1" lang="ja-JP" altLang="en-US" dirty="0"/>
-              <a:t>アイテム回収＆インタラクト：</a:t>
-            </a:r>
-            <a:r>
-              <a:rPr kumimoji="1" lang="en-US" altLang="ja-JP" dirty="0"/>
-              <a:t>E</a:t>
-            </a:r>
           </a:p>
           <a:p>
             <a:r>
@@ -7588,10 +8321,10 @@
               <a:t>武器切り替え：</a:t>
             </a:r>
             <a:r>
-              <a:rPr lang="en-US" altLang="ja-JP" dirty="0"/>
-              <a:t>Q</a:t>
-            </a:r>
-            <a:endParaRPr kumimoji="1" lang="ja-JP" altLang="en-US" dirty="0"/>
+              <a:rPr lang="en-US" altLang="ja-JP" dirty="0" smtClean="0"/>
+              <a:t>Q								</a:t>
+            </a:r>
+            <a:endParaRPr lang="ja-JP" altLang="en-US" dirty="0" smtClean="0"/>
           </a:p>
         </p:txBody>
       </p:sp>
